--- a/main/images/overview.pptx
+++ b/main/images/overview.pptx
@@ -269,7 +269,7 @@
           <a:p>
             <a:fld id="{008FFADC-39A7-449E-8C68-8776E6FB3C1A}" type="datetimeFigureOut">
               <a:rPr lang="en-GB" smtClean="0"/>
-              <a:t>26/02/2025</a:t>
+              <a:t>05/03/2025</a:t>
             </a:fld>
             <a:endParaRPr lang="en-GB"/>
           </a:p>
@@ -446,7 +446,7 @@
           <a:p>
             <a:fld id="{30B9BAAB-B703-4BB5-9D08-B460FC03C23A}" type="datetimeFigureOut">
               <a:rPr lang="en-GB" smtClean="0"/>
-              <a:t>26/02/2025</a:t>
+              <a:t>05/03/2025</a:t>
             </a:fld>
             <a:endParaRPr lang="en-GB"/>
           </a:p>
@@ -6637,7 +6637,7 @@
           </a:prstGeom>
           <a:solidFill>
             <a:schemeClr val="bg1">
-              <a:lumMod val="50000"/>
+              <a:lumMod val="75000"/>
               <a:alpha val="35000"/>
             </a:schemeClr>
           </a:solidFill>
@@ -6751,7 +6751,7 @@
           </a:prstGeom>
           <a:solidFill>
             <a:schemeClr val="bg1">
-              <a:lumMod val="50000"/>
+              <a:lumMod val="75000"/>
               <a:alpha val="35000"/>
             </a:schemeClr>
           </a:solidFill>
@@ -10049,7 +10049,7 @@
               <a:defRPr/>
             </a:pPr>
             <a:r>
-              <a:rPr kumimoji="0" lang="en-GB" sz="1100" b="0" i="0" u="none" strike="noStrike" kern="1200" cap="none" spc="0" normalizeH="0" baseline="0" noProof="0">
+              <a:rPr kumimoji="0" lang="en-GB" sz="1100" b="0" i="0" u="none" strike="noStrike" kern="1200" cap="none" spc="0" normalizeH="0" baseline="0" noProof="0" dirty="0">
                 <a:ln>
                   <a:noFill/>
                 </a:ln>
@@ -15250,7 +15250,7 @@
           </a:prstGeom>
           <a:solidFill>
             <a:schemeClr val="bg1">
-              <a:lumMod val="50000"/>
+              <a:lumMod val="75000"/>
               <a:alpha val="35000"/>
             </a:schemeClr>
           </a:solidFill>
@@ -17512,10 +17512,10 @@
       </p:grpSpPr>
       <p:sp>
         <p:nvSpPr>
-          <p:cNvPr id="25" name="Down Arrow 26">
+          <p:cNvPr id="13" name="Rectangle 12">
             <a:extLst>
               <a:ext uri="{FF2B5EF4-FFF2-40B4-BE49-F238E27FC236}">
-                <a16:creationId xmlns:a16="http://schemas.microsoft.com/office/drawing/2014/main" id="{BDAF474E-A91E-0992-8FA2-D3BBE9D16013}"/>
+                <a16:creationId xmlns:a16="http://schemas.microsoft.com/office/drawing/2014/main" id="{1A98AAAD-88E6-0C10-AEB3-48717A7579D4}"/>
               </a:ext>
             </a:extLst>
           </p:cNvPr>
@@ -17524,282 +17524,8 @@
         </p:nvSpPr>
         <p:spPr>
           <a:xfrm>
-            <a:off x="7296629" y="2783192"/>
-            <a:ext cx="752474" cy="1914244"/>
-          </a:xfrm>
-          <a:prstGeom prst="downArrow">
-            <a:avLst>
-              <a:gd name="adj1" fmla="val 50000"/>
-              <a:gd name="adj2" fmla="val 21225"/>
-            </a:avLst>
-          </a:prstGeom>
-          <a:solidFill>
-            <a:schemeClr val="accent6">
-              <a:lumMod val="60000"/>
-              <a:lumOff val="40000"/>
-            </a:schemeClr>
-          </a:solidFill>
-          <a:ln w="9525" cap="flat" cmpd="sng" algn="ctr">
-            <a:noFill/>
-            <a:prstDash val="solid"/>
-          </a:ln>
-          <a:effectLst/>
-        </p:spPr>
-        <p:txBody>
-          <a:bodyPr lIns="91396" tIns="45699" rIns="91396" bIns="45699" rtlCol="0" anchor="ctr"/>
-          <a:lstStyle/>
-          <a:p>
-            <a:pPr algn="ctr" defTabSz="456936" eaLnBrk="1" fontAlgn="auto" hangingPunct="1">
-              <a:spcBef>
-                <a:spcPts val="0"/>
-              </a:spcBef>
-              <a:spcAft>
-                <a:spcPts val="0"/>
-              </a:spcAft>
-              <a:defRPr/>
-            </a:pPr>
-            <a:endParaRPr lang="en-GB" sz="1467" kern="0">
-              <a:solidFill>
-                <a:srgbClr val="FFFFFF"/>
-              </a:solidFill>
-              <a:latin typeface="+mn-lt"/>
-            </a:endParaRPr>
-          </a:p>
-        </p:txBody>
-      </p:sp>
-      <p:sp>
-        <p:nvSpPr>
-          <p:cNvPr id="2" name="Title 1">
-            <a:extLst>
-              <a:ext uri="{FF2B5EF4-FFF2-40B4-BE49-F238E27FC236}">
-                <a16:creationId xmlns:a16="http://schemas.microsoft.com/office/drawing/2014/main" id="{477FBFC7-FB37-D797-EEB0-A32B1C58EE8E}"/>
-              </a:ext>
-            </a:extLst>
-          </p:cNvPr>
-          <p:cNvSpPr>
-            <a:spLocks noGrp="1"/>
-          </p:cNvSpPr>
-          <p:nvPr>
-            <p:ph type="title"/>
-          </p:nvPr>
-        </p:nvSpPr>
-        <p:spPr>
-          <a:xfrm>
-            <a:off x="547437" y="195251"/>
-            <a:ext cx="11233150" cy="512830"/>
-          </a:xfrm>
-        </p:spPr>
-        <p:txBody>
-          <a:bodyPr/>
-          <a:lstStyle/>
-          <a:p>
-            <a:r>
-              <a:rPr lang="en-US"/>
-              <a:t>SDS-Framework: Record Real-world Data and Playback to AVH</a:t>
-            </a:r>
-          </a:p>
-        </p:txBody>
-      </p:sp>
-      <p:sp>
-        <p:nvSpPr>
-          <p:cNvPr id="5" name="Down Arrow 26">
-            <a:extLst>
-              <a:ext uri="{FF2B5EF4-FFF2-40B4-BE49-F238E27FC236}">
-                <a16:creationId xmlns:a16="http://schemas.microsoft.com/office/drawing/2014/main" id="{7A38048A-BCBC-CF76-8D8B-2CB114EC692E}"/>
-              </a:ext>
-            </a:extLst>
-          </p:cNvPr>
-          <p:cNvSpPr/>
-          <p:nvPr/>
-        </p:nvSpPr>
-        <p:spPr>
-          <a:xfrm rot="10800000">
-            <a:off x="9794903" y="3554537"/>
-            <a:ext cx="752474" cy="1042591"/>
-          </a:xfrm>
-          <a:prstGeom prst="downArrow">
-            <a:avLst>
-              <a:gd name="adj1" fmla="val 50000"/>
-              <a:gd name="adj2" fmla="val 21225"/>
-            </a:avLst>
-          </a:prstGeom>
-          <a:solidFill>
-            <a:schemeClr val="accent6">
-              <a:lumMod val="60000"/>
-              <a:lumOff val="40000"/>
-            </a:schemeClr>
-          </a:solidFill>
-          <a:ln w="9525" cap="flat" cmpd="sng" algn="ctr">
-            <a:noFill/>
-            <a:prstDash val="solid"/>
-          </a:ln>
-          <a:effectLst/>
-        </p:spPr>
-        <p:txBody>
-          <a:bodyPr lIns="91396" tIns="45699" rIns="91396" bIns="45699" rtlCol="0" anchor="ctr"/>
-          <a:lstStyle/>
-          <a:p>
-            <a:pPr algn="ctr" defTabSz="456936" eaLnBrk="1" fontAlgn="auto" hangingPunct="1">
-              <a:spcBef>
-                <a:spcPts val="0"/>
-              </a:spcBef>
-              <a:spcAft>
-                <a:spcPts val="0"/>
-              </a:spcAft>
-              <a:defRPr/>
-            </a:pPr>
-            <a:endParaRPr lang="en-GB" sz="1467" kern="0">
-              <a:solidFill>
-                <a:srgbClr val="FFFFFF"/>
-              </a:solidFill>
-              <a:latin typeface="+mn-lt"/>
-            </a:endParaRPr>
-          </a:p>
-        </p:txBody>
-      </p:sp>
-      <p:sp>
-        <p:nvSpPr>
-          <p:cNvPr id="6" name="Down Arrow 26">
-            <a:extLst>
-              <a:ext uri="{FF2B5EF4-FFF2-40B4-BE49-F238E27FC236}">
-                <a16:creationId xmlns:a16="http://schemas.microsoft.com/office/drawing/2014/main" id="{2BE978FC-DCDF-4969-4555-97BC206B2061}"/>
-              </a:ext>
-            </a:extLst>
-          </p:cNvPr>
-          <p:cNvSpPr/>
-          <p:nvPr/>
-        </p:nvSpPr>
-        <p:spPr>
-          <a:xfrm rot="10800000">
-            <a:off x="5119038" y="3618390"/>
-            <a:ext cx="752474" cy="978738"/>
-          </a:xfrm>
-          <a:prstGeom prst="downArrow">
-            <a:avLst>
-              <a:gd name="adj1" fmla="val 50000"/>
-              <a:gd name="adj2" fmla="val 21225"/>
-            </a:avLst>
-          </a:prstGeom>
-          <a:solidFill>
-            <a:schemeClr val="accent6">
-              <a:lumMod val="60000"/>
-              <a:lumOff val="40000"/>
-            </a:schemeClr>
-          </a:solidFill>
-          <a:ln w="9525" cap="flat" cmpd="sng" algn="ctr">
-            <a:noFill/>
-            <a:prstDash val="solid"/>
-          </a:ln>
-          <a:effectLst/>
-        </p:spPr>
-        <p:txBody>
-          <a:bodyPr lIns="91396" tIns="45699" rIns="91396" bIns="45699" rtlCol="0" anchor="ctr"/>
-          <a:lstStyle/>
-          <a:p>
-            <a:pPr algn="ctr" defTabSz="456936" eaLnBrk="1" fontAlgn="auto" hangingPunct="1">
-              <a:spcBef>
-                <a:spcPts val="0"/>
-              </a:spcBef>
-              <a:spcAft>
-                <a:spcPts val="0"/>
-              </a:spcAft>
-              <a:defRPr/>
-            </a:pPr>
-            <a:endParaRPr lang="en-GB" sz="1467" kern="0">
-              <a:solidFill>
-                <a:srgbClr val="FFFFFF"/>
-              </a:solidFill>
-              <a:latin typeface="+mn-lt"/>
-            </a:endParaRPr>
-          </a:p>
-        </p:txBody>
-      </p:sp>
-      <p:sp>
-        <p:nvSpPr>
-          <p:cNvPr id="10" name="Rectangle 9">
-            <a:extLst>
-              <a:ext uri="{FF2B5EF4-FFF2-40B4-BE49-F238E27FC236}">
-                <a16:creationId xmlns:a16="http://schemas.microsoft.com/office/drawing/2014/main" id="{C50920E3-5DD6-01F3-B1A5-92118B18437D}"/>
-              </a:ext>
-            </a:extLst>
-          </p:cNvPr>
-          <p:cNvSpPr/>
-          <p:nvPr/>
-        </p:nvSpPr>
-        <p:spPr>
-          <a:xfrm>
-            <a:off x="9395250" y="3895983"/>
-            <a:ext cx="1576078" cy="503606"/>
-          </a:xfrm>
-          <a:prstGeom prst="rect">
-            <a:avLst/>
-          </a:prstGeom>
-          <a:solidFill>
-            <a:schemeClr val="accent5">
-              <a:lumMod val="50000"/>
-            </a:schemeClr>
-          </a:solidFill>
-          <a:ln w="9525" cap="flat" cmpd="sng" algn="ctr">
-            <a:noFill/>
-            <a:prstDash val="solid"/>
-          </a:ln>
-          <a:effectLst/>
-        </p:spPr>
-        <p:txBody>
-          <a:bodyPr lIns="35985" tIns="45699" rIns="35985" bIns="45699" rtlCol="0" anchor="ctr"/>
-          <a:lstStyle/>
-          <a:p>
-            <a:pPr algn="ctr" defTabSz="456936">
-              <a:defRPr/>
-            </a:pPr>
-            <a:r>
-              <a:rPr lang="en-US" sz="1100" dirty="0">
-                <a:solidFill>
-                  <a:srgbClr val="FFFFFF"/>
-                </a:solidFill>
-                <a:latin typeface="Aeonik" panose="020B0503030300000000" pitchFamily="34" charset="0"/>
-                <a:cs typeface="Calibri" panose="020F0502020204030204" pitchFamily="34" charset="0"/>
-              </a:rPr>
-              <a:t>Semihosting</a:t>
-            </a:r>
-            <a:br>
-              <a:rPr lang="en-US" sz="1100" dirty="0">
-                <a:solidFill>
-                  <a:srgbClr val="FFFFFF"/>
-                </a:solidFill>
-                <a:latin typeface="Aeonik" panose="020B0503030300000000" pitchFamily="34" charset="0"/>
-                <a:cs typeface="Calibri" panose="020F0502020204030204" pitchFamily="34" charset="0"/>
-              </a:rPr>
-            </a:br>
-            <a:r>
-              <a:rPr lang="en-US" sz="1100" dirty="0">
-                <a:solidFill>
-                  <a:srgbClr val="FFFFFF"/>
-                </a:solidFill>
-                <a:latin typeface="Aeonik" panose="020B0503030300000000" pitchFamily="34" charset="0"/>
-                <a:cs typeface="Calibri" panose="020F0502020204030204" pitchFamily="34" charset="0"/>
-              </a:rPr>
-              <a:t>Interface</a:t>
-            </a:r>
-          </a:p>
-        </p:txBody>
-      </p:sp>
-      <p:sp>
-        <p:nvSpPr>
-          <p:cNvPr id="12" name="Rectangle 11">
-            <a:extLst>
-              <a:ext uri="{FF2B5EF4-FFF2-40B4-BE49-F238E27FC236}">
-                <a16:creationId xmlns:a16="http://schemas.microsoft.com/office/drawing/2014/main" id="{8DA0B430-5BE2-2F85-F9B6-9C6775666444}"/>
-              </a:ext>
-            </a:extLst>
-          </p:cNvPr>
-          <p:cNvSpPr/>
-          <p:nvPr/>
-        </p:nvSpPr>
-        <p:spPr>
-          <a:xfrm>
-            <a:off x="4105071" y="3813992"/>
-            <a:ext cx="2428981" cy="666290"/>
+            <a:off x="4617396" y="1630412"/>
+            <a:ext cx="3936459" cy="1665991"/>
           </a:xfrm>
           <a:prstGeom prst="rect">
             <a:avLst/>
@@ -17832,49 +17558,11 @@
               </a:spcAft>
               <a:defRPr/>
             </a:pPr>
-            <a:r>
-              <a:rPr lang="en-US" sz="1200" kern="0" dirty="0">
-                <a:solidFill>
-                  <a:srgbClr val="000000"/>
-                </a:solidFill>
-                <a:latin typeface="+mn-lt"/>
-                <a:ea typeface="ＭＳ Ｐゴシック"/>
-              </a:rPr>
-              <a:t>MCU </a:t>
-            </a:r>
-            <a:br>
-              <a:rPr lang="en-US" sz="1200" kern="0" dirty="0">
-                <a:solidFill>
-                  <a:srgbClr val="000000"/>
-                </a:solidFill>
-                <a:latin typeface="+mn-lt"/>
-                <a:ea typeface="ＭＳ Ｐゴシック"/>
-              </a:rPr>
-            </a:br>
-            <a:r>
-              <a:rPr lang="en-US" sz="1200" kern="0" dirty="0">
-                <a:solidFill>
-                  <a:srgbClr val="000000"/>
-                </a:solidFill>
-                <a:latin typeface="+mn-lt"/>
-                <a:ea typeface="ＭＳ Ｐゴシック"/>
-              </a:rPr>
-              <a:t>Device</a:t>
-            </a:r>
-            <a:br>
-              <a:rPr lang="en-US" sz="1200" kern="0" dirty="0">
-                <a:solidFill>
-                  <a:srgbClr val="000000"/>
-                </a:solidFill>
-                <a:latin typeface="+mn-lt"/>
-                <a:ea typeface="ＭＳ Ｐゴシック"/>
-              </a:rPr>
-            </a:br>
             <a:endParaRPr lang="en-GB" sz="1200" kern="0" dirty="0">
               <a:solidFill>
                 <a:srgbClr val="000000"/>
               </a:solidFill>
-              <a:latin typeface="+mn-lt"/>
+              <a:latin typeface="Aeonik" panose="020B0503030300000000"/>
               <a:ea typeface="ＭＳ Ｐゴシック"/>
             </a:endParaRPr>
           </a:p>
@@ -17882,10 +17570,10 @@
       </p:sp>
       <p:sp>
         <p:nvSpPr>
-          <p:cNvPr id="13" name="Rectangle 12">
+          <p:cNvPr id="29" name="Rectangle 28">
             <a:extLst>
               <a:ext uri="{FF2B5EF4-FFF2-40B4-BE49-F238E27FC236}">
-                <a16:creationId xmlns:a16="http://schemas.microsoft.com/office/drawing/2014/main" id="{1A98AAAD-88E6-0C10-AEB3-48717A7579D4}"/>
+                <a16:creationId xmlns:a16="http://schemas.microsoft.com/office/drawing/2014/main" id="{478E63B5-EDB7-BBE1-E51B-557F60F5D78A}"/>
               </a:ext>
             </a:extLst>
           </p:cNvPr>
@@ -17894,8 +17582,8 @@
         </p:nvSpPr>
         <p:spPr>
           <a:xfrm>
-            <a:off x="4105072" y="1386758"/>
-            <a:ext cx="4487082" cy="2314592"/>
+            <a:off x="9295413" y="1630412"/>
+            <a:ext cx="1794126" cy="1665991"/>
           </a:xfrm>
           <a:prstGeom prst="rect">
             <a:avLst/>
@@ -17928,25 +17616,22 @@
               </a:spcAft>
               <a:defRPr/>
             </a:pPr>
-            <a:r>
-              <a:rPr lang="en-GB" sz="1200" kern="0" dirty="0">
-                <a:solidFill>
-                  <a:srgbClr val="000000"/>
-                </a:solidFill>
-                <a:latin typeface="Aeonik" panose="020B0503030300000000"/>
-                <a:ea typeface="ＭＳ Ｐゴシック"/>
-              </a:rPr>
-              <a:t>Synchronous Data Stream (SDS) Transfer Interfaces</a:t>
-            </a:r>
+            <a:endParaRPr lang="en-GB" sz="1200" kern="0" dirty="0">
+              <a:solidFill>
+                <a:srgbClr val="000000"/>
+              </a:solidFill>
+              <a:latin typeface="Aeonik" panose="020B0503030300000000"/>
+              <a:ea typeface="ＭＳ Ｐゴシック"/>
+            </a:endParaRPr>
           </a:p>
         </p:txBody>
       </p:sp>
       <p:sp>
         <p:nvSpPr>
-          <p:cNvPr id="14" name="Rectangle 13">
+          <p:cNvPr id="25" name="Down Arrow 26">
             <a:extLst>
               <a:ext uri="{FF2B5EF4-FFF2-40B4-BE49-F238E27FC236}">
-                <a16:creationId xmlns:a16="http://schemas.microsoft.com/office/drawing/2014/main" id="{1761512D-CB7A-2C42-2327-AEC81369D41F}"/>
+                <a16:creationId xmlns:a16="http://schemas.microsoft.com/office/drawing/2014/main" id="{BDAF474E-A91E-0992-8FA2-D3BBE9D16013}"/>
               </a:ext>
             </a:extLst>
           </p:cNvPr>
@@ -17955,272 +17640,14 @@
         </p:nvSpPr>
         <p:spPr>
           <a:xfrm>
-            <a:off x="4702091" y="3032917"/>
-            <a:ext cx="1584042" cy="584860"/>
-          </a:xfrm>
-          <a:prstGeom prst="rect">
-            <a:avLst/>
-          </a:prstGeom>
-          <a:solidFill>
-            <a:srgbClr val="4E5584"/>
-          </a:solidFill>
-          <a:ln w="9525" cap="flat" cmpd="sng" algn="ctr">
-            <a:noFill/>
-            <a:prstDash val="solid"/>
-          </a:ln>
-          <a:effectLst/>
-        </p:spPr>
-        <p:txBody>
-          <a:bodyPr lIns="35985" tIns="45699" rIns="35985" bIns="45699" rtlCol="0" anchor="ctr"/>
-          <a:lstStyle/>
-          <a:p>
-            <a:pPr algn="ctr" defTabSz="456936">
-              <a:defRPr/>
-            </a:pPr>
-            <a:r>
-              <a:rPr lang="en-US" sz="1100" dirty="0">
-                <a:solidFill>
-                  <a:srgbClr val="FFFFFF"/>
-                </a:solidFill>
-                <a:latin typeface="Aeonik" panose="020B0503030300000000" pitchFamily="34" charset="0"/>
-                <a:cs typeface="Calibri" panose="020F0502020204030204" pitchFamily="34" charset="0"/>
-              </a:rPr>
-              <a:t>Sensor Interface</a:t>
-            </a:r>
-            <a:br>
-              <a:rPr lang="en-US" sz="1100" dirty="0">
-                <a:solidFill>
-                  <a:srgbClr val="FFFFFF"/>
-                </a:solidFill>
-                <a:latin typeface="Aeonik" panose="020B0503030300000000" pitchFamily="34" charset="0"/>
-                <a:cs typeface="Calibri" panose="020F0502020204030204" pitchFamily="34" charset="0"/>
-              </a:rPr>
-            </a:br>
-            <a:r>
-              <a:rPr lang="en-US" sz="1100" dirty="0">
-                <a:solidFill>
-                  <a:srgbClr val="FFFFFF"/>
-                </a:solidFill>
-                <a:latin typeface="Aeonik" panose="020B0503030300000000" pitchFamily="34" charset="0"/>
-                <a:cs typeface="Calibri" panose="020F0502020204030204" pitchFamily="34" charset="0"/>
-              </a:rPr>
-              <a:t>(physical)</a:t>
-            </a:r>
-          </a:p>
-        </p:txBody>
-      </p:sp>
-      <p:sp>
-        <p:nvSpPr>
-          <p:cNvPr id="15" name="Rectangle 14">
-            <a:extLst>
-              <a:ext uri="{FF2B5EF4-FFF2-40B4-BE49-F238E27FC236}">
-                <a16:creationId xmlns:a16="http://schemas.microsoft.com/office/drawing/2014/main" id="{AA4295CC-AC9F-D42F-6FC6-0E2D994FF65A}"/>
-              </a:ext>
-            </a:extLst>
-          </p:cNvPr>
-          <p:cNvSpPr/>
-          <p:nvPr/>
-        </p:nvSpPr>
-        <p:spPr>
-          <a:xfrm>
-            <a:off x="4702091" y="3912581"/>
-            <a:ext cx="1584042" cy="487009"/>
-          </a:xfrm>
-          <a:prstGeom prst="rect">
-            <a:avLst/>
-          </a:prstGeom>
-          <a:solidFill>
-            <a:schemeClr val="accent5">
-              <a:lumMod val="50000"/>
-            </a:schemeClr>
-          </a:solidFill>
-          <a:ln w="9525" cap="flat" cmpd="sng" algn="ctr">
-            <a:noFill/>
-            <a:prstDash val="solid"/>
-          </a:ln>
-          <a:effectLst/>
-        </p:spPr>
-        <p:txBody>
-          <a:bodyPr lIns="35985" tIns="45699" rIns="35985" bIns="45699" rtlCol="0" anchor="ctr"/>
-          <a:lstStyle/>
-          <a:p>
-            <a:pPr algn="ctr" defTabSz="456936">
-              <a:defRPr/>
-            </a:pPr>
-            <a:r>
-              <a:rPr lang="en-US" sz="1100" dirty="0">
-                <a:solidFill>
-                  <a:srgbClr val="FFFFFF"/>
-                </a:solidFill>
-                <a:latin typeface="Aeonik" panose="020B0503030300000000" pitchFamily="34" charset="0"/>
-                <a:cs typeface="Calibri" panose="020F0502020204030204" pitchFamily="34" charset="0"/>
-              </a:rPr>
-              <a:t>Sensor Interface</a:t>
-            </a:r>
-          </a:p>
-        </p:txBody>
-      </p:sp>
-      <p:sp>
-        <p:nvSpPr>
-          <p:cNvPr id="21" name="Rectangle 20">
-            <a:extLst>
-              <a:ext uri="{FF2B5EF4-FFF2-40B4-BE49-F238E27FC236}">
-                <a16:creationId xmlns:a16="http://schemas.microsoft.com/office/drawing/2014/main" id="{F1205476-69EF-4F42-D82A-5722C3446FD6}"/>
-              </a:ext>
-            </a:extLst>
-          </p:cNvPr>
-          <p:cNvSpPr/>
-          <p:nvPr/>
-        </p:nvSpPr>
-        <p:spPr>
-          <a:xfrm>
-            <a:off x="6887828" y="2329430"/>
-            <a:ext cx="1584042" cy="584860"/>
-          </a:xfrm>
-          <a:prstGeom prst="rect">
-            <a:avLst/>
-          </a:prstGeom>
-          <a:solidFill>
-            <a:srgbClr val="4E5584"/>
-          </a:solidFill>
-          <a:ln w="9525" cap="flat" cmpd="sng" algn="ctr">
-            <a:noFill/>
-            <a:prstDash val="solid"/>
-          </a:ln>
-          <a:effectLst/>
-        </p:spPr>
-        <p:txBody>
-          <a:bodyPr lIns="35985" tIns="45699" rIns="35985" bIns="45699" rtlCol="0" anchor="ctr"/>
-          <a:lstStyle/>
-          <a:p>
-            <a:pPr algn="ctr" defTabSz="456936" eaLnBrk="1" fontAlgn="auto" hangingPunct="1">
-              <a:spcBef>
-                <a:spcPts val="0"/>
-              </a:spcBef>
-              <a:spcAft>
-                <a:spcPts val="0"/>
-              </a:spcAft>
-              <a:defRPr/>
-            </a:pPr>
-            <a:r>
-              <a:rPr lang="en-US" sz="1100" dirty="0">
-                <a:solidFill>
-                  <a:srgbClr val="FFFFFF"/>
-                </a:solidFill>
-                <a:latin typeface="Aeonik" panose="020B0503030300000000" pitchFamily="34" charset="0"/>
-                <a:cs typeface="Calibri" panose="020F0502020204030204" pitchFamily="34" charset="0"/>
-              </a:rPr>
-              <a:t>SDS Recorder</a:t>
-            </a:r>
-            <a:br>
-              <a:rPr lang="en-US" sz="1100" dirty="0">
-                <a:solidFill>
-                  <a:srgbClr val="FFFFFF"/>
-                </a:solidFill>
-                <a:latin typeface="Aeonik" panose="020B0503030300000000" pitchFamily="34" charset="0"/>
-                <a:cs typeface="Calibri" panose="020F0502020204030204" pitchFamily="34" charset="0"/>
-              </a:rPr>
-            </a:br>
-            <a:r>
-              <a:rPr lang="en-US" sz="1100" dirty="0">
-                <a:solidFill>
-                  <a:srgbClr val="FFFFFF"/>
-                </a:solidFill>
-                <a:latin typeface="Aeonik" panose="020B0503030300000000" pitchFamily="34" charset="0"/>
-                <a:cs typeface="Calibri" panose="020F0502020204030204" pitchFamily="34" charset="0"/>
-              </a:rPr>
-              <a:t>Interface</a:t>
-            </a:r>
-          </a:p>
-        </p:txBody>
-      </p:sp>
-      <p:sp>
-        <p:nvSpPr>
-          <p:cNvPr id="22" name="Rectangle 21">
-            <a:extLst>
-              <a:ext uri="{FF2B5EF4-FFF2-40B4-BE49-F238E27FC236}">
-                <a16:creationId xmlns:a16="http://schemas.microsoft.com/office/drawing/2014/main" id="{38816BF6-97F3-9C2C-D0DE-ADBD7074FF17}"/>
-              </a:ext>
-            </a:extLst>
-          </p:cNvPr>
-          <p:cNvSpPr/>
-          <p:nvPr/>
-        </p:nvSpPr>
-        <p:spPr>
-          <a:xfrm>
-            <a:off x="6887828" y="3045387"/>
-            <a:ext cx="1584042" cy="584860"/>
-          </a:xfrm>
-          <a:prstGeom prst="rect">
-            <a:avLst/>
-          </a:prstGeom>
-          <a:solidFill>
-            <a:srgbClr val="4E5584"/>
-          </a:solidFill>
-          <a:ln w="9525" cap="flat" cmpd="sng" algn="ctr">
-            <a:noFill/>
-            <a:prstDash val="solid"/>
-          </a:ln>
-          <a:effectLst/>
-        </p:spPr>
-        <p:txBody>
-          <a:bodyPr lIns="35985" tIns="45699" rIns="35985" bIns="45699" rtlCol="0" anchor="ctr"/>
-          <a:lstStyle/>
-          <a:p>
-            <a:pPr algn="ctr" defTabSz="456936">
-              <a:defRPr/>
-            </a:pPr>
-            <a:r>
-              <a:rPr lang="en-US" sz="1100" dirty="0">
-                <a:solidFill>
-                  <a:srgbClr val="FFFFFF"/>
-                </a:solidFill>
-                <a:latin typeface="Aeonik" panose="020B0503030300000000" pitchFamily="34" charset="0"/>
-                <a:cs typeface="Calibri" panose="020F0502020204030204" pitchFamily="34" charset="0"/>
-              </a:rPr>
-              <a:t>IoT Socket</a:t>
-            </a:r>
-            <a:br>
-              <a:rPr lang="en-US" sz="1100" dirty="0">
-                <a:solidFill>
-                  <a:srgbClr val="FFFFFF"/>
-                </a:solidFill>
-                <a:latin typeface="Aeonik" panose="020B0503030300000000" pitchFamily="34" charset="0"/>
-                <a:cs typeface="Calibri" panose="020F0502020204030204" pitchFamily="34" charset="0"/>
-              </a:rPr>
-            </a:br>
-            <a:r>
-              <a:rPr lang="en-US" sz="1100" dirty="0">
-                <a:solidFill>
-                  <a:srgbClr val="FFFFFF"/>
-                </a:solidFill>
-                <a:latin typeface="Aeonik" panose="020B0503030300000000" pitchFamily="34" charset="0"/>
-                <a:cs typeface="Calibri" panose="020F0502020204030204" pitchFamily="34" charset="0"/>
-              </a:rPr>
-              <a:t>Network Stack</a:t>
-            </a:r>
-          </a:p>
-        </p:txBody>
-      </p:sp>
-      <p:sp>
-        <p:nvSpPr>
-          <p:cNvPr id="24" name="Rectangle 23">
-            <a:extLst>
-              <a:ext uri="{FF2B5EF4-FFF2-40B4-BE49-F238E27FC236}">
-                <a16:creationId xmlns:a16="http://schemas.microsoft.com/office/drawing/2014/main" id="{6A2C54A5-7D46-A555-7CC2-D7EEFD4A943A}"/>
-              </a:ext>
-            </a:extLst>
-          </p:cNvPr>
-          <p:cNvSpPr/>
-          <p:nvPr/>
-        </p:nvSpPr>
-        <p:spPr>
-          <a:xfrm>
-            <a:off x="6887829" y="3896917"/>
-            <a:ext cx="1584042" cy="503607"/>
-          </a:xfrm>
-          <a:prstGeom prst="rect">
-            <a:avLst/>
+            <a:off x="7533901" y="2674345"/>
+            <a:ext cx="281741" cy="1297972"/>
+          </a:xfrm>
+          <a:prstGeom prst="downArrow">
+            <a:avLst>
+              <a:gd name="adj1" fmla="val 50000"/>
+              <a:gd name="adj2" fmla="val 21225"/>
+            </a:avLst>
           </a:prstGeom>
           <a:solidFill>
             <a:schemeClr val="accent1"/>
@@ -18249,104 +17676,54 @@
           <a:bodyPr rtlCol="0" anchor="ctr"/>
           <a:lstStyle/>
           <a:p>
-            <a:pPr algn="ctr" defTabSz="456936">
-              <a:defRPr/>
-            </a:pPr>
-            <a:r>
-              <a:rPr lang="en-US" sz="1100" dirty="0">
-                <a:solidFill>
-                  <a:srgbClr val="FFFFFF"/>
-                </a:solidFill>
-                <a:latin typeface="Aeonik" panose="020B0503030300000000" pitchFamily="34" charset="0"/>
-                <a:cs typeface="Calibri" panose="020F0502020204030204" pitchFamily="34" charset="0"/>
-              </a:rPr>
-              <a:t>SDSIO Server</a:t>
-            </a:r>
-            <a:br>
-              <a:rPr lang="en-US" sz="1100" dirty="0">
-                <a:solidFill>
-                  <a:srgbClr val="FFFFFF"/>
-                </a:solidFill>
-                <a:latin typeface="Aeonik" panose="020B0503030300000000" pitchFamily="34" charset="0"/>
-                <a:cs typeface="Calibri" panose="020F0502020204030204" pitchFamily="34" charset="0"/>
-              </a:rPr>
-            </a:br>
-            <a:r>
-              <a:rPr lang="en-US" sz="1100" dirty="0">
-                <a:solidFill>
-                  <a:srgbClr val="FFFFFF"/>
-                </a:solidFill>
-                <a:latin typeface="Aeonik" panose="020B0503030300000000" pitchFamily="34" charset="0"/>
-                <a:cs typeface="Calibri" panose="020F0502020204030204" pitchFamily="34" charset="0"/>
-              </a:rPr>
-              <a:t>Running on Host</a:t>
-            </a:r>
+            <a:pPr algn="ctr"/>
+            <a:endParaRPr lang="en-GB">
+              <a:solidFill>
+                <a:schemeClr val="lt1"/>
+              </a:solidFill>
+            </a:endParaRPr>
           </a:p>
         </p:txBody>
       </p:sp>
       <p:sp>
         <p:nvSpPr>
-          <p:cNvPr id="26" name="Rectangle 25">
+          <p:cNvPr id="2" name="Title 1">
             <a:extLst>
               <a:ext uri="{FF2B5EF4-FFF2-40B4-BE49-F238E27FC236}">
-                <a16:creationId xmlns:a16="http://schemas.microsoft.com/office/drawing/2014/main" id="{4DCFE2CE-10B5-CA3E-A0C4-FC7BD9BBD70A}"/>
+                <a16:creationId xmlns:a16="http://schemas.microsoft.com/office/drawing/2014/main" id="{477FBFC7-FB37-D797-EEB0-A32B1C58EE8E}"/>
               </a:ext>
             </a:extLst>
           </p:cNvPr>
-          <p:cNvSpPr/>
-          <p:nvPr/>
+          <p:cNvSpPr>
+            <a:spLocks noGrp="1"/>
+          </p:cNvSpPr>
+          <p:nvPr>
+            <p:ph type="title"/>
+          </p:nvPr>
         </p:nvSpPr>
         <p:spPr>
           <a:xfrm>
-            <a:off x="4702091" y="1590750"/>
-            <a:ext cx="1584042" cy="584860"/>
-          </a:xfrm>
-          <a:prstGeom prst="rect">
-            <a:avLst/>
-          </a:prstGeom>
-          <a:solidFill>
-            <a:schemeClr val="accent6">
-              <a:lumMod val="75000"/>
-            </a:schemeClr>
-          </a:solidFill>
-          <a:ln w="9525" cap="flat" cmpd="sng" algn="ctr">
-            <a:noFill/>
-            <a:prstDash val="solid"/>
-          </a:ln>
-          <a:effectLst/>
+            <a:off x="547437" y="195251"/>
+            <a:ext cx="11233150" cy="512830"/>
+          </a:xfrm>
         </p:spPr>
         <p:txBody>
-          <a:bodyPr lIns="35985" tIns="45699" rIns="35985" bIns="45699" rtlCol="0" anchor="ctr"/>
+          <a:bodyPr/>
           <a:lstStyle/>
           <a:p>
-            <a:pPr algn="ctr" defTabSz="456936" eaLnBrk="1" fontAlgn="auto" hangingPunct="1">
-              <a:spcBef>
-                <a:spcPts val="0"/>
-              </a:spcBef>
-              <a:spcAft>
-                <a:spcPts val="0"/>
-              </a:spcAft>
-              <a:defRPr/>
-            </a:pPr>
-            <a:r>
-              <a:rPr lang="en-US" sz="1100" dirty="0">
-                <a:solidFill>
-                  <a:srgbClr val="FFFFFF"/>
-                </a:solidFill>
-                <a:latin typeface="Aeonik" panose="020B0503030300000000" pitchFamily="34" charset="0"/>
-                <a:cs typeface="Calibri" panose="020F0502020204030204" pitchFamily="34" charset="0"/>
-              </a:rPr>
-              <a:t>User Algorithm under Development</a:t>
+            <a:r>
+              <a:rPr lang="en-US"/>
+              <a:t>SDS-Framework: Record Real-world Data and Playback to AVH</a:t>
             </a:r>
           </a:p>
         </p:txBody>
       </p:sp>
       <p:sp>
         <p:nvSpPr>
-          <p:cNvPr id="27" name="Down Arrow 26">
+          <p:cNvPr id="5" name="Down Arrow 26">
             <a:extLst>
               <a:ext uri="{FF2B5EF4-FFF2-40B4-BE49-F238E27FC236}">
-                <a16:creationId xmlns:a16="http://schemas.microsoft.com/office/drawing/2014/main" id="{73B458AD-4BE9-4028-D828-21876923A3AE}"/>
+                <a16:creationId xmlns:a16="http://schemas.microsoft.com/office/drawing/2014/main" id="{7A38048A-BCBC-CF76-8D8B-2CB114EC692E}"/>
               </a:ext>
             </a:extLst>
           </p:cNvPr>
@@ -18355,8 +17732,8 @@
         </p:nvSpPr>
         <p:spPr>
           <a:xfrm rot="10800000">
-            <a:off x="5105580" y="2192123"/>
-            <a:ext cx="752474" cy="840179"/>
+            <a:off x="10051624" y="3189689"/>
+            <a:ext cx="281741" cy="769558"/>
           </a:xfrm>
           <a:prstGeom prst="downArrow">
             <a:avLst>
@@ -18365,35 +17742,585 @@
             </a:avLst>
           </a:prstGeom>
           <a:solidFill>
-            <a:schemeClr val="accent6">
-              <a:lumMod val="60000"/>
-              <a:lumOff val="40000"/>
+            <a:schemeClr val="accent1"/>
+          </a:solidFill>
+          <a:ln>
+            <a:noFill/>
+          </a:ln>
+        </p:spPr>
+        <p:style>
+          <a:lnRef idx="2">
+            <a:schemeClr val="accent1">
+              <a:shade val="50000"/>
             </a:schemeClr>
+          </a:lnRef>
+          <a:fillRef idx="1">
+            <a:schemeClr val="accent1"/>
+          </a:fillRef>
+          <a:effectRef idx="0">
+            <a:schemeClr val="accent1"/>
+          </a:effectRef>
+          <a:fontRef idx="minor">
+            <a:schemeClr val="lt1"/>
+          </a:fontRef>
+        </p:style>
+        <p:txBody>
+          <a:bodyPr rtlCol="0" anchor="ctr"/>
+          <a:lstStyle/>
+          <a:p>
+            <a:pPr algn="ctr"/>
+            <a:endParaRPr lang="en-GB">
+              <a:solidFill>
+                <a:schemeClr val="lt1"/>
+              </a:solidFill>
+            </a:endParaRPr>
+          </a:p>
+        </p:txBody>
+      </p:sp>
+      <p:sp>
+        <p:nvSpPr>
+          <p:cNvPr id="6" name="Down Arrow 26">
+            <a:extLst>
+              <a:ext uri="{FF2B5EF4-FFF2-40B4-BE49-F238E27FC236}">
+                <a16:creationId xmlns:a16="http://schemas.microsoft.com/office/drawing/2014/main" id="{2BE978FC-DCDF-4969-4555-97BC206B2061}"/>
+              </a:ext>
+            </a:extLst>
+          </p:cNvPr>
+          <p:cNvSpPr/>
+          <p:nvPr/>
+        </p:nvSpPr>
+        <p:spPr>
+          <a:xfrm rot="10800000">
+            <a:off x="5356306" y="3203345"/>
+            <a:ext cx="281741" cy="755901"/>
+          </a:xfrm>
+          <a:prstGeom prst="downArrow">
+            <a:avLst>
+              <a:gd name="adj1" fmla="val 50000"/>
+              <a:gd name="adj2" fmla="val 21225"/>
+            </a:avLst>
+          </a:prstGeom>
+          <a:solidFill>
+            <a:schemeClr val="accent1"/>
           </a:solidFill>
-          <a:ln w="9525" cap="flat" cmpd="sng" algn="ctr">
+          <a:ln>
             <a:noFill/>
-            <a:prstDash val="solid"/>
           </a:ln>
-          <a:effectLst/>
-        </p:spPr>
+        </p:spPr>
+        <p:style>
+          <a:lnRef idx="2">
+            <a:schemeClr val="accent1">
+              <a:shade val="50000"/>
+            </a:schemeClr>
+          </a:lnRef>
+          <a:fillRef idx="1">
+            <a:schemeClr val="accent1"/>
+          </a:fillRef>
+          <a:effectRef idx="0">
+            <a:schemeClr val="accent1"/>
+          </a:effectRef>
+          <a:fontRef idx="minor">
+            <a:schemeClr val="lt1"/>
+          </a:fontRef>
+        </p:style>
         <p:txBody>
-          <a:bodyPr lIns="91396" tIns="45699" rIns="91396" bIns="45699" rtlCol="0" anchor="ctr"/>
+          <a:bodyPr rtlCol="0" anchor="ctr"/>
           <a:lstStyle/>
           <a:p>
-            <a:pPr algn="ctr" defTabSz="456936" eaLnBrk="1" fontAlgn="auto" hangingPunct="1">
-              <a:spcBef>
-                <a:spcPts val="0"/>
-              </a:spcBef>
-              <a:spcAft>
-                <a:spcPts val="0"/>
-              </a:spcAft>
-              <a:defRPr/>
+            <a:pPr algn="ctr"/>
+            <a:endParaRPr lang="en-GB">
+              <a:solidFill>
+                <a:schemeClr val="lt1"/>
+              </a:solidFill>
+            </a:endParaRPr>
+          </a:p>
+        </p:txBody>
+      </p:sp>
+      <p:sp>
+        <p:nvSpPr>
+          <p:cNvPr id="10" name="Rectangle 9">
+            <a:extLst>
+              <a:ext uri="{FF2B5EF4-FFF2-40B4-BE49-F238E27FC236}">
+                <a16:creationId xmlns:a16="http://schemas.microsoft.com/office/drawing/2014/main" id="{C50920E3-5DD6-01F3-B1A5-92118B18437D}"/>
+              </a:ext>
+            </a:extLst>
+          </p:cNvPr>
+          <p:cNvSpPr/>
+          <p:nvPr/>
+        </p:nvSpPr>
+        <p:spPr>
+          <a:xfrm>
+            <a:off x="9395248" y="3416090"/>
+            <a:ext cx="1581913" cy="301752"/>
+          </a:xfrm>
+          <a:prstGeom prst="rect">
+            <a:avLst/>
+          </a:prstGeom>
+          <a:solidFill>
+            <a:schemeClr val="tx2"/>
+          </a:solidFill>
+          <a:ln w="15875">
+            <a:solidFill>
+              <a:srgbClr val="00C1DE"/>
+            </a:solidFill>
+          </a:ln>
+        </p:spPr>
+        <p:style>
+          <a:lnRef idx="2">
+            <a:schemeClr val="accent1">
+              <a:shade val="50000"/>
+            </a:schemeClr>
+          </a:lnRef>
+          <a:fillRef idx="1">
+            <a:schemeClr val="accent1"/>
+          </a:fillRef>
+          <a:effectRef idx="0">
+            <a:schemeClr val="accent1"/>
+          </a:effectRef>
+          <a:fontRef idx="minor">
+            <a:schemeClr val="lt1"/>
+          </a:fontRef>
+        </p:style>
+        <p:txBody>
+          <a:bodyPr rtlCol="0" anchor="ctr"/>
+          <a:lstStyle/>
+          <a:p>
+            <a:pPr algn="ctr" defTabSz="1219170" eaLnBrk="0" fontAlgn="base" hangingPunct="0">
+              <a:spcBef>
+                <a:spcPct val="0"/>
+              </a:spcBef>
+              <a:spcAft>
+                <a:spcPct val="0"/>
+              </a:spcAft>
             </a:pPr>
-            <a:endParaRPr lang="en-GB" sz="1467" kern="0">
+            <a:r>
+              <a:rPr lang="en-US" sz="1200" dirty="0" err="1">
+                <a:solidFill>
+                  <a:srgbClr val="FFFFFF"/>
+                </a:solidFill>
+                <a:latin typeface="Aeonik" panose="020B0503030300000000" pitchFamily="34" charset="0"/>
+                <a:cs typeface="Calibri" panose="020F0502020204030204" pitchFamily="34" charset="0"/>
+              </a:rPr>
+              <a:t>Semihosting</a:t>
+            </a:r>
+            <a:r>
+              <a:rPr lang="en-US" sz="1200" dirty="0">
+                <a:solidFill>
+                  <a:srgbClr val="FFFFFF"/>
+                </a:solidFill>
+                <a:latin typeface="Aeonik" panose="020B0503030300000000" pitchFamily="34" charset="0"/>
+                <a:cs typeface="Calibri" panose="020F0502020204030204" pitchFamily="34" charset="0"/>
+              </a:rPr>
+              <a:t> Interface</a:t>
+            </a:r>
+          </a:p>
+        </p:txBody>
+      </p:sp>
+      <p:sp>
+        <p:nvSpPr>
+          <p:cNvPr id="14" name="Rectangle 13">
+            <a:extLst>
+              <a:ext uri="{FF2B5EF4-FFF2-40B4-BE49-F238E27FC236}">
+                <a16:creationId xmlns:a16="http://schemas.microsoft.com/office/drawing/2014/main" id="{1761512D-CB7A-2C42-2327-AEC81369D41F}"/>
+              </a:ext>
+            </a:extLst>
+          </p:cNvPr>
+          <p:cNvSpPr/>
+          <p:nvPr/>
+        </p:nvSpPr>
+        <p:spPr>
+          <a:xfrm>
+            <a:off x="4708576" y="2896732"/>
+            <a:ext cx="1584042" cy="301752"/>
+          </a:xfrm>
+          <a:prstGeom prst="rect">
+            <a:avLst/>
+          </a:prstGeom>
+          <a:solidFill>
+            <a:schemeClr val="tx2"/>
+          </a:solidFill>
+          <a:ln w="15875">
+            <a:solidFill>
+              <a:srgbClr val="00C1DE"/>
+            </a:solidFill>
+          </a:ln>
+        </p:spPr>
+        <p:style>
+          <a:lnRef idx="2">
+            <a:schemeClr val="accent1">
+              <a:shade val="50000"/>
+            </a:schemeClr>
+          </a:lnRef>
+          <a:fillRef idx="1">
+            <a:schemeClr val="accent1"/>
+          </a:fillRef>
+          <a:effectRef idx="0">
+            <a:schemeClr val="accent1"/>
+          </a:effectRef>
+          <a:fontRef idx="minor">
+            <a:schemeClr val="lt1"/>
+          </a:fontRef>
+        </p:style>
+        <p:txBody>
+          <a:bodyPr rtlCol="0" anchor="ctr"/>
+          <a:lstStyle/>
+          <a:p>
+            <a:pPr algn="ctr" defTabSz="1219170" eaLnBrk="0" fontAlgn="base" hangingPunct="0">
+              <a:spcBef>
+                <a:spcPct val="0"/>
+              </a:spcBef>
+              <a:spcAft>
+                <a:spcPct val="0"/>
+              </a:spcAft>
+            </a:pPr>
+            <a:r>
+              <a:rPr lang="en-US" sz="1200" dirty="0">
+                <a:solidFill>
+                  <a:srgbClr val="FFFFFF"/>
+                </a:solidFill>
+                <a:latin typeface="Aeonik" panose="020B0503030300000000" pitchFamily="34" charset="0"/>
+                <a:cs typeface="Calibri" panose="020F0502020204030204" pitchFamily="34" charset="0"/>
+              </a:rPr>
+              <a:t>Input Interface</a:t>
+            </a:r>
+          </a:p>
+        </p:txBody>
+      </p:sp>
+      <p:sp>
+        <p:nvSpPr>
+          <p:cNvPr id="15" name="Rectangle 14">
+            <a:extLst>
+              <a:ext uri="{FF2B5EF4-FFF2-40B4-BE49-F238E27FC236}">
+                <a16:creationId xmlns:a16="http://schemas.microsoft.com/office/drawing/2014/main" id="{AA4295CC-AC9F-D42F-6FC6-0E2D994FF65A}"/>
+              </a:ext>
+            </a:extLst>
+          </p:cNvPr>
+          <p:cNvSpPr/>
+          <p:nvPr/>
+        </p:nvSpPr>
+        <p:spPr>
+          <a:xfrm>
+            <a:off x="4708576" y="3432688"/>
+            <a:ext cx="1581912" cy="301752"/>
+          </a:xfrm>
+          <a:prstGeom prst="rect">
+            <a:avLst/>
+          </a:prstGeom>
+          <a:solidFill>
+            <a:schemeClr val="tx2"/>
+          </a:solidFill>
+          <a:ln w="15875">
+            <a:solidFill>
+              <a:srgbClr val="00C1DE"/>
+            </a:solidFill>
+          </a:ln>
+        </p:spPr>
+        <p:style>
+          <a:lnRef idx="2">
+            <a:schemeClr val="accent1">
+              <a:shade val="50000"/>
+            </a:schemeClr>
+          </a:lnRef>
+          <a:fillRef idx="1">
+            <a:schemeClr val="accent1"/>
+          </a:fillRef>
+          <a:effectRef idx="0">
+            <a:schemeClr val="accent1"/>
+          </a:effectRef>
+          <a:fontRef idx="minor">
+            <a:schemeClr val="lt1"/>
+          </a:fontRef>
+        </p:style>
+        <p:txBody>
+          <a:bodyPr rtlCol="0" anchor="ctr"/>
+          <a:lstStyle/>
+          <a:p>
+            <a:pPr algn="ctr" defTabSz="1219170" eaLnBrk="0" fontAlgn="base" hangingPunct="0">
+              <a:spcBef>
+                <a:spcPct val="0"/>
+              </a:spcBef>
+              <a:spcAft>
+                <a:spcPct val="0"/>
+              </a:spcAft>
+            </a:pPr>
+            <a:r>
+              <a:rPr lang="en-US" sz="1200" dirty="0">
+                <a:solidFill>
+                  <a:srgbClr val="FFFFFF"/>
+                </a:solidFill>
+                <a:latin typeface="Aeonik" panose="020B0503030300000000" pitchFamily="34" charset="0"/>
+                <a:cs typeface="Calibri" panose="020F0502020204030204" pitchFamily="34" charset="0"/>
+              </a:rPr>
+              <a:t>Sensor Input</a:t>
+            </a:r>
+          </a:p>
+        </p:txBody>
+      </p:sp>
+      <p:sp>
+        <p:nvSpPr>
+          <p:cNvPr id="21" name="Rectangle 20">
+            <a:extLst>
+              <a:ext uri="{FF2B5EF4-FFF2-40B4-BE49-F238E27FC236}">
+                <a16:creationId xmlns:a16="http://schemas.microsoft.com/office/drawing/2014/main" id="{F1205476-69EF-4F42-D82A-5722C3446FD6}"/>
+              </a:ext>
+            </a:extLst>
+          </p:cNvPr>
+          <p:cNvSpPr/>
+          <p:nvPr/>
+        </p:nvSpPr>
+        <p:spPr>
+          <a:xfrm>
+            <a:off x="6887828" y="2499283"/>
+            <a:ext cx="1584042" cy="304761"/>
+          </a:xfrm>
+          <a:prstGeom prst="rect">
+            <a:avLst/>
+          </a:prstGeom>
+          <a:solidFill>
+            <a:schemeClr val="tx2"/>
+          </a:solidFill>
+          <a:ln w="15875">
+            <a:solidFill>
+              <a:srgbClr val="00C1DE"/>
+            </a:solidFill>
+          </a:ln>
+        </p:spPr>
+        <p:style>
+          <a:lnRef idx="2">
+            <a:schemeClr val="accent1">
+              <a:shade val="50000"/>
+            </a:schemeClr>
+          </a:lnRef>
+          <a:fillRef idx="1">
+            <a:schemeClr val="accent1"/>
+          </a:fillRef>
+          <a:effectRef idx="0">
+            <a:schemeClr val="accent1"/>
+          </a:effectRef>
+          <a:fontRef idx="minor">
+            <a:schemeClr val="lt1"/>
+          </a:fontRef>
+        </p:style>
+        <p:txBody>
+          <a:bodyPr rtlCol="0" anchor="ctr"/>
+          <a:lstStyle/>
+          <a:p>
+            <a:pPr algn="ctr" defTabSz="1219170" eaLnBrk="0" fontAlgn="base" hangingPunct="0">
+              <a:spcBef>
+                <a:spcPct val="0"/>
+              </a:spcBef>
+              <a:spcAft>
+                <a:spcPct val="0"/>
+              </a:spcAft>
+            </a:pPr>
+            <a:r>
+              <a:rPr lang="en-US" sz="1200" dirty="0">
+                <a:solidFill>
+                  <a:srgbClr val="FFFFFF"/>
+                </a:solidFill>
+                <a:latin typeface="Aeonik" panose="020B0503030300000000" pitchFamily="34" charset="0"/>
+                <a:cs typeface="Calibri" panose="020F0502020204030204" pitchFamily="34" charset="0"/>
+              </a:rPr>
+              <a:t>SDS Recorder</a:t>
+            </a:r>
+          </a:p>
+        </p:txBody>
+      </p:sp>
+      <p:sp>
+        <p:nvSpPr>
+          <p:cNvPr id="24" name="Rectangle 23">
+            <a:extLst>
+              <a:ext uri="{FF2B5EF4-FFF2-40B4-BE49-F238E27FC236}">
+                <a16:creationId xmlns:a16="http://schemas.microsoft.com/office/drawing/2014/main" id="{6A2C54A5-7D46-A555-7CC2-D7EEFD4A943A}"/>
+              </a:ext>
+            </a:extLst>
+          </p:cNvPr>
+          <p:cNvSpPr/>
+          <p:nvPr/>
+        </p:nvSpPr>
+        <p:spPr>
+          <a:xfrm>
+            <a:off x="6894314" y="3417024"/>
+            <a:ext cx="1581912" cy="301752"/>
+          </a:xfrm>
+          <a:prstGeom prst="rect">
+            <a:avLst/>
+          </a:prstGeom>
+          <a:solidFill>
+            <a:schemeClr val="tx2"/>
+          </a:solidFill>
+          <a:ln w="15875">
+            <a:solidFill>
+              <a:srgbClr val="00C1DE"/>
+            </a:solidFill>
+          </a:ln>
+        </p:spPr>
+        <p:style>
+          <a:lnRef idx="2">
+            <a:schemeClr val="accent1">
+              <a:shade val="50000"/>
+            </a:schemeClr>
+          </a:lnRef>
+          <a:fillRef idx="1">
+            <a:schemeClr val="accent1"/>
+          </a:fillRef>
+          <a:effectRef idx="0">
+            <a:schemeClr val="accent1"/>
+          </a:effectRef>
+          <a:fontRef idx="minor">
+            <a:schemeClr val="lt1"/>
+          </a:fontRef>
+        </p:style>
+        <p:txBody>
+          <a:bodyPr rtlCol="0" anchor="ctr"/>
+          <a:lstStyle/>
+          <a:p>
+            <a:pPr algn="ctr" defTabSz="1219170" eaLnBrk="0" fontAlgn="base" hangingPunct="0">
+              <a:spcBef>
+                <a:spcPct val="0"/>
+              </a:spcBef>
+              <a:spcAft>
+                <a:spcPct val="0"/>
+              </a:spcAft>
+            </a:pPr>
+            <a:r>
+              <a:rPr lang="en-US" sz="1200" dirty="0">
+                <a:solidFill>
+                  <a:srgbClr val="FFFFFF"/>
+                </a:solidFill>
+                <a:latin typeface="Aeonik" panose="020B0503030300000000" pitchFamily="34" charset="0"/>
+                <a:cs typeface="Calibri" panose="020F0502020204030204" pitchFamily="34" charset="0"/>
+              </a:rPr>
+              <a:t>SDSIO Server</a:t>
+            </a:r>
+          </a:p>
+        </p:txBody>
+      </p:sp>
+      <p:sp>
+        <p:nvSpPr>
+          <p:cNvPr id="26" name="Rectangle 25">
+            <a:extLst>
+              <a:ext uri="{FF2B5EF4-FFF2-40B4-BE49-F238E27FC236}">
+                <a16:creationId xmlns:a16="http://schemas.microsoft.com/office/drawing/2014/main" id="{4DCFE2CE-10B5-CA3E-A0C4-FC7BD9BBD70A}"/>
+              </a:ext>
+            </a:extLst>
+          </p:cNvPr>
+          <p:cNvSpPr/>
+          <p:nvPr/>
+        </p:nvSpPr>
+        <p:spPr>
+          <a:xfrm>
+            <a:off x="4708576" y="1720450"/>
+            <a:ext cx="1584042" cy="584860"/>
+          </a:xfrm>
+          <a:prstGeom prst="rect">
+            <a:avLst/>
+          </a:prstGeom>
+          <a:solidFill>
+            <a:schemeClr val="tx2"/>
+          </a:solidFill>
+          <a:ln w="15875">
+            <a:solidFill>
+              <a:srgbClr val="00C1DE"/>
+            </a:solidFill>
+          </a:ln>
+        </p:spPr>
+        <p:style>
+          <a:lnRef idx="2">
+            <a:schemeClr val="accent1">
+              <a:shade val="50000"/>
+            </a:schemeClr>
+          </a:lnRef>
+          <a:fillRef idx="1">
+            <a:schemeClr val="accent1"/>
+          </a:fillRef>
+          <a:effectRef idx="0">
+            <a:schemeClr val="accent1"/>
+          </a:effectRef>
+          <a:fontRef idx="minor">
+            <a:schemeClr val="lt1"/>
+          </a:fontRef>
+        </p:style>
+        <p:txBody>
+          <a:bodyPr rtlCol="0" anchor="ctr"/>
+          <a:lstStyle/>
+          <a:p>
+            <a:pPr algn="ctr" defTabSz="1219170" eaLnBrk="0" fontAlgn="base" hangingPunct="0">
+              <a:spcBef>
+                <a:spcPct val="0"/>
+              </a:spcBef>
+              <a:spcAft>
+                <a:spcPct val="0"/>
+              </a:spcAft>
+            </a:pPr>
+            <a:r>
+              <a:rPr lang="en-US" sz="1200" dirty="0">
+                <a:solidFill>
+                  <a:srgbClr val="FFFFFF"/>
+                </a:solidFill>
+                <a:latin typeface="Aeonik" panose="020B0503030300000000" pitchFamily="34" charset="0"/>
+                <a:cs typeface="Calibri" panose="020F0502020204030204" pitchFamily="34" charset="0"/>
+              </a:rPr>
+              <a:t>Algorithm under Development</a:t>
+            </a:r>
+          </a:p>
+        </p:txBody>
+      </p:sp>
+      <p:sp>
+        <p:nvSpPr>
+          <p:cNvPr id="27" name="Down Arrow 26">
+            <a:extLst>
+              <a:ext uri="{FF2B5EF4-FFF2-40B4-BE49-F238E27FC236}">
+                <a16:creationId xmlns:a16="http://schemas.microsoft.com/office/drawing/2014/main" id="{73B458AD-4BE9-4028-D828-21876923A3AE}"/>
+              </a:ext>
+            </a:extLst>
+          </p:cNvPr>
+          <p:cNvSpPr/>
+          <p:nvPr/>
+        </p:nvSpPr>
+        <p:spPr>
+          <a:xfrm rot="10800000">
+            <a:off x="5349332" y="2304511"/>
+            <a:ext cx="281741" cy="584861"/>
+          </a:xfrm>
+          <a:prstGeom prst="downArrow">
+            <a:avLst>
+              <a:gd name="adj1" fmla="val 50000"/>
+              <a:gd name="adj2" fmla="val 21225"/>
+            </a:avLst>
+          </a:prstGeom>
+          <a:solidFill>
+            <a:schemeClr val="accent1"/>
+          </a:solidFill>
+          <a:ln>
+            <a:noFill/>
+          </a:ln>
+        </p:spPr>
+        <p:style>
+          <a:lnRef idx="2">
+            <a:schemeClr val="accent1">
+              <a:shade val="50000"/>
+            </a:schemeClr>
+          </a:lnRef>
+          <a:fillRef idx="1">
+            <a:schemeClr val="accent1"/>
+          </a:fillRef>
+          <a:effectRef idx="0">
+            <a:schemeClr val="accent1"/>
+          </a:effectRef>
+          <a:fontRef idx="minor">
+            <a:schemeClr val="lt1"/>
+          </a:fontRef>
+        </p:style>
+        <p:txBody>
+          <a:bodyPr rtlCol="0" anchor="ctr"/>
+          <a:lstStyle/>
+          <a:p>
+            <a:pPr algn="ctr"/>
+            <a:endParaRPr lang="en-GB">
               <a:solidFill>
-                <a:srgbClr val="FFFFFF"/>
+                <a:schemeClr val="lt1"/>
               </a:solidFill>
-              <a:latin typeface="+mn-lt"/>
             </a:endParaRPr>
           </a:p>
         </p:txBody>
@@ -18412,8 +18339,8 @@
         </p:nvSpPr>
         <p:spPr>
           <a:xfrm rot="16200000">
-            <a:off x="6011173" y="1999750"/>
-            <a:ext cx="494555" cy="1258756"/>
+            <a:off x="6070404" y="1987642"/>
+            <a:ext cx="304762" cy="1330091"/>
           </a:xfrm>
           <a:prstGeom prst="downArrow">
             <a:avLst>
@@ -18422,45 +18349,47 @@
             </a:avLst>
           </a:prstGeom>
           <a:solidFill>
-            <a:schemeClr val="accent6">
-              <a:lumMod val="60000"/>
-              <a:lumOff val="40000"/>
+            <a:schemeClr val="accent1"/>
+          </a:solidFill>
+          <a:ln>
+            <a:noFill/>
+          </a:ln>
+        </p:spPr>
+        <p:style>
+          <a:lnRef idx="2">
+            <a:schemeClr val="accent1">
+              <a:shade val="50000"/>
             </a:schemeClr>
-          </a:solidFill>
-          <a:ln w="9525" cap="flat" cmpd="sng" algn="ctr">
-            <a:noFill/>
-            <a:prstDash val="solid"/>
-          </a:ln>
-          <a:effectLst/>
-        </p:spPr>
+          </a:lnRef>
+          <a:fillRef idx="1">
+            <a:schemeClr val="accent1"/>
+          </a:fillRef>
+          <a:effectRef idx="0">
+            <a:schemeClr val="accent1"/>
+          </a:effectRef>
+          <a:fontRef idx="minor">
+            <a:schemeClr val="lt1"/>
+          </a:fontRef>
+        </p:style>
         <p:txBody>
-          <a:bodyPr lIns="91396" tIns="45699" rIns="91396" bIns="45699" rtlCol="0" anchor="ctr"/>
+          <a:bodyPr rtlCol="0" anchor="ctr"/>
           <a:lstStyle/>
           <a:p>
-            <a:pPr algn="ctr" defTabSz="456936" eaLnBrk="1" fontAlgn="auto" hangingPunct="1">
-              <a:spcBef>
-                <a:spcPts val="0"/>
-              </a:spcBef>
-              <a:spcAft>
-                <a:spcPts val="0"/>
-              </a:spcAft>
-              <a:defRPr/>
-            </a:pPr>
-            <a:endParaRPr lang="en-GB" sz="1467" kern="0">
+            <a:pPr algn="ctr"/>
+            <a:endParaRPr lang="en-GB">
               <a:solidFill>
-                <a:srgbClr val="FFFFFF"/>
+                <a:schemeClr val="lt1"/>
               </a:solidFill>
-              <a:latin typeface="+mn-lt"/>
             </a:endParaRPr>
           </a:p>
         </p:txBody>
       </p:sp>
       <p:sp>
         <p:nvSpPr>
-          <p:cNvPr id="29" name="Rectangle 28">
+          <p:cNvPr id="32" name="Rectangle 31">
             <a:extLst>
               <a:ext uri="{FF2B5EF4-FFF2-40B4-BE49-F238E27FC236}">
-                <a16:creationId xmlns:a16="http://schemas.microsoft.com/office/drawing/2014/main" id="{478E63B5-EDB7-BBE1-E51B-557F60F5D78A}"/>
+                <a16:creationId xmlns:a16="http://schemas.microsoft.com/office/drawing/2014/main" id="{D066F2CC-C0B1-B539-B5AE-42977C445BE7}"/>
               </a:ext>
             </a:extLst>
           </p:cNvPr>
@@ -18469,168 +18398,58 @@
         </p:nvSpPr>
         <p:spPr>
           <a:xfrm>
-            <a:off x="8855385" y="1386758"/>
-            <a:ext cx="2234154" cy="2271901"/>
+            <a:off x="9395250" y="1692512"/>
+            <a:ext cx="1584042" cy="584860"/>
           </a:xfrm>
           <a:prstGeom prst="rect">
             <a:avLst/>
           </a:prstGeom>
           <a:solidFill>
-            <a:schemeClr val="bg1">
-              <a:lumMod val="85000"/>
-              <a:alpha val="40000"/>
+            <a:schemeClr val="tx2"/>
+          </a:solidFill>
+          <a:ln w="15875">
+            <a:solidFill>
+              <a:srgbClr val="00C1DE"/>
+            </a:solidFill>
+          </a:ln>
+        </p:spPr>
+        <p:style>
+          <a:lnRef idx="2">
+            <a:schemeClr val="accent1">
+              <a:shade val="50000"/>
             </a:schemeClr>
-          </a:solidFill>
-          <a:ln w="9525" cap="flat" cmpd="sng" algn="ctr">
-            <a:noFill/>
-            <a:prstDash val="solid"/>
-          </a:ln>
-          <a:effectLst/>
-        </p:spPr>
+          </a:lnRef>
+          <a:fillRef idx="1">
+            <a:schemeClr val="accent1"/>
+          </a:fillRef>
+          <a:effectRef idx="0">
+            <a:schemeClr val="accent1"/>
+          </a:effectRef>
+          <a:fontRef idx="minor">
+            <a:schemeClr val="lt1"/>
+          </a:fontRef>
+        </p:style>
         <p:txBody>
-          <a:bodyPr vert="vert270" lIns="35985" tIns="45699" rIns="91396" bIns="45699" rtlCol="0" anchor="t"/>
+          <a:bodyPr rtlCol="0" anchor="ctr"/>
           <a:lstStyle/>
           <a:p>
-            <a:pPr algn="ctr" defTabSz="456936" eaLnBrk="1" fontAlgn="auto" hangingPunct="1">
-              <a:lnSpc>
-                <a:spcPts val="1698"/>
-              </a:lnSpc>
-              <a:spcBef>
-                <a:spcPts val="0"/>
-              </a:spcBef>
-              <a:spcAft>
-                <a:spcPts val="0"/>
-              </a:spcAft>
-              <a:defRPr/>
+            <a:pPr algn="ctr" defTabSz="1219170" eaLnBrk="0" fontAlgn="base" hangingPunct="0">
+              <a:spcBef>
+                <a:spcPct val="0"/>
+              </a:spcBef>
+              <a:spcAft>
+                <a:spcPct val="0"/>
+              </a:spcAft>
             </a:pPr>
             <a:r>
-              <a:rPr lang="en-GB" sz="1200" kern="0" dirty="0">
-                <a:solidFill>
-                  <a:srgbClr val="000000"/>
-                </a:solidFill>
-                <a:latin typeface="Aeonik" panose="020B0503030300000000"/>
-                <a:ea typeface="ＭＳ Ｐゴシック"/>
-              </a:rPr>
-              <a:t>Synchronous Data Stream (SDS) Transfer Interfaces</a:t>
-            </a:r>
-          </a:p>
-        </p:txBody>
-      </p:sp>
-      <p:sp>
-        <p:nvSpPr>
-          <p:cNvPr id="30" name="Rectangle 29">
-            <a:extLst>
-              <a:ext uri="{FF2B5EF4-FFF2-40B4-BE49-F238E27FC236}">
-                <a16:creationId xmlns:a16="http://schemas.microsoft.com/office/drawing/2014/main" id="{ABBB65E9-25A1-AAAF-EB93-229D3282C8BC}"/>
-              </a:ext>
-            </a:extLst>
-          </p:cNvPr>
-          <p:cNvSpPr/>
-          <p:nvPr/>
-        </p:nvSpPr>
-        <p:spPr>
-          <a:xfrm>
-            <a:off x="9387286" y="2972243"/>
-            <a:ext cx="1584042" cy="584860"/>
-          </a:xfrm>
-          <a:prstGeom prst="rect">
-            <a:avLst/>
-          </a:prstGeom>
-          <a:solidFill>
-            <a:srgbClr val="4E5584"/>
-          </a:solidFill>
-          <a:ln w="9525" cap="flat" cmpd="sng" algn="ctr">
-            <a:noFill/>
-            <a:prstDash val="solid"/>
-          </a:ln>
-          <a:effectLst/>
-        </p:spPr>
-        <p:txBody>
-          <a:bodyPr lIns="35985" tIns="45699" rIns="35985" bIns="45699" rtlCol="0" anchor="ctr"/>
-          <a:lstStyle/>
-          <a:p>
-            <a:pPr algn="ctr" defTabSz="456936">
-              <a:defRPr/>
-            </a:pPr>
-            <a:r>
-              <a:rPr lang="en-US" sz="1100" dirty="0">
+              <a:rPr lang="en-US" sz="1200" dirty="0">
                 <a:solidFill>
                   <a:srgbClr val="FFFFFF"/>
                 </a:solidFill>
                 <a:latin typeface="Aeonik" panose="020B0503030300000000" pitchFamily="34" charset="0"/>
                 <a:cs typeface="Calibri" panose="020F0502020204030204" pitchFamily="34" charset="0"/>
               </a:rPr>
-              <a:t>SDS Playback</a:t>
-            </a:r>
-            <a:br>
-              <a:rPr lang="en-US" sz="1100" dirty="0">
-                <a:solidFill>
-                  <a:srgbClr val="FFFFFF"/>
-                </a:solidFill>
-                <a:latin typeface="Aeonik" panose="020B0503030300000000" pitchFamily="34" charset="0"/>
-                <a:cs typeface="Calibri" panose="020F0502020204030204" pitchFamily="34" charset="0"/>
-              </a:rPr>
-            </a:br>
-            <a:r>
-              <a:rPr lang="en-US" sz="1100" dirty="0">
-                <a:solidFill>
-                  <a:srgbClr val="FFFFFF"/>
-                </a:solidFill>
-                <a:latin typeface="Aeonik" panose="020B0503030300000000" pitchFamily="34" charset="0"/>
-                <a:cs typeface="Calibri" panose="020F0502020204030204" pitchFamily="34" charset="0"/>
-              </a:rPr>
-              <a:t>Interface</a:t>
-            </a:r>
-          </a:p>
-        </p:txBody>
-      </p:sp>
-      <p:sp>
-        <p:nvSpPr>
-          <p:cNvPr id="32" name="Rectangle 31">
-            <a:extLst>
-              <a:ext uri="{FF2B5EF4-FFF2-40B4-BE49-F238E27FC236}">
-                <a16:creationId xmlns:a16="http://schemas.microsoft.com/office/drawing/2014/main" id="{D066F2CC-C0B1-B539-B5AE-42977C445BE7}"/>
-              </a:ext>
-            </a:extLst>
-          </p:cNvPr>
-          <p:cNvSpPr/>
-          <p:nvPr/>
-        </p:nvSpPr>
-        <p:spPr>
-          <a:xfrm>
-            <a:off x="9395250" y="1530387"/>
-            <a:ext cx="1584042" cy="584860"/>
-          </a:xfrm>
-          <a:prstGeom prst="rect">
-            <a:avLst/>
-          </a:prstGeom>
-          <a:solidFill>
-            <a:schemeClr val="accent6">
-              <a:lumMod val="75000"/>
-            </a:schemeClr>
-          </a:solidFill>
-          <a:ln w="9525" cap="flat" cmpd="sng" algn="ctr">
-            <a:noFill/>
-            <a:prstDash val="solid"/>
-          </a:ln>
-          <a:effectLst/>
-        </p:spPr>
-        <p:txBody>
-          <a:bodyPr lIns="35985" tIns="45699" rIns="35985" bIns="45699" rtlCol="0" anchor="ctr"/>
-          <a:lstStyle/>
-          <a:p>
-            <a:pPr algn="ctr" defTabSz="456936">
-              <a:defRPr/>
-            </a:pPr>
-            <a:r>
-              <a:rPr lang="en-US" sz="1100" dirty="0">
-                <a:solidFill>
-                  <a:srgbClr val="FFFFFF"/>
-                </a:solidFill>
-                <a:latin typeface="Aeonik" panose="020B0503030300000000" pitchFamily="34" charset="0"/>
-                <a:cs typeface="Calibri" panose="020F0502020204030204" pitchFamily="34" charset="0"/>
-              </a:rPr>
-              <a:t>User Algorithm under Development</a:t>
+              <a:t>Algorithm under Development</a:t>
             </a:r>
           </a:p>
         </p:txBody>
@@ -18649,8 +18468,8 @@
         </p:nvSpPr>
         <p:spPr>
           <a:xfrm rot="10800000">
-            <a:off x="9798739" y="2131760"/>
-            <a:ext cx="752474" cy="840179"/>
+            <a:off x="10042490" y="2283855"/>
+            <a:ext cx="281741" cy="605520"/>
           </a:xfrm>
           <a:prstGeom prst="downArrow">
             <a:avLst>
@@ -18659,35 +18478,37 @@
             </a:avLst>
           </a:prstGeom>
           <a:solidFill>
-            <a:schemeClr val="accent6">
-              <a:lumMod val="60000"/>
-              <a:lumOff val="40000"/>
+            <a:schemeClr val="accent1"/>
+          </a:solidFill>
+          <a:ln>
+            <a:noFill/>
+          </a:ln>
+        </p:spPr>
+        <p:style>
+          <a:lnRef idx="2">
+            <a:schemeClr val="accent1">
+              <a:shade val="50000"/>
             </a:schemeClr>
-          </a:solidFill>
-          <a:ln w="9525" cap="flat" cmpd="sng" algn="ctr">
-            <a:noFill/>
-            <a:prstDash val="solid"/>
-          </a:ln>
-          <a:effectLst/>
-        </p:spPr>
+          </a:lnRef>
+          <a:fillRef idx="1">
+            <a:schemeClr val="accent1"/>
+          </a:fillRef>
+          <a:effectRef idx="0">
+            <a:schemeClr val="accent1"/>
+          </a:effectRef>
+          <a:fontRef idx="minor">
+            <a:schemeClr val="lt1"/>
+          </a:fontRef>
+        </p:style>
         <p:txBody>
-          <a:bodyPr lIns="91396" tIns="45699" rIns="91396" bIns="45699" rtlCol="0" anchor="ctr"/>
+          <a:bodyPr rtlCol="0" anchor="ctr"/>
           <a:lstStyle/>
           <a:p>
-            <a:pPr algn="ctr" defTabSz="456936" eaLnBrk="1" fontAlgn="auto" hangingPunct="1">
-              <a:spcBef>
-                <a:spcPts val="0"/>
-              </a:spcBef>
-              <a:spcAft>
-                <a:spcPts val="0"/>
-              </a:spcAft>
-              <a:defRPr/>
-            </a:pPr>
-            <a:endParaRPr lang="en-GB" sz="1467" kern="0">
+            <a:pPr algn="ctr"/>
+            <a:endParaRPr lang="en-GB">
               <a:solidFill>
-                <a:srgbClr val="FFFFFF"/>
+                <a:schemeClr val="lt1"/>
               </a:solidFill>
-              <a:latin typeface="+mn-lt"/>
             </a:endParaRPr>
           </a:p>
         </p:txBody>
@@ -18706,8 +18527,8 @@
         </p:nvSpPr>
         <p:spPr>
           <a:xfrm>
-            <a:off x="3917903" y="5648343"/>
-            <a:ext cx="4663682" cy="166199"/>
+            <a:off x="4115789" y="4707338"/>
+            <a:ext cx="4663682" cy="152349"/>
           </a:xfrm>
           <a:prstGeom prst="rect">
             <a:avLst/>
@@ -18734,7 +18555,7 @@
               <a:buNone/>
             </a:pPr>
             <a:r>
-              <a:rPr lang="en-US" sz="1200" i="1" dirty="0">
+              <a:rPr lang="en-US" sz="1100" i="1" dirty="0">
                 <a:solidFill>
                   <a:schemeClr val="tx2"/>
                 </a:solidFill>
@@ -18742,7 +18563,7 @@
               </a:rPr>
               <a:t>Record physical sensor (real-world) data using MCU hardware</a:t>
             </a:r>
-            <a:endParaRPr lang="en-US" sz="1200" i="1" kern="1200" dirty="0">
+            <a:endParaRPr lang="en-US" sz="1100" i="1" kern="1200" dirty="0">
               <a:solidFill>
                 <a:schemeClr val="tx2"/>
               </a:solidFill>
@@ -18765,8 +18586,8 @@
         </p:nvSpPr>
         <p:spPr>
           <a:xfrm>
-            <a:off x="8570086" y="5635992"/>
-            <a:ext cx="2669346" cy="166199"/>
+            <a:off x="8975217" y="4707338"/>
+            <a:ext cx="2669346" cy="152349"/>
           </a:xfrm>
           <a:prstGeom prst="rect">
             <a:avLst/>
@@ -18793,13 +18614,13 @@
               <a:buNone/>
             </a:pPr>
             <a:r>
-              <a:rPr lang="en-US" sz="1200" i="1" dirty="0">
+              <a:rPr lang="en-US" sz="1100" i="1" dirty="0">
                 <a:solidFill>
                   <a:schemeClr val="tx2"/>
                 </a:solidFill>
                 <a:latin typeface="Aeonik" panose="020B0503030300000000"/>
               </a:rPr>
-              <a:t>Playback real-world data for verification</a:t>
+              <a:t>Playback real-world data in CI</a:t>
             </a:r>
           </a:p>
         </p:txBody>
@@ -18846,7 +18667,7 @@
               <a:buNone/>
             </a:pPr>
             <a:r>
-              <a:rPr lang="en-US" sz="1600" kern="1200">
+              <a:rPr lang="en-US" sz="1600" kern="1200" dirty="0">
                 <a:solidFill>
                   <a:schemeClr val="tx2"/>
                 </a:solidFill>
@@ -18871,7 +18692,7 @@
               <a:buFont typeface="Arial" panose="020B0604020202020204" pitchFamily="34" charset="0"/>
               <a:buNone/>
             </a:pPr>
-            <a:endParaRPr lang="en-US" sz="1600">
+            <a:endParaRPr lang="en-US" sz="1600" dirty="0">
               <a:solidFill>
                 <a:schemeClr val="tx2"/>
               </a:solidFill>
@@ -18894,7 +18715,7 @@
               <a:buChar char="•"/>
             </a:pPr>
             <a:r>
-              <a:rPr lang="en-US" sz="1600" kern="1200">
+              <a:rPr lang="en-US" sz="1600" kern="1200" dirty="0">
                 <a:solidFill>
                   <a:schemeClr val="tx2"/>
                 </a:solidFill>
@@ -18919,7 +18740,7 @@
               <a:buFont typeface="Arial" panose="020B0604020202020204" pitchFamily="34" charset="0"/>
               <a:buChar char="•"/>
             </a:pPr>
-            <a:endParaRPr lang="en-US" sz="1600">
+            <a:endParaRPr lang="en-US" sz="1600" dirty="0">
               <a:solidFill>
                 <a:schemeClr val="tx2"/>
               </a:solidFill>
@@ -18942,7 +18763,7 @@
               <a:buChar char="•"/>
             </a:pPr>
             <a:r>
-              <a:rPr lang="en-US" sz="1600">
+              <a:rPr lang="en-US" sz="1600" dirty="0">
                 <a:solidFill>
                   <a:schemeClr val="tx2"/>
                 </a:solidFill>
@@ -18966,7 +18787,7 @@
               <a:buFont typeface="Arial" panose="020B0604020202020204" pitchFamily="34" charset="0"/>
               <a:buChar char="•"/>
             </a:pPr>
-            <a:endParaRPr lang="en-US" sz="1600" kern="1200">
+            <a:endParaRPr lang="en-US" sz="1600" kern="1200" dirty="0">
               <a:solidFill>
                 <a:schemeClr val="tx2"/>
               </a:solidFill>
@@ -18990,7 +18811,7 @@
               <a:buChar char="•"/>
             </a:pPr>
             <a:r>
-              <a:rPr lang="en-US" sz="1600" kern="1200">
+              <a:rPr lang="en-US" sz="1600" kern="1200" dirty="0">
                 <a:solidFill>
                   <a:schemeClr val="tx2"/>
                 </a:solidFill>
@@ -19001,7 +18822,7 @@
               <a:t>When capturing Algorith</a:t>
             </a:r>
             <a:r>
-              <a:rPr lang="en-US" sz="1600">
+              <a:rPr lang="en-US" sz="1600" dirty="0">
                 <a:solidFill>
                   <a:schemeClr val="tx2"/>
                 </a:solidFill>
@@ -19011,7 +18832,7 @@
               <a:t>m outputs, validation for regression</a:t>
             </a:r>
             <a:br>
-              <a:rPr lang="en-US" sz="1600">
+              <a:rPr lang="en-US" sz="1600" dirty="0">
                 <a:solidFill>
                   <a:schemeClr val="tx2"/>
                 </a:solidFill>
@@ -19019,7 +18840,7 @@
                 <a:ea typeface="+mn-ea"/>
               </a:rPr>
             </a:br>
-            <a:endParaRPr lang="en-US" sz="1600">
+            <a:endParaRPr lang="en-US" sz="1600" dirty="0">
               <a:solidFill>
                 <a:schemeClr val="tx2"/>
               </a:solidFill>
@@ -19040,7 +18861,7 @@
               </a:spcAft>
             </a:pPr>
             <a:r>
-              <a:rPr lang="en-US" sz="1600">
+              <a:rPr lang="en-US" sz="1600" dirty="0">
                 <a:solidFill>
                   <a:schemeClr val="tx2"/>
                 </a:solidFill>
@@ -19063,7 +18884,7 @@
               </a:spcAft>
             </a:pPr>
             <a:r>
-              <a:rPr lang="en-US" sz="1600" kern="1200">
+              <a:rPr lang="en-US" sz="1600" kern="1200" dirty="0">
                 <a:solidFill>
                   <a:schemeClr val="tx2"/>
                 </a:solidFill>
@@ -19079,7 +18900,7 @@
               </a:rPr>
               <a:t>https://github.com/ARM-software/CMSIS-DSP/tree/main/ComputeGraph</a:t>
             </a:r>
-            <a:endParaRPr lang="en-US" sz="1600" kern="1200">
+            <a:endParaRPr lang="en-US" sz="1600" kern="1200" dirty="0">
               <a:solidFill>
                 <a:schemeClr val="tx2"/>
               </a:solidFill>
@@ -19099,7 +18920,7 @@
                 <a:spcPts val="600"/>
               </a:spcAft>
             </a:pPr>
-            <a:endParaRPr lang="en-US" sz="1600">
+            <a:endParaRPr lang="en-US" sz="1600" dirty="0">
               <a:solidFill>
                 <a:schemeClr val="tx2"/>
               </a:solidFill>
@@ -19122,7 +18943,7 @@
               </a:spcAft>
             </a:pPr>
             <a:r>
-              <a:rPr lang="en-US" sz="1600">
+              <a:rPr lang="en-US" sz="1600" dirty="0">
                 <a:solidFill>
                   <a:schemeClr val="tx2"/>
                 </a:solidFill>
@@ -19145,7 +18966,7 @@
               </a:spcAft>
             </a:pPr>
             <a:r>
-              <a:rPr lang="en-US" sz="1600" kern="1200">
+              <a:rPr lang="en-US" sz="1600" kern="1200" dirty="0">
                 <a:solidFill>
                   <a:schemeClr val="tx2"/>
                 </a:solidFill>
@@ -19156,7 +18977,7 @@
               </a:rPr>
               <a:t>https://github.com/RobertRostohar/SDS-Framework</a:t>
             </a:r>
-            <a:endParaRPr lang="en-US" sz="1600" kern="1200">
+            <a:endParaRPr lang="en-US" sz="1600" kern="1200" dirty="0">
               <a:solidFill>
                 <a:schemeClr val="tx2"/>
               </a:solidFill>
@@ -19178,7 +18999,7 @@
                 <a:spcPts val="600"/>
               </a:spcAft>
             </a:pPr>
-            <a:endParaRPr lang="en-US" sz="1600" kern="1200">
+            <a:endParaRPr lang="en-US" sz="1600" kern="1200" dirty="0">
               <a:solidFill>
                 <a:schemeClr val="tx2"/>
               </a:solidFill>
@@ -19244,7 +19065,7 @@
         </p:blipFill>
         <p:spPr>
           <a:xfrm>
-            <a:off x="5305203" y="4697436"/>
+            <a:off x="5311688" y="4003538"/>
             <a:ext cx="371504" cy="471311"/>
           </a:xfrm>
           <a:prstGeom prst="rect">
@@ -19266,7 +19087,7 @@
         </p:nvSpPr>
         <p:spPr>
           <a:xfrm>
-            <a:off x="4962224" y="5205742"/>
+            <a:off x="4968709" y="4495203"/>
             <a:ext cx="1110864" cy="147797"/>
           </a:xfrm>
           <a:prstGeom prst="rect">
@@ -19342,7 +19163,7 @@
         </p:blipFill>
         <p:spPr>
           <a:xfrm>
-            <a:off x="7529149" y="4783074"/>
+            <a:off x="7516179" y="4037296"/>
             <a:ext cx="306905" cy="391304"/>
           </a:xfrm>
           <a:prstGeom prst="rect">
@@ -19364,8 +19185,8 @@
         </p:nvSpPr>
         <p:spPr>
           <a:xfrm>
-            <a:off x="7071713" y="5229376"/>
-            <a:ext cx="1266267" cy="295594"/>
+            <a:off x="7033676" y="4495203"/>
+            <a:ext cx="1266267" cy="147797"/>
           </a:xfrm>
           <a:prstGeom prst="rect">
             <a:avLst/>
@@ -19401,15 +19222,8 @@
                 <a:ea typeface="ＭＳ Ｐゴシック" panose="020B0600070205080204" pitchFamily="34" charset="-128"/>
                 <a:cs typeface="Calibri" panose="020F0502020204030204" pitchFamily="34" charset="0"/>
               </a:rPr>
-              <a:t>Physical Sensor</a:t>
-            </a:r>
-            <a:br>
-              <a:rPr lang="en-US" sz="1067" b="1" dirty="0">
-                <a:latin typeface="Aeonik" panose="020B0503030300000000" pitchFamily="34" charset="0"/>
-                <a:ea typeface="ＭＳ Ｐゴシック" panose="020B0600070205080204" pitchFamily="34" charset="-128"/>
-                <a:cs typeface="Calibri" panose="020F0502020204030204" pitchFamily="34" charset="0"/>
-              </a:rPr>
-            </a:br>
+              <a:t>Physical Sensor </a:t>
+            </a:r>
             <a:r>
               <a:rPr kumimoji="0" lang="en-US" sz="1067" b="1" i="0" u="none" strike="noStrike" kern="1200" cap="none" spc="0" normalizeH="0" baseline="0" noProof="0" dirty="0">
                 <a:ln>
@@ -19422,7 +19236,7 @@
                 <a:ea typeface="ＭＳ Ｐゴシック" panose="020B0600070205080204" pitchFamily="34" charset="-128"/>
                 <a:cs typeface="Calibri" panose="020F0502020204030204" pitchFamily="34" charset="0"/>
               </a:rPr>
-              <a:t>Input Data</a:t>
+              <a:t>Data</a:t>
             </a:r>
           </a:p>
         </p:txBody>
@@ -19455,7 +19269,7 @@
         </p:blipFill>
         <p:spPr>
           <a:xfrm>
-            <a:off x="10037863" y="4742799"/>
+            <a:off x="10057318" y="4048901"/>
             <a:ext cx="306905" cy="391304"/>
           </a:xfrm>
           <a:prstGeom prst="rect">
@@ -19477,8 +19291,8 @@
         </p:nvSpPr>
         <p:spPr>
           <a:xfrm>
-            <a:off x="9580427" y="5189101"/>
-            <a:ext cx="1266267" cy="295594"/>
+            <a:off x="9586912" y="4495203"/>
+            <a:ext cx="1266267" cy="147797"/>
           </a:xfrm>
           <a:prstGeom prst="rect">
             <a:avLst/>
@@ -19514,15 +19328,8 @@
                 <a:ea typeface="ＭＳ Ｐゴシック" panose="020B0600070205080204" pitchFamily="34" charset="-128"/>
                 <a:cs typeface="Calibri" panose="020F0502020204030204" pitchFamily="34" charset="0"/>
               </a:rPr>
-              <a:t>Physical Sensor</a:t>
-            </a:r>
-            <a:br>
-              <a:rPr lang="en-US" sz="1067" b="1" dirty="0">
-                <a:latin typeface="Aeonik" panose="020B0503030300000000" pitchFamily="34" charset="0"/>
-                <a:ea typeface="ＭＳ Ｐゴシック" panose="020B0600070205080204" pitchFamily="34" charset="-128"/>
-                <a:cs typeface="Calibri" panose="020F0502020204030204" pitchFamily="34" charset="0"/>
-              </a:rPr>
-            </a:br>
+              <a:t>Physical Sensor </a:t>
+            </a:r>
             <a:r>
               <a:rPr kumimoji="0" lang="en-US" sz="1067" b="1" i="0" u="none" strike="noStrike" kern="1200" cap="none" spc="0" normalizeH="0" baseline="0" noProof="0" dirty="0">
                 <a:ln>
@@ -19535,7 +19342,7 @@
                 <a:ea typeface="ＭＳ Ｐゴシック" panose="020B0600070205080204" pitchFamily="34" charset="-128"/>
                 <a:cs typeface="Calibri" panose="020F0502020204030204" pitchFamily="34" charset="0"/>
               </a:rPr>
-              <a:t>Input Data</a:t>
+              <a:t>Data</a:t>
             </a:r>
           </a:p>
         </p:txBody>
@@ -19556,8 +19363,8 @@
         </p:nvSpPr>
         <p:spPr>
           <a:xfrm>
-            <a:off x="3686097" y="1167217"/>
-            <a:ext cx="5365218" cy="194493"/>
+            <a:off x="4539366" y="1420132"/>
+            <a:ext cx="4052788" cy="194493"/>
           </a:xfrm>
           <a:prstGeom prst="rect">
             <a:avLst/>
@@ -19872,8 +19679,8 @@
         </p:nvSpPr>
         <p:spPr>
           <a:xfrm>
-            <a:off x="8855385" y="1162796"/>
-            <a:ext cx="2234154" cy="194493"/>
+            <a:off x="9295413" y="1415711"/>
+            <a:ext cx="1794126" cy="194493"/>
           </a:xfrm>
           <a:prstGeom prst="rect">
             <a:avLst/>
@@ -20186,8 +19993,8 @@
         </p:nvSpPr>
         <p:spPr>
           <a:xfrm rot="16200000">
-            <a:off x="8731256" y="4286536"/>
-            <a:ext cx="494555" cy="1407074"/>
+            <a:off x="8828181" y="3488523"/>
+            <a:ext cx="290294" cy="1430460"/>
           </a:xfrm>
           <a:prstGeom prst="downArrow">
             <a:avLst>
@@ -20196,36 +20003,202 @@
             </a:avLst>
           </a:prstGeom>
           <a:solidFill>
-            <a:schemeClr val="accent6">
-              <a:lumMod val="60000"/>
-              <a:lumOff val="40000"/>
+            <a:schemeClr val="accent1"/>
+          </a:solidFill>
+          <a:ln>
+            <a:noFill/>
+          </a:ln>
+        </p:spPr>
+        <p:style>
+          <a:lnRef idx="2">
+            <a:schemeClr val="accent1">
+              <a:shade val="50000"/>
             </a:schemeClr>
+          </a:lnRef>
+          <a:fillRef idx="1">
+            <a:schemeClr val="accent1"/>
+          </a:fillRef>
+          <a:effectRef idx="0">
+            <a:schemeClr val="accent1"/>
+          </a:effectRef>
+          <a:fontRef idx="minor">
+            <a:schemeClr val="lt1"/>
+          </a:fontRef>
+        </p:style>
+        <p:txBody>
+          <a:bodyPr rtlCol="0" anchor="ctr"/>
+          <a:lstStyle/>
+          <a:p>
+            <a:pPr algn="ctr"/>
+            <a:endParaRPr lang="en-GB">
+              <a:solidFill>
+                <a:schemeClr val="lt1"/>
+              </a:solidFill>
+            </a:endParaRPr>
+          </a:p>
+        </p:txBody>
+      </p:sp>
+      <p:pic>
+        <p:nvPicPr>
+          <p:cNvPr id="16" name="Picture 8">
+            <a:extLst>
+              <a:ext uri="{FF2B5EF4-FFF2-40B4-BE49-F238E27FC236}">
+                <a16:creationId xmlns:a16="http://schemas.microsoft.com/office/drawing/2014/main" id="{CBA7BC1A-B6B5-154C-EC88-A218068B3747}"/>
+              </a:ext>
+            </a:extLst>
+          </p:cNvPr>
+          <p:cNvPicPr>
+            <a:picLocks noChangeAspect="1" noChangeArrowheads="1"/>
+          </p:cNvPicPr>
+          <p:nvPr/>
+        </p:nvPicPr>
+        <p:blipFill>
+          <a:blip r:embed="rId11">
+            <a:extLst>
+              <a:ext uri="{28A0092B-C50C-407E-A947-70E740481C1C}">
+                <a14:useLocalDpi xmlns:a14="http://schemas.microsoft.com/office/drawing/2010/main" val="0"/>
+              </a:ext>
+            </a:extLst>
+          </a:blip>
+          <a:srcRect/>
+          <a:stretch>
+            <a:fillRect/>
+          </a:stretch>
+        </p:blipFill>
+        <p:spPr bwMode="auto">
+          <a:xfrm>
+            <a:off x="7104610" y="2834057"/>
+            <a:ext cx="356681" cy="356681"/>
+          </a:xfrm>
+          <a:prstGeom prst="rect">
+            <a:avLst/>
+          </a:prstGeom>
+          <a:noFill/>
+          <a:extLst>
+            <a:ext uri="{909E8E84-426E-40DD-AFC4-6F175D3DCCD1}">
+              <a14:hiddenFill xmlns:a14="http://schemas.microsoft.com/office/drawing/2010/main">
+                <a:solidFill>
+                  <a:srgbClr val="FFFFFF"/>
+                </a:solidFill>
+              </a14:hiddenFill>
+            </a:ext>
+          </a:extLst>
+        </p:spPr>
+      </p:pic>
+      <p:pic>
+        <p:nvPicPr>
+          <p:cNvPr id="17" name="Picture 10">
+            <a:extLst>
+              <a:ext uri="{FF2B5EF4-FFF2-40B4-BE49-F238E27FC236}">
+                <a16:creationId xmlns:a16="http://schemas.microsoft.com/office/drawing/2014/main" id="{016F7E4B-2378-E147-179C-6CC719F15B83}"/>
+              </a:ext>
+            </a:extLst>
+          </p:cNvPr>
+          <p:cNvPicPr>
+            <a:picLocks noChangeAspect="1" noChangeArrowheads="1"/>
+          </p:cNvPicPr>
+          <p:nvPr/>
+        </p:nvPicPr>
+        <p:blipFill>
+          <a:blip r:embed="rId12">
+            <a:extLst>
+              <a:ext uri="{28A0092B-C50C-407E-A947-70E740481C1C}">
+                <a14:useLocalDpi xmlns:a14="http://schemas.microsoft.com/office/drawing/2010/main" val="0"/>
+              </a:ext>
+            </a:extLst>
+          </a:blip>
+          <a:srcRect/>
+          <a:stretch>
+            <a:fillRect/>
+          </a:stretch>
+        </p:blipFill>
+        <p:spPr bwMode="auto">
+          <a:xfrm>
+            <a:off x="7826639" y="2881827"/>
+            <a:ext cx="583660" cy="280157"/>
+          </a:xfrm>
+          <a:prstGeom prst="rect">
+            <a:avLst/>
+          </a:prstGeom>
+          <a:noFill/>
+          <a:extLst>
+            <a:ext uri="{909E8E84-426E-40DD-AFC4-6F175D3DCCD1}">
+              <a14:hiddenFill xmlns:a14="http://schemas.microsoft.com/office/drawing/2010/main">
+                <a:solidFill>
+                  <a:srgbClr val="FFFFFF"/>
+                </a:solidFill>
+              </a14:hiddenFill>
+            </a:ext>
+          </a:extLst>
+        </p:spPr>
+      </p:pic>
+      <p:sp>
+        <p:nvSpPr>
+          <p:cNvPr id="30" name="Rectangle 29">
+            <a:extLst>
+              <a:ext uri="{FF2B5EF4-FFF2-40B4-BE49-F238E27FC236}">
+                <a16:creationId xmlns:a16="http://schemas.microsoft.com/office/drawing/2014/main" id="{ABBB65E9-25A1-AAAF-EB93-229D3282C8BC}"/>
+              </a:ext>
+            </a:extLst>
+          </p:cNvPr>
+          <p:cNvSpPr/>
+          <p:nvPr/>
+        </p:nvSpPr>
+        <p:spPr>
+          <a:xfrm>
+            <a:off x="9395248" y="2881453"/>
+            <a:ext cx="1584043" cy="301752"/>
+          </a:xfrm>
+          <a:prstGeom prst="rect">
+            <a:avLst/>
+          </a:prstGeom>
+          <a:solidFill>
+            <a:schemeClr val="tx2"/>
           </a:solidFill>
-          <a:ln w="9525" cap="flat" cmpd="sng" algn="ctr">
-            <a:noFill/>
-            <a:prstDash val="solid"/>
+          <a:ln w="15875">
+            <a:solidFill>
+              <a:srgbClr val="00C1DE"/>
+            </a:solidFill>
           </a:ln>
-          <a:effectLst/>
-        </p:spPr>
+        </p:spPr>
+        <p:style>
+          <a:lnRef idx="2">
+            <a:schemeClr val="accent1">
+              <a:shade val="50000"/>
+            </a:schemeClr>
+          </a:lnRef>
+          <a:fillRef idx="1">
+            <a:schemeClr val="accent1"/>
+          </a:fillRef>
+          <a:effectRef idx="0">
+            <a:schemeClr val="accent1"/>
+          </a:effectRef>
+          <a:fontRef idx="minor">
+            <a:schemeClr val="lt1"/>
+          </a:fontRef>
+        </p:style>
         <p:txBody>
-          <a:bodyPr lIns="91396" tIns="45699" rIns="91396" bIns="45699" rtlCol="0" anchor="ctr"/>
+          <a:bodyPr rtlCol="0" anchor="ctr"/>
           <a:lstStyle/>
           <a:p>
-            <a:pPr algn="ctr" defTabSz="456936" eaLnBrk="1" fontAlgn="auto" hangingPunct="1">
-              <a:spcBef>
-                <a:spcPts val="0"/>
-              </a:spcBef>
-              <a:spcAft>
-                <a:spcPts val="0"/>
-              </a:spcAft>
-              <a:defRPr/>
+            <a:pPr algn="ctr" defTabSz="1219170" eaLnBrk="0" fontAlgn="base" hangingPunct="0">
+              <a:spcBef>
+                <a:spcPct val="0"/>
+              </a:spcBef>
+              <a:spcAft>
+                <a:spcPct val="0"/>
+              </a:spcAft>
             </a:pPr>
-            <a:endParaRPr lang="en-GB" sz="1467" kern="0">
-              <a:solidFill>
-                <a:srgbClr val="FFFFFF"/>
-              </a:solidFill>
-              <a:latin typeface="+mn-lt"/>
-            </a:endParaRPr>
+            <a:r>
+              <a:rPr lang="en-US" sz="1200" dirty="0">
+                <a:solidFill>
+                  <a:srgbClr val="FFFFFF"/>
+                </a:solidFill>
+                <a:latin typeface="Aeonik" panose="020B0503030300000000" pitchFamily="34" charset="0"/>
+                <a:cs typeface="Calibri" panose="020F0502020204030204" pitchFamily="34" charset="0"/>
+              </a:rPr>
+              <a:t>SDS Player</a:t>
+            </a:r>
           </a:p>
         </p:txBody>
       </p:sp>
@@ -20279,15 +20252,15 @@
         </p:nvSpPr>
         <p:spPr>
           <a:xfrm>
-            <a:off x="2444885" y="1582588"/>
-            <a:ext cx="4980599" cy="2230653"/>
+            <a:off x="7101186" y="1582588"/>
+            <a:ext cx="4559035" cy="2230653"/>
           </a:xfrm>
           <a:prstGeom prst="rect">
             <a:avLst/>
           </a:prstGeom>
           <a:solidFill>
             <a:schemeClr val="bg1">
-              <a:lumMod val="50000"/>
+              <a:lumMod val="75000"/>
               <a:alpha val="35000"/>
             </a:schemeClr>
           </a:solidFill>
@@ -20393,7 +20366,7 @@
         </p:nvSpPr>
         <p:spPr>
           <a:xfrm>
-            <a:off x="2579114" y="1645794"/>
+            <a:off x="7235415" y="1645794"/>
             <a:ext cx="4846370" cy="194493"/>
           </a:xfrm>
           <a:prstGeom prst="rect">
@@ -20711,7 +20684,7 @@
         </p:nvCxnSpPr>
         <p:spPr>
           <a:xfrm>
-            <a:off x="4425719" y="2206450"/>
+            <a:off x="9082020" y="2206450"/>
             <a:ext cx="691309" cy="4996"/>
           </a:xfrm>
           <a:prstGeom prst="straightConnector1">
@@ -20751,13 +20724,12 @@
           <p:cNvCxnSpPr>
             <a:cxnSpLocks/>
             <a:stCxn id="107" idx="3"/>
-            <a:endCxn id="108" idx="1"/>
           </p:cNvCxnSpPr>
           <p:nvPr/>
         </p:nvCxnSpPr>
         <p:spPr>
           <a:xfrm flipV="1">
-            <a:off x="6020348" y="2204681"/>
+            <a:off x="10676649" y="2204681"/>
             <a:ext cx="691310" cy="6765"/>
           </a:xfrm>
           <a:prstGeom prst="straightConnector1">
@@ -20801,7 +20773,7 @@
         </p:nvCxnSpPr>
         <p:spPr>
           <a:xfrm>
-            <a:off x="4764744" y="2206450"/>
+            <a:off x="9421045" y="2206450"/>
             <a:ext cx="4553" cy="485261"/>
           </a:xfrm>
           <a:prstGeom prst="straightConnector1">
@@ -20857,7 +20829,7 @@
         </p:blipFill>
         <p:spPr>
           <a:xfrm>
-            <a:off x="4617927" y="4863641"/>
+            <a:off x="9274228" y="4863641"/>
             <a:ext cx="306905" cy="391304"/>
           </a:xfrm>
           <a:prstGeom prst="rect">
@@ -20879,7 +20851,7 @@
         </p:nvSpPr>
         <p:spPr>
           <a:xfrm>
-            <a:off x="4406888" y="5309943"/>
+            <a:off x="9063189" y="5309943"/>
             <a:ext cx="726789" cy="295594"/>
           </a:xfrm>
           <a:prstGeom prst="rect">
@@ -20968,7 +20940,7 @@
         </p:nvSpPr>
         <p:spPr>
           <a:xfrm>
-            <a:off x="3453719" y="1987473"/>
+            <a:off x="8110020" y="1987473"/>
             <a:ext cx="972000" cy="437953"/>
           </a:xfrm>
           <a:prstGeom prst="flowChartProcess">
@@ -21054,7 +21026,7 @@
         </p:nvSpPr>
         <p:spPr>
           <a:xfrm>
-            <a:off x="5117028" y="1992469"/>
+            <a:off x="9773329" y="1992469"/>
             <a:ext cx="903320" cy="437954"/>
           </a:xfrm>
           <a:prstGeom prst="flowChartProcess">
@@ -21128,10 +21100,10 @@
       </p:sp>
       <p:sp>
         <p:nvSpPr>
-          <p:cNvPr id="108" name="Process 107">
+          <p:cNvPr id="109" name="Process 108">
             <a:extLst>
               <a:ext uri="{FF2B5EF4-FFF2-40B4-BE49-F238E27FC236}">
-                <a16:creationId xmlns:a16="http://schemas.microsoft.com/office/drawing/2014/main" id="{0E405967-15A6-463E-1215-43F0491330F6}"/>
+                <a16:creationId xmlns:a16="http://schemas.microsoft.com/office/drawing/2014/main" id="{F319E326-CB5B-9744-994A-4E8B3A55210A}"/>
               </a:ext>
             </a:extLst>
           </p:cNvPr>
@@ -21140,8 +21112,8 @@
         </p:nvSpPr>
         <p:spPr>
           <a:xfrm>
-            <a:off x="6711658" y="1985704"/>
-            <a:ext cx="599886" cy="437954"/>
+            <a:off x="8890928" y="2698196"/>
+            <a:ext cx="1069340" cy="394963"/>
           </a:xfrm>
           <a:prstGeom prst="flowChartProcess">
             <a:avLst/>
@@ -21172,7 +21144,7 @@
           </a:fontRef>
         </p:style>
         <p:txBody>
-          <a:bodyPr lIns="0" rIns="0" rtlCol="0" anchor="ctr"/>
+          <a:bodyPr rtlCol="0" anchor="ctr"/>
           <a:lstStyle/>
           <a:p>
             <a:pPr marL="0" marR="0" lvl="0" indent="0" algn="ctr" defTabSz="1219170" rtl="0" eaLnBrk="0" fontAlgn="base" latinLnBrk="0" hangingPunct="0">
@@ -21207,17 +21179,397 @@
                 <a:ea typeface="+mn-ea"/>
                 <a:cs typeface="Calibri" panose="020F0502020204030204" pitchFamily="34" charset="0"/>
               </a:rPr>
-              <a:t>Output</a:t>
+              <a:t>SDS Recorder </a:t>
+            </a:r>
+          </a:p>
+        </p:txBody>
+      </p:sp>
+      <p:cxnSp>
+        <p:nvCxnSpPr>
+          <p:cNvPr id="2" name="Straight Arrow Connector 1">
+            <a:extLst>
+              <a:ext uri="{FF2B5EF4-FFF2-40B4-BE49-F238E27FC236}">
+                <a16:creationId xmlns:a16="http://schemas.microsoft.com/office/drawing/2014/main" id="{169A0EAE-7522-7C0D-E02C-386F4435FE68}"/>
+              </a:ext>
+            </a:extLst>
+          </p:cNvPr>
+          <p:cNvCxnSpPr>
+            <a:cxnSpLocks/>
+            <a:endCxn id="88" idx="0"/>
+          </p:cNvCxnSpPr>
+          <p:nvPr/>
+        </p:nvCxnSpPr>
+        <p:spPr>
+          <a:xfrm>
+            <a:off x="9425598" y="4448552"/>
+            <a:ext cx="2083" cy="415089"/>
+          </a:xfrm>
+          <a:prstGeom prst="straightConnector1">
+            <a:avLst/>
+          </a:prstGeom>
+          <a:ln w="15875">
+            <a:solidFill>
+              <a:schemeClr val="accent1"/>
+            </a:solidFill>
+            <a:tailEnd type="triangle"/>
+          </a:ln>
+        </p:spPr>
+        <p:style>
+          <a:lnRef idx="1">
+            <a:schemeClr val="accent1"/>
+          </a:lnRef>
+          <a:fillRef idx="0">
+            <a:schemeClr val="accent1"/>
+          </a:fillRef>
+          <a:effectRef idx="0">
+            <a:schemeClr val="accent1"/>
+          </a:effectRef>
+          <a:fontRef idx="minor">
+            <a:schemeClr val="tx1"/>
+          </a:fontRef>
+        </p:style>
+      </p:cxnSp>
+      <p:cxnSp>
+        <p:nvCxnSpPr>
+          <p:cNvPr id="6" name="Straight Arrow Connector 5">
+            <a:extLst>
+              <a:ext uri="{FF2B5EF4-FFF2-40B4-BE49-F238E27FC236}">
+                <a16:creationId xmlns:a16="http://schemas.microsoft.com/office/drawing/2014/main" id="{E7858462-5F0E-7DA9-4A5E-7866D4A7E7A8}"/>
+              </a:ext>
+            </a:extLst>
+          </p:cNvPr>
+          <p:cNvCxnSpPr>
+            <a:cxnSpLocks/>
+          </p:cNvCxnSpPr>
+          <p:nvPr/>
+        </p:nvCxnSpPr>
+        <p:spPr>
+          <a:xfrm>
+            <a:off x="11009666" y="2206449"/>
+            <a:ext cx="0" cy="481084"/>
+          </a:xfrm>
+          <a:prstGeom prst="straightConnector1">
+            <a:avLst/>
+          </a:prstGeom>
+          <a:ln w="15875">
+            <a:solidFill>
+              <a:schemeClr val="accent1"/>
+            </a:solidFill>
+            <a:tailEnd type="triangle"/>
+          </a:ln>
+        </p:spPr>
+        <p:style>
+          <a:lnRef idx="1">
+            <a:schemeClr val="accent1"/>
+          </a:lnRef>
+          <a:fillRef idx="0">
+            <a:schemeClr val="accent1"/>
+          </a:fillRef>
+          <a:effectRef idx="0">
+            <a:schemeClr val="accent1"/>
+          </a:effectRef>
+          <a:fontRef idx="minor">
+            <a:schemeClr val="tx1"/>
+          </a:fontRef>
+        </p:style>
+      </p:cxnSp>
+      <p:pic>
+        <p:nvPicPr>
+          <p:cNvPr id="7" name="Graphic 6">
+            <a:extLst>
+              <a:ext uri="{FF2B5EF4-FFF2-40B4-BE49-F238E27FC236}">
+                <a16:creationId xmlns:a16="http://schemas.microsoft.com/office/drawing/2014/main" id="{0C9563CB-2541-150A-8EBA-F18E3A17000C}"/>
+              </a:ext>
+            </a:extLst>
+          </p:cNvPr>
+          <p:cNvPicPr>
+            <a:picLocks noChangeAspect="1"/>
+          </p:cNvPicPr>
+          <p:nvPr/>
+        </p:nvPicPr>
+        <p:blipFill>
+          <a:blip r:embed="rId7">
+            <a:extLst>
+              <a:ext uri="{96DAC541-7B7A-43D3-8B79-37D633B846F1}">
+                <asvg:svgBlip xmlns:asvg="http://schemas.microsoft.com/office/drawing/2016/SVG/main" r:embed="rId8"/>
+              </a:ext>
+            </a:extLst>
+          </a:blip>
+          <a:stretch>
+            <a:fillRect/>
+          </a:stretch>
+        </p:blipFill>
+        <p:spPr>
+          <a:xfrm>
+            <a:off x="10844474" y="4884107"/>
+            <a:ext cx="306905" cy="391304"/>
+          </a:xfrm>
+          <a:prstGeom prst="rect">
+            <a:avLst/>
+          </a:prstGeom>
+        </p:spPr>
+      </p:pic>
+      <p:sp>
+        <p:nvSpPr>
+          <p:cNvPr id="8" name="TextBox 7">
+            <a:extLst>
+              <a:ext uri="{FF2B5EF4-FFF2-40B4-BE49-F238E27FC236}">
+                <a16:creationId xmlns:a16="http://schemas.microsoft.com/office/drawing/2014/main" id="{3D32ECBD-6755-8397-13F7-63CA88FD3762}"/>
+              </a:ext>
+            </a:extLst>
+          </p:cNvPr>
+          <p:cNvSpPr txBox="1"/>
+          <p:nvPr/>
+        </p:nvSpPr>
+        <p:spPr>
+          <a:xfrm>
+            <a:off x="10633435" y="5330409"/>
+            <a:ext cx="726789" cy="295594"/>
+          </a:xfrm>
+          <a:prstGeom prst="rect">
+            <a:avLst/>
+          </a:prstGeom>
+          <a:noFill/>
+        </p:spPr>
+        <p:txBody>
+          <a:bodyPr wrap="square" lIns="0" tIns="0" rIns="0" bIns="0" rtlCol="0">
+            <a:spAutoFit/>
+          </a:bodyPr>
+          <a:lstStyle/>
+          <a:p>
+            <a:pPr marL="0" marR="0" lvl="0" indent="0" algn="ctr" defTabSz="914377" rtl="0" eaLnBrk="1" fontAlgn="base" latinLnBrk="0" hangingPunct="1">
+              <a:lnSpc>
+                <a:spcPct val="90000"/>
+              </a:lnSpc>
+              <a:spcBef>
+                <a:spcPts val="0"/>
+              </a:spcBef>
+              <a:spcAft>
+                <a:spcPts val="600"/>
+              </a:spcAft>
+              <a:buClrTx/>
+              <a:buSzTx/>
+              <a:buFontTx/>
+              <a:buNone/>
+              <a:tabLst/>
+              <a:defRPr/>
+            </a:pPr>
+            <a:r>
+              <a:rPr kumimoji="0" lang="en-US" sz="1067" b="1" i="0" u="none" strike="noStrike" kern="1200" cap="none" spc="0" normalizeH="0" baseline="0" noProof="0" dirty="0">
+                <a:ln>
+                  <a:noFill/>
+                </a:ln>
+                <a:effectLst/>
+                <a:uLnTx/>
+                <a:uFillTx/>
+                <a:latin typeface="Aeonik" panose="020B0503030300000000" pitchFamily="34" charset="0"/>
+                <a:ea typeface="ＭＳ Ｐゴシック" panose="020B0600070205080204" pitchFamily="34" charset="-128"/>
+                <a:cs typeface="Calibri" panose="020F0502020204030204" pitchFamily="34" charset="0"/>
+              </a:rPr>
+              <a:t>ML Output</a:t>
+            </a:r>
+            <a:br>
+              <a:rPr kumimoji="0" lang="en-US" sz="1067" b="1" i="0" u="none" strike="noStrike" kern="1200" cap="none" spc="0" normalizeH="0" baseline="0" noProof="0" dirty="0">
+                <a:ln>
+                  <a:noFill/>
+                </a:ln>
+                <a:effectLst/>
+                <a:uLnTx/>
+                <a:uFillTx/>
+                <a:latin typeface="Aeonik" panose="020B0503030300000000" pitchFamily="34" charset="0"/>
+                <a:ea typeface="ＭＳ Ｐゴシック" panose="020B0600070205080204" pitchFamily="34" charset="-128"/>
+                <a:cs typeface="Calibri" panose="020F0502020204030204" pitchFamily="34" charset="0"/>
+              </a:rPr>
+            </a:br>
+            <a:r>
+              <a:rPr kumimoji="0" lang="en-US" sz="1067" b="1" i="0" u="none" strike="noStrike" kern="1200" cap="none" spc="0" normalizeH="0" baseline="0" noProof="0" dirty="0">
+                <a:ln>
+                  <a:noFill/>
+                </a:ln>
+                <a:effectLst/>
+                <a:uLnTx/>
+                <a:uFillTx/>
+                <a:latin typeface="Aeonik" panose="020B0503030300000000" pitchFamily="34" charset="0"/>
+                <a:ea typeface="ＭＳ Ｐゴシック" panose="020B0600070205080204" pitchFamily="34" charset="-128"/>
+                <a:cs typeface="Calibri" panose="020F0502020204030204" pitchFamily="34" charset="0"/>
+              </a:rPr>
+              <a:t>Data</a:t>
+            </a:r>
+          </a:p>
+        </p:txBody>
+      </p:sp>
+      <p:cxnSp>
+        <p:nvCxnSpPr>
+          <p:cNvPr id="10" name="Straight Arrow Connector 9">
+            <a:extLst>
+              <a:ext uri="{FF2B5EF4-FFF2-40B4-BE49-F238E27FC236}">
+                <a16:creationId xmlns:a16="http://schemas.microsoft.com/office/drawing/2014/main" id="{816F076D-F18F-CFA3-6B0D-0C5F16353608}"/>
+              </a:ext>
+            </a:extLst>
+          </p:cNvPr>
+          <p:cNvCxnSpPr>
+            <a:cxnSpLocks/>
+            <a:endCxn id="7" idx="0"/>
+          </p:cNvCxnSpPr>
+          <p:nvPr/>
+        </p:nvCxnSpPr>
+        <p:spPr>
+          <a:xfrm>
+            <a:off x="10997927" y="4433154"/>
+            <a:ext cx="0" cy="450953"/>
+          </a:xfrm>
+          <a:prstGeom prst="straightConnector1">
+            <a:avLst/>
+          </a:prstGeom>
+          <a:ln w="15875">
+            <a:solidFill>
+              <a:schemeClr val="accent1"/>
+            </a:solidFill>
+            <a:tailEnd type="triangle"/>
+          </a:ln>
+        </p:spPr>
+        <p:style>
+          <a:lnRef idx="1">
+            <a:schemeClr val="accent1"/>
+          </a:lnRef>
+          <a:fillRef idx="0">
+            <a:schemeClr val="accent1"/>
+          </a:fillRef>
+          <a:effectRef idx="0">
+            <a:schemeClr val="accent1"/>
+          </a:effectRef>
+          <a:fontRef idx="minor">
+            <a:schemeClr val="tx1"/>
+          </a:fontRef>
+        </p:style>
+      </p:cxnSp>
+      <p:pic>
+        <p:nvPicPr>
+          <p:cNvPr id="16" name="Graphic 15">
+            <a:extLst>
+              <a:ext uri="{FF2B5EF4-FFF2-40B4-BE49-F238E27FC236}">
+                <a16:creationId xmlns:a16="http://schemas.microsoft.com/office/drawing/2014/main" id="{145CD545-648C-795F-B9A5-71995D4A42A7}"/>
+              </a:ext>
+            </a:extLst>
+          </p:cNvPr>
+          <p:cNvPicPr>
+            <a:picLocks noChangeAspect="1"/>
+          </p:cNvPicPr>
+          <p:nvPr/>
+        </p:nvPicPr>
+        <p:blipFill>
+          <a:blip r:embed="rId7">
+            <a:extLst>
+              <a:ext uri="{96DAC541-7B7A-43D3-8B79-37D633B846F1}">
+                <asvg:svgBlip xmlns:asvg="http://schemas.microsoft.com/office/drawing/2016/SVG/main" r:embed="rId8"/>
+              </a:ext>
+            </a:extLst>
+          </a:blip>
+          <a:stretch>
+            <a:fillRect/>
+          </a:stretch>
+        </p:blipFill>
+        <p:spPr>
+          <a:xfrm>
+            <a:off x="7633644" y="4876611"/>
+            <a:ext cx="306905" cy="391304"/>
+          </a:xfrm>
+          <a:prstGeom prst="rect">
+            <a:avLst/>
+          </a:prstGeom>
+        </p:spPr>
+      </p:pic>
+      <p:sp>
+        <p:nvSpPr>
+          <p:cNvPr id="17" name="TextBox 16">
+            <a:extLst>
+              <a:ext uri="{FF2B5EF4-FFF2-40B4-BE49-F238E27FC236}">
+                <a16:creationId xmlns:a16="http://schemas.microsoft.com/office/drawing/2014/main" id="{9DCAF2C2-D21F-8AC9-906A-9DC8C22BB132}"/>
+              </a:ext>
+            </a:extLst>
+          </p:cNvPr>
+          <p:cNvSpPr txBox="1"/>
+          <p:nvPr/>
+        </p:nvSpPr>
+        <p:spPr>
+          <a:xfrm>
+            <a:off x="7176208" y="5322913"/>
+            <a:ext cx="1266267" cy="295594"/>
+          </a:xfrm>
+          <a:prstGeom prst="rect">
+            <a:avLst/>
+          </a:prstGeom>
+          <a:noFill/>
+        </p:spPr>
+        <p:txBody>
+          <a:bodyPr wrap="square" lIns="0" tIns="0" rIns="0" bIns="0" rtlCol="0">
+            <a:spAutoFit/>
+          </a:bodyPr>
+          <a:lstStyle/>
+          <a:p>
+            <a:pPr marL="0" marR="0" lvl="0" indent="0" algn="ctr" defTabSz="914377" rtl="0" eaLnBrk="1" fontAlgn="base" latinLnBrk="0" hangingPunct="1">
+              <a:lnSpc>
+                <a:spcPct val="90000"/>
+              </a:lnSpc>
+              <a:spcBef>
+                <a:spcPts val="0"/>
+              </a:spcBef>
+              <a:spcAft>
+                <a:spcPts val="600"/>
+              </a:spcAft>
+              <a:buClrTx/>
+              <a:buSzTx/>
+              <a:buFontTx/>
+              <a:buNone/>
+              <a:tabLst/>
+              <a:defRPr/>
+            </a:pPr>
+            <a:r>
+              <a:rPr lang="en-US" sz="1067" b="1" dirty="0">
+                <a:latin typeface="Aeonik" panose="020B0503030300000000" pitchFamily="34" charset="0"/>
+                <a:ea typeface="ＭＳ Ｐゴシック" panose="020B0600070205080204" pitchFamily="34" charset="-128"/>
+                <a:cs typeface="Calibri" panose="020F0502020204030204" pitchFamily="34" charset="0"/>
+              </a:rPr>
+              <a:t>Physical Sensor</a:t>
+            </a:r>
+            <a:br>
+              <a:rPr lang="en-US" sz="1067" b="1" dirty="0">
+                <a:latin typeface="Aeonik" panose="020B0503030300000000" pitchFamily="34" charset="0"/>
+                <a:ea typeface="ＭＳ Ｐゴシック" panose="020B0600070205080204" pitchFamily="34" charset="-128"/>
+                <a:cs typeface="Calibri" panose="020F0502020204030204" pitchFamily="34" charset="0"/>
+              </a:rPr>
+            </a:br>
+            <a:r>
+              <a:rPr lang="en-US" sz="1067" b="1" dirty="0">
+                <a:latin typeface="Aeonik" panose="020B0503030300000000" pitchFamily="34" charset="0"/>
+                <a:ea typeface="ＭＳ Ｐゴシック" panose="020B0600070205080204" pitchFamily="34" charset="-128"/>
+                <a:cs typeface="Calibri" panose="020F0502020204030204" pitchFamily="34" charset="0"/>
+              </a:rPr>
+              <a:t> </a:t>
+            </a:r>
+            <a:r>
+              <a:rPr kumimoji="0" lang="en-US" sz="1067" b="1" i="0" u="none" strike="noStrike" kern="1200" cap="none" spc="0" normalizeH="0" baseline="0" noProof="0" dirty="0">
+                <a:ln>
+                  <a:noFill/>
+                </a:ln>
+                <a:effectLst/>
+                <a:uLnTx/>
+                <a:uFillTx/>
+                <a:latin typeface="Aeonik" panose="020B0503030300000000" pitchFamily="34" charset="0"/>
+                <a:ea typeface="ＭＳ Ｐゴシック" panose="020B0600070205080204" pitchFamily="34" charset="-128"/>
+                <a:cs typeface="Calibri" panose="020F0502020204030204" pitchFamily="34" charset="0"/>
+              </a:rPr>
+              <a:t>Input Data</a:t>
             </a:r>
           </a:p>
         </p:txBody>
       </p:sp>
       <p:sp>
         <p:nvSpPr>
-          <p:cNvPr id="109" name="Process 108">
+          <p:cNvPr id="18" name="Process 108">
             <a:extLst>
               <a:ext uri="{FF2B5EF4-FFF2-40B4-BE49-F238E27FC236}">
-                <a16:creationId xmlns:a16="http://schemas.microsoft.com/office/drawing/2014/main" id="{F319E326-CB5B-9744-994A-4E8B3A55210A}"/>
+                <a16:creationId xmlns:a16="http://schemas.microsoft.com/office/drawing/2014/main" id="{8159314A-8B89-9EAA-972B-6D44367538D0}"/>
               </a:ext>
             </a:extLst>
           </p:cNvPr>
@@ -21226,7 +21578,7 @@
         </p:nvSpPr>
         <p:spPr>
           <a:xfrm>
-            <a:off x="4234627" y="2698196"/>
+            <a:off x="7250344" y="2698196"/>
             <a:ext cx="1069340" cy="394963"/>
           </a:xfrm>
           <a:prstGeom prst="flowChartProcess">
@@ -21293,30 +21645,30 @@
                 <a:ea typeface="+mn-ea"/>
                 <a:cs typeface="Calibri" panose="020F0502020204030204" pitchFamily="34" charset="0"/>
               </a:rPr>
-              <a:t>SDS Recorder </a:t>
+              <a:t>SDS Player</a:t>
             </a:r>
           </a:p>
         </p:txBody>
       </p:sp>
       <p:cxnSp>
         <p:nvCxnSpPr>
-          <p:cNvPr id="2" name="Straight Arrow Connector 1">
+          <p:cNvPr id="19" name="Straight Arrow Connector 18">
             <a:extLst>
               <a:ext uri="{FF2B5EF4-FFF2-40B4-BE49-F238E27FC236}">
-                <a16:creationId xmlns:a16="http://schemas.microsoft.com/office/drawing/2014/main" id="{169A0EAE-7522-7C0D-E02C-386F4435FE68}"/>
+                <a16:creationId xmlns:a16="http://schemas.microsoft.com/office/drawing/2014/main" id="{C8F07693-03D3-E691-160F-5F7A5EA721E2}"/>
               </a:ext>
             </a:extLst>
           </p:cNvPr>
           <p:cNvCxnSpPr>
             <a:cxnSpLocks/>
-            <a:endCxn id="88" idx="0"/>
+            <a:stCxn id="16" idx="0"/>
           </p:cNvCxnSpPr>
           <p:nvPr/>
         </p:nvCxnSpPr>
         <p:spPr>
-          <a:xfrm>
-            <a:off x="4769297" y="4448552"/>
-            <a:ext cx="2083" cy="415089"/>
+          <a:xfrm flipH="1" flipV="1">
+            <a:off x="7785014" y="4647159"/>
+            <a:ext cx="2083" cy="229452"/>
           </a:xfrm>
           <a:prstGeom prst="straightConnector1">
             <a:avLst/>
@@ -21345,30 +21697,28 @@
       </p:cxnSp>
       <p:cxnSp>
         <p:nvCxnSpPr>
-          <p:cNvPr id="6" name="Straight Arrow Connector 5">
+          <p:cNvPr id="12" name="Connector: Elbow 11">
             <a:extLst>
               <a:ext uri="{FF2B5EF4-FFF2-40B4-BE49-F238E27FC236}">
-                <a16:creationId xmlns:a16="http://schemas.microsoft.com/office/drawing/2014/main" id="{E7858462-5F0E-7DA9-4A5E-7866D4A7E7A8}"/>
+                <a16:creationId xmlns:a16="http://schemas.microsoft.com/office/drawing/2014/main" id="{0BB4C5E7-02B2-19F3-8A2C-0B7A686CF844}"/>
               </a:ext>
             </a:extLst>
           </p:cNvPr>
           <p:cNvCxnSpPr>
-            <a:cxnSpLocks/>
+            <a:stCxn id="18" idx="0"/>
+            <a:endCxn id="106" idx="1"/>
           </p:cNvCxnSpPr>
           <p:nvPr/>
         </p:nvCxnSpPr>
         <p:spPr>
-          <a:xfrm>
-            <a:off x="6353365" y="2206449"/>
-            <a:ext cx="0" cy="481084"/>
-          </a:xfrm>
-          <a:prstGeom prst="straightConnector1">
+          <a:xfrm rot="5400000" flipH="1" flipV="1">
+            <a:off x="7701644" y="2289820"/>
+            <a:ext cx="491746" cy="325006"/>
+          </a:xfrm>
+          <a:prstGeom prst="bentConnector2">
             <a:avLst/>
           </a:prstGeom>
-          <a:ln w="15875">
-            <a:solidFill>
-              <a:schemeClr val="accent1"/>
-            </a:solidFill>
+          <a:ln w="12700">
             <a:tailEnd type="triangle"/>
           </a:ln>
         </p:spPr>
@@ -21389,301 +21739,104 @@
       </p:cxnSp>
       <p:pic>
         <p:nvPicPr>
-          <p:cNvPr id="7" name="Graphic 6">
+          <p:cNvPr id="1032" name="Picture 8">
             <a:extLst>
               <a:ext uri="{FF2B5EF4-FFF2-40B4-BE49-F238E27FC236}">
-                <a16:creationId xmlns:a16="http://schemas.microsoft.com/office/drawing/2014/main" id="{0C9563CB-2541-150A-8EBA-F18E3A17000C}"/>
+                <a16:creationId xmlns:a16="http://schemas.microsoft.com/office/drawing/2014/main" id="{08D8862E-318B-CA0F-A39E-BF1D3B33DAF3}"/>
               </a:ext>
             </a:extLst>
           </p:cNvPr>
           <p:cNvPicPr>
-            <a:picLocks noChangeAspect="1"/>
+            <a:picLocks noChangeAspect="1" noChangeArrowheads="1"/>
           </p:cNvPicPr>
           <p:nvPr/>
         </p:nvPicPr>
         <p:blipFill>
-          <a:blip r:embed="rId7">
-            <a:extLst>
-              <a:ext uri="{96DAC541-7B7A-43D3-8B79-37D633B846F1}">
-                <asvg:svgBlip xmlns:asvg="http://schemas.microsoft.com/office/drawing/2016/SVG/main" r:embed="rId8"/>
+          <a:blip r:embed="rId9">
+            <a:extLst>
+              <a:ext uri="{28A0092B-C50C-407E-A947-70E740481C1C}">
+                <a14:useLocalDpi xmlns:a14="http://schemas.microsoft.com/office/drawing/2010/main" val="0"/>
               </a:ext>
             </a:extLst>
           </a:blip>
+          <a:srcRect/>
           <a:stretch>
             <a:fillRect/>
           </a:stretch>
         </p:blipFill>
-        <p:spPr>
+        <p:spPr bwMode="auto">
           <a:xfrm>
-            <a:off x="6188173" y="4884107"/>
-            <a:ext cx="306905" cy="391304"/>
-          </a:xfrm>
-          <a:prstGeom prst="rect">
-            <a:avLst/>
-          </a:prstGeom>
-        </p:spPr>
-      </p:pic>
-      <p:sp>
-        <p:nvSpPr>
-          <p:cNvPr id="8" name="TextBox 7">
-            <a:extLst>
-              <a:ext uri="{FF2B5EF4-FFF2-40B4-BE49-F238E27FC236}">
-                <a16:creationId xmlns:a16="http://schemas.microsoft.com/office/drawing/2014/main" id="{3D32ECBD-6755-8397-13F7-63CA88FD3762}"/>
-              </a:ext>
-            </a:extLst>
-          </p:cNvPr>
-          <p:cNvSpPr txBox="1"/>
-          <p:nvPr/>
-        </p:nvSpPr>
-        <p:spPr>
-          <a:xfrm>
-            <a:off x="5977134" y="5330409"/>
-            <a:ext cx="726789" cy="295594"/>
+            <a:off x="9671570" y="3844370"/>
+            <a:ext cx="356681" cy="356681"/>
           </a:xfrm>
           <a:prstGeom prst="rect">
             <a:avLst/>
           </a:prstGeom>
           <a:noFill/>
-        </p:spPr>
-        <p:txBody>
-          <a:bodyPr wrap="square" lIns="0" tIns="0" rIns="0" bIns="0" rtlCol="0">
-            <a:spAutoFit/>
-          </a:bodyPr>
-          <a:lstStyle/>
-          <a:p>
-            <a:pPr marL="0" marR="0" lvl="0" indent="0" algn="ctr" defTabSz="914377" rtl="0" eaLnBrk="1" fontAlgn="base" latinLnBrk="0" hangingPunct="1">
-              <a:lnSpc>
-                <a:spcPct val="90000"/>
-              </a:lnSpc>
-              <a:spcBef>
-                <a:spcPts val="0"/>
-              </a:spcBef>
-              <a:spcAft>
-                <a:spcPts val="600"/>
-              </a:spcAft>
-              <a:buClrTx/>
-              <a:buSzTx/>
-              <a:buFontTx/>
-              <a:buNone/>
-              <a:tabLst/>
-              <a:defRPr/>
-            </a:pPr>
-            <a:r>
-              <a:rPr kumimoji="0" lang="en-US" sz="1067" b="1" i="0" u="none" strike="noStrike" kern="1200" cap="none" spc="0" normalizeH="0" baseline="0" noProof="0" dirty="0">
-                <a:ln>
-                  <a:noFill/>
-                </a:ln>
-                <a:effectLst/>
-                <a:uLnTx/>
-                <a:uFillTx/>
-                <a:latin typeface="Aeonik" panose="020B0503030300000000" pitchFamily="34" charset="0"/>
-                <a:ea typeface="ＭＳ Ｐゴシック" panose="020B0600070205080204" pitchFamily="34" charset="-128"/>
-                <a:cs typeface="Calibri" panose="020F0502020204030204" pitchFamily="34" charset="0"/>
-              </a:rPr>
-              <a:t>ML Output</a:t>
-            </a:r>
-            <a:br>
-              <a:rPr kumimoji="0" lang="en-US" sz="1067" b="1" i="0" u="none" strike="noStrike" kern="1200" cap="none" spc="0" normalizeH="0" baseline="0" noProof="0" dirty="0">
-                <a:ln>
-                  <a:noFill/>
-                </a:ln>
-                <a:effectLst/>
-                <a:uLnTx/>
-                <a:uFillTx/>
-                <a:latin typeface="Aeonik" panose="020B0503030300000000" pitchFamily="34" charset="0"/>
-                <a:ea typeface="ＭＳ Ｐゴシック" panose="020B0600070205080204" pitchFamily="34" charset="-128"/>
-                <a:cs typeface="Calibri" panose="020F0502020204030204" pitchFamily="34" charset="0"/>
-              </a:rPr>
-            </a:br>
-            <a:r>
-              <a:rPr kumimoji="0" lang="en-US" sz="1067" b="1" i="0" u="none" strike="noStrike" kern="1200" cap="none" spc="0" normalizeH="0" baseline="0" noProof="0" dirty="0">
-                <a:ln>
-                  <a:noFill/>
-                </a:ln>
-                <a:effectLst/>
-                <a:uLnTx/>
-                <a:uFillTx/>
-                <a:latin typeface="Aeonik" panose="020B0503030300000000" pitchFamily="34" charset="0"/>
-                <a:ea typeface="ＭＳ Ｐゴシック" panose="020B0600070205080204" pitchFamily="34" charset="-128"/>
-                <a:cs typeface="Calibri" panose="020F0502020204030204" pitchFamily="34" charset="0"/>
-              </a:rPr>
-              <a:t>Data</a:t>
-            </a:r>
-          </a:p>
-        </p:txBody>
-      </p:sp>
-      <p:cxnSp>
-        <p:nvCxnSpPr>
-          <p:cNvPr id="10" name="Straight Arrow Connector 9">
-            <a:extLst>
-              <a:ext uri="{FF2B5EF4-FFF2-40B4-BE49-F238E27FC236}">
-                <a16:creationId xmlns:a16="http://schemas.microsoft.com/office/drawing/2014/main" id="{816F076D-F18F-CFA3-6B0D-0C5F16353608}"/>
-              </a:ext>
-            </a:extLst>
-          </p:cNvPr>
-          <p:cNvCxnSpPr>
-            <a:cxnSpLocks/>
-            <a:endCxn id="7" idx="0"/>
-          </p:cNvCxnSpPr>
-          <p:nvPr/>
-        </p:nvCxnSpPr>
-        <p:spPr>
-          <a:xfrm>
-            <a:off x="6341626" y="4433154"/>
-            <a:ext cx="0" cy="450953"/>
-          </a:xfrm>
-          <a:prstGeom prst="straightConnector1">
-            <a:avLst/>
-          </a:prstGeom>
-          <a:ln w="15875">
-            <a:solidFill>
-              <a:schemeClr val="accent1"/>
-            </a:solidFill>
-            <a:tailEnd type="triangle"/>
-          </a:ln>
-        </p:spPr>
-        <p:style>
-          <a:lnRef idx="1">
-            <a:schemeClr val="accent1"/>
-          </a:lnRef>
-          <a:fillRef idx="0">
-            <a:schemeClr val="accent1"/>
-          </a:fillRef>
-          <a:effectRef idx="0">
-            <a:schemeClr val="accent1"/>
-          </a:effectRef>
-          <a:fontRef idx="minor">
-            <a:schemeClr val="tx1"/>
-          </a:fontRef>
-        </p:style>
-      </p:cxnSp>
+          <a:extLst>
+            <a:ext uri="{909E8E84-426E-40DD-AFC4-6F175D3DCCD1}">
+              <a14:hiddenFill xmlns:a14="http://schemas.microsoft.com/office/drawing/2010/main">
+                <a:solidFill>
+                  <a:srgbClr val="FFFFFF"/>
+                </a:solidFill>
+              </a14:hiddenFill>
+            </a:ext>
+          </a:extLst>
+        </p:spPr>
+      </p:pic>
       <p:pic>
         <p:nvPicPr>
-          <p:cNvPr id="16" name="Graphic 15">
+          <p:cNvPr id="1034" name="Picture 10">
             <a:extLst>
               <a:ext uri="{FF2B5EF4-FFF2-40B4-BE49-F238E27FC236}">
-                <a16:creationId xmlns:a16="http://schemas.microsoft.com/office/drawing/2014/main" id="{145CD545-648C-795F-B9A5-71995D4A42A7}"/>
+                <a16:creationId xmlns:a16="http://schemas.microsoft.com/office/drawing/2014/main" id="{EA954668-45C5-937B-39E5-82955CE546F7}"/>
               </a:ext>
             </a:extLst>
           </p:cNvPr>
           <p:cNvPicPr>
-            <a:picLocks noChangeAspect="1"/>
+            <a:picLocks noChangeAspect="1" noChangeArrowheads="1"/>
           </p:cNvPicPr>
           <p:nvPr/>
         </p:nvPicPr>
         <p:blipFill>
-          <a:blip r:embed="rId7">
-            <a:extLst>
-              <a:ext uri="{96DAC541-7B7A-43D3-8B79-37D633B846F1}">
-                <asvg:svgBlip xmlns:asvg="http://schemas.microsoft.com/office/drawing/2016/SVG/main" r:embed="rId8"/>
+          <a:blip r:embed="rId10">
+            <a:extLst>
+              <a:ext uri="{28A0092B-C50C-407E-A947-70E740481C1C}">
+                <a14:useLocalDpi xmlns:a14="http://schemas.microsoft.com/office/drawing/2010/main" val="0"/>
               </a:ext>
             </a:extLst>
           </a:blip>
+          <a:srcRect/>
           <a:stretch>
             <a:fillRect/>
           </a:stretch>
         </p:blipFill>
-        <p:spPr>
+        <p:spPr bwMode="auto">
           <a:xfrm>
-            <a:off x="2977343" y="4876611"/>
-            <a:ext cx="306905" cy="391304"/>
-          </a:xfrm>
-          <a:prstGeom prst="rect">
-            <a:avLst/>
-          </a:prstGeom>
-        </p:spPr>
-      </p:pic>
-      <p:sp>
-        <p:nvSpPr>
-          <p:cNvPr id="17" name="TextBox 16">
-            <a:extLst>
-              <a:ext uri="{FF2B5EF4-FFF2-40B4-BE49-F238E27FC236}">
-                <a16:creationId xmlns:a16="http://schemas.microsoft.com/office/drawing/2014/main" id="{9DCAF2C2-D21F-8AC9-906A-9DC8C22BB132}"/>
-              </a:ext>
-            </a:extLst>
-          </p:cNvPr>
-          <p:cNvSpPr txBox="1"/>
-          <p:nvPr/>
-        </p:nvSpPr>
-        <p:spPr>
-          <a:xfrm>
-            <a:off x="2519907" y="5322913"/>
-            <a:ext cx="1266267" cy="295594"/>
+            <a:off x="10393599" y="3892140"/>
+            <a:ext cx="583660" cy="280157"/>
           </a:xfrm>
           <a:prstGeom prst="rect">
             <a:avLst/>
           </a:prstGeom>
           <a:noFill/>
-        </p:spPr>
-        <p:txBody>
-          <a:bodyPr wrap="square" lIns="0" tIns="0" rIns="0" bIns="0" rtlCol="0">
-            <a:spAutoFit/>
-          </a:bodyPr>
-          <a:lstStyle/>
-          <a:p>
-            <a:pPr marL="0" marR="0" lvl="0" indent="0" algn="ctr" defTabSz="914377" rtl="0" eaLnBrk="1" fontAlgn="base" latinLnBrk="0" hangingPunct="1">
-              <a:lnSpc>
-                <a:spcPct val="90000"/>
-              </a:lnSpc>
-              <a:spcBef>
-                <a:spcPts val="0"/>
-              </a:spcBef>
-              <a:spcAft>
-                <a:spcPts val="600"/>
-              </a:spcAft>
-              <a:buClrTx/>
-              <a:buSzTx/>
-              <a:buFontTx/>
-              <a:buNone/>
-              <a:tabLst/>
-              <a:defRPr/>
-            </a:pPr>
-            <a:r>
-              <a:rPr lang="en-US" sz="1067" b="1" dirty="0">
-                <a:latin typeface="Aeonik" panose="020B0503030300000000" pitchFamily="34" charset="0"/>
-                <a:ea typeface="ＭＳ Ｐゴシック" panose="020B0600070205080204" pitchFamily="34" charset="-128"/>
-                <a:cs typeface="Calibri" panose="020F0502020204030204" pitchFamily="34" charset="0"/>
-              </a:rPr>
-              <a:t>Physical Sensor</a:t>
-            </a:r>
-            <a:br>
-              <a:rPr lang="en-US" sz="1067" b="1" dirty="0">
-                <a:latin typeface="Aeonik" panose="020B0503030300000000" pitchFamily="34" charset="0"/>
-                <a:ea typeface="ＭＳ Ｐゴシック" panose="020B0600070205080204" pitchFamily="34" charset="-128"/>
-                <a:cs typeface="Calibri" panose="020F0502020204030204" pitchFamily="34" charset="0"/>
-              </a:rPr>
-            </a:br>
-            <a:r>
-              <a:rPr lang="en-US" sz="1067" b="1" dirty="0">
-                <a:latin typeface="Aeonik" panose="020B0503030300000000" pitchFamily="34" charset="0"/>
-                <a:ea typeface="ＭＳ Ｐゴシック" panose="020B0600070205080204" pitchFamily="34" charset="-128"/>
-                <a:cs typeface="Calibri" panose="020F0502020204030204" pitchFamily="34" charset="0"/>
-              </a:rPr>
-              <a:t> </a:t>
-            </a:r>
-            <a:r>
-              <a:rPr kumimoji="0" lang="en-US" sz="1067" b="1" i="0" u="none" strike="noStrike" kern="1200" cap="none" spc="0" normalizeH="0" baseline="0" noProof="0" dirty="0">
-                <a:ln>
-                  <a:noFill/>
-                </a:ln>
-                <a:effectLst/>
-                <a:uLnTx/>
-                <a:uFillTx/>
-                <a:latin typeface="Aeonik" panose="020B0503030300000000" pitchFamily="34" charset="0"/>
-                <a:ea typeface="ＭＳ Ｐゴシック" panose="020B0600070205080204" pitchFamily="34" charset="-128"/>
-                <a:cs typeface="Calibri" panose="020F0502020204030204" pitchFamily="34" charset="0"/>
-              </a:rPr>
-              <a:t>Input Data</a:t>
-            </a:r>
-          </a:p>
-        </p:txBody>
-      </p:sp>
+          <a:extLst>
+            <a:ext uri="{909E8E84-426E-40DD-AFC4-6F175D3DCCD1}">
+              <a14:hiddenFill xmlns:a14="http://schemas.microsoft.com/office/drawing/2010/main">
+                <a:solidFill>
+                  <a:srgbClr val="FFFFFF"/>
+                </a:solidFill>
+              </a14:hiddenFill>
+            </a:ext>
+          </a:extLst>
+        </p:spPr>
+      </p:pic>
       <p:sp>
         <p:nvSpPr>
-          <p:cNvPr id="18" name="Process 108">
+          <p:cNvPr id="26" name="Arrow: Up-Down 25">
             <a:extLst>
               <a:ext uri="{FF2B5EF4-FFF2-40B4-BE49-F238E27FC236}">
-                <a16:creationId xmlns:a16="http://schemas.microsoft.com/office/drawing/2014/main" id="{8159314A-8B89-9EAA-972B-6D44367538D0}"/>
+                <a16:creationId xmlns:a16="http://schemas.microsoft.com/office/drawing/2014/main" id="{89CAF07E-AF66-C3DF-3E04-AFF7DB5C4B97}"/>
               </a:ext>
             </a:extLst>
           </p:cNvPr>
@@ -21692,8 +21845,60 @@
         </p:nvSpPr>
         <p:spPr>
           <a:xfrm>
-            <a:off x="2594043" y="2698196"/>
-            <a:ext cx="1069340" cy="394963"/>
+            <a:off x="9328344" y="3653065"/>
+            <a:ext cx="198660" cy="612057"/>
+          </a:xfrm>
+          <a:prstGeom prst="upDownArrow">
+            <a:avLst/>
+          </a:prstGeom>
+          <a:solidFill>
+            <a:schemeClr val="accent1"/>
+          </a:solidFill>
+          <a:ln>
+            <a:noFill/>
+          </a:ln>
+        </p:spPr>
+        <p:style>
+          <a:lnRef idx="2">
+            <a:schemeClr val="accent1">
+              <a:shade val="50000"/>
+            </a:schemeClr>
+          </a:lnRef>
+          <a:fillRef idx="1">
+            <a:schemeClr val="accent1"/>
+          </a:fillRef>
+          <a:effectRef idx="0">
+            <a:schemeClr val="accent1"/>
+          </a:effectRef>
+          <a:fontRef idx="minor">
+            <a:schemeClr val="lt1"/>
+          </a:fontRef>
+        </p:style>
+        <p:txBody>
+          <a:bodyPr rtlCol="0" anchor="ctr"/>
+          <a:lstStyle/>
+          <a:p>
+            <a:pPr algn="ctr"/>
+            <a:endParaRPr lang="en-US"/>
+          </a:p>
+        </p:txBody>
+      </p:sp>
+      <p:sp>
+        <p:nvSpPr>
+          <p:cNvPr id="29" name="Process 108">
+            <a:extLst>
+              <a:ext uri="{FF2B5EF4-FFF2-40B4-BE49-F238E27FC236}">
+                <a16:creationId xmlns:a16="http://schemas.microsoft.com/office/drawing/2014/main" id="{268B80DE-AFBC-59EC-388E-287C23A76D1C}"/>
+              </a:ext>
+            </a:extLst>
+          </p:cNvPr>
+          <p:cNvSpPr/>
+          <p:nvPr/>
+        </p:nvSpPr>
+        <p:spPr>
+          <a:xfrm>
+            <a:off x="7248533" y="4264428"/>
+            <a:ext cx="4346831" cy="394963"/>
           </a:xfrm>
           <a:prstGeom prst="flowChartProcess">
             <a:avLst/>
@@ -21759,30 +21964,57 @@
                 <a:ea typeface="+mn-ea"/>
                 <a:cs typeface="Calibri" panose="020F0502020204030204" pitchFamily="34" charset="0"/>
               </a:rPr>
-              <a:t>SDS Player</a:t>
+              <a:t>SDSIO Server running on </a:t>
+            </a:r>
+            <a:r>
+              <a:rPr lang="en-GB" sz="1200" dirty="0">
+                <a:solidFill>
+                  <a:srgbClr val="FFFFFF"/>
+                </a:solidFill>
+                <a:latin typeface="Aeonik" panose="020B0503030300000000" pitchFamily="34" charset="0"/>
+                <a:cs typeface="Calibri" panose="020F0502020204030204" pitchFamily="34" charset="0"/>
+              </a:rPr>
+              <a:t>development host</a:t>
+            </a:r>
+            <a:r>
+              <a:rPr kumimoji="0" lang="en-GB" sz="1200" b="0" i="0" u="none" strike="noStrike" kern="1200" cap="none" spc="0" normalizeH="0" baseline="0" noProof="0" dirty="0">
+                <a:ln>
+                  <a:noFill/>
+                </a:ln>
+                <a:solidFill>
+                  <a:srgbClr val="FFFFFF"/>
+                </a:solidFill>
+                <a:effectLst/>
+                <a:uLnTx/>
+                <a:uFillTx/>
+                <a:latin typeface="Aeonik" panose="020B0503030300000000" pitchFamily="34" charset="0"/>
+                <a:ea typeface="+mn-ea"/>
+                <a:cs typeface="Calibri" panose="020F0502020204030204" pitchFamily="34" charset="0"/>
+              </a:rPr>
+              <a:t> system</a:t>
             </a:r>
           </a:p>
         </p:txBody>
       </p:sp>
       <p:cxnSp>
         <p:nvCxnSpPr>
-          <p:cNvPr id="19" name="Straight Arrow Connector 18">
+          <p:cNvPr id="30" name="Straight Arrow Connector 29">
             <a:extLst>
               <a:ext uri="{FF2B5EF4-FFF2-40B4-BE49-F238E27FC236}">
-                <a16:creationId xmlns:a16="http://schemas.microsoft.com/office/drawing/2014/main" id="{C8F07693-03D3-E691-160F-5F7A5EA721E2}"/>
+                <a16:creationId xmlns:a16="http://schemas.microsoft.com/office/drawing/2014/main" id="{A5434FB5-0E2F-D7D7-53B5-8E98771D6A76}"/>
               </a:ext>
             </a:extLst>
           </p:cNvPr>
           <p:cNvCxnSpPr>
             <a:cxnSpLocks/>
-            <a:stCxn id="16" idx="0"/>
+            <a:endCxn id="18" idx="2"/>
           </p:cNvCxnSpPr>
           <p:nvPr/>
         </p:nvCxnSpPr>
         <p:spPr>
-          <a:xfrm flipH="1" flipV="1">
-            <a:off x="3128713" y="4647159"/>
-            <a:ext cx="2083" cy="229452"/>
+          <a:xfrm flipV="1">
+            <a:off x="7785014" y="3093159"/>
+            <a:ext cx="0" cy="164943"/>
           </a:xfrm>
           <a:prstGeom prst="straightConnector1">
             <a:avLst/>
@@ -21809,148 +22041,12 @@
           </a:fontRef>
         </p:style>
       </p:cxnSp>
-      <p:cxnSp>
-        <p:nvCxnSpPr>
-          <p:cNvPr id="12" name="Connector: Elbow 11">
-            <a:extLst>
-              <a:ext uri="{FF2B5EF4-FFF2-40B4-BE49-F238E27FC236}">
-                <a16:creationId xmlns:a16="http://schemas.microsoft.com/office/drawing/2014/main" id="{0BB4C5E7-02B2-19F3-8A2C-0B7A686CF844}"/>
-              </a:ext>
-            </a:extLst>
-          </p:cNvPr>
-          <p:cNvCxnSpPr>
-            <a:stCxn id="18" idx="0"/>
-            <a:endCxn id="106" idx="1"/>
-          </p:cNvCxnSpPr>
-          <p:nvPr/>
-        </p:nvCxnSpPr>
-        <p:spPr>
-          <a:xfrm rot="5400000" flipH="1" flipV="1">
-            <a:off x="3045343" y="2289820"/>
-            <a:ext cx="491746" cy="325006"/>
-          </a:xfrm>
-          <a:prstGeom prst="bentConnector2">
-            <a:avLst/>
-          </a:prstGeom>
-          <a:ln w="12700">
-            <a:tailEnd type="triangle"/>
-          </a:ln>
-        </p:spPr>
-        <p:style>
-          <a:lnRef idx="1">
-            <a:schemeClr val="accent1"/>
-          </a:lnRef>
-          <a:fillRef idx="0">
-            <a:schemeClr val="accent1"/>
-          </a:fillRef>
-          <a:effectRef idx="0">
-            <a:schemeClr val="accent1"/>
-          </a:effectRef>
-          <a:fontRef idx="minor">
-            <a:schemeClr val="tx1"/>
-          </a:fontRef>
-        </p:style>
-      </p:cxnSp>
-      <p:pic>
-        <p:nvPicPr>
-          <p:cNvPr id="1032" name="Picture 8">
-            <a:extLst>
-              <a:ext uri="{FF2B5EF4-FFF2-40B4-BE49-F238E27FC236}">
-                <a16:creationId xmlns:a16="http://schemas.microsoft.com/office/drawing/2014/main" id="{08D8862E-318B-CA0F-A39E-BF1D3B33DAF3}"/>
-              </a:ext>
-            </a:extLst>
-          </p:cNvPr>
-          <p:cNvPicPr>
-            <a:picLocks noChangeAspect="1" noChangeArrowheads="1"/>
-          </p:cNvPicPr>
-          <p:nvPr/>
-        </p:nvPicPr>
-        <p:blipFill>
-          <a:blip r:embed="rId9">
-            <a:extLst>
-              <a:ext uri="{28A0092B-C50C-407E-A947-70E740481C1C}">
-                <a14:useLocalDpi xmlns:a14="http://schemas.microsoft.com/office/drawing/2010/main" val="0"/>
-              </a:ext>
-            </a:extLst>
-          </a:blip>
-          <a:srcRect/>
-          <a:stretch>
-            <a:fillRect/>
-          </a:stretch>
-        </p:blipFill>
-        <p:spPr bwMode="auto">
-          <a:xfrm>
-            <a:off x="5015269" y="3844370"/>
-            <a:ext cx="356681" cy="356681"/>
-          </a:xfrm>
-          <a:prstGeom prst="rect">
-            <a:avLst/>
-          </a:prstGeom>
-          <a:noFill/>
-          <a:extLst>
-            <a:ext uri="{909E8E84-426E-40DD-AFC4-6F175D3DCCD1}">
-              <a14:hiddenFill xmlns:a14="http://schemas.microsoft.com/office/drawing/2010/main">
-                <a:solidFill>
-                  <a:srgbClr val="FFFFFF"/>
-                </a:solidFill>
-              </a14:hiddenFill>
-            </a:ext>
-          </a:extLst>
-        </p:spPr>
-      </p:pic>
-      <p:pic>
-        <p:nvPicPr>
-          <p:cNvPr id="1034" name="Picture 10">
-            <a:extLst>
-              <a:ext uri="{FF2B5EF4-FFF2-40B4-BE49-F238E27FC236}">
-                <a16:creationId xmlns:a16="http://schemas.microsoft.com/office/drawing/2014/main" id="{EA954668-45C5-937B-39E5-82955CE546F7}"/>
-              </a:ext>
-            </a:extLst>
-          </p:cNvPr>
-          <p:cNvPicPr>
-            <a:picLocks noChangeAspect="1" noChangeArrowheads="1"/>
-          </p:cNvPicPr>
-          <p:nvPr/>
-        </p:nvPicPr>
-        <p:blipFill>
-          <a:blip r:embed="rId10">
-            <a:extLst>
-              <a:ext uri="{28A0092B-C50C-407E-A947-70E740481C1C}">
-                <a14:useLocalDpi xmlns:a14="http://schemas.microsoft.com/office/drawing/2010/main" val="0"/>
-              </a:ext>
-            </a:extLst>
-          </a:blip>
-          <a:srcRect/>
-          <a:stretch>
-            <a:fillRect/>
-          </a:stretch>
-        </p:blipFill>
-        <p:spPr bwMode="auto">
-          <a:xfrm>
-            <a:off x="5737298" y="3892140"/>
-            <a:ext cx="583660" cy="280157"/>
-          </a:xfrm>
-          <a:prstGeom prst="rect">
-            <a:avLst/>
-          </a:prstGeom>
-          <a:noFill/>
-          <a:extLst>
-            <a:ext uri="{909E8E84-426E-40DD-AFC4-6F175D3DCCD1}">
-              <a14:hiddenFill xmlns:a14="http://schemas.microsoft.com/office/drawing/2010/main">
-                <a:solidFill>
-                  <a:srgbClr val="FFFFFF"/>
-                </a:solidFill>
-              </a14:hiddenFill>
-            </a:ext>
-          </a:extLst>
-        </p:spPr>
-      </p:pic>
       <p:sp>
         <p:nvSpPr>
-          <p:cNvPr id="26" name="Arrow: Up-Down 25">
+          <p:cNvPr id="21" name="Process 108">
             <a:extLst>
               <a:ext uri="{FF2B5EF4-FFF2-40B4-BE49-F238E27FC236}">
-                <a16:creationId xmlns:a16="http://schemas.microsoft.com/office/drawing/2014/main" id="{89CAF07E-AF66-C3DF-3E04-AFF7DB5C4B97}"/>
+                <a16:creationId xmlns:a16="http://schemas.microsoft.com/office/drawing/2014/main" id="{4FADFCAC-AC6F-C1F3-3264-89A5CD7B5DCA}"/>
               </a:ext>
             </a:extLst>
           </p:cNvPr>
@@ -21959,226 +22055,17 @@
         </p:nvSpPr>
         <p:spPr>
           <a:xfrm>
-            <a:off x="4672043" y="3653065"/>
-            <a:ext cx="198660" cy="612057"/>
-          </a:xfrm>
-          <a:prstGeom prst="upDownArrow">
-            <a:avLst/>
-          </a:prstGeom>
-          <a:solidFill>
-            <a:schemeClr val="accent1"/>
-          </a:solidFill>
-          <a:ln>
-            <a:noFill/>
-          </a:ln>
-        </p:spPr>
-        <p:style>
-          <a:lnRef idx="2">
-            <a:schemeClr val="accent1">
-              <a:shade val="50000"/>
-            </a:schemeClr>
-          </a:lnRef>
-          <a:fillRef idx="1">
-            <a:schemeClr val="accent1"/>
-          </a:fillRef>
-          <a:effectRef idx="0">
-            <a:schemeClr val="accent1"/>
-          </a:effectRef>
-          <a:fontRef idx="minor">
-            <a:schemeClr val="lt1"/>
-          </a:fontRef>
-        </p:style>
-        <p:txBody>
-          <a:bodyPr rtlCol="0" anchor="ctr"/>
-          <a:lstStyle/>
-          <a:p>
-            <a:pPr algn="ctr"/>
-            <a:endParaRPr lang="en-US"/>
-          </a:p>
-        </p:txBody>
-      </p:sp>
-      <p:sp>
-        <p:nvSpPr>
-          <p:cNvPr id="29" name="Process 108">
-            <a:extLst>
-              <a:ext uri="{FF2B5EF4-FFF2-40B4-BE49-F238E27FC236}">
-                <a16:creationId xmlns:a16="http://schemas.microsoft.com/office/drawing/2014/main" id="{268B80DE-AFBC-59EC-388E-287C23A76D1C}"/>
-              </a:ext>
-            </a:extLst>
-          </p:cNvPr>
-          <p:cNvSpPr/>
-          <p:nvPr/>
-        </p:nvSpPr>
-        <p:spPr>
-          <a:xfrm>
-            <a:off x="2592232" y="4264428"/>
-            <a:ext cx="4346831" cy="394963"/>
+            <a:off x="7248533" y="3258102"/>
+            <a:ext cx="4281981" cy="394963"/>
           </a:xfrm>
           <a:prstGeom prst="flowChartProcess">
             <a:avLst/>
           </a:prstGeom>
           <a:solidFill>
-            <a:schemeClr val="tx2"/>
-          </a:solidFill>
-          <a:ln w="15875">
-            <a:solidFill>
-              <a:srgbClr val="00C1DE"/>
-            </a:solidFill>
-          </a:ln>
-        </p:spPr>
-        <p:style>
-          <a:lnRef idx="2">
-            <a:schemeClr val="accent1">
-              <a:shade val="50000"/>
+            <a:schemeClr val="bg1">
+              <a:lumMod val="85000"/>
+              <a:alpha val="69804"/>
             </a:schemeClr>
-          </a:lnRef>
-          <a:fillRef idx="1">
-            <a:schemeClr val="accent1"/>
-          </a:fillRef>
-          <a:effectRef idx="0">
-            <a:schemeClr val="accent1"/>
-          </a:effectRef>
-          <a:fontRef idx="minor">
-            <a:schemeClr val="lt1"/>
-          </a:fontRef>
-        </p:style>
-        <p:txBody>
-          <a:bodyPr rtlCol="0" anchor="ctr"/>
-          <a:lstStyle/>
-          <a:p>
-            <a:pPr marL="0" marR="0" lvl="0" indent="0" algn="ctr" defTabSz="1219170" rtl="0" eaLnBrk="0" fontAlgn="base" latinLnBrk="0" hangingPunct="0">
-              <a:lnSpc>
-                <a:spcPct val="100000"/>
-              </a:lnSpc>
-              <a:spcBef>
-                <a:spcPct val="0"/>
-              </a:spcBef>
-              <a:spcAft>
-                <a:spcPct val="0"/>
-              </a:spcAft>
-              <a:buClrTx/>
-              <a:buSzTx/>
-              <a:buFontTx/>
-              <a:buNone/>
-              <a:tabLst/>
-              <a:defRPr/>
-            </a:pPr>
-            <a:r>
-              <a:rPr kumimoji="0" lang="en-GB" sz="1200" b="0" i="0" u="none" strike="noStrike" kern="1200" cap="none" spc="0" normalizeH="0" baseline="0" noProof="0" dirty="0">
-                <a:ln>
-                  <a:noFill/>
-                </a:ln>
-                <a:solidFill>
-                  <a:srgbClr val="FFFFFF"/>
-                </a:solidFill>
-                <a:effectLst/>
-                <a:uLnTx/>
-                <a:uFillTx/>
-                <a:latin typeface="Aeonik" panose="020B0503030300000000" pitchFamily="34" charset="0"/>
-                <a:ea typeface="+mn-ea"/>
-                <a:cs typeface="Calibri" panose="020F0502020204030204" pitchFamily="34" charset="0"/>
-              </a:rPr>
-              <a:t>SDSIO Server running on </a:t>
-            </a:r>
-            <a:r>
-              <a:rPr lang="en-GB" sz="1200" dirty="0">
-                <a:solidFill>
-                  <a:srgbClr val="FFFFFF"/>
-                </a:solidFill>
-                <a:latin typeface="Aeonik" panose="020B0503030300000000" pitchFamily="34" charset="0"/>
-                <a:cs typeface="Calibri" panose="020F0502020204030204" pitchFamily="34" charset="0"/>
-              </a:rPr>
-              <a:t>development host</a:t>
-            </a:r>
-            <a:r>
-              <a:rPr kumimoji="0" lang="en-GB" sz="1200" b="0" i="0" u="none" strike="noStrike" kern="1200" cap="none" spc="0" normalizeH="0" baseline="0" noProof="0" dirty="0">
-                <a:ln>
-                  <a:noFill/>
-                </a:ln>
-                <a:solidFill>
-                  <a:srgbClr val="FFFFFF"/>
-                </a:solidFill>
-                <a:effectLst/>
-                <a:uLnTx/>
-                <a:uFillTx/>
-                <a:latin typeface="Aeonik" panose="020B0503030300000000" pitchFamily="34" charset="0"/>
-                <a:ea typeface="+mn-ea"/>
-                <a:cs typeface="Calibri" panose="020F0502020204030204" pitchFamily="34" charset="0"/>
-              </a:rPr>
-              <a:t> system</a:t>
-            </a:r>
-          </a:p>
-        </p:txBody>
-      </p:sp>
-      <p:cxnSp>
-        <p:nvCxnSpPr>
-          <p:cNvPr id="30" name="Straight Arrow Connector 29">
-            <a:extLst>
-              <a:ext uri="{FF2B5EF4-FFF2-40B4-BE49-F238E27FC236}">
-                <a16:creationId xmlns:a16="http://schemas.microsoft.com/office/drawing/2014/main" id="{A5434FB5-0E2F-D7D7-53B5-8E98771D6A76}"/>
-              </a:ext>
-            </a:extLst>
-          </p:cNvPr>
-          <p:cNvCxnSpPr>
-            <a:cxnSpLocks/>
-            <a:endCxn id="18" idx="2"/>
-          </p:cNvCxnSpPr>
-          <p:nvPr/>
-        </p:nvCxnSpPr>
-        <p:spPr>
-          <a:xfrm flipV="1">
-            <a:off x="3128713" y="3093159"/>
-            <a:ext cx="0" cy="164943"/>
-          </a:xfrm>
-          <a:prstGeom prst="straightConnector1">
-            <a:avLst/>
-          </a:prstGeom>
-          <a:ln w="15875">
-            <a:solidFill>
-              <a:schemeClr val="accent1"/>
-            </a:solidFill>
-            <a:tailEnd type="triangle"/>
-          </a:ln>
-        </p:spPr>
-        <p:style>
-          <a:lnRef idx="1">
-            <a:schemeClr val="accent1"/>
-          </a:lnRef>
-          <a:fillRef idx="0">
-            <a:schemeClr val="accent1"/>
-          </a:fillRef>
-          <a:effectRef idx="0">
-            <a:schemeClr val="accent1"/>
-          </a:effectRef>
-          <a:fontRef idx="minor">
-            <a:schemeClr val="tx1"/>
-          </a:fontRef>
-        </p:style>
-      </p:cxnSp>
-      <p:sp>
-        <p:nvSpPr>
-          <p:cNvPr id="21" name="Process 108">
-            <a:extLst>
-              <a:ext uri="{FF2B5EF4-FFF2-40B4-BE49-F238E27FC236}">
-                <a16:creationId xmlns:a16="http://schemas.microsoft.com/office/drawing/2014/main" id="{4FADFCAC-AC6F-C1F3-3264-89A5CD7B5DCA}"/>
-              </a:ext>
-            </a:extLst>
-          </p:cNvPr>
-          <p:cNvSpPr/>
-          <p:nvPr/>
-        </p:nvSpPr>
-        <p:spPr>
-          <a:xfrm>
-            <a:off x="2592232" y="3258102"/>
-            <a:ext cx="4281981" cy="394963"/>
-          </a:xfrm>
-          <a:prstGeom prst="flowChartProcess">
-            <a:avLst/>
-          </a:prstGeom>
-          <a:solidFill>
-            <a:srgbClr val="A6A6A6">
-              <a:alpha val="69804"/>
-            </a:srgbClr>
           </a:solidFill>
           <a:ln w="15875">
             <a:solidFill>
@@ -22256,7 +22143,7 @@
         </p:nvCxnSpPr>
         <p:spPr>
           <a:xfrm>
-            <a:off x="4771373" y="3099644"/>
+            <a:off x="9427674" y="3099644"/>
             <a:ext cx="0" cy="158458"/>
           </a:xfrm>
           <a:prstGeom prst="straightConnector1">
@@ -22301,7 +22188,7 @@
         </p:nvCxnSpPr>
         <p:spPr>
           <a:xfrm>
-            <a:off x="6353365" y="3082496"/>
+            <a:off x="11009666" y="3082496"/>
             <a:ext cx="0" cy="175606"/>
           </a:xfrm>
           <a:prstGeom prst="straightConnector1">
@@ -22345,8 +22232,8 @@
         </p:nvSpPr>
         <p:spPr>
           <a:xfrm>
-            <a:off x="2579114" y="3370857"/>
-            <a:ext cx="4281980" cy="194493"/>
+            <a:off x="7295739" y="3370857"/>
+            <a:ext cx="4221656" cy="194493"/>
           </a:xfrm>
           <a:prstGeom prst="rect">
             <a:avLst/>
@@ -22640,7 +22527,7 @@
                 <a:latin typeface="Aeonik Fono" panose="020B0504030300000000" pitchFamily="34" charset="0"/>
                 <a:ea typeface="ＭＳ Ｐゴシック" charset="0"/>
               </a:rPr>
-              <a:t>SDS  INTERFACE LAYER</a:t>
+              <a:t>SDSIO  INTERFACE</a:t>
             </a:r>
           </a:p>
         </p:txBody>
@@ -22661,7 +22548,7 @@
         </p:nvSpPr>
         <p:spPr>
           <a:xfrm>
-            <a:off x="4864218" y="3938607"/>
+            <a:off x="9520519" y="3938607"/>
             <a:ext cx="1450255" cy="194493"/>
           </a:xfrm>
           <a:prstGeom prst="rect">
@@ -22981,7 +22868,7 @@
         </p:nvSpPr>
         <p:spPr>
           <a:xfrm>
-            <a:off x="5818695" y="2687533"/>
+            <a:off x="10474996" y="2687533"/>
             <a:ext cx="1069340" cy="394963"/>
           </a:xfrm>
           <a:prstGeom prst="flowChartProcess">
@@ -23049,6 +22936,3302 @@
                 <a:cs typeface="Calibri" panose="020F0502020204030204" pitchFamily="34" charset="0"/>
               </a:rPr>
               <a:t>SDS Recorder </a:t>
+            </a:r>
+          </a:p>
+        </p:txBody>
+      </p:sp>
+      <p:sp>
+        <p:nvSpPr>
+          <p:cNvPr id="3" name="TextBox 2">
+            <a:extLst>
+              <a:ext uri="{FF2B5EF4-FFF2-40B4-BE49-F238E27FC236}">
+                <a16:creationId xmlns:a16="http://schemas.microsoft.com/office/drawing/2014/main" id="{4AD38773-C51C-DA8C-1931-2486C1403F2A}"/>
+              </a:ext>
+            </a:extLst>
+          </p:cNvPr>
+          <p:cNvSpPr txBox="1"/>
+          <p:nvPr/>
+        </p:nvSpPr>
+        <p:spPr>
+          <a:xfrm>
+            <a:off x="10720959" y="2012587"/>
+            <a:ext cx="726789" cy="147797"/>
+          </a:xfrm>
+          <a:prstGeom prst="rect">
+            <a:avLst/>
+          </a:prstGeom>
+          <a:noFill/>
+        </p:spPr>
+        <p:txBody>
+          <a:bodyPr wrap="square" lIns="0" tIns="0" rIns="0" bIns="0" rtlCol="0">
+            <a:spAutoFit/>
+          </a:bodyPr>
+          <a:lstStyle/>
+          <a:p>
+            <a:pPr marL="0" marR="0" lvl="0" indent="0" algn="ctr" defTabSz="914377" rtl="0" eaLnBrk="1" fontAlgn="base" latinLnBrk="0" hangingPunct="1">
+              <a:lnSpc>
+                <a:spcPct val="90000"/>
+              </a:lnSpc>
+              <a:spcBef>
+                <a:spcPts val="0"/>
+              </a:spcBef>
+              <a:spcAft>
+                <a:spcPts val="600"/>
+              </a:spcAft>
+              <a:buClrTx/>
+              <a:buSzTx/>
+              <a:buFontTx/>
+              <a:buNone/>
+              <a:tabLst/>
+              <a:defRPr/>
+            </a:pPr>
+            <a:r>
+              <a:rPr lang="en-US" sz="1067" dirty="0">
+                <a:latin typeface="Aeonik" panose="020B0503030300000000" pitchFamily="34" charset="0"/>
+                <a:ea typeface="ＭＳ Ｐゴシック" panose="020B0600070205080204" pitchFamily="34" charset="-128"/>
+                <a:cs typeface="Calibri" panose="020F0502020204030204" pitchFamily="34" charset="0"/>
+              </a:rPr>
+              <a:t>Output</a:t>
+            </a:r>
+            <a:endParaRPr kumimoji="0" lang="en-US" sz="1067" i="0" u="none" strike="noStrike" kern="1200" cap="none" spc="0" normalizeH="0" baseline="0" noProof="0" dirty="0">
+              <a:ln>
+                <a:noFill/>
+              </a:ln>
+              <a:effectLst/>
+              <a:uLnTx/>
+              <a:uFillTx/>
+              <a:latin typeface="Aeonik" panose="020B0503030300000000" pitchFamily="34" charset="0"/>
+              <a:ea typeface="ＭＳ Ｐゴシック" panose="020B0600070205080204" pitchFamily="34" charset="-128"/>
+              <a:cs typeface="Calibri" panose="020F0502020204030204" pitchFamily="34" charset="0"/>
+            </a:endParaRPr>
+          </a:p>
+        </p:txBody>
+      </p:sp>
+      <p:sp>
+        <p:nvSpPr>
+          <p:cNvPr id="4" name="Rectangle 3">
+            <a:extLst>
+              <a:ext uri="{FF2B5EF4-FFF2-40B4-BE49-F238E27FC236}">
+                <a16:creationId xmlns:a16="http://schemas.microsoft.com/office/drawing/2014/main" id="{C48699D6-41CC-D854-B90A-F5216016F70A}"/>
+              </a:ext>
+            </a:extLst>
+          </p:cNvPr>
+          <p:cNvSpPr/>
+          <p:nvPr/>
+        </p:nvSpPr>
+        <p:spPr>
+          <a:xfrm>
+            <a:off x="1404490" y="1589073"/>
+            <a:ext cx="5365218" cy="2230652"/>
+          </a:xfrm>
+          <a:prstGeom prst="rect">
+            <a:avLst/>
+          </a:prstGeom>
+          <a:solidFill>
+            <a:schemeClr val="bg1">
+              <a:lumMod val="75000"/>
+              <a:alpha val="35000"/>
+            </a:schemeClr>
+          </a:solidFill>
+          <a:ln>
+            <a:noFill/>
+          </a:ln>
+        </p:spPr>
+        <p:style>
+          <a:lnRef idx="2">
+            <a:schemeClr val="accent1">
+              <a:shade val="50000"/>
+            </a:schemeClr>
+          </a:lnRef>
+          <a:fillRef idx="1">
+            <a:schemeClr val="accent1"/>
+          </a:fillRef>
+          <a:effectRef idx="0">
+            <a:schemeClr val="accent1"/>
+          </a:effectRef>
+          <a:fontRef idx="minor">
+            <a:schemeClr val="lt1"/>
+          </a:fontRef>
+        </p:style>
+        <p:txBody>
+          <a:bodyPr rtlCol="0" anchor="ctr"/>
+          <a:lstStyle/>
+          <a:p>
+            <a:pPr marL="0" marR="0" lvl="0" indent="0" algn="ctr" defTabSz="1219170" rtl="0" eaLnBrk="0" fontAlgn="base" latinLnBrk="0" hangingPunct="0">
+              <a:lnSpc>
+                <a:spcPct val="100000"/>
+              </a:lnSpc>
+              <a:spcBef>
+                <a:spcPct val="0"/>
+              </a:spcBef>
+              <a:spcAft>
+                <a:spcPct val="0"/>
+              </a:spcAft>
+              <a:buClrTx/>
+              <a:buSzTx/>
+              <a:buFontTx/>
+              <a:buNone/>
+              <a:tabLst/>
+              <a:defRPr/>
+            </a:pPr>
+            <a:endParaRPr kumimoji="0" lang="en-US" sz="2400" b="0" i="0" u="none" strike="noStrike" kern="1200" cap="none" spc="0" normalizeH="0" baseline="0" noProof="0">
+              <a:ln>
+                <a:noFill/>
+              </a:ln>
+              <a:solidFill>
+                <a:srgbClr val="FFFFFF"/>
+              </a:solidFill>
+              <a:effectLst/>
+              <a:uLnTx/>
+              <a:uFillTx/>
+              <a:latin typeface="Calibri" panose="020F0502020204030204" pitchFamily="34" charset="0"/>
+              <a:ea typeface="+mn-ea"/>
+              <a:cs typeface="Calibri" panose="020F0502020204030204" pitchFamily="34" charset="0"/>
+            </a:endParaRPr>
+          </a:p>
+        </p:txBody>
+      </p:sp>
+      <p:pic>
+        <p:nvPicPr>
+          <p:cNvPr id="9" name="Picture 8">
+            <a:extLst>
+              <a:ext uri="{FF2B5EF4-FFF2-40B4-BE49-F238E27FC236}">
+                <a16:creationId xmlns:a16="http://schemas.microsoft.com/office/drawing/2014/main" id="{7AABE04A-CF4A-70F2-2CC5-6FD69DA3B177}"/>
+              </a:ext>
+            </a:extLst>
+          </p:cNvPr>
+          <p:cNvPicPr>
+            <a:picLocks noChangeAspect="1"/>
+          </p:cNvPicPr>
+          <p:nvPr/>
+        </p:nvPicPr>
+        <p:blipFill>
+          <a:blip r:embed="rId11"/>
+          <a:stretch>
+            <a:fillRect/>
+          </a:stretch>
+        </p:blipFill>
+        <p:spPr>
+          <a:xfrm>
+            <a:off x="693775" y="1685527"/>
+            <a:ext cx="371504" cy="471311"/>
+          </a:xfrm>
+          <a:prstGeom prst="rect">
+            <a:avLst/>
+          </a:prstGeom>
+        </p:spPr>
+      </p:pic>
+      <p:sp>
+        <p:nvSpPr>
+          <p:cNvPr id="11" name="Content Placeholder 2">
+            <a:extLst>
+              <a:ext uri="{FF2B5EF4-FFF2-40B4-BE49-F238E27FC236}">
+                <a16:creationId xmlns:a16="http://schemas.microsoft.com/office/drawing/2014/main" id="{598B223D-5F4B-116C-856D-EF124B2F8FF1}"/>
+              </a:ext>
+            </a:extLst>
+          </p:cNvPr>
+          <p:cNvSpPr txBox="1">
+            <a:spLocks/>
+          </p:cNvSpPr>
+          <p:nvPr/>
+        </p:nvSpPr>
+        <p:spPr>
+          <a:xfrm>
+            <a:off x="1737048" y="1643581"/>
+            <a:ext cx="5365218" cy="194493"/>
+          </a:xfrm>
+          <a:prstGeom prst="rect">
+            <a:avLst/>
+          </a:prstGeom>
+        </p:spPr>
+        <p:txBody>
+          <a:bodyPr vert="horz" lIns="0" tIns="0" rIns="0" bIns="0" rtlCol="0">
+            <a:noAutofit/>
+          </a:bodyPr>
+          <a:lstStyle>
+            <a:lvl1pPr marL="342900" indent="-342900" algn="l" rtl="0" eaLnBrk="1" fontAlgn="base" hangingPunct="1">
+              <a:lnSpc>
+                <a:spcPct val="100000"/>
+              </a:lnSpc>
+              <a:spcBef>
+                <a:spcPts val="600"/>
+              </a:spcBef>
+              <a:spcAft>
+                <a:spcPts val="0"/>
+              </a:spcAft>
+              <a:buClr>
+                <a:schemeClr val="accent1"/>
+              </a:buClr>
+              <a:buFontTx/>
+              <a:buBlip>
+                <a:blip r:embed="rId3">
+                  <a:extLst>
+                    <a:ext uri="{96DAC541-7B7A-43D3-8B79-37D633B846F1}">
+                      <asvg:svgBlip xmlns:asvg="http://schemas.microsoft.com/office/drawing/2016/SVG/main" r:embed="rId4"/>
+                    </a:ext>
+                  </a:extLst>
+                </a:blip>
+              </a:buBlip>
+              <a:defRPr sz="2400" kern="1200">
+                <a:solidFill>
+                  <a:schemeClr val="tx2"/>
+                </a:solidFill>
+                <a:latin typeface="+mn-lt"/>
+                <a:ea typeface="ＭＳ Ｐゴシック" charset="0"/>
+                <a:cs typeface="ＭＳ Ｐゴシック" charset="0"/>
+              </a:defRPr>
+            </a:lvl1pPr>
+            <a:lvl2pPr marL="672783" indent="-166688" algn="l" rtl="0" eaLnBrk="1" fontAlgn="base" hangingPunct="1">
+              <a:lnSpc>
+                <a:spcPct val="100000"/>
+              </a:lnSpc>
+              <a:spcBef>
+                <a:spcPts val="0"/>
+              </a:spcBef>
+              <a:spcAft>
+                <a:spcPts val="0"/>
+              </a:spcAft>
+              <a:buClr>
+                <a:schemeClr val="accent1"/>
+              </a:buClr>
+              <a:buSzPct val="80000"/>
+              <a:buFont typeface="Arial" charset="0"/>
+              <a:buChar char="•"/>
+              <a:defRPr sz="2000" kern="1200">
+                <a:solidFill>
+                  <a:schemeClr val="tx2"/>
+                </a:solidFill>
+                <a:latin typeface="+mn-lt"/>
+                <a:ea typeface="ＭＳ Ｐゴシック" charset="0"/>
+                <a:cs typeface="+mn-cs"/>
+              </a:defRPr>
+            </a:lvl2pPr>
+            <a:lvl3pPr marL="947103" indent="-166688" algn="l" rtl="0" eaLnBrk="1" fontAlgn="base" hangingPunct="1">
+              <a:lnSpc>
+                <a:spcPct val="100000"/>
+              </a:lnSpc>
+              <a:spcBef>
+                <a:spcPts val="0"/>
+              </a:spcBef>
+              <a:spcAft>
+                <a:spcPts val="0"/>
+              </a:spcAft>
+              <a:buClr>
+                <a:schemeClr val="accent1"/>
+              </a:buClr>
+              <a:buSzPct val="80000"/>
+              <a:buFontTx/>
+              <a:buBlip>
+                <a:blip r:embed="rId5">
+                  <a:extLst>
+                    <a:ext uri="{96DAC541-7B7A-43D3-8B79-37D633B846F1}">
+                      <asvg:svgBlip xmlns:asvg="http://schemas.microsoft.com/office/drawing/2016/SVG/main" r:embed="rId6"/>
+                    </a:ext>
+                  </a:extLst>
+                </a:blip>
+              </a:buBlip>
+              <a:defRPr sz="1800" kern="1200">
+                <a:solidFill>
+                  <a:schemeClr val="tx2"/>
+                </a:solidFill>
+                <a:latin typeface="+mn-lt"/>
+                <a:ea typeface="ＭＳ Ｐゴシック" charset="0"/>
+                <a:cs typeface="+mn-cs"/>
+              </a:defRPr>
+            </a:lvl3pPr>
+            <a:lvl4pPr marL="1293178" indent="-173038" algn="l" rtl="0" eaLnBrk="1" fontAlgn="base" hangingPunct="1">
+              <a:lnSpc>
+                <a:spcPct val="100000"/>
+              </a:lnSpc>
+              <a:spcBef>
+                <a:spcPts val="0"/>
+              </a:spcBef>
+              <a:spcAft>
+                <a:spcPts val="0"/>
+              </a:spcAft>
+              <a:buClr>
+                <a:schemeClr val="accent1"/>
+              </a:buClr>
+              <a:buSzPct val="80000"/>
+              <a:buFont typeface="Wingdings" charset="2"/>
+              <a:buChar char="§"/>
+              <a:defRPr sz="1800" kern="1200">
+                <a:solidFill>
+                  <a:schemeClr val="tx2"/>
+                </a:solidFill>
+                <a:latin typeface="+mn-lt"/>
+                <a:ea typeface="ＭＳ Ｐゴシック" charset="0"/>
+                <a:cs typeface="+mn-cs"/>
+              </a:defRPr>
+            </a:lvl4pPr>
+            <a:lvl5pPr marL="1518603" indent="-168275" algn="l" rtl="0" eaLnBrk="1" fontAlgn="base" hangingPunct="1">
+              <a:lnSpc>
+                <a:spcPct val="100000"/>
+              </a:lnSpc>
+              <a:spcBef>
+                <a:spcPts val="0"/>
+              </a:spcBef>
+              <a:spcAft>
+                <a:spcPts val="0"/>
+              </a:spcAft>
+              <a:buClr>
+                <a:schemeClr val="accent1"/>
+              </a:buClr>
+              <a:buSzPct val="80000"/>
+              <a:buFontTx/>
+              <a:buBlip>
+                <a:blip r:embed="rId5">
+                  <a:extLst>
+                    <a:ext uri="{96DAC541-7B7A-43D3-8B79-37D633B846F1}">
+                      <asvg:svgBlip xmlns:asvg="http://schemas.microsoft.com/office/drawing/2016/SVG/main" r:embed="rId6"/>
+                    </a:ext>
+                  </a:extLst>
+                </a:blip>
+              </a:buBlip>
+              <a:defRPr sz="1800" kern="1200">
+                <a:solidFill>
+                  <a:schemeClr val="tx2"/>
+                </a:solidFill>
+                <a:latin typeface="+mn-lt"/>
+                <a:ea typeface="ＭＳ Ｐゴシック" charset="0"/>
+                <a:cs typeface="+mn-cs"/>
+              </a:defRPr>
+            </a:lvl5pPr>
+            <a:lvl6pPr marL="1655064" indent="-164592" algn="l" defTabSz="914400" rtl="0" eaLnBrk="1" latinLnBrk="0" hangingPunct="1">
+              <a:lnSpc>
+                <a:spcPct val="100000"/>
+              </a:lnSpc>
+              <a:spcBef>
+                <a:spcPts val="0"/>
+              </a:spcBef>
+              <a:spcAft>
+                <a:spcPts val="0"/>
+              </a:spcAft>
+              <a:buClr>
+                <a:schemeClr val="accent1"/>
+              </a:buClr>
+              <a:buSzPct val="80000"/>
+              <a:buFont typeface="Wingdings" panose="05000000000000000000" pitchFamily="2" charset="2"/>
+              <a:buChar char="§"/>
+              <a:defRPr lang="en-US" sz="1600" kern="1200">
+                <a:solidFill>
+                  <a:schemeClr val="tx2"/>
+                </a:solidFill>
+                <a:latin typeface="+mn-lt"/>
+                <a:ea typeface="+mn-ea"/>
+                <a:cs typeface="+mn-cs"/>
+              </a:defRPr>
+            </a:lvl6pPr>
+            <a:lvl7pPr marL="1883664" indent="-164592" algn="l" defTabSz="914400" rtl="0" eaLnBrk="1" latinLnBrk="0" hangingPunct="1">
+              <a:lnSpc>
+                <a:spcPct val="100000"/>
+              </a:lnSpc>
+              <a:spcBef>
+                <a:spcPts val="0"/>
+              </a:spcBef>
+              <a:spcAft>
+                <a:spcPts val="0"/>
+              </a:spcAft>
+              <a:buClr>
+                <a:schemeClr val="accent1"/>
+              </a:buClr>
+              <a:buSzPct val="80000"/>
+              <a:buFont typeface="Calibri" panose="020F0502020204030204" pitchFamily="34" charset="0"/>
+              <a:buChar char="–"/>
+              <a:defRPr lang="en-US" sz="1600" kern="1200">
+                <a:solidFill>
+                  <a:schemeClr val="tx2"/>
+                </a:solidFill>
+                <a:latin typeface="+mn-lt"/>
+                <a:ea typeface="+mn-ea"/>
+                <a:cs typeface="+mn-cs"/>
+              </a:defRPr>
+            </a:lvl7pPr>
+            <a:lvl8pPr marL="2112264" indent="-164592" algn="l" defTabSz="914400" rtl="0" eaLnBrk="1" latinLnBrk="0" hangingPunct="1">
+              <a:lnSpc>
+                <a:spcPct val="100000"/>
+              </a:lnSpc>
+              <a:spcBef>
+                <a:spcPts val="0"/>
+              </a:spcBef>
+              <a:spcAft>
+                <a:spcPts val="0"/>
+              </a:spcAft>
+              <a:buClr>
+                <a:schemeClr val="accent1"/>
+              </a:buClr>
+              <a:buSzPct val="80000"/>
+              <a:buFont typeface="Wingdings" panose="05000000000000000000" pitchFamily="2" charset="2"/>
+              <a:buChar char="§"/>
+              <a:defRPr lang="en-US" sz="1600" kern="1200">
+                <a:solidFill>
+                  <a:schemeClr val="tx2"/>
+                </a:solidFill>
+                <a:latin typeface="+mn-lt"/>
+                <a:ea typeface="+mn-ea"/>
+                <a:cs typeface="+mn-cs"/>
+              </a:defRPr>
+            </a:lvl8pPr>
+            <a:lvl9pPr marL="2340864" indent="-164592" algn="l" defTabSz="914400" rtl="0" eaLnBrk="1" latinLnBrk="0" hangingPunct="1">
+              <a:lnSpc>
+                <a:spcPct val="100000"/>
+              </a:lnSpc>
+              <a:spcBef>
+                <a:spcPts val="0"/>
+              </a:spcBef>
+              <a:spcAft>
+                <a:spcPts val="0"/>
+              </a:spcAft>
+              <a:buClr>
+                <a:schemeClr val="accent1"/>
+              </a:buClr>
+              <a:buSzPct val="80000"/>
+              <a:buFont typeface="Calibri" panose="020F0502020204030204" pitchFamily="34" charset="0"/>
+              <a:buChar char="–"/>
+              <a:defRPr lang="en-US" sz="1600" kern="1200">
+                <a:solidFill>
+                  <a:schemeClr val="tx2"/>
+                </a:solidFill>
+                <a:latin typeface="+mn-lt"/>
+                <a:ea typeface="+mn-ea"/>
+                <a:cs typeface="+mn-cs"/>
+              </a:defRPr>
+            </a:lvl9pPr>
+          </a:lstStyle>
+          <a:p>
+            <a:pPr marL="0" marR="0" lvl="0" indent="0" algn="ctr" defTabSz="1219170" rtl="0" eaLnBrk="1" fontAlgn="base" latinLnBrk="0" hangingPunct="1">
+              <a:lnSpc>
+                <a:spcPct val="100000"/>
+              </a:lnSpc>
+              <a:spcBef>
+                <a:spcPts val="800"/>
+              </a:spcBef>
+              <a:spcAft>
+                <a:spcPts val="0"/>
+              </a:spcAft>
+              <a:buClr>
+                <a:srgbClr val="0091BD"/>
+              </a:buClr>
+              <a:buSzTx/>
+              <a:buFontTx/>
+              <a:buNone/>
+              <a:tabLst/>
+              <a:defRPr/>
+            </a:pPr>
+            <a:r>
+              <a:rPr kumimoji="0" lang="en-US" sz="1067" b="1" i="0" u="none" strike="noStrike" kern="1200" cap="none" spc="400" normalizeH="0" baseline="0" noProof="0" dirty="0">
+                <a:ln>
+                  <a:noFill/>
+                </a:ln>
+                <a:solidFill>
+                  <a:schemeClr val="tx1"/>
+                </a:solidFill>
+                <a:effectLst/>
+                <a:uLnTx/>
+                <a:uFillTx/>
+                <a:latin typeface="Aeonik Fono" panose="020B0504030300000000" pitchFamily="34" charset="0"/>
+                <a:ea typeface="ＭＳ Ｐゴシック" charset="0"/>
+              </a:rPr>
+              <a:t>DATA STREAM UNDER DEVELOPMENT  </a:t>
+            </a:r>
+          </a:p>
+        </p:txBody>
+      </p:sp>
+      <p:cxnSp>
+        <p:nvCxnSpPr>
+          <p:cNvPr id="13" name="Straight Arrow Connector 12">
+            <a:extLst>
+              <a:ext uri="{FF2B5EF4-FFF2-40B4-BE49-F238E27FC236}">
+                <a16:creationId xmlns:a16="http://schemas.microsoft.com/office/drawing/2014/main" id="{FC795695-3C9F-8AEC-F702-B760A8430ADB}"/>
+              </a:ext>
+            </a:extLst>
+          </p:cNvPr>
+          <p:cNvCxnSpPr>
+            <a:cxnSpLocks/>
+            <a:endCxn id="36" idx="1"/>
+          </p:cNvCxnSpPr>
+          <p:nvPr/>
+        </p:nvCxnSpPr>
+        <p:spPr>
+          <a:xfrm flipV="1">
+            <a:off x="2438774" y="2210571"/>
+            <a:ext cx="676798" cy="7662"/>
+          </a:xfrm>
+          <a:prstGeom prst="straightConnector1">
+            <a:avLst/>
+          </a:prstGeom>
+          <a:ln w="15875">
+            <a:solidFill>
+              <a:schemeClr val="accent1"/>
+            </a:solidFill>
+            <a:tailEnd type="triangle"/>
+          </a:ln>
+        </p:spPr>
+        <p:style>
+          <a:lnRef idx="1">
+            <a:schemeClr val="accent1"/>
+          </a:lnRef>
+          <a:fillRef idx="0">
+            <a:schemeClr val="accent1"/>
+          </a:fillRef>
+          <a:effectRef idx="0">
+            <a:schemeClr val="accent1"/>
+          </a:effectRef>
+          <a:fontRef idx="minor">
+            <a:schemeClr val="tx1"/>
+          </a:fontRef>
+        </p:style>
+      </p:cxnSp>
+      <p:cxnSp>
+        <p:nvCxnSpPr>
+          <p:cNvPr id="15" name="Straight Arrow Connector 14">
+            <a:extLst>
+              <a:ext uri="{FF2B5EF4-FFF2-40B4-BE49-F238E27FC236}">
+                <a16:creationId xmlns:a16="http://schemas.microsoft.com/office/drawing/2014/main" id="{4F27D51E-9721-D728-ADF9-BD0B5F6E9CA7}"/>
+              </a:ext>
+            </a:extLst>
+          </p:cNvPr>
+          <p:cNvCxnSpPr>
+            <a:cxnSpLocks/>
+            <a:stCxn id="36" idx="3"/>
+            <a:endCxn id="37" idx="1"/>
+          </p:cNvCxnSpPr>
+          <p:nvPr/>
+        </p:nvCxnSpPr>
+        <p:spPr>
+          <a:xfrm>
+            <a:off x="4087572" y="2210571"/>
+            <a:ext cx="691309" cy="4996"/>
+          </a:xfrm>
+          <a:prstGeom prst="straightConnector1">
+            <a:avLst/>
+          </a:prstGeom>
+          <a:ln w="15875">
+            <a:solidFill>
+              <a:schemeClr val="accent1"/>
+            </a:solidFill>
+            <a:tailEnd type="triangle"/>
+          </a:ln>
+        </p:spPr>
+        <p:style>
+          <a:lnRef idx="1">
+            <a:schemeClr val="accent1"/>
+          </a:lnRef>
+          <a:fillRef idx="0">
+            <a:schemeClr val="accent1"/>
+          </a:fillRef>
+          <a:effectRef idx="0">
+            <a:schemeClr val="accent1"/>
+          </a:effectRef>
+          <a:fontRef idx="minor">
+            <a:schemeClr val="tx1"/>
+          </a:fontRef>
+        </p:style>
+      </p:cxnSp>
+      <p:cxnSp>
+        <p:nvCxnSpPr>
+          <p:cNvPr id="20" name="Straight Arrow Connector 19">
+            <a:extLst>
+              <a:ext uri="{FF2B5EF4-FFF2-40B4-BE49-F238E27FC236}">
+                <a16:creationId xmlns:a16="http://schemas.microsoft.com/office/drawing/2014/main" id="{E5979F6B-10C0-2156-2FD3-267964CF2D01}"/>
+              </a:ext>
+            </a:extLst>
+          </p:cNvPr>
+          <p:cNvCxnSpPr>
+            <a:cxnSpLocks/>
+            <a:stCxn id="37" idx="3"/>
+          </p:cNvCxnSpPr>
+          <p:nvPr/>
+        </p:nvCxnSpPr>
+        <p:spPr>
+          <a:xfrm flipV="1">
+            <a:off x="5682201" y="2208802"/>
+            <a:ext cx="691309" cy="6765"/>
+          </a:xfrm>
+          <a:prstGeom prst="straightConnector1">
+            <a:avLst/>
+          </a:prstGeom>
+          <a:ln w="15875">
+            <a:solidFill>
+              <a:schemeClr val="accent1"/>
+            </a:solidFill>
+            <a:tailEnd type="triangle"/>
+          </a:ln>
+        </p:spPr>
+        <p:style>
+          <a:lnRef idx="1">
+            <a:schemeClr val="accent1"/>
+          </a:lnRef>
+          <a:fillRef idx="0">
+            <a:schemeClr val="accent1"/>
+          </a:fillRef>
+          <a:effectRef idx="0">
+            <a:schemeClr val="accent1"/>
+          </a:effectRef>
+          <a:fontRef idx="minor">
+            <a:schemeClr val="tx1"/>
+          </a:fontRef>
+        </p:style>
+      </p:cxnSp>
+      <p:sp>
+        <p:nvSpPr>
+          <p:cNvPr id="23" name="Right Brace 22">
+            <a:extLst>
+              <a:ext uri="{FF2B5EF4-FFF2-40B4-BE49-F238E27FC236}">
+                <a16:creationId xmlns:a16="http://schemas.microsoft.com/office/drawing/2014/main" id="{0D43B8A0-DA70-FCFA-4E4F-1E3E43AC408A}"/>
+              </a:ext>
+            </a:extLst>
+          </p:cNvPr>
+          <p:cNvSpPr/>
+          <p:nvPr/>
+        </p:nvSpPr>
+        <p:spPr>
+          <a:xfrm>
+            <a:off x="1043580" y="1638365"/>
+            <a:ext cx="529177" cy="2116512"/>
+          </a:xfrm>
+          <a:prstGeom prst="rightBrace">
+            <a:avLst>
+              <a:gd name="adj1" fmla="val 0"/>
+              <a:gd name="adj2" fmla="val 30074"/>
+            </a:avLst>
+          </a:prstGeom>
+          <a:ln w="15875">
+            <a:solidFill>
+              <a:schemeClr val="accent1"/>
+            </a:solidFill>
+          </a:ln>
+        </p:spPr>
+        <p:style>
+          <a:lnRef idx="1">
+            <a:schemeClr val="accent1"/>
+          </a:lnRef>
+          <a:fillRef idx="0">
+            <a:schemeClr val="accent1"/>
+          </a:fillRef>
+          <a:effectRef idx="0">
+            <a:schemeClr val="accent1"/>
+          </a:effectRef>
+          <a:fontRef idx="minor">
+            <a:schemeClr val="tx1"/>
+          </a:fontRef>
+        </p:style>
+        <p:txBody>
+          <a:bodyPr rtlCol="0" anchor="ctr"/>
+          <a:lstStyle/>
+          <a:p>
+            <a:pPr marL="0" marR="0" lvl="0" indent="0" algn="ctr" defTabSz="1219170" rtl="0" eaLnBrk="0" fontAlgn="base" latinLnBrk="0" hangingPunct="0">
+              <a:lnSpc>
+                <a:spcPct val="100000"/>
+              </a:lnSpc>
+              <a:spcBef>
+                <a:spcPct val="0"/>
+              </a:spcBef>
+              <a:spcAft>
+                <a:spcPct val="0"/>
+              </a:spcAft>
+              <a:buClrTx/>
+              <a:buSzTx/>
+              <a:buFontTx/>
+              <a:buNone/>
+              <a:tabLst/>
+              <a:defRPr/>
+            </a:pPr>
+            <a:endParaRPr kumimoji="0" lang="en-US" sz="2400" b="0" i="0" u="none" strike="noStrike" kern="1200" cap="none" spc="0" normalizeH="0" baseline="0" noProof="0">
+              <a:ln>
+                <a:noFill/>
+              </a:ln>
+              <a:solidFill>
+                <a:srgbClr val="000000"/>
+              </a:solidFill>
+              <a:effectLst/>
+              <a:uLnTx/>
+              <a:uFillTx/>
+              <a:latin typeface="Aeonik" panose="020B0503030300000000" pitchFamily="34" charset="0"/>
+              <a:ea typeface="+mn-ea"/>
+              <a:cs typeface="Calibri" panose="020F0502020204030204" pitchFamily="34" charset="0"/>
+            </a:endParaRPr>
+          </a:p>
+        </p:txBody>
+      </p:sp>
+      <p:pic>
+        <p:nvPicPr>
+          <p:cNvPr id="27" name="Picture 26">
+            <a:extLst>
+              <a:ext uri="{FF2B5EF4-FFF2-40B4-BE49-F238E27FC236}">
+                <a16:creationId xmlns:a16="http://schemas.microsoft.com/office/drawing/2014/main" id="{D4CB088E-9AA7-D923-1115-2A2ECF4EBE70}"/>
+              </a:ext>
+            </a:extLst>
+          </p:cNvPr>
+          <p:cNvPicPr>
+            <a:picLocks noChangeAspect="1"/>
+          </p:cNvPicPr>
+          <p:nvPr/>
+        </p:nvPicPr>
+        <p:blipFill>
+          <a:blip r:embed="rId12"/>
+          <a:stretch>
+            <a:fillRect/>
+          </a:stretch>
+        </p:blipFill>
+        <p:spPr>
+          <a:xfrm>
+            <a:off x="703762" y="2593073"/>
+            <a:ext cx="354609" cy="323203"/>
+          </a:xfrm>
+          <a:prstGeom prst="rect">
+            <a:avLst/>
+          </a:prstGeom>
+        </p:spPr>
+      </p:pic>
+      <p:pic>
+        <p:nvPicPr>
+          <p:cNvPr id="28" name="Picture 27">
+            <a:extLst>
+              <a:ext uri="{FF2B5EF4-FFF2-40B4-BE49-F238E27FC236}">
+                <a16:creationId xmlns:a16="http://schemas.microsoft.com/office/drawing/2014/main" id="{677A3955-C7B8-ADBD-F08D-45DCAB996F54}"/>
+              </a:ext>
+            </a:extLst>
+          </p:cNvPr>
+          <p:cNvPicPr>
+            <a:picLocks noChangeAspect="1"/>
+          </p:cNvPicPr>
+          <p:nvPr/>
+        </p:nvPicPr>
+        <p:blipFill>
+          <a:blip r:embed="rId13"/>
+          <a:stretch>
+            <a:fillRect/>
+          </a:stretch>
+        </p:blipFill>
+        <p:spPr>
+          <a:xfrm>
+            <a:off x="678079" y="3325892"/>
+            <a:ext cx="405975" cy="194161"/>
+          </a:xfrm>
+          <a:prstGeom prst="rect">
+            <a:avLst/>
+          </a:prstGeom>
+        </p:spPr>
+      </p:pic>
+      <p:sp>
+        <p:nvSpPr>
+          <p:cNvPr id="31" name="TextBox 30">
+            <a:extLst>
+              <a:ext uri="{FF2B5EF4-FFF2-40B4-BE49-F238E27FC236}">
+                <a16:creationId xmlns:a16="http://schemas.microsoft.com/office/drawing/2014/main" id="{F53D8B94-D83C-637E-3E74-1E7FE7AB5FC6}"/>
+              </a:ext>
+            </a:extLst>
+          </p:cNvPr>
+          <p:cNvSpPr txBox="1"/>
+          <p:nvPr/>
+        </p:nvSpPr>
+        <p:spPr>
+          <a:xfrm>
+            <a:off x="516409" y="2199119"/>
+            <a:ext cx="726789" cy="147797"/>
+          </a:xfrm>
+          <a:prstGeom prst="rect">
+            <a:avLst/>
+          </a:prstGeom>
+          <a:noFill/>
+        </p:spPr>
+        <p:txBody>
+          <a:bodyPr wrap="square" lIns="0" tIns="0" rIns="0" bIns="0" rtlCol="0">
+            <a:spAutoFit/>
+          </a:bodyPr>
+          <a:lstStyle/>
+          <a:p>
+            <a:pPr marL="0" marR="0" lvl="0" indent="0" algn="ctr" defTabSz="914377" rtl="0" eaLnBrk="1" fontAlgn="base" latinLnBrk="0" hangingPunct="1">
+              <a:lnSpc>
+                <a:spcPct val="90000"/>
+              </a:lnSpc>
+              <a:spcBef>
+                <a:spcPts val="0"/>
+              </a:spcBef>
+              <a:spcAft>
+                <a:spcPts val="600"/>
+              </a:spcAft>
+              <a:buClrTx/>
+              <a:buSzTx/>
+              <a:buFontTx/>
+              <a:buNone/>
+              <a:tabLst/>
+              <a:defRPr/>
+            </a:pPr>
+            <a:r>
+              <a:rPr kumimoji="0" lang="en-US" sz="1067" b="1" i="0" u="none" strike="noStrike" kern="1200" cap="none" spc="0" normalizeH="0" baseline="0" noProof="0" dirty="0">
+                <a:ln>
+                  <a:noFill/>
+                </a:ln>
+                <a:effectLst/>
+                <a:uLnTx/>
+                <a:uFillTx/>
+                <a:latin typeface="Aeonik" panose="020B0503030300000000" pitchFamily="34" charset="0"/>
+                <a:ea typeface="ＭＳ Ｐゴシック" panose="020B0600070205080204" pitchFamily="34" charset="-128"/>
+                <a:cs typeface="Calibri" panose="020F0502020204030204" pitchFamily="34" charset="0"/>
+              </a:rPr>
+              <a:t>Sensor</a:t>
+            </a:r>
+          </a:p>
+        </p:txBody>
+      </p:sp>
+      <p:sp>
+        <p:nvSpPr>
+          <p:cNvPr id="32" name="TextBox 31">
+            <a:extLst>
+              <a:ext uri="{FF2B5EF4-FFF2-40B4-BE49-F238E27FC236}">
+                <a16:creationId xmlns:a16="http://schemas.microsoft.com/office/drawing/2014/main" id="{8B3FCBA1-E978-C8BF-7253-6ED3B2E77968}"/>
+              </a:ext>
+            </a:extLst>
+          </p:cNvPr>
+          <p:cNvSpPr txBox="1"/>
+          <p:nvPr/>
+        </p:nvSpPr>
+        <p:spPr>
+          <a:xfrm>
+            <a:off x="516409" y="2960927"/>
+            <a:ext cx="726789" cy="147797"/>
+          </a:xfrm>
+          <a:prstGeom prst="rect">
+            <a:avLst/>
+          </a:prstGeom>
+          <a:noFill/>
+        </p:spPr>
+        <p:txBody>
+          <a:bodyPr wrap="square" lIns="0" tIns="0" rIns="0" bIns="0" rtlCol="0">
+            <a:spAutoFit/>
+          </a:bodyPr>
+          <a:lstStyle/>
+          <a:p>
+            <a:pPr marL="0" marR="0" lvl="0" indent="0" algn="ctr" defTabSz="914377" rtl="0" eaLnBrk="1" fontAlgn="base" latinLnBrk="0" hangingPunct="1">
+              <a:lnSpc>
+                <a:spcPct val="90000"/>
+              </a:lnSpc>
+              <a:spcBef>
+                <a:spcPts val="0"/>
+              </a:spcBef>
+              <a:spcAft>
+                <a:spcPts val="600"/>
+              </a:spcAft>
+              <a:buClrTx/>
+              <a:buSzTx/>
+              <a:buFontTx/>
+              <a:buNone/>
+              <a:tabLst/>
+              <a:defRPr/>
+            </a:pPr>
+            <a:r>
+              <a:rPr kumimoji="0" lang="en-US" sz="1067" b="1" i="0" u="none" strike="noStrike" kern="1200" cap="none" spc="0" normalizeH="0" baseline="0" noProof="0" dirty="0">
+                <a:ln>
+                  <a:noFill/>
+                </a:ln>
+                <a:effectLst/>
+                <a:uLnTx/>
+                <a:uFillTx/>
+                <a:latin typeface="Aeonik" panose="020B0503030300000000" pitchFamily="34" charset="0"/>
+                <a:ea typeface="ＭＳ Ｐゴシック" panose="020B0600070205080204" pitchFamily="34" charset="-128"/>
+                <a:cs typeface="Calibri" panose="020F0502020204030204" pitchFamily="34" charset="0"/>
+              </a:rPr>
+              <a:t>Audio</a:t>
+            </a:r>
+          </a:p>
+        </p:txBody>
+      </p:sp>
+      <p:sp>
+        <p:nvSpPr>
+          <p:cNvPr id="33" name="TextBox 32">
+            <a:extLst>
+              <a:ext uri="{FF2B5EF4-FFF2-40B4-BE49-F238E27FC236}">
+                <a16:creationId xmlns:a16="http://schemas.microsoft.com/office/drawing/2014/main" id="{F117DD7A-F598-2241-533A-B3E1305FCEEE}"/>
+              </a:ext>
+            </a:extLst>
+          </p:cNvPr>
+          <p:cNvSpPr txBox="1"/>
+          <p:nvPr/>
+        </p:nvSpPr>
+        <p:spPr>
+          <a:xfrm>
+            <a:off x="516409" y="3571735"/>
+            <a:ext cx="726789" cy="147797"/>
+          </a:xfrm>
+          <a:prstGeom prst="rect">
+            <a:avLst/>
+          </a:prstGeom>
+          <a:noFill/>
+        </p:spPr>
+        <p:txBody>
+          <a:bodyPr wrap="square" lIns="0" tIns="0" rIns="0" bIns="0" rtlCol="0">
+            <a:spAutoFit/>
+          </a:bodyPr>
+          <a:lstStyle/>
+          <a:p>
+            <a:pPr marL="0" marR="0" lvl="0" indent="0" algn="ctr" defTabSz="914377" rtl="0" eaLnBrk="1" fontAlgn="base" latinLnBrk="0" hangingPunct="1">
+              <a:lnSpc>
+                <a:spcPct val="90000"/>
+              </a:lnSpc>
+              <a:spcBef>
+                <a:spcPts val="0"/>
+              </a:spcBef>
+              <a:spcAft>
+                <a:spcPts val="600"/>
+              </a:spcAft>
+              <a:buClrTx/>
+              <a:buSzTx/>
+              <a:buFontTx/>
+              <a:buNone/>
+              <a:tabLst/>
+              <a:defRPr/>
+            </a:pPr>
+            <a:r>
+              <a:rPr kumimoji="0" lang="en-US" sz="1067" b="1" i="0" u="none" strike="noStrike" kern="1200" cap="none" spc="0" normalizeH="0" baseline="0" noProof="0">
+                <a:ln>
+                  <a:noFill/>
+                </a:ln>
+                <a:effectLst/>
+                <a:uLnTx/>
+                <a:uFillTx/>
+                <a:latin typeface="Aeonik" panose="020B0503030300000000" pitchFamily="34" charset="0"/>
+                <a:ea typeface="ＭＳ Ｐゴシック" panose="020B0600070205080204" pitchFamily="34" charset="-128"/>
+                <a:cs typeface="Calibri" panose="020F0502020204030204" pitchFamily="34" charset="0"/>
+              </a:rPr>
+              <a:t>Video</a:t>
+            </a:r>
+          </a:p>
+        </p:txBody>
+      </p:sp>
+      <p:sp>
+        <p:nvSpPr>
+          <p:cNvPr id="35" name="Process 104">
+            <a:extLst>
+              <a:ext uri="{FF2B5EF4-FFF2-40B4-BE49-F238E27FC236}">
+                <a16:creationId xmlns:a16="http://schemas.microsoft.com/office/drawing/2014/main" id="{B92580A6-BCA0-9981-7DE9-0D40B660F49C}"/>
+              </a:ext>
+            </a:extLst>
+          </p:cNvPr>
+          <p:cNvSpPr/>
+          <p:nvPr/>
+        </p:nvSpPr>
+        <p:spPr>
+          <a:xfrm>
+            <a:off x="1574364" y="1991594"/>
+            <a:ext cx="903320" cy="437953"/>
+          </a:xfrm>
+          <a:prstGeom prst="flowChartProcess">
+            <a:avLst/>
+          </a:prstGeom>
+          <a:solidFill>
+            <a:schemeClr val="tx2"/>
+          </a:solidFill>
+          <a:ln w="15875">
+            <a:solidFill>
+              <a:srgbClr val="00C1DE"/>
+            </a:solidFill>
+          </a:ln>
+        </p:spPr>
+        <p:style>
+          <a:lnRef idx="2">
+            <a:schemeClr val="accent1">
+              <a:shade val="50000"/>
+            </a:schemeClr>
+          </a:lnRef>
+          <a:fillRef idx="1">
+            <a:schemeClr val="accent1"/>
+          </a:fillRef>
+          <a:effectRef idx="0">
+            <a:schemeClr val="accent1"/>
+          </a:effectRef>
+          <a:fontRef idx="minor">
+            <a:schemeClr val="lt1"/>
+          </a:fontRef>
+        </p:style>
+        <p:txBody>
+          <a:bodyPr rtlCol="0" anchor="ctr"/>
+          <a:lstStyle/>
+          <a:p>
+            <a:pPr marL="0" marR="0" lvl="0" indent="0" algn="ctr" defTabSz="1219170" rtl="0" eaLnBrk="0" fontAlgn="base" latinLnBrk="0" hangingPunct="0">
+              <a:lnSpc>
+                <a:spcPct val="100000"/>
+              </a:lnSpc>
+              <a:spcBef>
+                <a:spcPct val="0"/>
+              </a:spcBef>
+              <a:spcAft>
+                <a:spcPct val="0"/>
+              </a:spcAft>
+              <a:buClrTx/>
+              <a:buSzTx/>
+              <a:buFontTx/>
+              <a:buNone/>
+              <a:tabLst/>
+              <a:defRPr/>
+            </a:pPr>
+            <a:r>
+              <a:rPr kumimoji="0" lang="en-GB" sz="1200" b="0" i="0" u="none" strike="noStrike" kern="1200" cap="none" spc="0" normalizeH="0" baseline="0" noProof="0" dirty="0">
+                <a:ln>
+                  <a:noFill/>
+                </a:ln>
+                <a:solidFill>
+                  <a:srgbClr val="FFFFFF"/>
+                </a:solidFill>
+                <a:effectLst/>
+                <a:uLnTx/>
+                <a:uFillTx/>
+                <a:latin typeface="Aeonik" panose="020B0503030300000000" pitchFamily="34" charset="0"/>
+                <a:ea typeface="+mn-ea"/>
+                <a:cs typeface="Calibri" panose="020F0502020204030204" pitchFamily="34" charset="0"/>
+              </a:rPr>
+              <a:t>Input Interface</a:t>
+            </a:r>
+          </a:p>
+        </p:txBody>
+      </p:sp>
+      <p:sp>
+        <p:nvSpPr>
+          <p:cNvPr id="36" name="Process 105">
+            <a:extLst>
+              <a:ext uri="{FF2B5EF4-FFF2-40B4-BE49-F238E27FC236}">
+                <a16:creationId xmlns:a16="http://schemas.microsoft.com/office/drawing/2014/main" id="{287607E7-D400-F5B3-52EC-65FBE06972FD}"/>
+              </a:ext>
+            </a:extLst>
+          </p:cNvPr>
+          <p:cNvSpPr/>
+          <p:nvPr/>
+        </p:nvSpPr>
+        <p:spPr>
+          <a:xfrm>
+            <a:off x="3115572" y="1991594"/>
+            <a:ext cx="972000" cy="437953"/>
+          </a:xfrm>
+          <a:prstGeom prst="flowChartProcess">
+            <a:avLst/>
+          </a:prstGeom>
+          <a:solidFill>
+            <a:schemeClr val="tx2"/>
+          </a:solidFill>
+          <a:ln w="15875">
+            <a:solidFill>
+              <a:srgbClr val="00C1DE"/>
+            </a:solidFill>
+          </a:ln>
+        </p:spPr>
+        <p:style>
+          <a:lnRef idx="2">
+            <a:schemeClr val="accent1">
+              <a:shade val="50000"/>
+            </a:schemeClr>
+          </a:lnRef>
+          <a:fillRef idx="1">
+            <a:schemeClr val="accent1"/>
+          </a:fillRef>
+          <a:effectRef idx="0">
+            <a:schemeClr val="accent1"/>
+          </a:effectRef>
+          <a:fontRef idx="minor">
+            <a:schemeClr val="lt1"/>
+          </a:fontRef>
+        </p:style>
+        <p:txBody>
+          <a:bodyPr rtlCol="0" anchor="ctr"/>
+          <a:lstStyle/>
+          <a:p>
+            <a:pPr marL="0" marR="0" lvl="0" indent="0" algn="ctr" defTabSz="1219170" rtl="0" eaLnBrk="0" fontAlgn="base" latinLnBrk="0" hangingPunct="0">
+              <a:lnSpc>
+                <a:spcPct val="100000"/>
+              </a:lnSpc>
+              <a:spcBef>
+                <a:spcPct val="0"/>
+              </a:spcBef>
+              <a:spcAft>
+                <a:spcPct val="0"/>
+              </a:spcAft>
+              <a:buClrTx/>
+              <a:buSzTx/>
+              <a:buFontTx/>
+              <a:buNone/>
+              <a:tabLst/>
+              <a:defRPr/>
+            </a:pPr>
+            <a:r>
+              <a:rPr kumimoji="0" lang="en-GB" sz="1100" b="0" i="0" u="none" strike="noStrike" kern="1200" cap="none" spc="0" normalizeH="0" baseline="0" noProof="0" dirty="0">
+                <a:ln>
+                  <a:noFill/>
+                </a:ln>
+                <a:solidFill>
+                  <a:srgbClr val="FFFFFF"/>
+                </a:solidFill>
+                <a:effectLst/>
+                <a:uLnTx/>
+                <a:uFillTx/>
+                <a:latin typeface="Aeonik" panose="020B0503030300000000" pitchFamily="34" charset="0"/>
+                <a:ea typeface="+mn-ea"/>
+                <a:cs typeface="Calibri" panose="020F0502020204030204" pitchFamily="34" charset="0"/>
+              </a:rPr>
+              <a:t>Signal Conditioning</a:t>
+            </a:r>
+          </a:p>
+        </p:txBody>
+      </p:sp>
+      <p:sp>
+        <p:nvSpPr>
+          <p:cNvPr id="37" name="Process 106">
+            <a:extLst>
+              <a:ext uri="{FF2B5EF4-FFF2-40B4-BE49-F238E27FC236}">
+                <a16:creationId xmlns:a16="http://schemas.microsoft.com/office/drawing/2014/main" id="{A5A3C365-334B-76C0-F033-D685EE8CAC56}"/>
+              </a:ext>
+            </a:extLst>
+          </p:cNvPr>
+          <p:cNvSpPr/>
+          <p:nvPr/>
+        </p:nvSpPr>
+        <p:spPr>
+          <a:xfrm>
+            <a:off x="4778881" y="1996590"/>
+            <a:ext cx="903320" cy="437954"/>
+          </a:xfrm>
+          <a:prstGeom prst="flowChartProcess">
+            <a:avLst/>
+          </a:prstGeom>
+          <a:solidFill>
+            <a:schemeClr val="tx2"/>
+          </a:solidFill>
+          <a:ln w="15875">
+            <a:solidFill>
+              <a:srgbClr val="00C1DE"/>
+            </a:solidFill>
+          </a:ln>
+        </p:spPr>
+        <p:style>
+          <a:lnRef idx="2">
+            <a:schemeClr val="accent1">
+              <a:shade val="50000"/>
+            </a:schemeClr>
+          </a:lnRef>
+          <a:fillRef idx="1">
+            <a:schemeClr val="accent1"/>
+          </a:fillRef>
+          <a:effectRef idx="0">
+            <a:schemeClr val="accent1"/>
+          </a:effectRef>
+          <a:fontRef idx="minor">
+            <a:schemeClr val="lt1"/>
+          </a:fontRef>
+        </p:style>
+        <p:txBody>
+          <a:bodyPr rtlCol="0" anchor="ctr"/>
+          <a:lstStyle/>
+          <a:p>
+            <a:pPr marL="0" marR="0" lvl="0" indent="0" algn="ctr" defTabSz="1219170" rtl="0" eaLnBrk="0" fontAlgn="base" latinLnBrk="0" hangingPunct="0">
+              <a:lnSpc>
+                <a:spcPct val="100000"/>
+              </a:lnSpc>
+              <a:spcBef>
+                <a:spcPct val="0"/>
+              </a:spcBef>
+              <a:spcAft>
+                <a:spcPct val="0"/>
+              </a:spcAft>
+              <a:buClrTx/>
+              <a:buSzTx/>
+              <a:buFontTx/>
+              <a:buNone/>
+              <a:tabLst/>
+              <a:defRPr/>
+            </a:pPr>
+            <a:r>
+              <a:rPr kumimoji="0" lang="en-GB" sz="1200" b="0" i="0" u="none" strike="noStrike" kern="1200" cap="none" spc="0" normalizeH="0" baseline="0" noProof="0" dirty="0">
+                <a:ln>
+                  <a:noFill/>
+                </a:ln>
+                <a:solidFill>
+                  <a:srgbClr val="FFFFFF"/>
+                </a:solidFill>
+                <a:effectLst/>
+                <a:uLnTx/>
+                <a:uFillTx/>
+                <a:latin typeface="Aeonik" panose="020B0503030300000000" pitchFamily="34" charset="0"/>
+                <a:ea typeface="+mn-ea"/>
+                <a:cs typeface="Calibri" panose="020F0502020204030204" pitchFamily="34" charset="0"/>
+              </a:rPr>
+              <a:t>Optimized ML Model</a:t>
+            </a:r>
+          </a:p>
+        </p:txBody>
+      </p:sp>
+      <p:sp>
+        <p:nvSpPr>
+          <p:cNvPr id="54" name="TextBox 53">
+            <a:extLst>
+              <a:ext uri="{FF2B5EF4-FFF2-40B4-BE49-F238E27FC236}">
+                <a16:creationId xmlns:a16="http://schemas.microsoft.com/office/drawing/2014/main" id="{73A8B302-25F1-0BCB-BE73-13661C78D339}"/>
+              </a:ext>
+            </a:extLst>
+          </p:cNvPr>
+          <p:cNvSpPr txBox="1"/>
+          <p:nvPr/>
+        </p:nvSpPr>
+        <p:spPr>
+          <a:xfrm>
+            <a:off x="5774505" y="2011013"/>
+            <a:ext cx="726789" cy="147797"/>
+          </a:xfrm>
+          <a:prstGeom prst="rect">
+            <a:avLst/>
+          </a:prstGeom>
+          <a:noFill/>
+        </p:spPr>
+        <p:txBody>
+          <a:bodyPr wrap="square" lIns="0" tIns="0" rIns="0" bIns="0" rtlCol="0">
+            <a:spAutoFit/>
+          </a:bodyPr>
+          <a:lstStyle/>
+          <a:p>
+            <a:pPr marL="0" marR="0" lvl="0" indent="0" algn="ctr" defTabSz="914377" rtl="0" eaLnBrk="1" fontAlgn="base" latinLnBrk="0" hangingPunct="1">
+              <a:lnSpc>
+                <a:spcPct val="90000"/>
+              </a:lnSpc>
+              <a:spcBef>
+                <a:spcPts val="0"/>
+              </a:spcBef>
+              <a:spcAft>
+                <a:spcPts val="600"/>
+              </a:spcAft>
+              <a:buClrTx/>
+              <a:buSzTx/>
+              <a:buFontTx/>
+              <a:buNone/>
+              <a:tabLst/>
+              <a:defRPr/>
+            </a:pPr>
+            <a:r>
+              <a:rPr lang="en-US" sz="1067" dirty="0">
+                <a:latin typeface="Aeonik" panose="020B0503030300000000" pitchFamily="34" charset="0"/>
+                <a:ea typeface="ＭＳ Ｐゴシック" panose="020B0600070205080204" pitchFamily="34" charset="-128"/>
+                <a:cs typeface="Calibri" panose="020F0502020204030204" pitchFamily="34" charset="0"/>
+              </a:rPr>
+              <a:t>Output</a:t>
+            </a:r>
+            <a:endParaRPr kumimoji="0" lang="en-US" sz="1067" i="0" u="none" strike="noStrike" kern="1200" cap="none" spc="0" normalizeH="0" baseline="0" noProof="0" dirty="0">
+              <a:ln>
+                <a:noFill/>
+              </a:ln>
+              <a:effectLst/>
+              <a:uLnTx/>
+              <a:uFillTx/>
+              <a:latin typeface="Aeonik" panose="020B0503030300000000" pitchFamily="34" charset="0"/>
+              <a:ea typeface="ＭＳ Ｐゴシック" panose="020B0600070205080204" pitchFamily="34" charset="-128"/>
+              <a:cs typeface="Calibri" panose="020F0502020204030204" pitchFamily="34" charset="0"/>
+            </a:endParaRPr>
+          </a:p>
+        </p:txBody>
+      </p:sp>
+      <p:cxnSp>
+        <p:nvCxnSpPr>
+          <p:cNvPr id="79" name="Straight Arrow Connector 78">
+            <a:extLst>
+              <a:ext uri="{FF2B5EF4-FFF2-40B4-BE49-F238E27FC236}">
+                <a16:creationId xmlns:a16="http://schemas.microsoft.com/office/drawing/2014/main" id="{14ED8852-B67E-8F0F-C91A-6B2E003036E6}"/>
+              </a:ext>
+            </a:extLst>
+          </p:cNvPr>
+          <p:cNvCxnSpPr>
+            <a:cxnSpLocks/>
+          </p:cNvCxnSpPr>
+          <p:nvPr/>
+        </p:nvCxnSpPr>
+        <p:spPr>
+          <a:xfrm>
+            <a:off x="4411302" y="2209695"/>
+            <a:ext cx="4553" cy="485261"/>
+          </a:xfrm>
+          <a:prstGeom prst="straightConnector1">
+            <a:avLst/>
+          </a:prstGeom>
+          <a:ln w="15875">
+            <a:solidFill>
+              <a:schemeClr val="accent1"/>
+            </a:solidFill>
+            <a:tailEnd type="triangle"/>
+          </a:ln>
+        </p:spPr>
+        <p:style>
+          <a:lnRef idx="1">
+            <a:schemeClr val="accent1"/>
+          </a:lnRef>
+          <a:fillRef idx="0">
+            <a:schemeClr val="accent1"/>
+          </a:fillRef>
+          <a:effectRef idx="0">
+            <a:schemeClr val="accent1"/>
+          </a:effectRef>
+          <a:fontRef idx="minor">
+            <a:schemeClr val="tx1"/>
+          </a:fontRef>
+        </p:style>
+      </p:cxnSp>
+      <p:pic>
+        <p:nvPicPr>
+          <p:cNvPr id="80" name="Graphic 79">
+            <a:extLst>
+              <a:ext uri="{FF2B5EF4-FFF2-40B4-BE49-F238E27FC236}">
+                <a16:creationId xmlns:a16="http://schemas.microsoft.com/office/drawing/2014/main" id="{D60901E0-A08C-578A-DD80-817305F9F2D1}"/>
+              </a:ext>
+            </a:extLst>
+          </p:cNvPr>
+          <p:cNvPicPr>
+            <a:picLocks noChangeAspect="1"/>
+          </p:cNvPicPr>
+          <p:nvPr/>
+        </p:nvPicPr>
+        <p:blipFill>
+          <a:blip r:embed="rId7">
+            <a:extLst>
+              <a:ext uri="{96DAC541-7B7A-43D3-8B79-37D633B846F1}">
+                <asvg:svgBlip xmlns:asvg="http://schemas.microsoft.com/office/drawing/2016/SVG/main" r:embed="rId8"/>
+              </a:ext>
+            </a:extLst>
+          </a:blip>
+          <a:stretch>
+            <a:fillRect/>
+          </a:stretch>
+        </p:blipFill>
+        <p:spPr>
+          <a:xfrm>
+            <a:off x="4264485" y="4866886"/>
+            <a:ext cx="306905" cy="391304"/>
+          </a:xfrm>
+          <a:prstGeom prst="rect">
+            <a:avLst/>
+          </a:prstGeom>
+        </p:spPr>
+      </p:pic>
+      <p:sp>
+        <p:nvSpPr>
+          <p:cNvPr id="81" name="TextBox 80">
+            <a:extLst>
+              <a:ext uri="{FF2B5EF4-FFF2-40B4-BE49-F238E27FC236}">
+                <a16:creationId xmlns:a16="http://schemas.microsoft.com/office/drawing/2014/main" id="{14D085E1-C1CC-0B44-ACE8-02899206ECDC}"/>
+              </a:ext>
+            </a:extLst>
+          </p:cNvPr>
+          <p:cNvSpPr txBox="1"/>
+          <p:nvPr/>
+        </p:nvSpPr>
+        <p:spPr>
+          <a:xfrm>
+            <a:off x="4053446" y="5313188"/>
+            <a:ext cx="726789" cy="295594"/>
+          </a:xfrm>
+          <a:prstGeom prst="rect">
+            <a:avLst/>
+          </a:prstGeom>
+          <a:noFill/>
+        </p:spPr>
+        <p:txBody>
+          <a:bodyPr wrap="square" lIns="0" tIns="0" rIns="0" bIns="0" rtlCol="0">
+            <a:spAutoFit/>
+          </a:bodyPr>
+          <a:lstStyle/>
+          <a:p>
+            <a:pPr marL="0" marR="0" lvl="0" indent="0" algn="ctr" defTabSz="914377" rtl="0" eaLnBrk="1" fontAlgn="base" latinLnBrk="0" hangingPunct="1">
+              <a:lnSpc>
+                <a:spcPct val="90000"/>
+              </a:lnSpc>
+              <a:spcBef>
+                <a:spcPts val="0"/>
+              </a:spcBef>
+              <a:spcAft>
+                <a:spcPts val="600"/>
+              </a:spcAft>
+              <a:buClrTx/>
+              <a:buSzTx/>
+              <a:buFontTx/>
+              <a:buNone/>
+              <a:tabLst/>
+              <a:defRPr/>
+            </a:pPr>
+            <a:r>
+              <a:rPr kumimoji="0" lang="en-US" sz="1067" b="1" i="0" u="none" strike="noStrike" kern="1200" cap="none" spc="0" normalizeH="0" baseline="0" noProof="0" dirty="0">
+                <a:ln>
+                  <a:noFill/>
+                </a:ln>
+                <a:effectLst/>
+                <a:uLnTx/>
+                <a:uFillTx/>
+                <a:latin typeface="Aeonik" panose="020B0503030300000000" pitchFamily="34" charset="0"/>
+                <a:ea typeface="ＭＳ Ｐゴシック" panose="020B0600070205080204" pitchFamily="34" charset="-128"/>
+                <a:cs typeface="Calibri" panose="020F0502020204030204" pitchFamily="34" charset="0"/>
+              </a:rPr>
+              <a:t>ML Input</a:t>
+            </a:r>
+            <a:br>
+              <a:rPr kumimoji="0" lang="en-US" sz="1067" b="1" i="0" u="none" strike="noStrike" kern="1200" cap="none" spc="0" normalizeH="0" baseline="0" noProof="0" dirty="0">
+                <a:ln>
+                  <a:noFill/>
+                </a:ln>
+                <a:effectLst/>
+                <a:uLnTx/>
+                <a:uFillTx/>
+                <a:latin typeface="Aeonik" panose="020B0503030300000000" pitchFamily="34" charset="0"/>
+                <a:ea typeface="ＭＳ Ｐゴシック" panose="020B0600070205080204" pitchFamily="34" charset="-128"/>
+                <a:cs typeface="Calibri" panose="020F0502020204030204" pitchFamily="34" charset="0"/>
+              </a:rPr>
+            </a:br>
+            <a:r>
+              <a:rPr kumimoji="0" lang="en-US" sz="1067" b="1" i="0" u="none" strike="noStrike" kern="1200" cap="none" spc="0" normalizeH="0" baseline="0" noProof="0" dirty="0">
+                <a:ln>
+                  <a:noFill/>
+                </a:ln>
+                <a:effectLst/>
+                <a:uLnTx/>
+                <a:uFillTx/>
+                <a:latin typeface="Aeonik" panose="020B0503030300000000" pitchFamily="34" charset="0"/>
+                <a:ea typeface="ＭＳ Ｐゴシック" panose="020B0600070205080204" pitchFamily="34" charset="-128"/>
+                <a:cs typeface="Calibri" panose="020F0502020204030204" pitchFamily="34" charset="0"/>
+              </a:rPr>
+              <a:t>Data</a:t>
+            </a:r>
+          </a:p>
+        </p:txBody>
+      </p:sp>
+      <p:sp>
+        <p:nvSpPr>
+          <p:cNvPr id="82" name="Process 108">
+            <a:extLst>
+              <a:ext uri="{FF2B5EF4-FFF2-40B4-BE49-F238E27FC236}">
+                <a16:creationId xmlns:a16="http://schemas.microsoft.com/office/drawing/2014/main" id="{06A4168A-EAD3-7078-808F-F26975C07FB5}"/>
+              </a:ext>
+            </a:extLst>
+          </p:cNvPr>
+          <p:cNvSpPr/>
+          <p:nvPr/>
+        </p:nvSpPr>
+        <p:spPr>
+          <a:xfrm>
+            <a:off x="3881185" y="2701441"/>
+            <a:ext cx="1069340" cy="394963"/>
+          </a:xfrm>
+          <a:prstGeom prst="flowChartProcess">
+            <a:avLst/>
+          </a:prstGeom>
+          <a:solidFill>
+            <a:schemeClr val="tx2"/>
+          </a:solidFill>
+          <a:ln w="15875">
+            <a:solidFill>
+              <a:srgbClr val="00C1DE"/>
+            </a:solidFill>
+          </a:ln>
+        </p:spPr>
+        <p:style>
+          <a:lnRef idx="2">
+            <a:schemeClr val="accent1">
+              <a:shade val="50000"/>
+            </a:schemeClr>
+          </a:lnRef>
+          <a:fillRef idx="1">
+            <a:schemeClr val="accent1"/>
+          </a:fillRef>
+          <a:effectRef idx="0">
+            <a:schemeClr val="accent1"/>
+          </a:effectRef>
+          <a:fontRef idx="minor">
+            <a:schemeClr val="lt1"/>
+          </a:fontRef>
+        </p:style>
+        <p:txBody>
+          <a:bodyPr rtlCol="0" anchor="ctr"/>
+          <a:lstStyle/>
+          <a:p>
+            <a:pPr marL="0" marR="0" lvl="0" indent="0" algn="ctr" defTabSz="1219170" rtl="0" eaLnBrk="0" fontAlgn="base" latinLnBrk="0" hangingPunct="0">
+              <a:lnSpc>
+                <a:spcPct val="100000"/>
+              </a:lnSpc>
+              <a:spcBef>
+                <a:spcPct val="0"/>
+              </a:spcBef>
+              <a:spcAft>
+                <a:spcPct val="0"/>
+              </a:spcAft>
+              <a:buClrTx/>
+              <a:buSzTx/>
+              <a:buFontTx/>
+              <a:buNone/>
+              <a:tabLst/>
+              <a:defRPr/>
+            </a:pPr>
+            <a:r>
+              <a:rPr kumimoji="0" lang="en-GB" sz="1200" b="0" i="0" u="none" strike="noStrike" kern="1200" cap="none" spc="0" normalizeH="0" baseline="0" noProof="0" dirty="0">
+                <a:ln>
+                  <a:noFill/>
+                </a:ln>
+                <a:solidFill>
+                  <a:srgbClr val="FFFFFF"/>
+                </a:solidFill>
+                <a:effectLst/>
+                <a:uLnTx/>
+                <a:uFillTx/>
+                <a:latin typeface="Aeonik" panose="020B0503030300000000" pitchFamily="34" charset="0"/>
+                <a:ea typeface="+mn-ea"/>
+                <a:cs typeface="Calibri" panose="020F0502020204030204" pitchFamily="34" charset="0"/>
+              </a:rPr>
+              <a:t>SDS Recorder </a:t>
+            </a:r>
+          </a:p>
+        </p:txBody>
+      </p:sp>
+      <p:cxnSp>
+        <p:nvCxnSpPr>
+          <p:cNvPr id="83" name="Straight Arrow Connector 82">
+            <a:extLst>
+              <a:ext uri="{FF2B5EF4-FFF2-40B4-BE49-F238E27FC236}">
+                <a16:creationId xmlns:a16="http://schemas.microsoft.com/office/drawing/2014/main" id="{84C3DCA9-AB3E-7731-9A13-B222019F67EF}"/>
+              </a:ext>
+            </a:extLst>
+          </p:cNvPr>
+          <p:cNvCxnSpPr>
+            <a:cxnSpLocks/>
+            <a:endCxn id="80" idx="0"/>
+          </p:cNvCxnSpPr>
+          <p:nvPr/>
+        </p:nvCxnSpPr>
+        <p:spPr>
+          <a:xfrm>
+            <a:off x="4415855" y="4451797"/>
+            <a:ext cx="2083" cy="415089"/>
+          </a:xfrm>
+          <a:prstGeom prst="straightConnector1">
+            <a:avLst/>
+          </a:prstGeom>
+          <a:ln w="15875">
+            <a:solidFill>
+              <a:schemeClr val="accent1"/>
+            </a:solidFill>
+            <a:tailEnd type="triangle"/>
+          </a:ln>
+        </p:spPr>
+        <p:style>
+          <a:lnRef idx="1">
+            <a:schemeClr val="accent1"/>
+          </a:lnRef>
+          <a:fillRef idx="0">
+            <a:schemeClr val="accent1"/>
+          </a:fillRef>
+          <a:effectRef idx="0">
+            <a:schemeClr val="accent1"/>
+          </a:effectRef>
+          <a:fontRef idx="minor">
+            <a:schemeClr val="tx1"/>
+          </a:fontRef>
+        </p:style>
+      </p:cxnSp>
+      <p:cxnSp>
+        <p:nvCxnSpPr>
+          <p:cNvPr id="84" name="Straight Arrow Connector 83">
+            <a:extLst>
+              <a:ext uri="{FF2B5EF4-FFF2-40B4-BE49-F238E27FC236}">
+                <a16:creationId xmlns:a16="http://schemas.microsoft.com/office/drawing/2014/main" id="{938BBB96-AE4B-AF05-13EC-BF4E164BBCB1}"/>
+              </a:ext>
+            </a:extLst>
+          </p:cNvPr>
+          <p:cNvCxnSpPr>
+            <a:cxnSpLocks/>
+          </p:cNvCxnSpPr>
+          <p:nvPr/>
+        </p:nvCxnSpPr>
+        <p:spPr>
+          <a:xfrm>
+            <a:off x="5999923" y="2209694"/>
+            <a:ext cx="0" cy="481084"/>
+          </a:xfrm>
+          <a:prstGeom prst="straightConnector1">
+            <a:avLst/>
+          </a:prstGeom>
+          <a:ln w="15875">
+            <a:solidFill>
+              <a:schemeClr val="accent1"/>
+            </a:solidFill>
+            <a:tailEnd type="triangle"/>
+          </a:ln>
+        </p:spPr>
+        <p:style>
+          <a:lnRef idx="1">
+            <a:schemeClr val="accent1"/>
+          </a:lnRef>
+          <a:fillRef idx="0">
+            <a:schemeClr val="accent1"/>
+          </a:fillRef>
+          <a:effectRef idx="0">
+            <a:schemeClr val="accent1"/>
+          </a:effectRef>
+          <a:fontRef idx="minor">
+            <a:schemeClr val="tx1"/>
+          </a:fontRef>
+        </p:style>
+      </p:cxnSp>
+      <p:pic>
+        <p:nvPicPr>
+          <p:cNvPr id="85" name="Graphic 84">
+            <a:extLst>
+              <a:ext uri="{FF2B5EF4-FFF2-40B4-BE49-F238E27FC236}">
+                <a16:creationId xmlns:a16="http://schemas.microsoft.com/office/drawing/2014/main" id="{74021FD8-8E50-0597-ABEB-56E8FB668DFD}"/>
+              </a:ext>
+            </a:extLst>
+          </p:cNvPr>
+          <p:cNvPicPr>
+            <a:picLocks noChangeAspect="1"/>
+          </p:cNvPicPr>
+          <p:nvPr/>
+        </p:nvPicPr>
+        <p:blipFill>
+          <a:blip r:embed="rId7">
+            <a:extLst>
+              <a:ext uri="{96DAC541-7B7A-43D3-8B79-37D633B846F1}">
+                <asvg:svgBlip xmlns:asvg="http://schemas.microsoft.com/office/drawing/2016/SVG/main" r:embed="rId8"/>
+              </a:ext>
+            </a:extLst>
+          </a:blip>
+          <a:stretch>
+            <a:fillRect/>
+          </a:stretch>
+        </p:blipFill>
+        <p:spPr>
+          <a:xfrm>
+            <a:off x="5834731" y="4887352"/>
+            <a:ext cx="306905" cy="391304"/>
+          </a:xfrm>
+          <a:prstGeom prst="rect">
+            <a:avLst/>
+          </a:prstGeom>
+        </p:spPr>
+      </p:pic>
+      <p:sp>
+        <p:nvSpPr>
+          <p:cNvPr id="86" name="TextBox 85">
+            <a:extLst>
+              <a:ext uri="{FF2B5EF4-FFF2-40B4-BE49-F238E27FC236}">
+                <a16:creationId xmlns:a16="http://schemas.microsoft.com/office/drawing/2014/main" id="{0D628924-F6DB-FD10-2B2A-08C1263D7B0D}"/>
+              </a:ext>
+            </a:extLst>
+          </p:cNvPr>
+          <p:cNvSpPr txBox="1"/>
+          <p:nvPr/>
+        </p:nvSpPr>
+        <p:spPr>
+          <a:xfrm>
+            <a:off x="5623692" y="5333654"/>
+            <a:ext cx="726789" cy="295594"/>
+          </a:xfrm>
+          <a:prstGeom prst="rect">
+            <a:avLst/>
+          </a:prstGeom>
+          <a:noFill/>
+        </p:spPr>
+        <p:txBody>
+          <a:bodyPr wrap="square" lIns="0" tIns="0" rIns="0" bIns="0" rtlCol="0">
+            <a:spAutoFit/>
+          </a:bodyPr>
+          <a:lstStyle/>
+          <a:p>
+            <a:pPr marL="0" marR="0" lvl="0" indent="0" algn="ctr" defTabSz="914377" rtl="0" eaLnBrk="1" fontAlgn="base" latinLnBrk="0" hangingPunct="1">
+              <a:lnSpc>
+                <a:spcPct val="90000"/>
+              </a:lnSpc>
+              <a:spcBef>
+                <a:spcPts val="0"/>
+              </a:spcBef>
+              <a:spcAft>
+                <a:spcPts val="600"/>
+              </a:spcAft>
+              <a:buClrTx/>
+              <a:buSzTx/>
+              <a:buFontTx/>
+              <a:buNone/>
+              <a:tabLst/>
+              <a:defRPr/>
+            </a:pPr>
+            <a:r>
+              <a:rPr kumimoji="0" lang="en-US" sz="1067" b="1" i="0" u="none" strike="noStrike" kern="1200" cap="none" spc="0" normalizeH="0" baseline="0" noProof="0" dirty="0">
+                <a:ln>
+                  <a:noFill/>
+                </a:ln>
+                <a:effectLst/>
+                <a:uLnTx/>
+                <a:uFillTx/>
+                <a:latin typeface="Aeonik" panose="020B0503030300000000" pitchFamily="34" charset="0"/>
+                <a:ea typeface="ＭＳ Ｐゴシック" panose="020B0600070205080204" pitchFamily="34" charset="-128"/>
+                <a:cs typeface="Calibri" panose="020F0502020204030204" pitchFamily="34" charset="0"/>
+              </a:rPr>
+              <a:t>ML Output</a:t>
+            </a:r>
+            <a:br>
+              <a:rPr kumimoji="0" lang="en-US" sz="1067" b="1" i="0" u="none" strike="noStrike" kern="1200" cap="none" spc="0" normalizeH="0" baseline="0" noProof="0" dirty="0">
+                <a:ln>
+                  <a:noFill/>
+                </a:ln>
+                <a:effectLst/>
+                <a:uLnTx/>
+                <a:uFillTx/>
+                <a:latin typeface="Aeonik" panose="020B0503030300000000" pitchFamily="34" charset="0"/>
+                <a:ea typeface="ＭＳ Ｐゴシック" panose="020B0600070205080204" pitchFamily="34" charset="-128"/>
+                <a:cs typeface="Calibri" panose="020F0502020204030204" pitchFamily="34" charset="0"/>
+              </a:rPr>
+            </a:br>
+            <a:r>
+              <a:rPr kumimoji="0" lang="en-US" sz="1067" b="1" i="0" u="none" strike="noStrike" kern="1200" cap="none" spc="0" normalizeH="0" baseline="0" noProof="0" dirty="0">
+                <a:ln>
+                  <a:noFill/>
+                </a:ln>
+                <a:effectLst/>
+                <a:uLnTx/>
+                <a:uFillTx/>
+                <a:latin typeface="Aeonik" panose="020B0503030300000000" pitchFamily="34" charset="0"/>
+                <a:ea typeface="ＭＳ Ｐゴシック" panose="020B0600070205080204" pitchFamily="34" charset="-128"/>
+                <a:cs typeface="Calibri" panose="020F0502020204030204" pitchFamily="34" charset="0"/>
+              </a:rPr>
+              <a:t>Data</a:t>
+            </a:r>
+          </a:p>
+        </p:txBody>
+      </p:sp>
+      <p:cxnSp>
+        <p:nvCxnSpPr>
+          <p:cNvPr id="87" name="Straight Arrow Connector 86">
+            <a:extLst>
+              <a:ext uri="{FF2B5EF4-FFF2-40B4-BE49-F238E27FC236}">
+                <a16:creationId xmlns:a16="http://schemas.microsoft.com/office/drawing/2014/main" id="{2C2AEF9B-6DC8-F029-8E44-7D1FCD9F8462}"/>
+              </a:ext>
+            </a:extLst>
+          </p:cNvPr>
+          <p:cNvCxnSpPr>
+            <a:cxnSpLocks/>
+            <a:endCxn id="85" idx="0"/>
+          </p:cNvCxnSpPr>
+          <p:nvPr/>
+        </p:nvCxnSpPr>
+        <p:spPr>
+          <a:xfrm>
+            <a:off x="5988184" y="4436399"/>
+            <a:ext cx="0" cy="450953"/>
+          </a:xfrm>
+          <a:prstGeom prst="straightConnector1">
+            <a:avLst/>
+          </a:prstGeom>
+          <a:ln w="15875">
+            <a:solidFill>
+              <a:schemeClr val="accent1"/>
+            </a:solidFill>
+            <a:tailEnd type="triangle"/>
+          </a:ln>
+        </p:spPr>
+        <p:style>
+          <a:lnRef idx="1">
+            <a:schemeClr val="accent1"/>
+          </a:lnRef>
+          <a:fillRef idx="0">
+            <a:schemeClr val="accent1"/>
+          </a:fillRef>
+          <a:effectRef idx="0">
+            <a:schemeClr val="accent1"/>
+          </a:effectRef>
+          <a:fontRef idx="minor">
+            <a:schemeClr val="tx1"/>
+          </a:fontRef>
+        </p:style>
+      </p:cxnSp>
+      <p:pic>
+        <p:nvPicPr>
+          <p:cNvPr id="89" name="Graphic 88">
+            <a:extLst>
+              <a:ext uri="{FF2B5EF4-FFF2-40B4-BE49-F238E27FC236}">
+                <a16:creationId xmlns:a16="http://schemas.microsoft.com/office/drawing/2014/main" id="{B308B638-F2D4-929C-26E9-24A499DB5A8C}"/>
+              </a:ext>
+            </a:extLst>
+          </p:cNvPr>
+          <p:cNvPicPr>
+            <a:picLocks noChangeAspect="1"/>
+          </p:cNvPicPr>
+          <p:nvPr/>
+        </p:nvPicPr>
+        <p:blipFill>
+          <a:blip r:embed="rId7">
+            <a:extLst>
+              <a:ext uri="{96DAC541-7B7A-43D3-8B79-37D633B846F1}">
+                <asvg:svgBlip xmlns:asvg="http://schemas.microsoft.com/office/drawing/2016/SVG/main" r:embed="rId8"/>
+              </a:ext>
+            </a:extLst>
+          </a:blip>
+          <a:stretch>
+            <a:fillRect/>
+          </a:stretch>
+        </p:blipFill>
+        <p:spPr>
+          <a:xfrm>
+            <a:off x="2623901" y="4879856"/>
+            <a:ext cx="306905" cy="391304"/>
+          </a:xfrm>
+          <a:prstGeom prst="rect">
+            <a:avLst/>
+          </a:prstGeom>
+        </p:spPr>
+      </p:pic>
+      <p:sp>
+        <p:nvSpPr>
+          <p:cNvPr id="90" name="TextBox 89">
+            <a:extLst>
+              <a:ext uri="{FF2B5EF4-FFF2-40B4-BE49-F238E27FC236}">
+                <a16:creationId xmlns:a16="http://schemas.microsoft.com/office/drawing/2014/main" id="{7DB5B689-0B96-DFAF-CE6E-99A41391B8CB}"/>
+              </a:ext>
+            </a:extLst>
+          </p:cNvPr>
+          <p:cNvSpPr txBox="1"/>
+          <p:nvPr/>
+        </p:nvSpPr>
+        <p:spPr>
+          <a:xfrm>
+            <a:off x="2166465" y="5326158"/>
+            <a:ext cx="1266267" cy="295594"/>
+          </a:xfrm>
+          <a:prstGeom prst="rect">
+            <a:avLst/>
+          </a:prstGeom>
+          <a:noFill/>
+        </p:spPr>
+        <p:txBody>
+          <a:bodyPr wrap="square" lIns="0" tIns="0" rIns="0" bIns="0" rtlCol="0">
+            <a:spAutoFit/>
+          </a:bodyPr>
+          <a:lstStyle/>
+          <a:p>
+            <a:pPr marL="0" marR="0" lvl="0" indent="0" algn="ctr" defTabSz="914377" rtl="0" eaLnBrk="1" fontAlgn="base" latinLnBrk="0" hangingPunct="1">
+              <a:lnSpc>
+                <a:spcPct val="90000"/>
+              </a:lnSpc>
+              <a:spcBef>
+                <a:spcPts val="0"/>
+              </a:spcBef>
+              <a:spcAft>
+                <a:spcPts val="600"/>
+              </a:spcAft>
+              <a:buClrTx/>
+              <a:buSzTx/>
+              <a:buFontTx/>
+              <a:buNone/>
+              <a:tabLst/>
+              <a:defRPr/>
+            </a:pPr>
+            <a:r>
+              <a:rPr lang="en-US" sz="1067" b="1" dirty="0">
+                <a:latin typeface="Aeonik" panose="020B0503030300000000" pitchFamily="34" charset="0"/>
+                <a:ea typeface="ＭＳ Ｐゴシック" panose="020B0600070205080204" pitchFamily="34" charset="-128"/>
+                <a:cs typeface="Calibri" panose="020F0502020204030204" pitchFamily="34" charset="0"/>
+              </a:rPr>
+              <a:t>Physical Sensor</a:t>
+            </a:r>
+            <a:br>
+              <a:rPr lang="en-US" sz="1067" b="1" dirty="0">
+                <a:latin typeface="Aeonik" panose="020B0503030300000000" pitchFamily="34" charset="0"/>
+                <a:ea typeface="ＭＳ Ｐゴシック" panose="020B0600070205080204" pitchFamily="34" charset="-128"/>
+                <a:cs typeface="Calibri" panose="020F0502020204030204" pitchFamily="34" charset="0"/>
+              </a:rPr>
+            </a:br>
+            <a:r>
+              <a:rPr lang="en-US" sz="1067" b="1" dirty="0">
+                <a:latin typeface="Aeonik" panose="020B0503030300000000" pitchFamily="34" charset="0"/>
+                <a:ea typeface="ＭＳ Ｐゴシック" panose="020B0600070205080204" pitchFamily="34" charset="-128"/>
+                <a:cs typeface="Calibri" panose="020F0502020204030204" pitchFamily="34" charset="0"/>
+              </a:rPr>
+              <a:t> </a:t>
+            </a:r>
+            <a:r>
+              <a:rPr kumimoji="0" lang="en-US" sz="1067" b="1" i="0" u="none" strike="noStrike" kern="1200" cap="none" spc="0" normalizeH="0" baseline="0" noProof="0" dirty="0">
+                <a:ln>
+                  <a:noFill/>
+                </a:ln>
+                <a:effectLst/>
+                <a:uLnTx/>
+                <a:uFillTx/>
+                <a:latin typeface="Aeonik" panose="020B0503030300000000" pitchFamily="34" charset="0"/>
+                <a:ea typeface="ＭＳ Ｐゴシック" panose="020B0600070205080204" pitchFamily="34" charset="-128"/>
+                <a:cs typeface="Calibri" panose="020F0502020204030204" pitchFamily="34" charset="0"/>
+              </a:rPr>
+              <a:t>Input Data</a:t>
+            </a:r>
+          </a:p>
+        </p:txBody>
+      </p:sp>
+      <p:sp>
+        <p:nvSpPr>
+          <p:cNvPr id="91" name="Process 108">
+            <a:extLst>
+              <a:ext uri="{FF2B5EF4-FFF2-40B4-BE49-F238E27FC236}">
+                <a16:creationId xmlns:a16="http://schemas.microsoft.com/office/drawing/2014/main" id="{4BE53C58-0049-5E23-6A06-2DF7231CE583}"/>
+              </a:ext>
+            </a:extLst>
+          </p:cNvPr>
+          <p:cNvSpPr/>
+          <p:nvPr/>
+        </p:nvSpPr>
+        <p:spPr>
+          <a:xfrm>
+            <a:off x="2240601" y="2701441"/>
+            <a:ext cx="1069340" cy="394963"/>
+          </a:xfrm>
+          <a:prstGeom prst="flowChartProcess">
+            <a:avLst/>
+          </a:prstGeom>
+          <a:solidFill>
+            <a:schemeClr val="tx2"/>
+          </a:solidFill>
+          <a:ln w="15875">
+            <a:solidFill>
+              <a:srgbClr val="00C1DE"/>
+            </a:solidFill>
+          </a:ln>
+        </p:spPr>
+        <p:style>
+          <a:lnRef idx="2">
+            <a:schemeClr val="accent1">
+              <a:shade val="50000"/>
+            </a:schemeClr>
+          </a:lnRef>
+          <a:fillRef idx="1">
+            <a:schemeClr val="accent1"/>
+          </a:fillRef>
+          <a:effectRef idx="0">
+            <a:schemeClr val="accent1"/>
+          </a:effectRef>
+          <a:fontRef idx="minor">
+            <a:schemeClr val="lt1"/>
+          </a:fontRef>
+        </p:style>
+        <p:txBody>
+          <a:bodyPr rtlCol="0" anchor="ctr"/>
+          <a:lstStyle/>
+          <a:p>
+            <a:pPr marL="0" marR="0" lvl="0" indent="0" algn="ctr" defTabSz="1219170" rtl="0" eaLnBrk="0" fontAlgn="base" latinLnBrk="0" hangingPunct="0">
+              <a:lnSpc>
+                <a:spcPct val="100000"/>
+              </a:lnSpc>
+              <a:spcBef>
+                <a:spcPct val="0"/>
+              </a:spcBef>
+              <a:spcAft>
+                <a:spcPct val="0"/>
+              </a:spcAft>
+              <a:buClrTx/>
+              <a:buSzTx/>
+              <a:buFontTx/>
+              <a:buNone/>
+              <a:tabLst/>
+              <a:defRPr/>
+            </a:pPr>
+            <a:r>
+              <a:rPr kumimoji="0" lang="en-GB" sz="1200" b="0" i="0" u="none" strike="noStrike" kern="1200" cap="none" spc="0" normalizeH="0" baseline="0" noProof="0" dirty="0">
+                <a:ln>
+                  <a:noFill/>
+                </a:ln>
+                <a:solidFill>
+                  <a:srgbClr val="FFFFFF"/>
+                </a:solidFill>
+                <a:effectLst/>
+                <a:uLnTx/>
+                <a:uFillTx/>
+                <a:latin typeface="Aeonik" panose="020B0503030300000000" pitchFamily="34" charset="0"/>
+                <a:ea typeface="+mn-ea"/>
+                <a:cs typeface="Calibri" panose="020F0502020204030204" pitchFamily="34" charset="0"/>
+              </a:rPr>
+              <a:t>SDS Recorder</a:t>
+            </a:r>
+          </a:p>
+        </p:txBody>
+      </p:sp>
+      <p:pic>
+        <p:nvPicPr>
+          <p:cNvPr id="94" name="Picture 8">
+            <a:extLst>
+              <a:ext uri="{FF2B5EF4-FFF2-40B4-BE49-F238E27FC236}">
+                <a16:creationId xmlns:a16="http://schemas.microsoft.com/office/drawing/2014/main" id="{4E5C549A-B8FB-F85A-4D9A-E717AE022613}"/>
+              </a:ext>
+            </a:extLst>
+          </p:cNvPr>
+          <p:cNvPicPr>
+            <a:picLocks noChangeAspect="1" noChangeArrowheads="1"/>
+          </p:cNvPicPr>
+          <p:nvPr/>
+        </p:nvPicPr>
+        <p:blipFill>
+          <a:blip r:embed="rId9">
+            <a:extLst>
+              <a:ext uri="{28A0092B-C50C-407E-A947-70E740481C1C}">
+                <a14:useLocalDpi xmlns:a14="http://schemas.microsoft.com/office/drawing/2010/main" val="0"/>
+              </a:ext>
+            </a:extLst>
+          </a:blip>
+          <a:srcRect/>
+          <a:stretch>
+            <a:fillRect/>
+          </a:stretch>
+        </p:blipFill>
+        <p:spPr bwMode="auto">
+          <a:xfrm>
+            <a:off x="4661827" y="3847615"/>
+            <a:ext cx="356681" cy="356681"/>
+          </a:xfrm>
+          <a:prstGeom prst="rect">
+            <a:avLst/>
+          </a:prstGeom>
+          <a:noFill/>
+          <a:extLst>
+            <a:ext uri="{909E8E84-426E-40DD-AFC4-6F175D3DCCD1}">
+              <a14:hiddenFill xmlns:a14="http://schemas.microsoft.com/office/drawing/2010/main">
+                <a:solidFill>
+                  <a:srgbClr val="FFFFFF"/>
+                </a:solidFill>
+              </a14:hiddenFill>
+            </a:ext>
+          </a:extLst>
+        </p:spPr>
+      </p:pic>
+      <p:pic>
+        <p:nvPicPr>
+          <p:cNvPr id="95" name="Picture 10">
+            <a:extLst>
+              <a:ext uri="{FF2B5EF4-FFF2-40B4-BE49-F238E27FC236}">
+                <a16:creationId xmlns:a16="http://schemas.microsoft.com/office/drawing/2014/main" id="{056B209F-1C4E-726F-6D97-8C2C1C4B94CB}"/>
+              </a:ext>
+            </a:extLst>
+          </p:cNvPr>
+          <p:cNvPicPr>
+            <a:picLocks noChangeAspect="1" noChangeArrowheads="1"/>
+          </p:cNvPicPr>
+          <p:nvPr/>
+        </p:nvPicPr>
+        <p:blipFill>
+          <a:blip r:embed="rId10">
+            <a:extLst>
+              <a:ext uri="{28A0092B-C50C-407E-A947-70E740481C1C}">
+                <a14:useLocalDpi xmlns:a14="http://schemas.microsoft.com/office/drawing/2010/main" val="0"/>
+              </a:ext>
+            </a:extLst>
+          </a:blip>
+          <a:srcRect/>
+          <a:stretch>
+            <a:fillRect/>
+          </a:stretch>
+        </p:blipFill>
+        <p:spPr bwMode="auto">
+          <a:xfrm>
+            <a:off x="5383856" y="3895385"/>
+            <a:ext cx="583660" cy="280157"/>
+          </a:xfrm>
+          <a:prstGeom prst="rect">
+            <a:avLst/>
+          </a:prstGeom>
+          <a:noFill/>
+          <a:extLst>
+            <a:ext uri="{909E8E84-426E-40DD-AFC4-6F175D3DCCD1}">
+              <a14:hiddenFill xmlns:a14="http://schemas.microsoft.com/office/drawing/2010/main">
+                <a:solidFill>
+                  <a:srgbClr val="FFFFFF"/>
+                </a:solidFill>
+              </a14:hiddenFill>
+            </a:ext>
+          </a:extLst>
+        </p:spPr>
+      </p:pic>
+      <p:sp>
+        <p:nvSpPr>
+          <p:cNvPr id="99" name="Process 108">
+            <a:extLst>
+              <a:ext uri="{FF2B5EF4-FFF2-40B4-BE49-F238E27FC236}">
+                <a16:creationId xmlns:a16="http://schemas.microsoft.com/office/drawing/2014/main" id="{36F026BE-6EFB-3301-CC14-084AE204C7D4}"/>
+              </a:ext>
+            </a:extLst>
+          </p:cNvPr>
+          <p:cNvSpPr/>
+          <p:nvPr/>
+        </p:nvSpPr>
+        <p:spPr>
+          <a:xfrm>
+            <a:off x="2238790" y="3261347"/>
+            <a:ext cx="4281981" cy="394963"/>
+          </a:xfrm>
+          <a:prstGeom prst="flowChartProcess">
+            <a:avLst/>
+          </a:prstGeom>
+          <a:solidFill>
+            <a:schemeClr val="bg1">
+              <a:lumMod val="85000"/>
+              <a:alpha val="69804"/>
+            </a:schemeClr>
+          </a:solidFill>
+          <a:ln w="15875">
+            <a:solidFill>
+              <a:srgbClr val="00C1DE"/>
+            </a:solidFill>
+          </a:ln>
+        </p:spPr>
+        <p:style>
+          <a:lnRef idx="2">
+            <a:schemeClr val="accent1">
+              <a:shade val="50000"/>
+            </a:schemeClr>
+          </a:lnRef>
+          <a:fillRef idx="1">
+            <a:schemeClr val="accent1"/>
+          </a:fillRef>
+          <a:effectRef idx="0">
+            <a:schemeClr val="accent1"/>
+          </a:effectRef>
+          <a:fontRef idx="minor">
+            <a:schemeClr val="lt1"/>
+          </a:fontRef>
+        </p:style>
+        <p:txBody>
+          <a:bodyPr rtlCol="0" anchor="ctr"/>
+          <a:lstStyle/>
+          <a:p>
+            <a:pPr marL="0" marR="0" lvl="0" indent="0" algn="ctr" defTabSz="1219170" rtl="0" eaLnBrk="0" fontAlgn="base" latinLnBrk="0" hangingPunct="0">
+              <a:lnSpc>
+                <a:spcPct val="100000"/>
+              </a:lnSpc>
+              <a:spcBef>
+                <a:spcPct val="0"/>
+              </a:spcBef>
+              <a:spcAft>
+                <a:spcPct val="0"/>
+              </a:spcAft>
+              <a:buClrTx/>
+              <a:buSzTx/>
+              <a:buFontTx/>
+              <a:buNone/>
+              <a:tabLst/>
+              <a:defRPr/>
+            </a:pPr>
+            <a:endParaRPr kumimoji="0" lang="en-GB" sz="1200" b="0" i="0" u="none" strike="noStrike" kern="1200" cap="none" spc="0" normalizeH="0" baseline="0" noProof="0" dirty="0">
+              <a:ln>
+                <a:noFill/>
+              </a:ln>
+              <a:solidFill>
+                <a:srgbClr val="FFFFFF"/>
+              </a:solidFill>
+              <a:effectLst/>
+              <a:uLnTx/>
+              <a:uFillTx/>
+              <a:latin typeface="Aeonik" panose="020B0503030300000000" pitchFamily="34" charset="0"/>
+              <a:ea typeface="+mn-ea"/>
+              <a:cs typeface="Calibri" panose="020F0502020204030204" pitchFamily="34" charset="0"/>
+            </a:endParaRPr>
+          </a:p>
+        </p:txBody>
+      </p:sp>
+      <p:cxnSp>
+        <p:nvCxnSpPr>
+          <p:cNvPr id="100" name="Straight Arrow Connector 99">
+            <a:extLst>
+              <a:ext uri="{FF2B5EF4-FFF2-40B4-BE49-F238E27FC236}">
+                <a16:creationId xmlns:a16="http://schemas.microsoft.com/office/drawing/2014/main" id="{26E12478-B5DB-AC65-EC1E-947792A411B8}"/>
+              </a:ext>
+            </a:extLst>
+          </p:cNvPr>
+          <p:cNvCxnSpPr>
+            <a:cxnSpLocks/>
+          </p:cNvCxnSpPr>
+          <p:nvPr/>
+        </p:nvCxnSpPr>
+        <p:spPr>
+          <a:xfrm>
+            <a:off x="4417931" y="3102889"/>
+            <a:ext cx="0" cy="158458"/>
+          </a:xfrm>
+          <a:prstGeom prst="straightConnector1">
+            <a:avLst/>
+          </a:prstGeom>
+          <a:ln w="15875">
+            <a:solidFill>
+              <a:schemeClr val="accent1"/>
+            </a:solidFill>
+            <a:tailEnd type="triangle"/>
+          </a:ln>
+        </p:spPr>
+        <p:style>
+          <a:lnRef idx="1">
+            <a:schemeClr val="accent1"/>
+          </a:lnRef>
+          <a:fillRef idx="0">
+            <a:schemeClr val="accent1"/>
+          </a:fillRef>
+          <a:effectRef idx="0">
+            <a:schemeClr val="accent1"/>
+          </a:effectRef>
+          <a:fontRef idx="minor">
+            <a:schemeClr val="tx1"/>
+          </a:fontRef>
+        </p:style>
+      </p:cxnSp>
+      <p:cxnSp>
+        <p:nvCxnSpPr>
+          <p:cNvPr id="101" name="Straight Arrow Connector 100">
+            <a:extLst>
+              <a:ext uri="{FF2B5EF4-FFF2-40B4-BE49-F238E27FC236}">
+                <a16:creationId xmlns:a16="http://schemas.microsoft.com/office/drawing/2014/main" id="{7E6CCC72-E9A9-55EE-0BAC-B2AE84280362}"/>
+              </a:ext>
+            </a:extLst>
+          </p:cNvPr>
+          <p:cNvCxnSpPr>
+            <a:cxnSpLocks/>
+            <a:stCxn id="104" idx="2"/>
+          </p:cNvCxnSpPr>
+          <p:nvPr/>
+        </p:nvCxnSpPr>
+        <p:spPr>
+          <a:xfrm>
+            <a:off x="5999923" y="3085741"/>
+            <a:ext cx="0" cy="175606"/>
+          </a:xfrm>
+          <a:prstGeom prst="straightConnector1">
+            <a:avLst/>
+          </a:prstGeom>
+          <a:ln w="15875">
+            <a:solidFill>
+              <a:schemeClr val="accent1"/>
+            </a:solidFill>
+            <a:tailEnd type="triangle"/>
+          </a:ln>
+        </p:spPr>
+        <p:style>
+          <a:lnRef idx="1">
+            <a:schemeClr val="accent1"/>
+          </a:lnRef>
+          <a:fillRef idx="0">
+            <a:schemeClr val="accent1"/>
+          </a:fillRef>
+          <a:effectRef idx="0">
+            <a:schemeClr val="accent1"/>
+          </a:effectRef>
+          <a:fontRef idx="minor">
+            <a:schemeClr val="tx1"/>
+          </a:fontRef>
+        </p:style>
+      </p:cxnSp>
+      <p:sp>
+        <p:nvSpPr>
+          <p:cNvPr id="102" name="Content Placeholder 2">
+            <a:extLst>
+              <a:ext uri="{FF2B5EF4-FFF2-40B4-BE49-F238E27FC236}">
+                <a16:creationId xmlns:a16="http://schemas.microsoft.com/office/drawing/2014/main" id="{D9AA43B2-FF68-DB13-9505-2BF0F01E16BC}"/>
+              </a:ext>
+            </a:extLst>
+          </p:cNvPr>
+          <p:cNvSpPr txBox="1">
+            <a:spLocks/>
+          </p:cNvSpPr>
+          <p:nvPr/>
+        </p:nvSpPr>
+        <p:spPr>
+          <a:xfrm>
+            <a:off x="2285996" y="3374102"/>
+            <a:ext cx="4221656" cy="194493"/>
+          </a:xfrm>
+          <a:prstGeom prst="rect">
+            <a:avLst/>
+          </a:prstGeom>
+        </p:spPr>
+        <p:txBody>
+          <a:bodyPr vert="horz" lIns="0" tIns="0" rIns="0" bIns="0" rtlCol="0">
+            <a:noAutofit/>
+          </a:bodyPr>
+          <a:lstStyle>
+            <a:lvl1pPr marL="342900" indent="-342900" algn="l" rtl="0" eaLnBrk="1" fontAlgn="base" hangingPunct="1">
+              <a:lnSpc>
+                <a:spcPct val="100000"/>
+              </a:lnSpc>
+              <a:spcBef>
+                <a:spcPts val="600"/>
+              </a:spcBef>
+              <a:spcAft>
+                <a:spcPts val="0"/>
+              </a:spcAft>
+              <a:buClr>
+                <a:schemeClr val="accent1"/>
+              </a:buClr>
+              <a:buFontTx/>
+              <a:buBlip>
+                <a:blip r:embed="rId3">
+                  <a:extLst>
+                    <a:ext uri="{96DAC541-7B7A-43D3-8B79-37D633B846F1}">
+                      <asvg:svgBlip xmlns:asvg="http://schemas.microsoft.com/office/drawing/2016/SVG/main" r:embed="rId4"/>
+                    </a:ext>
+                  </a:extLst>
+                </a:blip>
+              </a:buBlip>
+              <a:defRPr sz="2400" kern="1200">
+                <a:solidFill>
+                  <a:schemeClr val="tx2"/>
+                </a:solidFill>
+                <a:latin typeface="+mn-lt"/>
+                <a:ea typeface="ＭＳ Ｐゴシック" charset="0"/>
+                <a:cs typeface="ＭＳ Ｐゴシック" charset="0"/>
+              </a:defRPr>
+            </a:lvl1pPr>
+            <a:lvl2pPr marL="672783" indent="-166688" algn="l" rtl="0" eaLnBrk="1" fontAlgn="base" hangingPunct="1">
+              <a:lnSpc>
+                <a:spcPct val="100000"/>
+              </a:lnSpc>
+              <a:spcBef>
+                <a:spcPts val="0"/>
+              </a:spcBef>
+              <a:spcAft>
+                <a:spcPts val="0"/>
+              </a:spcAft>
+              <a:buClr>
+                <a:schemeClr val="accent1"/>
+              </a:buClr>
+              <a:buSzPct val="80000"/>
+              <a:buFont typeface="Arial" charset="0"/>
+              <a:buChar char="•"/>
+              <a:defRPr sz="2000" kern="1200">
+                <a:solidFill>
+                  <a:schemeClr val="tx2"/>
+                </a:solidFill>
+                <a:latin typeface="+mn-lt"/>
+                <a:ea typeface="ＭＳ Ｐゴシック" charset="0"/>
+                <a:cs typeface="+mn-cs"/>
+              </a:defRPr>
+            </a:lvl2pPr>
+            <a:lvl3pPr marL="947103" indent="-166688" algn="l" rtl="0" eaLnBrk="1" fontAlgn="base" hangingPunct="1">
+              <a:lnSpc>
+                <a:spcPct val="100000"/>
+              </a:lnSpc>
+              <a:spcBef>
+                <a:spcPts val="0"/>
+              </a:spcBef>
+              <a:spcAft>
+                <a:spcPts val="0"/>
+              </a:spcAft>
+              <a:buClr>
+                <a:schemeClr val="accent1"/>
+              </a:buClr>
+              <a:buSzPct val="80000"/>
+              <a:buFontTx/>
+              <a:buBlip>
+                <a:blip r:embed="rId5">
+                  <a:extLst>
+                    <a:ext uri="{96DAC541-7B7A-43D3-8B79-37D633B846F1}">
+                      <asvg:svgBlip xmlns:asvg="http://schemas.microsoft.com/office/drawing/2016/SVG/main" r:embed="rId6"/>
+                    </a:ext>
+                  </a:extLst>
+                </a:blip>
+              </a:buBlip>
+              <a:defRPr sz="1800" kern="1200">
+                <a:solidFill>
+                  <a:schemeClr val="tx2"/>
+                </a:solidFill>
+                <a:latin typeface="+mn-lt"/>
+                <a:ea typeface="ＭＳ Ｐゴシック" charset="0"/>
+                <a:cs typeface="+mn-cs"/>
+              </a:defRPr>
+            </a:lvl3pPr>
+            <a:lvl4pPr marL="1293178" indent="-173038" algn="l" rtl="0" eaLnBrk="1" fontAlgn="base" hangingPunct="1">
+              <a:lnSpc>
+                <a:spcPct val="100000"/>
+              </a:lnSpc>
+              <a:spcBef>
+                <a:spcPts val="0"/>
+              </a:spcBef>
+              <a:spcAft>
+                <a:spcPts val="0"/>
+              </a:spcAft>
+              <a:buClr>
+                <a:schemeClr val="accent1"/>
+              </a:buClr>
+              <a:buSzPct val="80000"/>
+              <a:buFont typeface="Wingdings" charset="2"/>
+              <a:buChar char="§"/>
+              <a:defRPr sz="1800" kern="1200">
+                <a:solidFill>
+                  <a:schemeClr val="tx2"/>
+                </a:solidFill>
+                <a:latin typeface="+mn-lt"/>
+                <a:ea typeface="ＭＳ Ｐゴシック" charset="0"/>
+                <a:cs typeface="+mn-cs"/>
+              </a:defRPr>
+            </a:lvl4pPr>
+            <a:lvl5pPr marL="1518603" indent="-168275" algn="l" rtl="0" eaLnBrk="1" fontAlgn="base" hangingPunct="1">
+              <a:lnSpc>
+                <a:spcPct val="100000"/>
+              </a:lnSpc>
+              <a:spcBef>
+                <a:spcPts val="0"/>
+              </a:spcBef>
+              <a:spcAft>
+                <a:spcPts val="0"/>
+              </a:spcAft>
+              <a:buClr>
+                <a:schemeClr val="accent1"/>
+              </a:buClr>
+              <a:buSzPct val="80000"/>
+              <a:buFontTx/>
+              <a:buBlip>
+                <a:blip r:embed="rId5">
+                  <a:extLst>
+                    <a:ext uri="{96DAC541-7B7A-43D3-8B79-37D633B846F1}">
+                      <asvg:svgBlip xmlns:asvg="http://schemas.microsoft.com/office/drawing/2016/SVG/main" r:embed="rId6"/>
+                    </a:ext>
+                  </a:extLst>
+                </a:blip>
+              </a:buBlip>
+              <a:defRPr sz="1800" kern="1200">
+                <a:solidFill>
+                  <a:schemeClr val="tx2"/>
+                </a:solidFill>
+                <a:latin typeface="+mn-lt"/>
+                <a:ea typeface="ＭＳ Ｐゴシック" charset="0"/>
+                <a:cs typeface="+mn-cs"/>
+              </a:defRPr>
+            </a:lvl5pPr>
+            <a:lvl6pPr marL="1655064" indent="-164592" algn="l" defTabSz="914400" rtl="0" eaLnBrk="1" latinLnBrk="0" hangingPunct="1">
+              <a:lnSpc>
+                <a:spcPct val="100000"/>
+              </a:lnSpc>
+              <a:spcBef>
+                <a:spcPts val="0"/>
+              </a:spcBef>
+              <a:spcAft>
+                <a:spcPts val="0"/>
+              </a:spcAft>
+              <a:buClr>
+                <a:schemeClr val="accent1"/>
+              </a:buClr>
+              <a:buSzPct val="80000"/>
+              <a:buFont typeface="Wingdings" panose="05000000000000000000" pitchFamily="2" charset="2"/>
+              <a:buChar char="§"/>
+              <a:defRPr lang="en-US" sz="1600" kern="1200">
+                <a:solidFill>
+                  <a:schemeClr val="tx2"/>
+                </a:solidFill>
+                <a:latin typeface="+mn-lt"/>
+                <a:ea typeface="+mn-ea"/>
+                <a:cs typeface="+mn-cs"/>
+              </a:defRPr>
+            </a:lvl6pPr>
+            <a:lvl7pPr marL="1883664" indent="-164592" algn="l" defTabSz="914400" rtl="0" eaLnBrk="1" latinLnBrk="0" hangingPunct="1">
+              <a:lnSpc>
+                <a:spcPct val="100000"/>
+              </a:lnSpc>
+              <a:spcBef>
+                <a:spcPts val="0"/>
+              </a:spcBef>
+              <a:spcAft>
+                <a:spcPts val="0"/>
+              </a:spcAft>
+              <a:buClr>
+                <a:schemeClr val="accent1"/>
+              </a:buClr>
+              <a:buSzPct val="80000"/>
+              <a:buFont typeface="Calibri" panose="020F0502020204030204" pitchFamily="34" charset="0"/>
+              <a:buChar char="–"/>
+              <a:defRPr lang="en-US" sz="1600" kern="1200">
+                <a:solidFill>
+                  <a:schemeClr val="tx2"/>
+                </a:solidFill>
+                <a:latin typeface="+mn-lt"/>
+                <a:ea typeface="+mn-ea"/>
+                <a:cs typeface="+mn-cs"/>
+              </a:defRPr>
+            </a:lvl7pPr>
+            <a:lvl8pPr marL="2112264" indent="-164592" algn="l" defTabSz="914400" rtl="0" eaLnBrk="1" latinLnBrk="0" hangingPunct="1">
+              <a:lnSpc>
+                <a:spcPct val="100000"/>
+              </a:lnSpc>
+              <a:spcBef>
+                <a:spcPts val="0"/>
+              </a:spcBef>
+              <a:spcAft>
+                <a:spcPts val="0"/>
+              </a:spcAft>
+              <a:buClr>
+                <a:schemeClr val="accent1"/>
+              </a:buClr>
+              <a:buSzPct val="80000"/>
+              <a:buFont typeface="Wingdings" panose="05000000000000000000" pitchFamily="2" charset="2"/>
+              <a:buChar char="§"/>
+              <a:defRPr lang="en-US" sz="1600" kern="1200">
+                <a:solidFill>
+                  <a:schemeClr val="tx2"/>
+                </a:solidFill>
+                <a:latin typeface="+mn-lt"/>
+                <a:ea typeface="+mn-ea"/>
+                <a:cs typeface="+mn-cs"/>
+              </a:defRPr>
+            </a:lvl8pPr>
+            <a:lvl9pPr marL="2340864" indent="-164592" algn="l" defTabSz="914400" rtl="0" eaLnBrk="1" latinLnBrk="0" hangingPunct="1">
+              <a:lnSpc>
+                <a:spcPct val="100000"/>
+              </a:lnSpc>
+              <a:spcBef>
+                <a:spcPts val="0"/>
+              </a:spcBef>
+              <a:spcAft>
+                <a:spcPts val="0"/>
+              </a:spcAft>
+              <a:buClr>
+                <a:schemeClr val="accent1"/>
+              </a:buClr>
+              <a:buSzPct val="80000"/>
+              <a:buFont typeface="Calibri" panose="020F0502020204030204" pitchFamily="34" charset="0"/>
+              <a:buChar char="–"/>
+              <a:defRPr lang="en-US" sz="1600" kern="1200">
+                <a:solidFill>
+                  <a:schemeClr val="tx2"/>
+                </a:solidFill>
+                <a:latin typeface="+mn-lt"/>
+                <a:ea typeface="+mn-ea"/>
+                <a:cs typeface="+mn-cs"/>
+              </a:defRPr>
+            </a:lvl9pPr>
+          </a:lstStyle>
+          <a:p>
+            <a:pPr marL="0" marR="0" lvl="0" indent="0" algn="ctr" defTabSz="1219170" rtl="0" eaLnBrk="1" fontAlgn="base" latinLnBrk="0" hangingPunct="1">
+              <a:lnSpc>
+                <a:spcPct val="100000"/>
+              </a:lnSpc>
+              <a:spcBef>
+                <a:spcPts val="800"/>
+              </a:spcBef>
+              <a:spcAft>
+                <a:spcPts val="0"/>
+              </a:spcAft>
+              <a:buClr>
+                <a:srgbClr val="0091BD"/>
+              </a:buClr>
+              <a:buSzTx/>
+              <a:buFontTx/>
+              <a:buNone/>
+              <a:tabLst/>
+              <a:defRPr/>
+            </a:pPr>
+            <a:r>
+              <a:rPr kumimoji="0" lang="en-US" sz="1067" b="1" i="0" u="none" strike="noStrike" kern="1200" cap="none" spc="400" normalizeH="0" baseline="0" noProof="0" dirty="0">
+                <a:ln>
+                  <a:noFill/>
+                </a:ln>
+                <a:solidFill>
+                  <a:schemeClr val="tx1"/>
+                </a:solidFill>
+                <a:effectLst/>
+                <a:uLnTx/>
+                <a:uFillTx/>
+                <a:latin typeface="Aeonik Fono" panose="020B0504030300000000" pitchFamily="34" charset="0"/>
+                <a:ea typeface="ＭＳ Ｐゴシック" charset="0"/>
+              </a:rPr>
+              <a:t>SDSIO  INTERFACE</a:t>
+            </a:r>
+          </a:p>
+        </p:txBody>
+      </p:sp>
+      <p:sp>
+        <p:nvSpPr>
+          <p:cNvPr id="103" name="Content Placeholder 2">
+            <a:extLst>
+              <a:ext uri="{FF2B5EF4-FFF2-40B4-BE49-F238E27FC236}">
+                <a16:creationId xmlns:a16="http://schemas.microsoft.com/office/drawing/2014/main" id="{FD166784-B42C-F2C0-5034-6403E484D679}"/>
+              </a:ext>
+            </a:extLst>
+          </p:cNvPr>
+          <p:cNvSpPr txBox="1">
+            <a:spLocks/>
+          </p:cNvSpPr>
+          <p:nvPr/>
+        </p:nvSpPr>
+        <p:spPr>
+          <a:xfrm>
+            <a:off x="4510776" y="3941852"/>
+            <a:ext cx="1450255" cy="194493"/>
+          </a:xfrm>
+          <a:prstGeom prst="rect">
+            <a:avLst/>
+          </a:prstGeom>
+        </p:spPr>
+        <p:txBody>
+          <a:bodyPr vert="horz" lIns="0" tIns="0" rIns="0" bIns="0" rtlCol="0">
+            <a:noAutofit/>
+          </a:bodyPr>
+          <a:lstStyle>
+            <a:lvl1pPr marL="342900" indent="-342900" algn="l" rtl="0" eaLnBrk="1" fontAlgn="base" hangingPunct="1">
+              <a:lnSpc>
+                <a:spcPct val="100000"/>
+              </a:lnSpc>
+              <a:spcBef>
+                <a:spcPts val="600"/>
+              </a:spcBef>
+              <a:spcAft>
+                <a:spcPts val="0"/>
+              </a:spcAft>
+              <a:buClr>
+                <a:schemeClr val="accent1"/>
+              </a:buClr>
+              <a:buFontTx/>
+              <a:buBlip>
+                <a:blip r:embed="rId3">
+                  <a:extLst>
+                    <a:ext uri="{96DAC541-7B7A-43D3-8B79-37D633B846F1}">
+                      <asvg:svgBlip xmlns:asvg="http://schemas.microsoft.com/office/drawing/2016/SVG/main" r:embed="rId4"/>
+                    </a:ext>
+                  </a:extLst>
+                </a:blip>
+              </a:buBlip>
+              <a:defRPr sz="2400" kern="1200">
+                <a:solidFill>
+                  <a:schemeClr val="tx2"/>
+                </a:solidFill>
+                <a:latin typeface="+mn-lt"/>
+                <a:ea typeface="ＭＳ Ｐゴシック" charset="0"/>
+                <a:cs typeface="ＭＳ Ｐゴシック" charset="0"/>
+              </a:defRPr>
+            </a:lvl1pPr>
+            <a:lvl2pPr marL="672783" indent="-166688" algn="l" rtl="0" eaLnBrk="1" fontAlgn="base" hangingPunct="1">
+              <a:lnSpc>
+                <a:spcPct val="100000"/>
+              </a:lnSpc>
+              <a:spcBef>
+                <a:spcPts val="0"/>
+              </a:spcBef>
+              <a:spcAft>
+                <a:spcPts val="0"/>
+              </a:spcAft>
+              <a:buClr>
+                <a:schemeClr val="accent1"/>
+              </a:buClr>
+              <a:buSzPct val="80000"/>
+              <a:buFont typeface="Arial" charset="0"/>
+              <a:buChar char="•"/>
+              <a:defRPr sz="2000" kern="1200">
+                <a:solidFill>
+                  <a:schemeClr val="tx2"/>
+                </a:solidFill>
+                <a:latin typeface="+mn-lt"/>
+                <a:ea typeface="ＭＳ Ｐゴシック" charset="0"/>
+                <a:cs typeface="+mn-cs"/>
+              </a:defRPr>
+            </a:lvl2pPr>
+            <a:lvl3pPr marL="947103" indent="-166688" algn="l" rtl="0" eaLnBrk="1" fontAlgn="base" hangingPunct="1">
+              <a:lnSpc>
+                <a:spcPct val="100000"/>
+              </a:lnSpc>
+              <a:spcBef>
+                <a:spcPts val="0"/>
+              </a:spcBef>
+              <a:spcAft>
+                <a:spcPts val="0"/>
+              </a:spcAft>
+              <a:buClr>
+                <a:schemeClr val="accent1"/>
+              </a:buClr>
+              <a:buSzPct val="80000"/>
+              <a:buFontTx/>
+              <a:buBlip>
+                <a:blip r:embed="rId5">
+                  <a:extLst>
+                    <a:ext uri="{96DAC541-7B7A-43D3-8B79-37D633B846F1}">
+                      <asvg:svgBlip xmlns:asvg="http://schemas.microsoft.com/office/drawing/2016/SVG/main" r:embed="rId6"/>
+                    </a:ext>
+                  </a:extLst>
+                </a:blip>
+              </a:buBlip>
+              <a:defRPr sz="1800" kern="1200">
+                <a:solidFill>
+                  <a:schemeClr val="tx2"/>
+                </a:solidFill>
+                <a:latin typeface="+mn-lt"/>
+                <a:ea typeface="ＭＳ Ｐゴシック" charset="0"/>
+                <a:cs typeface="+mn-cs"/>
+              </a:defRPr>
+            </a:lvl3pPr>
+            <a:lvl4pPr marL="1293178" indent="-173038" algn="l" rtl="0" eaLnBrk="1" fontAlgn="base" hangingPunct="1">
+              <a:lnSpc>
+                <a:spcPct val="100000"/>
+              </a:lnSpc>
+              <a:spcBef>
+                <a:spcPts val="0"/>
+              </a:spcBef>
+              <a:spcAft>
+                <a:spcPts val="0"/>
+              </a:spcAft>
+              <a:buClr>
+                <a:schemeClr val="accent1"/>
+              </a:buClr>
+              <a:buSzPct val="80000"/>
+              <a:buFont typeface="Wingdings" charset="2"/>
+              <a:buChar char="§"/>
+              <a:defRPr sz="1800" kern="1200">
+                <a:solidFill>
+                  <a:schemeClr val="tx2"/>
+                </a:solidFill>
+                <a:latin typeface="+mn-lt"/>
+                <a:ea typeface="ＭＳ Ｐゴシック" charset="0"/>
+                <a:cs typeface="+mn-cs"/>
+              </a:defRPr>
+            </a:lvl4pPr>
+            <a:lvl5pPr marL="1518603" indent="-168275" algn="l" rtl="0" eaLnBrk="1" fontAlgn="base" hangingPunct="1">
+              <a:lnSpc>
+                <a:spcPct val="100000"/>
+              </a:lnSpc>
+              <a:spcBef>
+                <a:spcPts val="0"/>
+              </a:spcBef>
+              <a:spcAft>
+                <a:spcPts val="0"/>
+              </a:spcAft>
+              <a:buClr>
+                <a:schemeClr val="accent1"/>
+              </a:buClr>
+              <a:buSzPct val="80000"/>
+              <a:buFontTx/>
+              <a:buBlip>
+                <a:blip r:embed="rId5">
+                  <a:extLst>
+                    <a:ext uri="{96DAC541-7B7A-43D3-8B79-37D633B846F1}">
+                      <asvg:svgBlip xmlns:asvg="http://schemas.microsoft.com/office/drawing/2016/SVG/main" r:embed="rId6"/>
+                    </a:ext>
+                  </a:extLst>
+                </a:blip>
+              </a:buBlip>
+              <a:defRPr sz="1800" kern="1200">
+                <a:solidFill>
+                  <a:schemeClr val="tx2"/>
+                </a:solidFill>
+                <a:latin typeface="+mn-lt"/>
+                <a:ea typeface="ＭＳ Ｐゴシック" charset="0"/>
+                <a:cs typeface="+mn-cs"/>
+              </a:defRPr>
+            </a:lvl5pPr>
+            <a:lvl6pPr marL="1655064" indent="-164592" algn="l" defTabSz="914400" rtl="0" eaLnBrk="1" latinLnBrk="0" hangingPunct="1">
+              <a:lnSpc>
+                <a:spcPct val="100000"/>
+              </a:lnSpc>
+              <a:spcBef>
+                <a:spcPts val="0"/>
+              </a:spcBef>
+              <a:spcAft>
+                <a:spcPts val="0"/>
+              </a:spcAft>
+              <a:buClr>
+                <a:schemeClr val="accent1"/>
+              </a:buClr>
+              <a:buSzPct val="80000"/>
+              <a:buFont typeface="Wingdings" panose="05000000000000000000" pitchFamily="2" charset="2"/>
+              <a:buChar char="§"/>
+              <a:defRPr lang="en-US" sz="1600" kern="1200">
+                <a:solidFill>
+                  <a:schemeClr val="tx2"/>
+                </a:solidFill>
+                <a:latin typeface="+mn-lt"/>
+                <a:ea typeface="+mn-ea"/>
+                <a:cs typeface="+mn-cs"/>
+              </a:defRPr>
+            </a:lvl6pPr>
+            <a:lvl7pPr marL="1883664" indent="-164592" algn="l" defTabSz="914400" rtl="0" eaLnBrk="1" latinLnBrk="0" hangingPunct="1">
+              <a:lnSpc>
+                <a:spcPct val="100000"/>
+              </a:lnSpc>
+              <a:spcBef>
+                <a:spcPts val="0"/>
+              </a:spcBef>
+              <a:spcAft>
+                <a:spcPts val="0"/>
+              </a:spcAft>
+              <a:buClr>
+                <a:schemeClr val="accent1"/>
+              </a:buClr>
+              <a:buSzPct val="80000"/>
+              <a:buFont typeface="Calibri" panose="020F0502020204030204" pitchFamily="34" charset="0"/>
+              <a:buChar char="–"/>
+              <a:defRPr lang="en-US" sz="1600" kern="1200">
+                <a:solidFill>
+                  <a:schemeClr val="tx2"/>
+                </a:solidFill>
+                <a:latin typeface="+mn-lt"/>
+                <a:ea typeface="+mn-ea"/>
+                <a:cs typeface="+mn-cs"/>
+              </a:defRPr>
+            </a:lvl7pPr>
+            <a:lvl8pPr marL="2112264" indent="-164592" algn="l" defTabSz="914400" rtl="0" eaLnBrk="1" latinLnBrk="0" hangingPunct="1">
+              <a:lnSpc>
+                <a:spcPct val="100000"/>
+              </a:lnSpc>
+              <a:spcBef>
+                <a:spcPts val="0"/>
+              </a:spcBef>
+              <a:spcAft>
+                <a:spcPts val="0"/>
+              </a:spcAft>
+              <a:buClr>
+                <a:schemeClr val="accent1"/>
+              </a:buClr>
+              <a:buSzPct val="80000"/>
+              <a:buFont typeface="Wingdings" panose="05000000000000000000" pitchFamily="2" charset="2"/>
+              <a:buChar char="§"/>
+              <a:defRPr lang="en-US" sz="1600" kern="1200">
+                <a:solidFill>
+                  <a:schemeClr val="tx2"/>
+                </a:solidFill>
+                <a:latin typeface="+mn-lt"/>
+                <a:ea typeface="+mn-ea"/>
+                <a:cs typeface="+mn-cs"/>
+              </a:defRPr>
+            </a:lvl8pPr>
+            <a:lvl9pPr marL="2340864" indent="-164592" algn="l" defTabSz="914400" rtl="0" eaLnBrk="1" latinLnBrk="0" hangingPunct="1">
+              <a:lnSpc>
+                <a:spcPct val="100000"/>
+              </a:lnSpc>
+              <a:spcBef>
+                <a:spcPts val="0"/>
+              </a:spcBef>
+              <a:spcAft>
+                <a:spcPts val="0"/>
+              </a:spcAft>
+              <a:buClr>
+                <a:schemeClr val="accent1"/>
+              </a:buClr>
+              <a:buSzPct val="80000"/>
+              <a:buFont typeface="Calibri" panose="020F0502020204030204" pitchFamily="34" charset="0"/>
+              <a:buChar char="–"/>
+              <a:defRPr lang="en-US" sz="1600" kern="1200">
+                <a:solidFill>
+                  <a:schemeClr val="tx2"/>
+                </a:solidFill>
+                <a:latin typeface="+mn-lt"/>
+                <a:ea typeface="+mn-ea"/>
+                <a:cs typeface="+mn-cs"/>
+              </a:defRPr>
+            </a:lvl9pPr>
+          </a:lstStyle>
+          <a:p>
+            <a:pPr marL="0" marR="0" lvl="0" indent="0" algn="ctr" defTabSz="1219170" rtl="0" eaLnBrk="1" fontAlgn="base" latinLnBrk="0" hangingPunct="1">
+              <a:lnSpc>
+                <a:spcPct val="100000"/>
+              </a:lnSpc>
+              <a:spcBef>
+                <a:spcPts val="800"/>
+              </a:spcBef>
+              <a:spcAft>
+                <a:spcPts val="0"/>
+              </a:spcAft>
+              <a:buClr>
+                <a:srgbClr val="0091BD"/>
+              </a:buClr>
+              <a:buSzTx/>
+              <a:buFontTx/>
+              <a:buNone/>
+              <a:tabLst/>
+              <a:defRPr/>
+            </a:pPr>
+            <a:r>
+              <a:rPr lang="en-US" sz="1067" b="1" dirty="0">
+                <a:solidFill>
+                  <a:schemeClr val="tx1"/>
+                </a:solidFill>
+                <a:latin typeface="Aeonik Fono" panose="020B0504030300000000" pitchFamily="34" charset="0"/>
+              </a:rPr>
+              <a:t>or</a:t>
+            </a:r>
+            <a:endParaRPr kumimoji="0" lang="en-US" sz="1067" b="1" i="0" u="none" strike="noStrike" kern="1200" cap="none" normalizeH="0" noProof="0" dirty="0">
+              <a:ln>
+                <a:noFill/>
+              </a:ln>
+              <a:solidFill>
+                <a:schemeClr val="tx1"/>
+              </a:solidFill>
+              <a:effectLst/>
+              <a:uLnTx/>
+              <a:uFillTx/>
+              <a:latin typeface="Aeonik Fono" panose="020B0504030300000000" pitchFamily="34" charset="0"/>
+              <a:ea typeface="ＭＳ Ｐゴシック" charset="0"/>
+            </a:endParaRPr>
+          </a:p>
+        </p:txBody>
+      </p:sp>
+      <p:sp>
+        <p:nvSpPr>
+          <p:cNvPr id="104" name="Process 108">
+            <a:extLst>
+              <a:ext uri="{FF2B5EF4-FFF2-40B4-BE49-F238E27FC236}">
+                <a16:creationId xmlns:a16="http://schemas.microsoft.com/office/drawing/2014/main" id="{CE382B01-29A0-8760-5DC8-5FACF41FCF1F}"/>
+              </a:ext>
+            </a:extLst>
+          </p:cNvPr>
+          <p:cNvSpPr/>
+          <p:nvPr/>
+        </p:nvSpPr>
+        <p:spPr>
+          <a:xfrm>
+            <a:off x="5465253" y="2690778"/>
+            <a:ext cx="1069340" cy="394963"/>
+          </a:xfrm>
+          <a:prstGeom prst="flowChartProcess">
+            <a:avLst/>
+          </a:prstGeom>
+          <a:solidFill>
+            <a:schemeClr val="tx2"/>
+          </a:solidFill>
+          <a:ln w="15875">
+            <a:solidFill>
+              <a:srgbClr val="00C1DE"/>
+            </a:solidFill>
+          </a:ln>
+        </p:spPr>
+        <p:style>
+          <a:lnRef idx="2">
+            <a:schemeClr val="accent1">
+              <a:shade val="50000"/>
+            </a:schemeClr>
+          </a:lnRef>
+          <a:fillRef idx="1">
+            <a:schemeClr val="accent1"/>
+          </a:fillRef>
+          <a:effectRef idx="0">
+            <a:schemeClr val="accent1"/>
+          </a:effectRef>
+          <a:fontRef idx="minor">
+            <a:schemeClr val="lt1"/>
+          </a:fontRef>
+        </p:style>
+        <p:txBody>
+          <a:bodyPr rtlCol="0" anchor="ctr"/>
+          <a:lstStyle/>
+          <a:p>
+            <a:pPr marL="0" marR="0" lvl="0" indent="0" algn="ctr" defTabSz="1219170" rtl="0" eaLnBrk="0" fontAlgn="base" latinLnBrk="0" hangingPunct="0">
+              <a:lnSpc>
+                <a:spcPct val="100000"/>
+              </a:lnSpc>
+              <a:spcBef>
+                <a:spcPct val="0"/>
+              </a:spcBef>
+              <a:spcAft>
+                <a:spcPct val="0"/>
+              </a:spcAft>
+              <a:buClrTx/>
+              <a:buSzTx/>
+              <a:buFontTx/>
+              <a:buNone/>
+              <a:tabLst/>
+              <a:defRPr/>
+            </a:pPr>
+            <a:r>
+              <a:rPr kumimoji="0" lang="en-GB" sz="1200" b="0" i="0" u="none" strike="noStrike" kern="1200" cap="none" spc="0" normalizeH="0" baseline="0" noProof="0" dirty="0">
+                <a:ln>
+                  <a:noFill/>
+                </a:ln>
+                <a:solidFill>
+                  <a:srgbClr val="FFFFFF"/>
+                </a:solidFill>
+                <a:effectLst/>
+                <a:uLnTx/>
+                <a:uFillTx/>
+                <a:latin typeface="Aeonik" panose="020B0503030300000000" pitchFamily="34" charset="0"/>
+                <a:ea typeface="+mn-ea"/>
+                <a:cs typeface="Calibri" panose="020F0502020204030204" pitchFamily="34" charset="0"/>
+              </a:rPr>
+              <a:t>SDS Recorder </a:t>
+            </a:r>
+          </a:p>
+        </p:txBody>
+      </p:sp>
+      <p:sp>
+        <p:nvSpPr>
+          <p:cNvPr id="105" name="Arrow: Down 104">
+            <a:extLst>
+              <a:ext uri="{FF2B5EF4-FFF2-40B4-BE49-F238E27FC236}">
+                <a16:creationId xmlns:a16="http://schemas.microsoft.com/office/drawing/2014/main" id="{4BE69476-D577-F35A-DEEB-0F76C95DC2A5}"/>
+              </a:ext>
+            </a:extLst>
+          </p:cNvPr>
+          <p:cNvSpPr/>
+          <p:nvPr/>
+        </p:nvSpPr>
+        <p:spPr>
+          <a:xfrm>
+            <a:off x="4299623" y="3655616"/>
+            <a:ext cx="233251" cy="612057"/>
+          </a:xfrm>
+          <a:prstGeom prst="downArrow">
+            <a:avLst/>
+          </a:prstGeom>
+          <a:solidFill>
+            <a:schemeClr val="accent1"/>
+          </a:solidFill>
+          <a:ln>
+            <a:noFill/>
+          </a:ln>
+        </p:spPr>
+        <p:style>
+          <a:lnRef idx="2">
+            <a:schemeClr val="accent1">
+              <a:shade val="50000"/>
+            </a:schemeClr>
+          </a:lnRef>
+          <a:fillRef idx="1">
+            <a:schemeClr val="accent1"/>
+          </a:fillRef>
+          <a:effectRef idx="0">
+            <a:schemeClr val="accent1"/>
+          </a:effectRef>
+          <a:fontRef idx="minor">
+            <a:schemeClr val="lt1"/>
+          </a:fontRef>
+        </p:style>
+        <p:txBody>
+          <a:bodyPr rtlCol="0" anchor="ctr"/>
+          <a:lstStyle/>
+          <a:p>
+            <a:pPr algn="ctr"/>
+            <a:endParaRPr lang="en-US"/>
+          </a:p>
+        </p:txBody>
+      </p:sp>
+      <p:cxnSp>
+        <p:nvCxnSpPr>
+          <p:cNvPr id="110" name="Straight Arrow Connector 109">
+            <a:extLst>
+              <a:ext uri="{FF2B5EF4-FFF2-40B4-BE49-F238E27FC236}">
+                <a16:creationId xmlns:a16="http://schemas.microsoft.com/office/drawing/2014/main" id="{6361E5C3-E103-C607-2FCA-A5F00A3EA125}"/>
+              </a:ext>
+            </a:extLst>
+          </p:cNvPr>
+          <p:cNvCxnSpPr>
+            <a:cxnSpLocks/>
+          </p:cNvCxnSpPr>
+          <p:nvPr/>
+        </p:nvCxnSpPr>
+        <p:spPr>
+          <a:xfrm>
+            <a:off x="2786782" y="2212940"/>
+            <a:ext cx="4553" cy="485261"/>
+          </a:xfrm>
+          <a:prstGeom prst="straightConnector1">
+            <a:avLst/>
+          </a:prstGeom>
+          <a:ln w="15875">
+            <a:solidFill>
+              <a:schemeClr val="accent1"/>
+            </a:solidFill>
+            <a:tailEnd type="triangle"/>
+          </a:ln>
+        </p:spPr>
+        <p:style>
+          <a:lnRef idx="1">
+            <a:schemeClr val="accent1"/>
+          </a:lnRef>
+          <a:fillRef idx="0">
+            <a:schemeClr val="accent1"/>
+          </a:fillRef>
+          <a:effectRef idx="0">
+            <a:schemeClr val="accent1"/>
+          </a:effectRef>
+          <a:fontRef idx="minor">
+            <a:schemeClr val="tx1"/>
+          </a:fontRef>
+        </p:style>
+      </p:cxnSp>
+      <p:cxnSp>
+        <p:nvCxnSpPr>
+          <p:cNvPr id="111" name="Straight Arrow Connector 110">
+            <a:extLst>
+              <a:ext uri="{FF2B5EF4-FFF2-40B4-BE49-F238E27FC236}">
+                <a16:creationId xmlns:a16="http://schemas.microsoft.com/office/drawing/2014/main" id="{EBA3B29F-02B6-785B-AA35-7DAD924B76E2}"/>
+              </a:ext>
+            </a:extLst>
+          </p:cNvPr>
+          <p:cNvCxnSpPr>
+            <a:cxnSpLocks/>
+          </p:cNvCxnSpPr>
+          <p:nvPr/>
+        </p:nvCxnSpPr>
+        <p:spPr>
+          <a:xfrm>
+            <a:off x="2791335" y="4455042"/>
+            <a:ext cx="2083" cy="415089"/>
+          </a:xfrm>
+          <a:prstGeom prst="straightConnector1">
+            <a:avLst/>
+          </a:prstGeom>
+          <a:ln w="15875">
+            <a:solidFill>
+              <a:schemeClr val="accent1"/>
+            </a:solidFill>
+            <a:tailEnd type="triangle"/>
+          </a:ln>
+        </p:spPr>
+        <p:style>
+          <a:lnRef idx="1">
+            <a:schemeClr val="accent1"/>
+          </a:lnRef>
+          <a:fillRef idx="0">
+            <a:schemeClr val="accent1"/>
+          </a:fillRef>
+          <a:effectRef idx="0">
+            <a:schemeClr val="accent1"/>
+          </a:effectRef>
+          <a:fontRef idx="minor">
+            <a:schemeClr val="tx1"/>
+          </a:fontRef>
+        </p:style>
+      </p:cxnSp>
+      <p:cxnSp>
+        <p:nvCxnSpPr>
+          <p:cNvPr id="112" name="Straight Arrow Connector 111">
+            <a:extLst>
+              <a:ext uri="{FF2B5EF4-FFF2-40B4-BE49-F238E27FC236}">
+                <a16:creationId xmlns:a16="http://schemas.microsoft.com/office/drawing/2014/main" id="{136F3236-84A2-A5C7-2DE0-4A2164C07630}"/>
+              </a:ext>
+            </a:extLst>
+          </p:cNvPr>
+          <p:cNvCxnSpPr>
+            <a:cxnSpLocks/>
+          </p:cNvCxnSpPr>
+          <p:nvPr/>
+        </p:nvCxnSpPr>
+        <p:spPr>
+          <a:xfrm>
+            <a:off x="2793411" y="3106134"/>
+            <a:ext cx="0" cy="158458"/>
+          </a:xfrm>
+          <a:prstGeom prst="straightConnector1">
+            <a:avLst/>
+          </a:prstGeom>
+          <a:ln w="15875">
+            <a:solidFill>
+              <a:schemeClr val="accent1"/>
+            </a:solidFill>
+            <a:tailEnd type="triangle"/>
+          </a:ln>
+        </p:spPr>
+        <p:style>
+          <a:lnRef idx="1">
+            <a:schemeClr val="accent1"/>
+          </a:lnRef>
+          <a:fillRef idx="0">
+            <a:schemeClr val="accent1"/>
+          </a:fillRef>
+          <a:effectRef idx="0">
+            <a:schemeClr val="accent1"/>
+          </a:effectRef>
+          <a:fontRef idx="minor">
+            <a:schemeClr val="tx1"/>
+          </a:fontRef>
+        </p:style>
+      </p:cxnSp>
+      <p:sp>
+        <p:nvSpPr>
+          <p:cNvPr id="97" name="Process 108">
+            <a:extLst>
+              <a:ext uri="{FF2B5EF4-FFF2-40B4-BE49-F238E27FC236}">
+                <a16:creationId xmlns:a16="http://schemas.microsoft.com/office/drawing/2014/main" id="{2F4CF59C-538C-CE2C-9997-D55E58F243BD}"/>
+              </a:ext>
+            </a:extLst>
+          </p:cNvPr>
+          <p:cNvSpPr/>
+          <p:nvPr/>
+        </p:nvSpPr>
+        <p:spPr>
+          <a:xfrm>
+            <a:off x="2238790" y="4267673"/>
+            <a:ext cx="4346831" cy="394963"/>
+          </a:xfrm>
+          <a:prstGeom prst="flowChartProcess">
+            <a:avLst/>
+          </a:prstGeom>
+          <a:solidFill>
+            <a:schemeClr val="tx2"/>
+          </a:solidFill>
+          <a:ln w="15875">
+            <a:solidFill>
+              <a:srgbClr val="00C1DE"/>
+            </a:solidFill>
+          </a:ln>
+        </p:spPr>
+        <p:style>
+          <a:lnRef idx="2">
+            <a:schemeClr val="accent1">
+              <a:shade val="50000"/>
+            </a:schemeClr>
+          </a:lnRef>
+          <a:fillRef idx="1">
+            <a:schemeClr val="accent1"/>
+          </a:fillRef>
+          <a:effectRef idx="0">
+            <a:schemeClr val="accent1"/>
+          </a:effectRef>
+          <a:fontRef idx="minor">
+            <a:schemeClr val="lt1"/>
+          </a:fontRef>
+        </p:style>
+        <p:txBody>
+          <a:bodyPr rtlCol="0" anchor="ctr"/>
+          <a:lstStyle/>
+          <a:p>
+            <a:pPr marL="0" marR="0" lvl="0" indent="0" algn="ctr" defTabSz="1219170" rtl="0" eaLnBrk="0" fontAlgn="base" latinLnBrk="0" hangingPunct="0">
+              <a:lnSpc>
+                <a:spcPct val="100000"/>
+              </a:lnSpc>
+              <a:spcBef>
+                <a:spcPct val="0"/>
+              </a:spcBef>
+              <a:spcAft>
+                <a:spcPct val="0"/>
+              </a:spcAft>
+              <a:buClrTx/>
+              <a:buSzTx/>
+              <a:buFontTx/>
+              <a:buNone/>
+              <a:tabLst/>
+              <a:defRPr/>
+            </a:pPr>
+            <a:r>
+              <a:rPr kumimoji="0" lang="en-GB" sz="1200" b="0" i="0" u="none" strike="noStrike" kern="1200" cap="none" spc="0" normalizeH="0" baseline="0" noProof="0" dirty="0">
+                <a:ln>
+                  <a:noFill/>
+                </a:ln>
+                <a:solidFill>
+                  <a:srgbClr val="FFFFFF"/>
+                </a:solidFill>
+                <a:effectLst/>
+                <a:uLnTx/>
+                <a:uFillTx/>
+                <a:latin typeface="Aeonik" panose="020B0503030300000000" pitchFamily="34" charset="0"/>
+                <a:ea typeface="+mn-ea"/>
+                <a:cs typeface="Calibri" panose="020F0502020204030204" pitchFamily="34" charset="0"/>
+              </a:rPr>
+              <a:t>SDSIO Server running on </a:t>
+            </a:r>
+            <a:r>
+              <a:rPr lang="en-GB" sz="1200" dirty="0">
+                <a:solidFill>
+                  <a:srgbClr val="FFFFFF"/>
+                </a:solidFill>
+                <a:latin typeface="Aeonik" panose="020B0503030300000000" pitchFamily="34" charset="0"/>
+                <a:cs typeface="Calibri" panose="020F0502020204030204" pitchFamily="34" charset="0"/>
+              </a:rPr>
+              <a:t>development host</a:t>
+            </a:r>
+            <a:r>
+              <a:rPr kumimoji="0" lang="en-GB" sz="1200" b="0" i="0" u="none" strike="noStrike" kern="1200" cap="none" spc="0" normalizeH="0" baseline="0" noProof="0" dirty="0">
+                <a:ln>
+                  <a:noFill/>
+                </a:ln>
+                <a:solidFill>
+                  <a:srgbClr val="FFFFFF"/>
+                </a:solidFill>
+                <a:effectLst/>
+                <a:uLnTx/>
+                <a:uFillTx/>
+                <a:latin typeface="Aeonik" panose="020B0503030300000000" pitchFamily="34" charset="0"/>
+                <a:ea typeface="+mn-ea"/>
+                <a:cs typeface="Calibri" panose="020F0502020204030204" pitchFamily="34" charset="0"/>
+              </a:rPr>
+              <a:t> system</a:t>
             </a:r>
           </a:p>
         </p:txBody>

--- a/main/images/overview.pptx
+++ b/main/images/overview.pptx
@@ -5,10 +5,10 @@
     <p:sldMasterId id="2147483661" r:id="rId1"/>
   </p:sldMasterIdLst>
   <p:notesMasterIdLst>
-    <p:notesMasterId r:id="rId14"/>
+    <p:notesMasterId r:id="rId15"/>
   </p:notesMasterIdLst>
   <p:handoutMasterIdLst>
-    <p:handoutMasterId r:id="rId15"/>
+    <p:handoutMasterId r:id="rId16"/>
   </p:handoutMasterIdLst>
   <p:sldIdLst>
     <p:sldId id="2147476961" r:id="rId2"/>
@@ -23,6 +23,7 @@
     <p:sldId id="2145705721" r:id="rId11"/>
     <p:sldId id="2145705723" r:id="rId12"/>
     <p:sldId id="2123260229" r:id="rId13"/>
+    <p:sldId id="2147476967" r:id="rId14"/>
   </p:sldIdLst>
   <p:sldSz cx="12192000" cy="6858000"/>
   <p:notesSz cx="6858000" cy="9144000"/>
@@ -270,7 +271,7 @@
           <a:p>
             <a:fld id="{008FFADC-39A7-449E-8C68-8776E6FB3C1A}" type="datetimeFigureOut">
               <a:rPr lang="en-GB" smtClean="0"/>
-              <a:t>10/03/2025</a:t>
+              <a:t>11/04/2025</a:t>
             </a:fld>
             <a:endParaRPr lang="en-GB"/>
           </a:p>
@@ -447,7 +448,7 @@
           <a:p>
             <a:fld id="{30B9BAAB-B703-4BB5-9D08-B460FC03C23A}" type="datetimeFigureOut">
               <a:rPr lang="en-GB" smtClean="0"/>
-              <a:t>10/03/2025</a:t>
+              <a:t>11/04/2025</a:t>
             </a:fld>
             <a:endParaRPr lang="en-GB"/>
           </a:p>
@@ -15010,7 +15011,7 @@
               <a:defRPr/>
             </a:pPr>
             <a:r>
-              <a:rPr lang="en-US" sz="1400">
+              <a:rPr lang="en-US" sz="1400" dirty="0">
                 <a:solidFill>
                   <a:schemeClr val="bg2">
                     <a:lumMod val="25000"/>
@@ -15040,7 +15041,7 @@
               <a:defRPr/>
             </a:pPr>
             <a:r>
-              <a:rPr kumimoji="0" lang="en-US" sz="1200" b="0" i="0" u="none" strike="noStrike" kern="1200" cap="none" spc="0" normalizeH="0" baseline="0" noProof="0">
+              <a:rPr kumimoji="0" lang="en-US" sz="1200" b="0" i="0" u="none" strike="noStrike" kern="1200" cap="none" spc="0" normalizeH="0" baseline="0" noProof="0" dirty="0">
                 <a:ln>
                   <a:noFill/>
                 </a:ln>
@@ -15056,10 +15057,10 @@
                 <a:ea typeface="+mn-ea"/>
                 <a:cs typeface="+mn-cs"/>
               </a:rPr>
-              <a:t>*.</a:t>
-            </a:r>
-            <a:r>
-              <a:rPr kumimoji="0" lang="en-US" sz="1200" b="0" i="0" u="none" strike="noStrike" kern="1200" cap="none" spc="0" normalizeH="0" baseline="0" noProof="0" err="1">
+              <a:t>gyroscope.*.</a:t>
+            </a:r>
+            <a:r>
+              <a:rPr kumimoji="0" lang="en-US" sz="1200" b="0" i="0" u="none" strike="noStrike" kern="1200" cap="none" spc="0" normalizeH="0" baseline="0" noProof="0" dirty="0" err="1">
                 <a:ln>
                   <a:noFill/>
                 </a:ln>
@@ -15075,10 +15076,10 @@
                 <a:ea typeface="+mn-ea"/>
                 <a:cs typeface="+mn-cs"/>
               </a:rPr>
-              <a:t>gyroscope.sds</a:t>
+              <a:t>sds</a:t>
             </a:r>
             <a:br>
-              <a:rPr kumimoji="0" lang="en-US" sz="1200" b="0" i="0" u="none" strike="noStrike" kern="1200" cap="none" spc="0" normalizeH="0" baseline="0" noProof="0">
+              <a:rPr kumimoji="0" lang="en-US" sz="1200" b="0" i="0" u="none" strike="noStrike" kern="1200" cap="none" spc="0" normalizeH="0" baseline="0" noProof="0" dirty="0">
                 <a:ln>
                   <a:noFill/>
                 </a:ln>
@@ -15095,7 +15096,7 @@
                 <a:cs typeface="+mn-cs"/>
               </a:rPr>
             </a:br>
-            <a:endParaRPr kumimoji="0" lang="en-GB" sz="1000" b="0" i="0" u="none" strike="noStrike" kern="1200" cap="none" spc="0" normalizeH="0" baseline="0" noProof="0">
+            <a:endParaRPr kumimoji="0" lang="en-GB" sz="1000" b="0" i="0" u="none" strike="noStrike" kern="1200" cap="none" spc="0" normalizeH="0" baseline="0" noProof="0" dirty="0">
               <a:ln>
                 <a:noFill/>
               </a:ln>
@@ -15626,7 +15627,7 @@
               <a:defRPr/>
             </a:pPr>
             <a:r>
-              <a:rPr lang="en-US" sz="1400">
+              <a:rPr lang="en-US" sz="1400" dirty="0">
                 <a:solidFill>
                   <a:schemeClr val="bg2">
                     <a:lumMod val="25000"/>
@@ -15656,7 +15657,7 @@
               <a:defRPr/>
             </a:pPr>
             <a:r>
-              <a:rPr kumimoji="0" lang="en-US" sz="1200" b="0" i="0" u="none" strike="noStrike" kern="1200" cap="none" spc="0" normalizeH="0" baseline="0" noProof="0">
+              <a:rPr kumimoji="0" lang="en-US" sz="1200" b="0" i="0" u="none" strike="noStrike" kern="1200" cap="none" spc="0" normalizeH="0" baseline="0" noProof="0" dirty="0">
                 <a:ln>
                   <a:noFill/>
                 </a:ln>
@@ -15672,10 +15673,10 @@
                 <a:ea typeface="+mn-ea"/>
                 <a:cs typeface="+mn-cs"/>
               </a:rPr>
-              <a:t>*.</a:t>
-            </a:r>
-            <a:r>
-              <a:rPr kumimoji="0" lang="en-US" sz="1200" b="0" i="0" u="none" strike="noStrike" kern="1200" cap="none" spc="0" normalizeH="0" baseline="0" noProof="0" err="1">
+              <a:t>microphone.*.</a:t>
+            </a:r>
+            <a:r>
+              <a:rPr kumimoji="0" lang="en-US" sz="1200" b="0" i="0" u="none" strike="noStrike" kern="1200" cap="none" spc="0" normalizeH="0" baseline="0" noProof="0" dirty="0" err="1">
                 <a:ln>
                   <a:noFill/>
                 </a:ln>
@@ -15691,10 +15692,10 @@
                 <a:ea typeface="+mn-ea"/>
                 <a:cs typeface="+mn-cs"/>
               </a:rPr>
-              <a:t>microphone.sds</a:t>
+              <a:t>sds</a:t>
             </a:r>
             <a:br>
-              <a:rPr kumimoji="0" lang="en-US" sz="1200" b="0" i="0" u="none" strike="noStrike" kern="1200" cap="none" spc="0" normalizeH="0" baseline="0" noProof="0">
+              <a:rPr kumimoji="0" lang="en-US" sz="1200" b="0" i="0" u="none" strike="noStrike" kern="1200" cap="none" spc="0" normalizeH="0" baseline="0" noProof="0" dirty="0">
                 <a:ln>
                   <a:noFill/>
                 </a:ln>
@@ -15711,7 +15712,7 @@
                 <a:cs typeface="+mn-cs"/>
               </a:rPr>
             </a:br>
-            <a:endParaRPr kumimoji="0" lang="en-GB" sz="1000" b="0" i="0" u="none" strike="noStrike" kern="1200" cap="none" spc="0" normalizeH="0" baseline="0" noProof="0">
+            <a:endParaRPr kumimoji="0" lang="en-GB" sz="1000" b="0" i="0" u="none" strike="noStrike" kern="1200" cap="none" spc="0" normalizeH="0" baseline="0" noProof="0" dirty="0">
               <a:ln>
                 <a:noFill/>
               </a:ln>
@@ -16728,7 +16729,7 @@
               <a:defRPr/>
             </a:pPr>
             <a:r>
-              <a:rPr lang="en-US" sz="1400">
+              <a:rPr lang="en-US" sz="1400" dirty="0">
                 <a:solidFill>
                   <a:schemeClr val="bg2">
                     <a:lumMod val="25000"/>
@@ -16758,7 +16759,7 @@
               <a:defRPr/>
             </a:pPr>
             <a:r>
-              <a:rPr kumimoji="0" lang="en-US" sz="1200" b="0" i="0" u="none" strike="noStrike" kern="1200" cap="none" spc="0" normalizeH="0" baseline="0" noProof="0">
+              <a:rPr kumimoji="0" lang="en-US" sz="1200" b="0" i="0" u="none" strike="noStrike" kern="1200" cap="none" spc="0" normalizeH="0" baseline="0" noProof="0" dirty="0">
                 <a:ln>
                   <a:noFill/>
                 </a:ln>
@@ -16774,10 +16775,21 @@
                 <a:ea typeface="+mn-ea"/>
                 <a:cs typeface="+mn-cs"/>
               </a:rPr>
+              <a:t>gyroscope.</a:t>
+            </a:r>
+            <a:r>
+              <a:rPr lang="en-US" sz="1200" dirty="0">
+                <a:solidFill>
+                  <a:schemeClr val="bg2">
+                    <a:lumMod val="25000"/>
+                  </a:schemeClr>
+                </a:solidFill>
+                <a:latin typeface="Calibri"/>
+              </a:rPr>
               <a:t>*.</a:t>
             </a:r>
             <a:r>
-              <a:rPr kumimoji="0" lang="en-US" sz="1200" b="0" i="0" u="none" strike="noStrike" kern="1200" cap="none" spc="0" normalizeH="0" baseline="0" noProof="0" err="1">
+              <a:rPr kumimoji="0" lang="en-US" sz="1200" b="0" i="0" u="none" strike="noStrike" kern="1200" cap="none" spc="0" normalizeH="0" baseline="0" noProof="0" dirty="0" err="1">
                 <a:ln>
                   <a:noFill/>
                 </a:ln>
@@ -16793,10 +16805,10 @@
                 <a:ea typeface="+mn-ea"/>
                 <a:cs typeface="+mn-cs"/>
               </a:rPr>
-              <a:t>gyroscope.sds</a:t>
+              <a:t>sds</a:t>
             </a:r>
             <a:br>
-              <a:rPr kumimoji="0" lang="en-US" sz="1200" b="0" i="0" u="none" strike="noStrike" kern="1200" cap="none" spc="0" normalizeH="0" baseline="0" noProof="0">
+              <a:rPr kumimoji="0" lang="en-US" sz="1200" b="0" i="0" u="none" strike="noStrike" kern="1200" cap="none" spc="0" normalizeH="0" baseline="0" noProof="0" dirty="0">
                 <a:ln>
                   <a:noFill/>
                 </a:ln>
@@ -16813,7 +16825,7 @@
                 <a:cs typeface="+mn-cs"/>
               </a:rPr>
             </a:br>
-            <a:endParaRPr kumimoji="0" lang="en-GB" sz="1000" b="0" i="0" u="none" strike="noStrike" kern="1200" cap="none" spc="0" normalizeH="0" baseline="0" noProof="0">
+            <a:endParaRPr kumimoji="0" lang="en-GB" sz="1000" b="0" i="0" u="none" strike="noStrike" kern="1200" cap="none" spc="0" normalizeH="0" baseline="0" noProof="0" dirty="0">
               <a:ln>
                 <a:noFill/>
               </a:ln>
@@ -16899,7 +16911,7 @@
               <a:defRPr/>
             </a:pPr>
             <a:r>
-              <a:rPr lang="en-US" sz="1400">
+              <a:rPr lang="en-US" sz="1400" dirty="0">
                 <a:solidFill>
                   <a:schemeClr val="bg2">
                     <a:lumMod val="25000"/>
@@ -16929,7 +16941,7 @@
               <a:defRPr/>
             </a:pPr>
             <a:r>
-              <a:rPr kumimoji="0" lang="en-US" sz="1200" b="0" i="0" u="none" strike="noStrike" kern="1200" cap="none" spc="0" normalizeH="0" baseline="0" noProof="0">
+              <a:rPr kumimoji="0" lang="en-US" sz="1200" b="0" i="0" u="none" strike="noStrike" kern="1200" cap="none" spc="0" normalizeH="0" baseline="0" noProof="0" dirty="0">
                 <a:ln>
                   <a:noFill/>
                 </a:ln>
@@ -16945,10 +16957,10 @@
                 <a:ea typeface="+mn-ea"/>
                 <a:cs typeface="+mn-cs"/>
               </a:rPr>
-              <a:t>*.</a:t>
-            </a:r>
-            <a:r>
-              <a:rPr kumimoji="0" lang="en-US" sz="1200" b="0" i="0" u="none" strike="noStrike" kern="1200" cap="none" spc="0" normalizeH="0" baseline="0" noProof="0" err="1">
+              <a:t>microphone.*.</a:t>
+            </a:r>
+            <a:r>
+              <a:rPr kumimoji="0" lang="en-US" sz="1200" b="0" i="0" u="none" strike="noStrike" kern="1200" cap="none" spc="0" normalizeH="0" baseline="0" noProof="0" dirty="0" err="1">
                 <a:ln>
                   <a:noFill/>
                 </a:ln>
@@ -16964,10 +16976,10 @@
                 <a:ea typeface="+mn-ea"/>
                 <a:cs typeface="+mn-cs"/>
               </a:rPr>
-              <a:t>microphone.sds</a:t>
+              <a:t>sds</a:t>
             </a:r>
             <a:br>
-              <a:rPr kumimoji="0" lang="en-US" sz="1200" b="0" i="0" u="none" strike="noStrike" kern="1200" cap="none" spc="0" normalizeH="0" baseline="0" noProof="0">
+              <a:rPr kumimoji="0" lang="en-US" sz="1200" b="0" i="0" u="none" strike="noStrike" kern="1200" cap="none" spc="0" normalizeH="0" baseline="0" noProof="0" dirty="0">
                 <a:ln>
                   <a:noFill/>
                 </a:ln>
@@ -16984,7 +16996,7 @@
                 <a:cs typeface="+mn-cs"/>
               </a:rPr>
             </a:br>
-            <a:endParaRPr kumimoji="0" lang="en-GB" sz="1000" b="0" i="0" u="none" strike="noStrike" kern="1200" cap="none" spc="0" normalizeH="0" baseline="0" noProof="0">
+            <a:endParaRPr kumimoji="0" lang="en-GB" sz="1000" b="0" i="0" u="none" strike="noStrike" kern="1200" cap="none" spc="0" normalizeH="0" baseline="0" noProof="0" dirty="0">
               <a:ln>
                 <a:noFill/>
               </a:ln>
@@ -18029,7 +18041,7 @@
               <a:defRPr/>
             </a:pPr>
             <a:r>
-              <a:rPr kumimoji="0" lang="en-US" sz="1200" b="0" i="0" u="none" strike="noStrike" kern="1200" cap="none" spc="0" normalizeH="0" baseline="0" noProof="0">
+              <a:rPr kumimoji="0" lang="en-US" sz="1200" b="0" i="0" u="none" strike="noStrike" kern="1200" cap="none" spc="0" normalizeH="0" baseline="0" noProof="0" dirty="0">
                 <a:ln>
                   <a:noFill/>
                 </a:ln>
@@ -18048,7 +18060,7 @@
               <a:t>*.</a:t>
             </a:r>
             <a:r>
-              <a:rPr kumimoji="0" lang="en-US" sz="1200" b="0" i="0" u="none" strike="noStrike" kern="1200" cap="none" spc="0" normalizeH="0" baseline="0" noProof="0" err="1">
+              <a:rPr kumimoji="0" lang="en-US" sz="1200" b="0" i="0" u="none" strike="noStrike" kern="1200" cap="none" spc="0" normalizeH="0" baseline="0" noProof="0" dirty="0" err="1">
                 <a:ln>
                   <a:noFill/>
                 </a:ln>
@@ -18067,7 +18079,7 @@
               <a:t>sds</a:t>
             </a:r>
             <a:r>
-              <a:rPr kumimoji="0" lang="en-US" sz="1200" b="0" i="0" u="none" strike="noStrike" kern="1200" cap="none" spc="0" normalizeH="0" baseline="0" noProof="0">
+              <a:rPr kumimoji="0" lang="en-US" sz="1200" b="0" i="0" u="none" strike="noStrike" kern="1200" cap="none" spc="0" normalizeH="0" baseline="0" noProof="0" dirty="0">
                 <a:ln>
                   <a:noFill/>
                 </a:ln>
@@ -18086,7 +18098,7 @@
               <a:t> Data Files</a:t>
             </a:r>
             <a:br>
-              <a:rPr kumimoji="0" lang="en-US" sz="1200" b="0" i="0" u="none" strike="noStrike" kern="1200" cap="none" spc="0" normalizeH="0" baseline="0" noProof="0">
+              <a:rPr kumimoji="0" lang="en-US" sz="1200" b="0" i="0" u="none" strike="noStrike" kern="1200" cap="none" spc="0" normalizeH="0" baseline="0" noProof="0" dirty="0">
                 <a:ln>
                   <a:noFill/>
                 </a:ln>
@@ -18104,7 +18116,7 @@
               </a:rPr>
             </a:br>
             <a:r>
-              <a:rPr kumimoji="0" lang="en-US" sz="1200" b="0" i="0" u="none" strike="noStrike" kern="1200" cap="none" spc="0" normalizeH="0" baseline="0" noProof="0">
+              <a:rPr kumimoji="0" lang="en-US" sz="1200" b="0" i="0" u="none" strike="noStrike" kern="1200" cap="none" spc="0" normalizeH="0" baseline="0" noProof="0" dirty="0">
                 <a:ln>
                   <a:noFill/>
                 </a:ln>
@@ -18120,10 +18132,10 @@
                 <a:ea typeface="+mn-ea"/>
                 <a:cs typeface="+mn-cs"/>
               </a:rPr>
-              <a:t>‘</a:t>
-            </a:r>
-            <a:r>
-              <a:rPr lang="en-US" sz="1000">
+              <a:t>‘s</a:t>
+            </a:r>
+            <a:r>
+              <a:rPr lang="en-US" sz="1000" dirty="0">
                 <a:solidFill>
                   <a:schemeClr val="bg2">
                     <a:lumMod val="25000"/>
@@ -18131,10 +18143,10 @@
                 </a:solidFill>
                 <a:latin typeface="Calibri"/>
               </a:rPr>
-              <a:t>file0.sensorX.sds’</a:t>
+              <a:t>ensorX.0.sds’</a:t>
             </a:r>
             <a:br>
-              <a:rPr lang="en-US" sz="1000">
+              <a:rPr lang="en-US" sz="1000" dirty="0">
                 <a:solidFill>
                   <a:schemeClr val="bg2">
                     <a:lumMod val="25000"/>
@@ -18144,7 +18156,7 @@
               </a:rPr>
             </a:br>
             <a:r>
-              <a:rPr lang="en-US" sz="1000">
+              <a:rPr lang="en-US" sz="1000" dirty="0">
                 <a:solidFill>
                   <a:schemeClr val="bg2">
                     <a:lumMod val="25000"/>
@@ -18152,9 +18164,9 @@
                 </a:solidFill>
                 <a:latin typeface="Calibri"/>
               </a:rPr>
-              <a:t>‘file1.sensorX.sds’</a:t>
-            </a:r>
-            <a:endParaRPr kumimoji="0" lang="en-US" sz="1000" b="0" i="0" u="none" strike="noStrike" kern="1200" cap="none" spc="0" normalizeH="0" baseline="0" noProof="0">
+              <a:t>‘sensorX.1.sds’</a:t>
+            </a:r>
+            <a:endParaRPr kumimoji="0" lang="en-US" sz="1000" b="0" i="0" u="none" strike="noStrike" kern="1200" cap="none" spc="0" normalizeH="0" baseline="0" noProof="0" dirty="0">
               <a:ln>
                 <a:noFill/>
               </a:ln>
@@ -18498,6 +18510,329 @@
     <p:extLst>
       <p:ext uri="{BB962C8B-B14F-4D97-AF65-F5344CB8AC3E}">
         <p14:creationId xmlns:p14="http://schemas.microsoft.com/office/powerpoint/2010/main" val="2773656820"/>
+      </p:ext>
+    </p:extLst>
+  </p:cSld>
+  <p:clrMapOvr>
+    <a:masterClrMapping/>
+  </p:clrMapOvr>
+</p:sld>
+</file>
+
+<file path=ppt/slides/slide13.xml><?xml version="1.0" encoding="utf-8"?>
+<p:sld xmlns:a="http://schemas.openxmlformats.org/drawingml/2006/main" xmlns:r="http://schemas.openxmlformats.org/officeDocument/2006/relationships" xmlns:p="http://schemas.openxmlformats.org/presentationml/2006/main">
+  <p:cSld>
+    <p:spTree>
+      <p:nvGrpSpPr>
+        <p:cNvPr id="1" name=""/>
+        <p:cNvGrpSpPr/>
+        <p:nvPr/>
+      </p:nvGrpSpPr>
+      <p:grpSpPr>
+        <a:xfrm>
+          <a:off x="0" y="0"/>
+          <a:ext cx="0" cy="0"/>
+          <a:chOff x="0" y="0"/>
+          <a:chExt cx="0" cy="0"/>
+        </a:xfrm>
+      </p:grpSpPr>
+      <p:sp>
+        <p:nvSpPr>
+          <p:cNvPr id="7" name="Flowchart: Multidocument 6">
+            <a:extLst>
+              <a:ext uri="{FF2B5EF4-FFF2-40B4-BE49-F238E27FC236}">
+                <a16:creationId xmlns:a16="http://schemas.microsoft.com/office/drawing/2014/main" id="{9D178475-1D09-C4AB-6B64-E395C632C67F}"/>
+              </a:ext>
+            </a:extLst>
+          </p:cNvPr>
+          <p:cNvSpPr/>
+          <p:nvPr/>
+        </p:nvSpPr>
+        <p:spPr>
+          <a:xfrm>
+            <a:off x="2882420" y="3496947"/>
+            <a:ext cx="1449805" cy="994375"/>
+          </a:xfrm>
+          <a:prstGeom prst="flowChartMultidocument">
+            <a:avLst/>
+          </a:prstGeom>
+          <a:solidFill>
+            <a:schemeClr val="accent4"/>
+          </a:solidFill>
+          <a:ln w="19050">
+            <a:solidFill>
+              <a:schemeClr val="accent1">
+                <a:lumMod val="75000"/>
+              </a:schemeClr>
+            </a:solidFill>
+          </a:ln>
+        </p:spPr>
+        <p:style>
+          <a:lnRef idx="2">
+            <a:schemeClr val="accent1">
+              <a:shade val="50000"/>
+            </a:schemeClr>
+          </a:lnRef>
+          <a:fillRef idx="1">
+            <a:schemeClr val="accent1"/>
+          </a:fillRef>
+          <a:effectRef idx="0">
+            <a:schemeClr val="accent1"/>
+          </a:effectRef>
+          <a:fontRef idx="minor">
+            <a:schemeClr val="lt1"/>
+          </a:fontRef>
+        </p:style>
+        <p:txBody>
+          <a:bodyPr rtlCol="0" anchor="ctr"/>
+          <a:lstStyle/>
+          <a:p>
+            <a:pPr marL="0" marR="0" lvl="0" indent="0" algn="ctr" defTabSz="914400" rtl="0" eaLnBrk="0" fontAlgn="base" latinLnBrk="0" hangingPunct="0">
+              <a:lnSpc>
+                <a:spcPct val="100000"/>
+              </a:lnSpc>
+              <a:spcBef>
+                <a:spcPct val="0"/>
+              </a:spcBef>
+              <a:spcAft>
+                <a:spcPct val="0"/>
+              </a:spcAft>
+              <a:buClrTx/>
+              <a:buSzTx/>
+              <a:buFontTx/>
+              <a:buNone/>
+              <a:tabLst/>
+              <a:defRPr/>
+            </a:pPr>
+            <a:r>
+              <a:rPr kumimoji="0" lang="en-US" sz="1200" b="0" i="0" u="none" strike="noStrike" kern="1200" cap="none" spc="0" normalizeH="0" baseline="0" noProof="0" dirty="0">
+                <a:ln>
+                  <a:noFill/>
+                </a:ln>
+                <a:solidFill>
+                  <a:schemeClr val="bg2">
+                    <a:lumMod val="25000"/>
+                  </a:schemeClr>
+                </a:solidFill>
+                <a:effectLst/>
+                <a:uLnTx/>
+                <a:uFillTx/>
+                <a:latin typeface="Calibri"/>
+                <a:ea typeface="+mn-ea"/>
+                <a:cs typeface="+mn-cs"/>
+              </a:rPr>
+              <a:t>*.</a:t>
+            </a:r>
+            <a:r>
+              <a:rPr kumimoji="0" lang="en-US" sz="1200" b="0" i="0" u="none" strike="noStrike" kern="1200" cap="none" spc="0" normalizeH="0" baseline="0" noProof="0" dirty="0" err="1">
+                <a:ln>
+                  <a:noFill/>
+                </a:ln>
+                <a:solidFill>
+                  <a:schemeClr val="bg2">
+                    <a:lumMod val="25000"/>
+                  </a:schemeClr>
+                </a:solidFill>
+                <a:effectLst/>
+                <a:uLnTx/>
+                <a:uFillTx/>
+                <a:latin typeface="Calibri"/>
+                <a:ea typeface="+mn-ea"/>
+                <a:cs typeface="+mn-cs"/>
+              </a:rPr>
+              <a:t>sds</a:t>
+            </a:r>
+            <a:r>
+              <a:rPr kumimoji="0" lang="en-US" sz="1200" b="0" i="0" u="none" strike="noStrike" kern="1200" cap="none" spc="0" normalizeH="0" baseline="0" noProof="0" dirty="0">
+                <a:ln>
+                  <a:noFill/>
+                </a:ln>
+                <a:solidFill>
+                  <a:schemeClr val="bg2">
+                    <a:lumMod val="25000"/>
+                  </a:schemeClr>
+                </a:solidFill>
+                <a:effectLst/>
+                <a:uLnTx/>
+                <a:uFillTx/>
+                <a:latin typeface="Calibri"/>
+                <a:ea typeface="+mn-ea"/>
+                <a:cs typeface="+mn-cs"/>
+              </a:rPr>
+              <a:t> Data Files</a:t>
+            </a:r>
+            <a:br>
+              <a:rPr kumimoji="0" lang="en-US" sz="1200" b="0" i="0" u="none" strike="noStrike" kern="1200" cap="none" spc="0" normalizeH="0" baseline="0" noProof="0" dirty="0">
+                <a:ln>
+                  <a:noFill/>
+                </a:ln>
+                <a:solidFill>
+                  <a:schemeClr val="bg2">
+                    <a:lumMod val="25000"/>
+                  </a:schemeClr>
+                </a:solidFill>
+                <a:effectLst/>
+                <a:uLnTx/>
+                <a:uFillTx/>
+                <a:latin typeface="Calibri"/>
+                <a:ea typeface="+mn-ea"/>
+                <a:cs typeface="+mn-cs"/>
+              </a:rPr>
+            </a:br>
+            <a:r>
+              <a:rPr kumimoji="0" lang="en-US" sz="1200" b="0" i="0" u="none" strike="noStrike" kern="1200" cap="none" spc="0" normalizeH="0" baseline="0" noProof="0" dirty="0">
+                <a:ln>
+                  <a:noFill/>
+                </a:ln>
+                <a:solidFill>
+                  <a:schemeClr val="bg2">
+                    <a:lumMod val="25000"/>
+                  </a:schemeClr>
+                </a:solidFill>
+                <a:effectLst/>
+                <a:uLnTx/>
+                <a:uFillTx/>
+                <a:latin typeface="Calibri"/>
+                <a:ea typeface="+mn-ea"/>
+                <a:cs typeface="+mn-cs"/>
+              </a:rPr>
+              <a:t>‘s</a:t>
+            </a:r>
+            <a:r>
+              <a:rPr lang="en-US" sz="1000" dirty="0">
+                <a:solidFill>
+                  <a:schemeClr val="bg2">
+                    <a:lumMod val="25000"/>
+                  </a:schemeClr>
+                </a:solidFill>
+                <a:latin typeface="Calibri"/>
+              </a:rPr>
+              <a:t>ensorX.0.sds’</a:t>
+            </a:r>
+            <a:br>
+              <a:rPr lang="en-US" sz="1000" dirty="0">
+                <a:solidFill>
+                  <a:schemeClr val="bg2">
+                    <a:lumMod val="25000"/>
+                  </a:schemeClr>
+                </a:solidFill>
+                <a:latin typeface="Calibri"/>
+              </a:rPr>
+            </a:br>
+            <a:r>
+              <a:rPr lang="en-US" sz="1000" dirty="0">
+                <a:solidFill>
+                  <a:schemeClr val="bg2">
+                    <a:lumMod val="25000"/>
+                  </a:schemeClr>
+                </a:solidFill>
+                <a:latin typeface="Calibri"/>
+              </a:rPr>
+              <a:t>‘sensorX.1.sds’</a:t>
+            </a:r>
+            <a:endParaRPr kumimoji="0" lang="en-US" sz="1000" b="0" i="0" u="none" strike="noStrike" kern="1200" cap="none" spc="0" normalizeH="0" baseline="0" noProof="0" dirty="0">
+              <a:ln>
+                <a:noFill/>
+              </a:ln>
+              <a:solidFill>
+                <a:schemeClr val="bg2">
+                  <a:lumMod val="25000"/>
+                </a:schemeClr>
+              </a:solidFill>
+              <a:effectLst/>
+              <a:uLnTx/>
+              <a:uFillTx/>
+              <a:latin typeface="Calibri"/>
+              <a:ea typeface="+mn-ea"/>
+              <a:cs typeface="+mn-cs"/>
+            </a:endParaRPr>
+          </a:p>
+        </p:txBody>
+      </p:sp>
+      <p:sp>
+        <p:nvSpPr>
+          <p:cNvPr id="8" name="Flowchart: Document 7">
+            <a:extLst>
+              <a:ext uri="{FF2B5EF4-FFF2-40B4-BE49-F238E27FC236}">
+                <a16:creationId xmlns:a16="http://schemas.microsoft.com/office/drawing/2014/main" id="{2A04F68D-B2C0-BBA3-DC16-05C7B017D06D}"/>
+              </a:ext>
+            </a:extLst>
+          </p:cNvPr>
+          <p:cNvSpPr/>
+          <p:nvPr/>
+        </p:nvSpPr>
+        <p:spPr>
+          <a:xfrm>
+            <a:off x="4724189" y="3496947"/>
+            <a:ext cx="1235868" cy="790196"/>
+          </a:xfrm>
+          <a:prstGeom prst="flowChartDocument">
+            <a:avLst/>
+          </a:prstGeom>
+          <a:solidFill>
+            <a:schemeClr val="accent5">
+              <a:lumMod val="75000"/>
+            </a:schemeClr>
+          </a:solidFill>
+          <a:ln>
+            <a:noFill/>
+          </a:ln>
+        </p:spPr>
+        <p:style>
+          <a:lnRef idx="2">
+            <a:schemeClr val="accent1">
+              <a:shade val="50000"/>
+            </a:schemeClr>
+          </a:lnRef>
+          <a:fillRef idx="1">
+            <a:schemeClr val="accent1"/>
+          </a:fillRef>
+          <a:effectRef idx="0">
+            <a:schemeClr val="accent1"/>
+          </a:effectRef>
+          <a:fontRef idx="minor">
+            <a:schemeClr val="lt1"/>
+          </a:fontRef>
+        </p:style>
+        <p:txBody>
+          <a:bodyPr rtlCol="0" anchor="ctr"/>
+          <a:lstStyle/>
+          <a:p>
+            <a:pPr algn="ctr"/>
+            <a:r>
+              <a:rPr lang="en-US" sz="1400"/>
+              <a:t>Meta Info</a:t>
+            </a:r>
+            <a:br>
+              <a:rPr lang="en-US" sz="1400"/>
+            </a:br>
+            <a:r>
+              <a:rPr lang="en-US" sz="1100"/>
+              <a:t>User supplied</a:t>
+            </a:r>
+            <a:br>
+              <a:rPr lang="en-US" sz="1400"/>
+            </a:br>
+            <a:r>
+              <a:rPr lang="en-US" sz="1100"/>
+              <a:t>‘</a:t>
+            </a:r>
+            <a:r>
+              <a:rPr lang="en-US" sz="1100" err="1"/>
+              <a:t>sensorX.sds.yml</a:t>
+            </a:r>
+            <a:r>
+              <a:rPr lang="en-US" sz="1100"/>
+              <a:t>’</a:t>
+            </a:r>
+            <a:endParaRPr lang="en-GB" sz="1400"/>
+          </a:p>
+        </p:txBody>
+      </p:sp>
+    </p:spTree>
+    <p:extLst>
+      <p:ext uri="{BB962C8B-B14F-4D97-AF65-F5344CB8AC3E}">
+        <p14:creationId xmlns:p14="http://schemas.microsoft.com/office/powerpoint/2010/main" val="1168348673"/>
       </p:ext>
     </p:extLst>
   </p:cSld>

--- a/main/images/overview.pptx
+++ b/main/images/overview.pptx
@@ -271,7 +271,7 @@
           <a:p>
             <a:fld id="{008FFADC-39A7-449E-8C68-8776E6FB3C1A}" type="datetimeFigureOut">
               <a:rPr lang="en-GB" smtClean="0"/>
-              <a:t>11/04/2025</a:t>
+              <a:t>18/04/2025</a:t>
             </a:fld>
             <a:endParaRPr lang="en-GB"/>
           </a:p>
@@ -448,7 +448,7 @@
           <a:p>
             <a:fld id="{30B9BAAB-B703-4BB5-9D08-B460FC03C23A}" type="datetimeFigureOut">
               <a:rPr lang="en-GB" smtClean="0"/>
-              <a:t>11/04/2025</a:t>
+              <a:t>18/04/2025</a:t>
             </a:fld>
             <a:endParaRPr lang="en-GB"/>
           </a:p>
@@ -38427,7 +38427,7 @@
               </a:rPr>
             </a:br>
             <a:r>
-              <a:rPr kumimoji="0" lang="en-US" sz="1200" b="0" i="0" u="none" strike="noStrike" kern="1200" cap="none" spc="0" normalizeH="0" baseline="0" noProof="0" dirty="0">
+              <a:rPr kumimoji="0" lang="en-US" sz="1200" b="0" i="0" u="none" strike="noStrike" kern="1200" cap="none" spc="0" normalizeH="0" baseline="0" noProof="0">
                 <a:ln>
                   <a:noFill/>
                 </a:ln>
@@ -38446,7 +38446,7 @@
               <a:t>‘</a:t>
             </a:r>
             <a:r>
-              <a:rPr kumimoji="0" lang="en-US" sz="1000" b="0" i="0" u="none" strike="noStrike" kern="1200" cap="none" spc="0" normalizeH="0" baseline="0" noProof="0" dirty="0">
+              <a:rPr kumimoji="0" lang="en-US" sz="1000" b="0" i="0" u="none" strike="noStrike" kern="1200" cap="none" spc="0" normalizeH="0" baseline="0" noProof="0">
                 <a:ln>
                   <a:noFill/>
                 </a:ln>
@@ -38465,7 +38465,7 @@
               <a:t>S</a:t>
             </a:r>
             <a:r>
-              <a:rPr lang="en-US" sz="1000" dirty="0" err="1">
+              <a:rPr lang="en-US" sz="1000">
                 <a:solidFill>
                   <a:schemeClr val="bg2">
                     <a:lumMod val="25000"/>
@@ -38473,7 +38473,7 @@
                 </a:solidFill>
                 <a:latin typeface="Calibri"/>
               </a:rPr>
-              <a:t>ensorX</a:t>
+              <a:t>ensorX.&lt;</a:t>
             </a:r>
             <a:r>
               <a:rPr lang="en-US" sz="1000" dirty="0">
@@ -38484,7 +38484,7 @@
                 </a:solidFill>
                 <a:latin typeface="Calibri"/>
               </a:rPr>
-              <a:t>&lt;idx0&gt;.</a:t>
+              <a:t>idx0&gt;.</a:t>
             </a:r>
             <a:r>
               <a:rPr lang="en-US" sz="1000" dirty="0" err="1">
@@ -38519,7 +38519,7 @@
               </a:rPr>
             </a:br>
             <a:r>
-              <a:rPr lang="en-US" sz="1000" dirty="0">
+              <a:rPr lang="en-US" sz="1000">
                 <a:solidFill>
                   <a:schemeClr val="bg2">
                     <a:lumMod val="25000"/>
@@ -38527,10 +38527,10 @@
                 </a:solidFill>
                 <a:latin typeface="Calibri"/>
               </a:rPr>
-              <a:t>‘</a:t>
-            </a:r>
-            <a:r>
-              <a:rPr lang="en-US" sz="1000" dirty="0" err="1">
+              <a:t>‘SensorX.&lt;</a:t>
+            </a:r>
+            <a:r>
+              <a:rPr lang="en-US" sz="1000" dirty="0">
                 <a:solidFill>
                   <a:schemeClr val="bg2">
                     <a:lumMod val="25000"/>
@@ -38538,18 +38538,7 @@
                 </a:solidFill>
                 <a:latin typeface="Calibri"/>
               </a:rPr>
-              <a:t>SensorX</a:t>
-            </a:r>
-            <a:r>
-              <a:rPr lang="en-US" sz="1000" dirty="0">
-                <a:solidFill>
-                  <a:schemeClr val="bg2">
-                    <a:lumMod val="25000"/>
-                  </a:schemeClr>
-                </a:solidFill>
-                <a:latin typeface="Calibri"/>
-              </a:rPr>
-              <a:t>&lt;idx1&gt;.</a:t>
+              <a:t>idx1&gt;.</a:t>
             </a:r>
             <a:r>
               <a:rPr lang="en-US" sz="1000" dirty="0" err="1">
@@ -39330,8 +39319,8 @@
         </p:nvSpPr>
         <p:spPr>
           <a:xfrm>
-            <a:off x="749940" y="2877012"/>
-            <a:ext cx="6790022" cy="844650"/>
+            <a:off x="1418216" y="2877012"/>
+            <a:ext cx="6121745" cy="844650"/>
           </a:xfrm>
           <a:prstGeom prst="rect">
             <a:avLst/>
@@ -39566,153 +39555,6 @@
             <a:r>
               <a:rPr lang="en-US" sz="1200" dirty="0"/>
               <a:t>Blocking R/W Interface</a:t>
-            </a:r>
-          </a:p>
-        </p:txBody>
-      </p:sp>
-      <p:sp>
-        <p:nvSpPr>
-          <p:cNvPr id="11" name="Rectangle 10">
-            <a:extLst>
-              <a:ext uri="{FF2B5EF4-FFF2-40B4-BE49-F238E27FC236}">
-                <a16:creationId xmlns:a16="http://schemas.microsoft.com/office/drawing/2014/main" id="{EAED6CCF-E7D4-89CB-7B18-BBD73D26FEC5}"/>
-              </a:ext>
-            </a:extLst>
-          </p:cNvPr>
-          <p:cNvSpPr/>
-          <p:nvPr/>
-        </p:nvSpPr>
-        <p:spPr>
-          <a:xfrm>
-            <a:off x="2430664" y="2979363"/>
-            <a:ext cx="1404560" cy="622918"/>
-          </a:xfrm>
-          <a:prstGeom prst="rect">
-            <a:avLst/>
-          </a:prstGeom>
-          <a:solidFill>
-            <a:schemeClr val="accent1"/>
-          </a:solidFill>
-          <a:ln>
-            <a:noFill/>
-          </a:ln>
-        </p:spPr>
-        <p:style>
-          <a:lnRef idx="2">
-            <a:schemeClr val="accent1">
-              <a:shade val="50000"/>
-            </a:schemeClr>
-          </a:lnRef>
-          <a:fillRef idx="1">
-            <a:schemeClr val="accent1"/>
-          </a:fillRef>
-          <a:effectRef idx="0">
-            <a:schemeClr val="accent1"/>
-          </a:effectRef>
-          <a:fontRef idx="minor">
-            <a:schemeClr val="lt1"/>
-          </a:fontRef>
-        </p:style>
-        <p:txBody>
-          <a:bodyPr rtlCol="0" anchor="ctr"/>
-          <a:lstStyle/>
-          <a:p>
-            <a:pPr algn="ctr"/>
-            <a:r>
-              <a:rPr lang="en-US" sz="1100" b="1" dirty="0" err="1">
-                <a:latin typeface="Courier New" panose="02070309020205020404" pitchFamily="49" charset="0"/>
-                <a:cs typeface="Courier New" panose="02070309020205020404" pitchFamily="49" charset="0"/>
-              </a:rPr>
-              <a:t>sdsPlay.c</a:t>
-            </a:r>
-            <a:r>
-              <a:rPr lang="en-US" sz="1100" b="1" dirty="0">
-                <a:latin typeface="Courier New" panose="02070309020205020404" pitchFamily="49" charset="0"/>
-                <a:cs typeface="Courier New" panose="02070309020205020404" pitchFamily="49" charset="0"/>
-              </a:rPr>
-              <a:t>/h</a:t>
-            </a:r>
-            <a:br>
-              <a:rPr lang="en-US" sz="1600" dirty="0"/>
-            </a:br>
-            <a:r>
-              <a:rPr lang="en-US" sz="1200" dirty="0"/>
-              <a:t>Playback Interface</a:t>
-            </a:r>
-          </a:p>
-        </p:txBody>
-      </p:sp>
-      <p:sp>
-        <p:nvSpPr>
-          <p:cNvPr id="12" name="Rectangle 11">
-            <a:extLst>
-              <a:ext uri="{FF2B5EF4-FFF2-40B4-BE49-F238E27FC236}">
-                <a16:creationId xmlns:a16="http://schemas.microsoft.com/office/drawing/2014/main" id="{4AB3994C-BE33-F9E8-EF8D-BB1BE7F8B475}"/>
-              </a:ext>
-            </a:extLst>
-          </p:cNvPr>
-          <p:cNvSpPr/>
-          <p:nvPr/>
-        </p:nvSpPr>
-        <p:spPr>
-          <a:xfrm>
-            <a:off x="841233" y="2984834"/>
-            <a:ext cx="1404560" cy="620297"/>
-          </a:xfrm>
-          <a:prstGeom prst="rect">
-            <a:avLst/>
-          </a:prstGeom>
-          <a:solidFill>
-            <a:schemeClr val="accent1"/>
-          </a:solidFill>
-          <a:ln>
-            <a:noFill/>
-          </a:ln>
-        </p:spPr>
-        <p:style>
-          <a:lnRef idx="2">
-            <a:schemeClr val="accent1">
-              <a:shade val="50000"/>
-            </a:schemeClr>
-          </a:lnRef>
-          <a:fillRef idx="1">
-            <a:schemeClr val="accent1"/>
-          </a:fillRef>
-          <a:effectRef idx="0">
-            <a:schemeClr val="accent1"/>
-          </a:effectRef>
-          <a:fontRef idx="minor">
-            <a:schemeClr val="lt1"/>
-          </a:fontRef>
-        </p:style>
-        <p:txBody>
-          <a:bodyPr rtlCol="0" anchor="ctr"/>
-          <a:lstStyle/>
-          <a:p>
-            <a:pPr algn="ctr"/>
-            <a:r>
-              <a:rPr lang="en-US" sz="1100" b="1" dirty="0" err="1">
-                <a:latin typeface="Courier New" panose="02070309020205020404" pitchFamily="49" charset="0"/>
-                <a:cs typeface="Courier New" panose="02070309020205020404" pitchFamily="49" charset="0"/>
-              </a:rPr>
-              <a:t>sdsRec.c</a:t>
-            </a:r>
-            <a:r>
-              <a:rPr lang="en-US" sz="1100" b="1" dirty="0">
-                <a:latin typeface="Courier New" panose="02070309020205020404" pitchFamily="49" charset="0"/>
-                <a:cs typeface="Courier New" panose="02070309020205020404" pitchFamily="49" charset="0"/>
-              </a:rPr>
-              <a:t>/h</a:t>
-            </a:r>
-            <a:br>
-              <a:rPr lang="en-US" sz="1100" b="1" dirty="0">
-                <a:latin typeface="Courier New" panose="02070309020205020404" pitchFamily="49" charset="0"/>
-                <a:cs typeface="Courier New" panose="02070309020205020404" pitchFamily="49" charset="0"/>
-              </a:rPr>
-            </a:br>
-            <a:r>
-              <a:rPr lang="en-US" sz="1200" dirty="0"/>
-              <a:t>Recorder Interface</a:t>
             </a:r>
           </a:p>
         </p:txBody>
@@ -39999,10 +39841,10 @@
       </p:sp>
       <p:sp>
         <p:nvSpPr>
-          <p:cNvPr id="20" name="Arrow: Up-Down 19">
-            <a:extLst>
-              <a:ext uri="{FF2B5EF4-FFF2-40B4-BE49-F238E27FC236}">
-                <a16:creationId xmlns:a16="http://schemas.microsoft.com/office/drawing/2014/main" id="{0A07A181-B77B-951E-DFF5-887D1E5C2BBB}"/>
+          <p:cNvPr id="29" name="Arrow: Up-Down 28">
+            <a:extLst>
+              <a:ext uri="{FF2B5EF4-FFF2-40B4-BE49-F238E27FC236}">
+                <a16:creationId xmlns:a16="http://schemas.microsoft.com/office/drawing/2014/main" id="{9D828AB0-1215-D780-9EAA-E977ED3C4A44}"/>
               </a:ext>
             </a:extLst>
           </p:cNvPr>
@@ -40011,8 +39853,8 @@
         </p:nvSpPr>
         <p:spPr>
           <a:xfrm>
-            <a:off x="2795827" y="3602281"/>
-            <a:ext cx="217088" cy="347418"/>
+            <a:off x="2241565" y="3619439"/>
+            <a:ext cx="217088" cy="343554"/>
           </a:xfrm>
           <a:prstGeom prst="upDownArrow">
             <a:avLst/>
@@ -40051,10 +39893,10 @@
       </p:sp>
       <p:sp>
         <p:nvSpPr>
-          <p:cNvPr id="29" name="Arrow: Up-Down 28">
-            <a:extLst>
-              <a:ext uri="{FF2B5EF4-FFF2-40B4-BE49-F238E27FC236}">
-                <a16:creationId xmlns:a16="http://schemas.microsoft.com/office/drawing/2014/main" id="{9D828AB0-1215-D780-9EAA-E977ED3C4A44}"/>
+          <p:cNvPr id="32" name="Arrow: Up-Down 31">
+            <a:extLst>
+              <a:ext uri="{FF2B5EF4-FFF2-40B4-BE49-F238E27FC236}">
+                <a16:creationId xmlns:a16="http://schemas.microsoft.com/office/drawing/2014/main" id="{368FE335-1E5D-198E-F095-E924C8ABA0B6}"/>
               </a:ext>
             </a:extLst>
           </p:cNvPr>
@@ -40063,7 +39905,7 @@
         </p:nvSpPr>
         <p:spPr>
           <a:xfrm>
-            <a:off x="1649451" y="3608068"/>
+            <a:off x="2247045" y="4566142"/>
             <a:ext cx="217088" cy="343554"/>
           </a:xfrm>
           <a:prstGeom prst="upDownArrow">
@@ -40103,58 +39945,6 @@
       </p:sp>
       <p:sp>
         <p:nvSpPr>
-          <p:cNvPr id="32" name="Arrow: Up-Down 31">
-            <a:extLst>
-              <a:ext uri="{FF2B5EF4-FFF2-40B4-BE49-F238E27FC236}">
-                <a16:creationId xmlns:a16="http://schemas.microsoft.com/office/drawing/2014/main" id="{368FE335-1E5D-198E-F095-E924C8ABA0B6}"/>
-              </a:ext>
-            </a:extLst>
-          </p:cNvPr>
-          <p:cNvSpPr/>
-          <p:nvPr/>
-        </p:nvSpPr>
-        <p:spPr>
-          <a:xfrm>
-            <a:off x="2247045" y="4566142"/>
-            <a:ext cx="217088" cy="343554"/>
-          </a:xfrm>
-          <a:prstGeom prst="upDownArrow">
-            <a:avLst/>
-          </a:prstGeom>
-          <a:solidFill>
-            <a:schemeClr val="accent6"/>
-          </a:solidFill>
-          <a:ln>
-            <a:noFill/>
-          </a:ln>
-        </p:spPr>
-        <p:style>
-          <a:lnRef idx="2">
-            <a:schemeClr val="accent1">
-              <a:shade val="50000"/>
-            </a:schemeClr>
-          </a:lnRef>
-          <a:fillRef idx="1">
-            <a:schemeClr val="accent1"/>
-          </a:fillRef>
-          <a:effectRef idx="0">
-            <a:schemeClr val="accent1"/>
-          </a:effectRef>
-          <a:fontRef idx="minor">
-            <a:schemeClr val="lt1"/>
-          </a:fontRef>
-        </p:style>
-        <p:txBody>
-          <a:bodyPr rtlCol="0" anchor="ctr"/>
-          <a:lstStyle/>
-          <a:p>
-            <a:pPr algn="ctr"/>
-            <a:endParaRPr lang="en-US"/>
-          </a:p>
-        </p:txBody>
-      </p:sp>
-      <p:sp>
-        <p:nvSpPr>
           <p:cNvPr id="36" name="TextBox 35">
             <a:extLst>
               <a:ext uri="{FF2B5EF4-FFF2-40B4-BE49-F238E27FC236}">
@@ -40200,7 +39990,23 @@
                   <a:schemeClr val="tx2"/>
                 </a:solidFill>
               </a:rPr>
-              <a:t>The Recorder and Playback application API to the application is non-blocking, thread-safe and can be called any time.  to write or read data.</a:t>
+              <a:t>The Recorder and Playback application API to the application is non-blocking, thread-safe and can be called </a:t>
+            </a:r>
+            <a:r>
+              <a:rPr lang="en-US" sz="1200">
+                <a:solidFill>
+                  <a:schemeClr val="tx2"/>
+                </a:solidFill>
+              </a:rPr>
+              <a:t>any time </a:t>
+            </a:r>
+            <a:r>
+              <a:rPr lang="en-US" sz="1200" dirty="0">
+                <a:solidFill>
+                  <a:schemeClr val="tx2"/>
+                </a:solidFill>
+              </a:rPr>
+              <a:t>to write or read data.</a:t>
             </a:r>
             <a:endParaRPr lang="en-US" sz="1200" kern="1200" dirty="0">
               <a:solidFill>
@@ -40316,11 +40122,18 @@
           <a:p>
             <a:pPr algn="ctr"/>
             <a:r>
+              <a:rPr lang="en-US" sz="1100" b="1">
+                <a:latin typeface="Courier New" panose="02070309020205020404" pitchFamily="49" charset="0"/>
+                <a:cs typeface="Courier New" panose="02070309020205020404" pitchFamily="49" charset="0"/>
+              </a:rPr>
+              <a:t>sds_buffer.</a:t>
+            </a:r>
+            <a:r>
               <a:rPr lang="en-US" sz="1100" b="1" dirty="0" err="1">
                 <a:latin typeface="Courier New" panose="02070309020205020404" pitchFamily="49" charset="0"/>
                 <a:cs typeface="Courier New" panose="02070309020205020404" pitchFamily="49" charset="0"/>
               </a:rPr>
-              <a:t>sds.c</a:t>
+              <a:t>c</a:t>
             </a:r>
             <a:r>
               <a:rPr lang="en-US" sz="1100" b="1" dirty="0">
@@ -40431,10 +40244,10 @@
       </p:sp>
       <p:sp>
         <p:nvSpPr>
-          <p:cNvPr id="7" name="Arrow: Up-Down 6">
-            <a:extLst>
-              <a:ext uri="{FF2B5EF4-FFF2-40B4-BE49-F238E27FC236}">
-                <a16:creationId xmlns:a16="http://schemas.microsoft.com/office/drawing/2014/main" id="{64F99DFB-2267-CAD0-A2F7-E84CDDF90915}"/>
+          <p:cNvPr id="8" name="Arrow: Up-Down 7">
+            <a:extLst>
+              <a:ext uri="{FF2B5EF4-FFF2-40B4-BE49-F238E27FC236}">
+                <a16:creationId xmlns:a16="http://schemas.microsoft.com/office/drawing/2014/main" id="{95C8C0C5-0CC4-505A-9351-DED0612E839A}"/>
               </a:ext>
             </a:extLst>
           </p:cNvPr>
@@ -40443,7 +40256,7 @@
         </p:nvSpPr>
         <p:spPr>
           <a:xfrm>
-            <a:off x="2825012" y="2636625"/>
+            <a:off x="2241565" y="2644195"/>
             <a:ext cx="217088" cy="343554"/>
           </a:xfrm>
           <a:prstGeom prst="upDownArrow">
@@ -40483,10 +40296,10 @@
       </p:sp>
       <p:sp>
         <p:nvSpPr>
-          <p:cNvPr id="8" name="Arrow: Up-Down 7">
-            <a:extLst>
-              <a:ext uri="{FF2B5EF4-FFF2-40B4-BE49-F238E27FC236}">
-                <a16:creationId xmlns:a16="http://schemas.microsoft.com/office/drawing/2014/main" id="{95C8C0C5-0CC4-505A-9351-DED0612E839A}"/>
+          <p:cNvPr id="9" name="Rectangle 8">
+            <a:extLst>
+              <a:ext uri="{FF2B5EF4-FFF2-40B4-BE49-F238E27FC236}">
+                <a16:creationId xmlns:a16="http://schemas.microsoft.com/office/drawing/2014/main" id="{8026F6F4-8A79-5BB6-6762-88E8976A06E3}"/>
               </a:ext>
             </a:extLst>
           </p:cNvPr>
@@ -40495,14 +40308,14 @@
         </p:nvSpPr>
         <p:spPr>
           <a:xfrm>
-            <a:off x="1678636" y="2645033"/>
-            <a:ext cx="217088" cy="343554"/>
-          </a:xfrm>
-          <a:prstGeom prst="upDownArrow">
+            <a:off x="1528043" y="2976694"/>
+            <a:ext cx="1644133" cy="620297"/>
+          </a:xfrm>
+          <a:prstGeom prst="rect">
             <a:avLst/>
           </a:prstGeom>
           <a:solidFill>
-            <a:schemeClr val="accent6"/>
+            <a:schemeClr val="accent1"/>
           </a:solidFill>
           <a:ln>
             <a:noFill/>
@@ -40529,7 +40342,41 @@
           <a:lstStyle/>
           <a:p>
             <a:pPr algn="ctr"/>
-            <a:endParaRPr lang="en-US"/>
+            <a:r>
+              <a:rPr lang="en-US" sz="1100" b="1">
+                <a:latin typeface="Courier New" panose="02070309020205020404" pitchFamily="49" charset="0"/>
+                <a:cs typeface="Courier New" panose="02070309020205020404" pitchFamily="49" charset="0"/>
+              </a:rPr>
+              <a:t>sds_rec_play.</a:t>
+            </a:r>
+            <a:r>
+              <a:rPr lang="en-US" sz="1100" b="1" dirty="0" err="1">
+                <a:latin typeface="Courier New" panose="02070309020205020404" pitchFamily="49" charset="0"/>
+                <a:cs typeface="Courier New" panose="02070309020205020404" pitchFamily="49" charset="0"/>
+              </a:rPr>
+              <a:t>c</a:t>
+            </a:r>
+            <a:r>
+              <a:rPr lang="en-US" sz="1100" b="1" dirty="0">
+                <a:latin typeface="Courier New" panose="02070309020205020404" pitchFamily="49" charset="0"/>
+                <a:cs typeface="Courier New" panose="02070309020205020404" pitchFamily="49" charset="0"/>
+              </a:rPr>
+              <a:t>/h</a:t>
+            </a:r>
+            <a:br>
+              <a:rPr lang="en-US" sz="1100" b="1">
+                <a:latin typeface="Courier New" panose="02070309020205020404" pitchFamily="49" charset="0"/>
+                <a:cs typeface="Courier New" panose="02070309020205020404" pitchFamily="49" charset="0"/>
+              </a:rPr>
+            </a:br>
+            <a:r>
+              <a:rPr lang="en-US" sz="1200"/>
+              <a:t>Recorder/Player </a:t>
+            </a:r>
+            <a:r>
+              <a:rPr lang="en-US" sz="1200" dirty="0"/>
+              <a:t>Interface</a:t>
+            </a:r>
           </a:p>
         </p:txBody>
       </p:sp>

--- a/main/images/overview.pptx
+++ b/main/images/overview.pptx
@@ -273,7 +273,7 @@
           <a:p>
             <a:fld id="{008FFADC-39A7-449E-8C68-8776E6FB3C1A}" type="datetimeFigureOut">
               <a:rPr lang="en-GB" smtClean="0"/>
-              <a:t>22/05/2025</a:t>
+              <a:t>25/05/2025</a:t>
             </a:fld>
             <a:endParaRPr lang="en-GB"/>
           </a:p>
@@ -450,7 +450,7 @@
           <a:p>
             <a:fld id="{30B9BAAB-B703-4BB5-9D08-B460FC03C23A}" type="datetimeFigureOut">
               <a:rPr lang="en-GB" smtClean="0"/>
-              <a:t>22/05/2025</a:t>
+              <a:t>25/05/2025</a:t>
             </a:fld>
             <a:endParaRPr lang="en-GB"/>
           </a:p>
@@ -43134,7 +43134,7 @@
         </p:nvSpPr>
         <p:spPr>
           <a:xfrm>
-            <a:off x="1404490" y="1461323"/>
+            <a:off x="1404490" y="1675328"/>
             <a:ext cx="5365218" cy="276999"/>
           </a:xfrm>
           <a:prstGeom prst="rect">
@@ -43189,7 +43189,7 @@
         </p:nvSpPr>
         <p:spPr>
           <a:xfrm>
-            <a:off x="7101185" y="1461323"/>
+            <a:off x="7101186" y="1675328"/>
             <a:ext cx="4559035" cy="276999"/>
           </a:xfrm>
           <a:prstGeom prst="rect">

--- a/main/images/overview.pptx
+++ b/main/images/overview.pptx
@@ -273,7 +273,7 @@
           <a:p>
             <a:fld id="{008FFADC-39A7-449E-8C68-8776E6FB3C1A}" type="datetimeFigureOut">
               <a:rPr lang="en-GB" smtClean="0"/>
-              <a:t>25/05/2025</a:t>
+              <a:t>26/05/2025</a:t>
             </a:fld>
             <a:endParaRPr lang="en-GB"/>
           </a:p>
@@ -450,7 +450,7 @@
           <a:p>
             <a:fld id="{30B9BAAB-B703-4BB5-9D08-B460FC03C23A}" type="datetimeFigureOut">
               <a:rPr lang="en-GB" smtClean="0"/>
-              <a:t>25/05/2025</a:t>
+              <a:t>26/05/2025</a:t>
             </a:fld>
             <a:endParaRPr lang="en-GB"/>
           </a:p>
@@ -53872,27 +53872,19 @@
           <a:p>
             <a:pPr algn="ctr"/>
             <a:r>
-              <a:rPr lang="en-US" sz="1600" b="1" dirty="0"/>
-              <a:t>SDS_&lt;</a:t>
-            </a:r>
-            <a:r>
               <a:rPr lang="en-US" sz="1600" b="1" dirty="0" err="1"/>
-              <a:t>sdsio</a:t>
-            </a:r>
-            <a:r>
-              <a:rPr lang="en-US" sz="1600" b="1" dirty="0"/>
-              <a:t>&gt;.</a:t>
-            </a:r>
-            <a:r>
-              <a:rPr lang="en-US" sz="1600" b="1" dirty="0" err="1"/>
-              <a:t>csolution.yml</a:t>
+              <a:t>SDS.csolution.yml</a:t>
             </a:r>
             <a:br>
               <a:rPr lang="en-US" sz="1400" dirty="0"/>
             </a:br>
             <a:r>
               <a:rPr lang="en-US" sz="1400" dirty="0"/>
-              <a:t>Data streaming for DSP and ML algorithm testing</a:t>
+              <a:t>Data streaming test framework for DSP and </a:t>
+            </a:r>
+            <a:r>
+              <a:rPr lang="en-US" sz="1400"/>
+              <a:t>ML algorithms</a:t>
             </a:r>
             <a:endParaRPr lang="en-US" sz="1100" dirty="0"/>
           </a:p>

--- a/main/images/overview.pptx
+++ b/main/images/overview.pptx
@@ -273,7 +273,7 @@
           <a:p>
             <a:fld id="{008FFADC-39A7-449E-8C68-8776E6FB3C1A}" type="datetimeFigureOut">
               <a:rPr lang="en-GB" smtClean="0"/>
-              <a:t>26/05/2025</a:t>
+              <a:t>27/08/2025</a:t>
             </a:fld>
             <a:endParaRPr lang="en-GB"/>
           </a:p>
@@ -450,7 +450,7 @@
           <a:p>
             <a:fld id="{30B9BAAB-B703-4BB5-9D08-B460FC03C23A}" type="datetimeFigureOut">
               <a:rPr lang="en-GB" smtClean="0"/>
-              <a:t>26/05/2025</a:t>
+              <a:t>27/08/2025</a:t>
             </a:fld>
             <a:endParaRPr lang="en-GB"/>
           </a:p>
@@ -29240,24 +29240,14 @@
               </a:spcAft>
             </a:pPr>
             <a:r>
-              <a:rPr lang="en-US" sz="1200" dirty="0" err="1">
+              <a:rPr lang="en-US" sz="1200" dirty="0">
                 <a:solidFill>
                   <a:srgbClr val="FFFFFF"/>
                 </a:solidFill>
                 <a:latin typeface="Aeonik" panose="020B0503030300000000" pitchFamily="34" charset="0"/>
                 <a:cs typeface="Calibri" panose="020F0502020204030204" pitchFamily="34" charset="0"/>
               </a:rPr>
-              <a:t>Semihosting</a:t>
-            </a:r>
-            <a:r>
-              <a:rPr lang="en-US" sz="1200" dirty="0">
-                <a:solidFill>
-                  <a:srgbClr val="FFFFFF"/>
-                </a:solidFill>
-                <a:latin typeface="Aeonik" panose="020B0503030300000000" pitchFamily="34" charset="0"/>
-                <a:cs typeface="Calibri" panose="020F0502020204030204" pitchFamily="34" charset="0"/>
-              </a:rPr>
-              <a:t> Interface</a:t>
+              <a:t>SDSIO Server</a:t>
             </a:r>
           </a:p>
         </p:txBody>

--- a/main/images/overview.pptx
+++ b/main/images/overview.pptx
@@ -5,10 +5,10 @@
     <p:sldMasterId id="2147483661" r:id="rId1"/>
   </p:sldMasterIdLst>
   <p:notesMasterIdLst>
-    <p:notesMasterId r:id="rId17"/>
+    <p:notesMasterId r:id="rId18"/>
   </p:notesMasterIdLst>
   <p:handoutMasterIdLst>
-    <p:handoutMasterId r:id="rId18"/>
+    <p:handoutMasterId r:id="rId19"/>
   </p:handoutMasterIdLst>
   <p:sldIdLst>
     <p:sldId id="2147476961" r:id="rId2"/>
@@ -17,15 +17,16 @@
     <p:sldId id="2147476965" r:id="rId5"/>
     <p:sldId id="2147479520" r:id="rId6"/>
     <p:sldId id="2147476966" r:id="rId7"/>
-    <p:sldId id="2145705724" r:id="rId8"/>
-    <p:sldId id="2147476963" r:id="rId9"/>
-    <p:sldId id="2147476964" r:id="rId10"/>
-    <p:sldId id="2147479521" r:id="rId11"/>
-    <p:sldId id="2145705746" r:id="rId12"/>
-    <p:sldId id="2145705721" r:id="rId13"/>
-    <p:sldId id="2145705723" r:id="rId14"/>
-    <p:sldId id="2123260229" r:id="rId15"/>
-    <p:sldId id="2147476967" r:id="rId16"/>
+    <p:sldId id="2147479522" r:id="rId8"/>
+    <p:sldId id="2145705724" r:id="rId9"/>
+    <p:sldId id="2147476963" r:id="rId10"/>
+    <p:sldId id="2147476964" r:id="rId11"/>
+    <p:sldId id="2147479521" r:id="rId12"/>
+    <p:sldId id="2145705746" r:id="rId13"/>
+    <p:sldId id="2145705721" r:id="rId14"/>
+    <p:sldId id="2145705723" r:id="rId15"/>
+    <p:sldId id="2123260229" r:id="rId16"/>
+    <p:sldId id="2147476967" r:id="rId17"/>
   </p:sldIdLst>
   <p:sldSz cx="12192000" cy="6858000"/>
   <p:notesSz cx="6858000" cy="9144000"/>
@@ -273,7 +274,7 @@
           <a:p>
             <a:fld id="{008FFADC-39A7-449E-8C68-8776E6FB3C1A}" type="datetimeFigureOut">
               <a:rPr lang="en-GB" smtClean="0"/>
-              <a:t>27/08/2025</a:t>
+              <a:t>23/02/2026</a:t>
             </a:fld>
             <a:endParaRPr lang="en-GB"/>
           </a:p>
@@ -450,7 +451,7 @@
           <a:p>
             <a:fld id="{30B9BAAB-B703-4BB5-9D08-B460FC03C23A}" type="datetimeFigureOut">
               <a:rPr lang="en-GB" smtClean="0"/>
-              <a:t>27/08/2025</a:t>
+              <a:t>23/02/2026</a:t>
             </a:fld>
             <a:endParaRPr lang="en-GB"/>
           </a:p>
@@ -2234,7 +2235,7 @@
                 <a:tabLst/>
                 <a:defRPr/>
               </a:pPr>
-              <a:t>10</a:t>
+              <a:t>11</a:t>
             </a:fld>
             <a:endParaRPr kumimoji="0" lang="en-US" altLang="en-US" sz="1200" b="0" i="0" u="none" strike="noStrike" kern="1200" cap="none" spc="0" normalizeH="0" baseline="0" noProof="0">
               <a:ln>
@@ -2337,7 +2338,7 @@
               <a:pPr>
                 <a:defRPr/>
               </a:pPr>
-              <a:t>11</a:t>
+              <a:t>12</a:t>
             </a:fld>
             <a:endParaRPr lang="en-US" altLang="en-US"/>
           </a:p>
@@ -2427,7 +2428,7 @@
               <a:pPr>
                 <a:defRPr/>
               </a:pPr>
-              <a:t>12</a:t>
+              <a:t>13</a:t>
             </a:fld>
             <a:endParaRPr lang="en-US" altLang="en-US"/>
           </a:p>
@@ -11188,6 +11189,893 @@
   <p:cSld>
     <p:spTree>
       <p:nvGrpSpPr>
+        <p:cNvPr id="1" name=""/>
+        <p:cNvGrpSpPr/>
+        <p:nvPr/>
+      </p:nvGrpSpPr>
+      <p:grpSpPr>
+        <a:xfrm>
+          <a:off x="0" y="0"/>
+          <a:ext cx="0" cy="0"/>
+          <a:chOff x="0" y="0"/>
+          <a:chExt cx="0" cy="0"/>
+        </a:xfrm>
+      </p:grpSpPr>
+      <p:sp>
+        <p:nvSpPr>
+          <p:cNvPr id="2" name="Title 1">
+            <a:extLst>
+              <a:ext uri="{FF2B5EF4-FFF2-40B4-BE49-F238E27FC236}">
+                <a16:creationId xmlns:a16="http://schemas.microsoft.com/office/drawing/2014/main" id="{BFBCA5D4-C7CF-56B7-4D26-1D3745C85A28}"/>
+              </a:ext>
+            </a:extLst>
+          </p:cNvPr>
+          <p:cNvSpPr>
+            <a:spLocks noGrp="1"/>
+          </p:cNvSpPr>
+          <p:nvPr>
+            <p:ph type="title"/>
+          </p:nvPr>
+        </p:nvSpPr>
+        <p:spPr/>
+        <p:txBody>
+          <a:bodyPr/>
+          <a:lstStyle/>
+          <a:p>
+            <a:r>
+              <a:rPr lang="en-US"/>
+              <a:t>SDS Recorder </a:t>
+            </a:r>
+            <a:r>
+              <a:rPr lang="en-US">
+                <a:hlinkClick r:id="rId2"/>
+              </a:rPr>
+              <a:t>https://github.com/Arm-Examples/sds-examples</a:t>
+            </a:r>
+            <a:br>
+              <a:rPr lang="en-US"/>
+            </a:br>
+            <a:endParaRPr lang="en-US"/>
+          </a:p>
+        </p:txBody>
+      </p:sp>
+      <p:sp>
+        <p:nvSpPr>
+          <p:cNvPr id="4" name="Rectangle 3">
+            <a:extLst>
+              <a:ext uri="{FF2B5EF4-FFF2-40B4-BE49-F238E27FC236}">
+                <a16:creationId xmlns:a16="http://schemas.microsoft.com/office/drawing/2014/main" id="{268F30E4-EF9A-1A51-E8F1-2E8F1385FA61}"/>
+              </a:ext>
+            </a:extLst>
+          </p:cNvPr>
+          <p:cNvSpPr/>
+          <p:nvPr/>
+        </p:nvSpPr>
+        <p:spPr>
+          <a:xfrm>
+            <a:off x="627993" y="1411454"/>
+            <a:ext cx="4452085" cy="653684"/>
+          </a:xfrm>
+          <a:prstGeom prst="rect">
+            <a:avLst/>
+          </a:prstGeom>
+          <a:solidFill>
+            <a:schemeClr val="accent6">
+              <a:lumMod val="75000"/>
+            </a:schemeClr>
+          </a:solidFill>
+          <a:ln>
+            <a:noFill/>
+          </a:ln>
+        </p:spPr>
+        <p:style>
+          <a:lnRef idx="2">
+            <a:schemeClr val="accent1">
+              <a:shade val="50000"/>
+            </a:schemeClr>
+          </a:lnRef>
+          <a:fillRef idx="1">
+            <a:schemeClr val="accent1"/>
+          </a:fillRef>
+          <a:effectRef idx="0">
+            <a:schemeClr val="accent1"/>
+          </a:effectRef>
+          <a:fontRef idx="minor">
+            <a:schemeClr val="lt1"/>
+          </a:fontRef>
+        </p:style>
+        <p:txBody>
+          <a:bodyPr rtlCol="0" anchor="ctr"/>
+          <a:lstStyle/>
+          <a:p>
+            <a:pPr algn="ctr"/>
+            <a:r>
+              <a:rPr lang="en-US" sz="1600" b="1" dirty="0" err="1"/>
+              <a:t>SDS.csolution.yml</a:t>
+            </a:r>
+            <a:br>
+              <a:rPr lang="en-US" sz="1400" dirty="0"/>
+            </a:br>
+            <a:r>
+              <a:rPr lang="en-US" sz="1400" dirty="0"/>
+              <a:t>Data streaming test framework for DSP and </a:t>
+            </a:r>
+            <a:r>
+              <a:rPr lang="en-US" sz="1400"/>
+              <a:t>ML algorithms</a:t>
+            </a:r>
+            <a:endParaRPr lang="en-US" sz="1100" dirty="0"/>
+          </a:p>
+        </p:txBody>
+      </p:sp>
+      <p:sp>
+        <p:nvSpPr>
+          <p:cNvPr id="8" name="Rectangle 7">
+            <a:extLst>
+              <a:ext uri="{FF2B5EF4-FFF2-40B4-BE49-F238E27FC236}">
+                <a16:creationId xmlns:a16="http://schemas.microsoft.com/office/drawing/2014/main" id="{CE3974E6-B40A-AB0A-DFDB-B964F9612AEA}"/>
+              </a:ext>
+            </a:extLst>
+          </p:cNvPr>
+          <p:cNvSpPr/>
+          <p:nvPr/>
+        </p:nvSpPr>
+        <p:spPr>
+          <a:xfrm>
+            <a:off x="2942715" y="3519273"/>
+            <a:ext cx="2128632" cy="653684"/>
+          </a:xfrm>
+          <a:prstGeom prst="rect">
+            <a:avLst/>
+          </a:prstGeom>
+          <a:solidFill>
+            <a:schemeClr val="accent1"/>
+          </a:solidFill>
+          <a:ln>
+            <a:noFill/>
+          </a:ln>
+        </p:spPr>
+        <p:style>
+          <a:lnRef idx="2">
+            <a:schemeClr val="accent1">
+              <a:shade val="50000"/>
+            </a:schemeClr>
+          </a:lnRef>
+          <a:fillRef idx="1">
+            <a:schemeClr val="accent1"/>
+          </a:fillRef>
+          <a:effectRef idx="0">
+            <a:schemeClr val="accent1"/>
+          </a:effectRef>
+          <a:fontRef idx="minor">
+            <a:schemeClr val="lt1"/>
+          </a:fontRef>
+        </p:style>
+        <p:txBody>
+          <a:bodyPr rtlCol="0" anchor="ctr"/>
+          <a:lstStyle/>
+          <a:p>
+            <a:pPr algn="ctr"/>
+            <a:r>
+              <a:rPr lang="en-US" sz="1100" dirty="0"/>
+              <a:t>Record/Playback </a:t>
+            </a:r>
+            <a:br>
+              <a:rPr lang="en-US" sz="1100" dirty="0"/>
+            </a:br>
+            <a:r>
+              <a:rPr lang="en-US" sz="1100" dirty="0"/>
+              <a:t>SDS Data Files via</a:t>
+            </a:r>
+            <a:br>
+              <a:rPr lang="en-US" sz="1100" dirty="0"/>
+            </a:br>
+            <a:r>
+              <a:rPr lang="en-US" sz="1100" dirty="0"/>
+              <a:t>Network, USB, File System</a:t>
+            </a:r>
+            <a:endParaRPr lang="en-US" sz="1050" dirty="0"/>
+          </a:p>
+        </p:txBody>
+      </p:sp>
+      <p:sp>
+        <p:nvSpPr>
+          <p:cNvPr id="10" name="Rectangle 9">
+            <a:extLst>
+              <a:ext uri="{FF2B5EF4-FFF2-40B4-BE49-F238E27FC236}">
+                <a16:creationId xmlns:a16="http://schemas.microsoft.com/office/drawing/2014/main" id="{CEE742C1-9B27-441A-6C29-20D13149B32F}"/>
+              </a:ext>
+            </a:extLst>
+          </p:cNvPr>
+          <p:cNvSpPr/>
+          <p:nvPr/>
+        </p:nvSpPr>
+        <p:spPr>
+          <a:xfrm>
+            <a:off x="2942715" y="3255090"/>
+            <a:ext cx="2128632" cy="264183"/>
+          </a:xfrm>
+          <a:prstGeom prst="rect">
+            <a:avLst/>
+          </a:prstGeom>
+          <a:solidFill>
+            <a:schemeClr val="accent1">
+              <a:lumMod val="75000"/>
+            </a:schemeClr>
+          </a:solidFill>
+          <a:ln>
+            <a:noFill/>
+          </a:ln>
+        </p:spPr>
+        <p:style>
+          <a:lnRef idx="2">
+            <a:schemeClr val="accent1">
+              <a:shade val="50000"/>
+            </a:schemeClr>
+          </a:lnRef>
+          <a:fillRef idx="1">
+            <a:schemeClr val="accent1"/>
+          </a:fillRef>
+          <a:effectRef idx="0">
+            <a:schemeClr val="accent1"/>
+          </a:effectRef>
+          <a:fontRef idx="minor">
+            <a:schemeClr val="lt1"/>
+          </a:fontRef>
+        </p:style>
+        <p:txBody>
+          <a:bodyPr rtlCol="0" anchor="ctr"/>
+          <a:lstStyle/>
+          <a:p>
+            <a:pPr algn="ctr"/>
+            <a:r>
+              <a:rPr lang="en-US" sz="1400" dirty="0"/>
+              <a:t> Layer Type: SDSIO</a:t>
+            </a:r>
+          </a:p>
+        </p:txBody>
+      </p:sp>
+      <p:sp>
+        <p:nvSpPr>
+          <p:cNvPr id="16" name="Rectangle 15">
+            <a:extLst>
+              <a:ext uri="{FF2B5EF4-FFF2-40B4-BE49-F238E27FC236}">
+                <a16:creationId xmlns:a16="http://schemas.microsoft.com/office/drawing/2014/main" id="{8C61B6A3-A1BE-4248-57B1-609E5F0E8AAB}"/>
+              </a:ext>
+            </a:extLst>
+          </p:cNvPr>
+          <p:cNvSpPr/>
+          <p:nvPr/>
+        </p:nvSpPr>
+        <p:spPr>
+          <a:xfrm>
+            <a:off x="627994" y="3519273"/>
+            <a:ext cx="2128632" cy="653684"/>
+          </a:xfrm>
+          <a:prstGeom prst="rect">
+            <a:avLst/>
+          </a:prstGeom>
+          <a:solidFill>
+            <a:schemeClr val="accent1"/>
+          </a:solidFill>
+          <a:ln>
+            <a:noFill/>
+          </a:ln>
+        </p:spPr>
+        <p:style>
+          <a:lnRef idx="2">
+            <a:schemeClr val="accent1">
+              <a:shade val="50000"/>
+            </a:schemeClr>
+          </a:lnRef>
+          <a:fillRef idx="1">
+            <a:schemeClr val="accent1"/>
+          </a:fillRef>
+          <a:effectRef idx="0">
+            <a:schemeClr val="accent1"/>
+          </a:effectRef>
+          <a:fontRef idx="minor">
+            <a:schemeClr val="lt1"/>
+          </a:fontRef>
+        </p:style>
+        <p:txBody>
+          <a:bodyPr rtlCol="0" anchor="ctr"/>
+          <a:lstStyle/>
+          <a:p>
+            <a:pPr algn="ctr"/>
+            <a:r>
+              <a:rPr lang="en-US" sz="1100" dirty="0"/>
+              <a:t>Board Hardware Interface</a:t>
+            </a:r>
+            <a:br>
+              <a:rPr lang="en-US" sz="1100" dirty="0"/>
+            </a:br>
+            <a:r>
+              <a:rPr lang="en-US" sz="1100" dirty="0"/>
+              <a:t>Provided in BSP</a:t>
+            </a:r>
+            <a:endParaRPr lang="en-US" sz="1050" dirty="0"/>
+          </a:p>
+        </p:txBody>
+      </p:sp>
+      <p:sp>
+        <p:nvSpPr>
+          <p:cNvPr id="17" name="Rectangle 16">
+            <a:extLst>
+              <a:ext uri="{FF2B5EF4-FFF2-40B4-BE49-F238E27FC236}">
+                <a16:creationId xmlns:a16="http://schemas.microsoft.com/office/drawing/2014/main" id="{4DB6B1BC-4815-896E-9392-B226B5A4C231}"/>
+              </a:ext>
+            </a:extLst>
+          </p:cNvPr>
+          <p:cNvSpPr/>
+          <p:nvPr/>
+        </p:nvSpPr>
+        <p:spPr>
+          <a:xfrm>
+            <a:off x="627994" y="3255090"/>
+            <a:ext cx="2128632" cy="264183"/>
+          </a:xfrm>
+          <a:prstGeom prst="rect">
+            <a:avLst/>
+          </a:prstGeom>
+          <a:solidFill>
+            <a:schemeClr val="accent1">
+              <a:lumMod val="75000"/>
+            </a:schemeClr>
+          </a:solidFill>
+          <a:ln>
+            <a:noFill/>
+          </a:ln>
+        </p:spPr>
+        <p:style>
+          <a:lnRef idx="2">
+            <a:schemeClr val="accent1">
+              <a:shade val="50000"/>
+            </a:schemeClr>
+          </a:lnRef>
+          <a:fillRef idx="1">
+            <a:schemeClr val="accent1"/>
+          </a:fillRef>
+          <a:effectRef idx="0">
+            <a:schemeClr val="accent1"/>
+          </a:effectRef>
+          <a:fontRef idx="minor">
+            <a:schemeClr val="lt1"/>
+          </a:fontRef>
+        </p:style>
+        <p:txBody>
+          <a:bodyPr rtlCol="0" anchor="ctr"/>
+          <a:lstStyle/>
+          <a:p>
+            <a:pPr algn="ctr"/>
+            <a:r>
+              <a:rPr lang="en-US" sz="1400" dirty="0"/>
+              <a:t> Layer Type: Board</a:t>
+            </a:r>
+          </a:p>
+        </p:txBody>
+      </p:sp>
+      <p:sp>
+        <p:nvSpPr>
+          <p:cNvPr id="3" name="Rectangle 2">
+            <a:extLst>
+              <a:ext uri="{FF2B5EF4-FFF2-40B4-BE49-F238E27FC236}">
+                <a16:creationId xmlns:a16="http://schemas.microsoft.com/office/drawing/2014/main" id="{981466B6-29ED-CB94-AF4F-BC970DB65D25}"/>
+              </a:ext>
+            </a:extLst>
+          </p:cNvPr>
+          <p:cNvSpPr/>
+          <p:nvPr/>
+        </p:nvSpPr>
+        <p:spPr>
+          <a:xfrm>
+            <a:off x="627994" y="2460256"/>
+            <a:ext cx="2128632" cy="653684"/>
+          </a:xfrm>
+          <a:prstGeom prst="rect">
+            <a:avLst/>
+          </a:prstGeom>
+          <a:solidFill>
+            <a:schemeClr val="accent4">
+              <a:lumMod val="75000"/>
+            </a:schemeClr>
+          </a:solidFill>
+          <a:ln>
+            <a:noFill/>
+          </a:ln>
+        </p:spPr>
+        <p:style>
+          <a:lnRef idx="2">
+            <a:schemeClr val="accent1">
+              <a:shade val="50000"/>
+            </a:schemeClr>
+          </a:lnRef>
+          <a:fillRef idx="1">
+            <a:schemeClr val="accent1"/>
+          </a:fillRef>
+          <a:effectRef idx="0">
+            <a:schemeClr val="accent1"/>
+          </a:effectRef>
+          <a:fontRef idx="minor">
+            <a:schemeClr val="lt1"/>
+          </a:fontRef>
+        </p:style>
+        <p:txBody>
+          <a:bodyPr rtlCol="0" anchor="ctr"/>
+          <a:lstStyle/>
+          <a:p>
+            <a:pPr algn="ctr"/>
+            <a:r>
+              <a:rPr lang="en-US" sz="1100" dirty="0"/>
+              <a:t>Check SDSIO interface with</a:t>
+            </a:r>
+            <a:br>
+              <a:rPr lang="en-US" sz="1100" dirty="0"/>
+            </a:br>
+            <a:r>
+              <a:rPr lang="en-US" sz="1100" dirty="0"/>
+              <a:t>user configurable bandwidth parameters</a:t>
+            </a:r>
+            <a:endParaRPr lang="en-US" sz="1050" dirty="0"/>
+          </a:p>
+        </p:txBody>
+      </p:sp>
+      <p:sp>
+        <p:nvSpPr>
+          <p:cNvPr id="5" name="Rectangle 4">
+            <a:extLst>
+              <a:ext uri="{FF2B5EF4-FFF2-40B4-BE49-F238E27FC236}">
+                <a16:creationId xmlns:a16="http://schemas.microsoft.com/office/drawing/2014/main" id="{006CFF1E-7F8E-879E-76E9-6194FE53B86C}"/>
+              </a:ext>
+            </a:extLst>
+          </p:cNvPr>
+          <p:cNvSpPr/>
+          <p:nvPr/>
+        </p:nvSpPr>
+        <p:spPr>
+          <a:xfrm>
+            <a:off x="627994" y="2196073"/>
+            <a:ext cx="2128632" cy="264183"/>
+          </a:xfrm>
+          <a:prstGeom prst="rect">
+            <a:avLst/>
+          </a:prstGeom>
+          <a:solidFill>
+            <a:schemeClr val="accent4">
+              <a:lumMod val="50000"/>
+            </a:schemeClr>
+          </a:solidFill>
+          <a:ln>
+            <a:noFill/>
+          </a:ln>
+        </p:spPr>
+        <p:style>
+          <a:lnRef idx="2">
+            <a:schemeClr val="accent1">
+              <a:shade val="50000"/>
+            </a:schemeClr>
+          </a:lnRef>
+          <a:fillRef idx="1">
+            <a:schemeClr val="accent1"/>
+          </a:fillRef>
+          <a:effectRef idx="0">
+            <a:schemeClr val="accent1"/>
+          </a:effectRef>
+          <a:fontRef idx="minor">
+            <a:schemeClr val="lt1"/>
+          </a:fontRef>
+        </p:style>
+        <p:txBody>
+          <a:bodyPr rtlCol="0" anchor="ctr"/>
+          <a:lstStyle/>
+          <a:p>
+            <a:pPr algn="ctr"/>
+            <a:r>
+              <a:rPr lang="en-US" sz="1400" dirty="0" err="1"/>
+              <a:t>DataTest.cproject.yml</a:t>
+            </a:r>
+            <a:endParaRPr lang="en-US" sz="1400" dirty="0"/>
+          </a:p>
+        </p:txBody>
+      </p:sp>
+      <p:sp>
+        <p:nvSpPr>
+          <p:cNvPr id="6" name="Rectangle 5">
+            <a:extLst>
+              <a:ext uri="{FF2B5EF4-FFF2-40B4-BE49-F238E27FC236}">
+                <a16:creationId xmlns:a16="http://schemas.microsoft.com/office/drawing/2014/main" id="{E094A49A-EC2D-EEEF-132A-B6D2A8111BED}"/>
+              </a:ext>
+            </a:extLst>
+          </p:cNvPr>
+          <p:cNvSpPr/>
+          <p:nvPr/>
+        </p:nvSpPr>
+        <p:spPr>
+          <a:xfrm>
+            <a:off x="2942715" y="2460256"/>
+            <a:ext cx="2128632" cy="653684"/>
+          </a:xfrm>
+          <a:prstGeom prst="rect">
+            <a:avLst/>
+          </a:prstGeom>
+          <a:solidFill>
+            <a:schemeClr val="accent4">
+              <a:lumMod val="75000"/>
+            </a:schemeClr>
+          </a:solidFill>
+          <a:ln>
+            <a:noFill/>
+          </a:ln>
+        </p:spPr>
+        <p:style>
+          <a:lnRef idx="2">
+            <a:schemeClr val="accent1">
+              <a:shade val="50000"/>
+            </a:schemeClr>
+          </a:lnRef>
+          <a:fillRef idx="1">
+            <a:schemeClr val="accent1"/>
+          </a:fillRef>
+          <a:effectRef idx="0">
+            <a:schemeClr val="accent1"/>
+          </a:effectRef>
+          <a:fontRef idx="minor">
+            <a:schemeClr val="lt1"/>
+          </a:fontRef>
+        </p:style>
+        <p:txBody>
+          <a:bodyPr rtlCol="0" anchor="ctr"/>
+          <a:lstStyle/>
+          <a:p>
+            <a:pPr algn="ctr"/>
+            <a:r>
+              <a:rPr lang="en-US" sz="1100" dirty="0"/>
+              <a:t>Verify and optimized</a:t>
+            </a:r>
+            <a:br>
+              <a:rPr lang="en-US" sz="1100" dirty="0"/>
+            </a:br>
+            <a:r>
+              <a:rPr lang="en-US" sz="1100" dirty="0"/>
+              <a:t>user algorithms</a:t>
+            </a:r>
+            <a:br>
+              <a:rPr lang="en-US" sz="1100" dirty="0"/>
+            </a:br>
+            <a:r>
+              <a:rPr lang="en-US" sz="1100" dirty="0"/>
+              <a:t>with repeatable data</a:t>
+            </a:r>
+            <a:endParaRPr lang="en-US" sz="1050" dirty="0"/>
+          </a:p>
+        </p:txBody>
+      </p:sp>
+      <p:sp>
+        <p:nvSpPr>
+          <p:cNvPr id="7" name="Rectangle 6">
+            <a:extLst>
+              <a:ext uri="{FF2B5EF4-FFF2-40B4-BE49-F238E27FC236}">
+                <a16:creationId xmlns:a16="http://schemas.microsoft.com/office/drawing/2014/main" id="{02192468-F815-85E7-1987-BD05F8475585}"/>
+              </a:ext>
+            </a:extLst>
+          </p:cNvPr>
+          <p:cNvSpPr/>
+          <p:nvPr/>
+        </p:nvSpPr>
+        <p:spPr>
+          <a:xfrm>
+            <a:off x="2942715" y="2196073"/>
+            <a:ext cx="2128632" cy="264183"/>
+          </a:xfrm>
+          <a:prstGeom prst="rect">
+            <a:avLst/>
+          </a:prstGeom>
+          <a:solidFill>
+            <a:schemeClr val="accent4">
+              <a:lumMod val="50000"/>
+            </a:schemeClr>
+          </a:solidFill>
+          <a:ln>
+            <a:noFill/>
+          </a:ln>
+        </p:spPr>
+        <p:style>
+          <a:lnRef idx="2">
+            <a:schemeClr val="accent1">
+              <a:shade val="50000"/>
+            </a:schemeClr>
+          </a:lnRef>
+          <a:fillRef idx="1">
+            <a:schemeClr val="accent1"/>
+          </a:fillRef>
+          <a:effectRef idx="0">
+            <a:schemeClr val="accent1"/>
+          </a:effectRef>
+          <a:fontRef idx="minor">
+            <a:schemeClr val="lt1"/>
+          </a:fontRef>
+        </p:style>
+        <p:txBody>
+          <a:bodyPr rtlCol="0" anchor="ctr"/>
+          <a:lstStyle/>
+          <a:p>
+            <a:pPr algn="ctr"/>
+            <a:r>
+              <a:rPr lang="en-US" sz="1400" dirty="0" err="1"/>
+              <a:t>AlgorithmTest.cproject.yml</a:t>
+            </a:r>
+            <a:endParaRPr lang="en-US" sz="1400" dirty="0"/>
+          </a:p>
+        </p:txBody>
+      </p:sp>
+      <p:sp>
+        <p:nvSpPr>
+          <p:cNvPr id="20" name="Callout: Bent Line with Accent Bar 19">
+            <a:extLst>
+              <a:ext uri="{FF2B5EF4-FFF2-40B4-BE49-F238E27FC236}">
+                <a16:creationId xmlns:a16="http://schemas.microsoft.com/office/drawing/2014/main" id="{D1617B0D-C16A-73DF-D7EA-A87528EA450C}"/>
+              </a:ext>
+            </a:extLst>
+          </p:cNvPr>
+          <p:cNvSpPr/>
+          <p:nvPr/>
+        </p:nvSpPr>
+        <p:spPr>
+          <a:xfrm>
+            <a:off x="5492884" y="1431972"/>
+            <a:ext cx="1498060" cy="612648"/>
+          </a:xfrm>
+          <a:prstGeom prst="accentCallout2">
+            <a:avLst>
+              <a:gd name="adj1" fmla="val 18750"/>
+              <a:gd name="adj2" fmla="val -8333"/>
+              <a:gd name="adj3" fmla="val 18750"/>
+              <a:gd name="adj4" fmla="val -16667"/>
+              <a:gd name="adj5" fmla="val 60632"/>
+              <a:gd name="adj6" fmla="val -32482"/>
+            </a:avLst>
+          </a:prstGeom>
+          <a:noFill/>
+          <a:ln>
+            <a:solidFill>
+              <a:srgbClr val="C00000"/>
+            </a:solidFill>
+          </a:ln>
+        </p:spPr>
+        <p:style>
+          <a:lnRef idx="2">
+            <a:schemeClr val="accent1">
+              <a:shade val="50000"/>
+            </a:schemeClr>
+          </a:lnRef>
+          <a:fillRef idx="1">
+            <a:schemeClr val="accent1"/>
+          </a:fillRef>
+          <a:effectRef idx="0">
+            <a:schemeClr val="accent1"/>
+          </a:effectRef>
+          <a:fontRef idx="minor">
+            <a:schemeClr val="lt1"/>
+          </a:fontRef>
+        </p:style>
+        <p:txBody>
+          <a:bodyPr lIns="0" tIns="0" rIns="0" bIns="0" rtlCol="0" anchor="t"/>
+          <a:lstStyle/>
+          <a:p>
+            <a:r>
+              <a:rPr lang="en-US" sz="1200" dirty="0">
+                <a:solidFill>
+                  <a:schemeClr val="tx1"/>
+                </a:solidFill>
+              </a:rPr>
+              <a:t>target-types select between hardware</a:t>
+            </a:r>
+          </a:p>
+          <a:p>
+            <a:r>
+              <a:rPr lang="en-US" sz="1200" dirty="0">
+                <a:solidFill>
+                  <a:schemeClr val="tx1"/>
+                </a:solidFill>
+              </a:rPr>
+              <a:t>and simulation </a:t>
+            </a:r>
+          </a:p>
+        </p:txBody>
+      </p:sp>
+      <p:sp>
+        <p:nvSpPr>
+          <p:cNvPr id="21" name="Callout: Bent Line with Accent Bar 20">
+            <a:extLst>
+              <a:ext uri="{FF2B5EF4-FFF2-40B4-BE49-F238E27FC236}">
+                <a16:creationId xmlns:a16="http://schemas.microsoft.com/office/drawing/2014/main" id="{DCAC335D-914C-08BE-625E-F7D62ED092E1}"/>
+              </a:ext>
+            </a:extLst>
+          </p:cNvPr>
+          <p:cNvSpPr/>
+          <p:nvPr/>
+        </p:nvSpPr>
+        <p:spPr>
+          <a:xfrm>
+            <a:off x="5492884" y="2343531"/>
+            <a:ext cx="1498060" cy="612648"/>
+          </a:xfrm>
+          <a:prstGeom prst="accentCallout2">
+            <a:avLst>
+              <a:gd name="adj1" fmla="val 18750"/>
+              <a:gd name="adj2" fmla="val -8333"/>
+              <a:gd name="adj3" fmla="val 18750"/>
+              <a:gd name="adj4" fmla="val -16667"/>
+              <a:gd name="adj5" fmla="val 60632"/>
+              <a:gd name="adj6" fmla="val -32482"/>
+            </a:avLst>
+          </a:prstGeom>
+          <a:noFill/>
+          <a:ln>
+            <a:solidFill>
+              <a:srgbClr val="C00000"/>
+            </a:solidFill>
+          </a:ln>
+        </p:spPr>
+        <p:style>
+          <a:lnRef idx="2">
+            <a:schemeClr val="accent1">
+              <a:shade val="50000"/>
+            </a:schemeClr>
+          </a:lnRef>
+          <a:fillRef idx="1">
+            <a:schemeClr val="accent1"/>
+          </a:fillRef>
+          <a:effectRef idx="0">
+            <a:schemeClr val="accent1"/>
+          </a:effectRef>
+          <a:fontRef idx="minor">
+            <a:schemeClr val="lt1"/>
+          </a:fontRef>
+        </p:style>
+        <p:txBody>
+          <a:bodyPr lIns="0" tIns="0" rIns="0" bIns="0" rtlCol="0" anchor="t"/>
+          <a:lstStyle/>
+          <a:p>
+            <a:r>
+              <a:rPr lang="en-US" sz="1200" dirty="0">
+                <a:solidFill>
+                  <a:schemeClr val="tx1"/>
+                </a:solidFill>
+              </a:rPr>
+              <a:t>Add user algorithm</a:t>
+            </a:r>
+            <a:br>
+              <a:rPr lang="en-US" sz="1200" dirty="0">
+                <a:solidFill>
+                  <a:schemeClr val="tx1"/>
+                </a:solidFill>
+              </a:rPr>
+            </a:br>
+            <a:r>
+              <a:rPr lang="en-US" sz="1200" dirty="0">
+                <a:solidFill>
+                  <a:schemeClr val="tx1"/>
+                </a:solidFill>
+              </a:rPr>
+              <a:t>and data stream</a:t>
+            </a:r>
+            <a:br>
+              <a:rPr lang="en-US" sz="1200" dirty="0">
+                <a:solidFill>
+                  <a:schemeClr val="tx1"/>
+                </a:solidFill>
+              </a:rPr>
+            </a:br>
+            <a:r>
+              <a:rPr lang="en-US" sz="1200" dirty="0">
+                <a:solidFill>
+                  <a:schemeClr val="tx1"/>
+                </a:solidFill>
+              </a:rPr>
+              <a:t>input interface</a:t>
+            </a:r>
+          </a:p>
+        </p:txBody>
+      </p:sp>
+      <p:sp>
+        <p:nvSpPr>
+          <p:cNvPr id="22" name="Callout: Bent Line with Accent Bar 21">
+            <a:extLst>
+              <a:ext uri="{FF2B5EF4-FFF2-40B4-BE49-F238E27FC236}">
+                <a16:creationId xmlns:a16="http://schemas.microsoft.com/office/drawing/2014/main" id="{688DADD3-DBC8-96B6-7CE2-9CCEB7866880}"/>
+              </a:ext>
+            </a:extLst>
+          </p:cNvPr>
+          <p:cNvSpPr/>
+          <p:nvPr/>
+        </p:nvSpPr>
+        <p:spPr>
+          <a:xfrm>
+            <a:off x="5492884" y="3419606"/>
+            <a:ext cx="1498060" cy="612648"/>
+          </a:xfrm>
+          <a:prstGeom prst="accentCallout2">
+            <a:avLst>
+              <a:gd name="adj1" fmla="val 18750"/>
+              <a:gd name="adj2" fmla="val -8333"/>
+              <a:gd name="adj3" fmla="val 18750"/>
+              <a:gd name="adj4" fmla="val -16667"/>
+              <a:gd name="adj5" fmla="val 60632"/>
+              <a:gd name="adj6" fmla="val -32482"/>
+            </a:avLst>
+          </a:prstGeom>
+          <a:noFill/>
+          <a:ln>
+            <a:solidFill>
+              <a:srgbClr val="C00000"/>
+            </a:solidFill>
+          </a:ln>
+        </p:spPr>
+        <p:style>
+          <a:lnRef idx="2">
+            <a:schemeClr val="accent1">
+              <a:shade val="50000"/>
+            </a:schemeClr>
+          </a:lnRef>
+          <a:fillRef idx="1">
+            <a:schemeClr val="accent1"/>
+          </a:fillRef>
+          <a:effectRef idx="0">
+            <a:schemeClr val="accent1"/>
+          </a:effectRef>
+          <a:fontRef idx="minor">
+            <a:schemeClr val="lt1"/>
+          </a:fontRef>
+        </p:style>
+        <p:txBody>
+          <a:bodyPr lIns="0" tIns="0" rIns="0" bIns="0" rtlCol="0" anchor="t"/>
+          <a:lstStyle/>
+          <a:p>
+            <a:r>
+              <a:rPr lang="en-US" sz="1200" dirty="0">
+                <a:solidFill>
+                  <a:schemeClr val="tx1"/>
+                </a:solidFill>
+              </a:rPr>
+              <a:t>build-types select between recording</a:t>
+            </a:r>
+            <a:br>
+              <a:rPr lang="en-US" sz="1200" dirty="0">
+                <a:solidFill>
+                  <a:schemeClr val="tx1"/>
+                </a:solidFill>
+              </a:rPr>
+            </a:br>
+            <a:r>
+              <a:rPr lang="en-US" sz="1200" dirty="0">
+                <a:solidFill>
+                  <a:schemeClr val="tx1"/>
+                </a:solidFill>
+              </a:rPr>
+              <a:t>and playback</a:t>
+            </a:r>
+          </a:p>
+        </p:txBody>
+      </p:sp>
+    </p:spTree>
+    <p:extLst>
+      <p:ext uri="{BB962C8B-B14F-4D97-AF65-F5344CB8AC3E}">
+        <p14:creationId xmlns:p14="http://schemas.microsoft.com/office/powerpoint/2010/main" val="2612990511"/>
+      </p:ext>
+    </p:extLst>
+  </p:cSld>
+  <p:clrMapOvr>
+    <a:masterClrMapping/>
+  </p:clrMapOvr>
+</p:sld>
+</file>
+
+<file path=ppt/slides/slide11.xml><?xml version="1.0" encoding="utf-8"?>
+<p:sld xmlns:a="http://schemas.openxmlformats.org/drawingml/2006/main" xmlns:r="http://schemas.openxmlformats.org/officeDocument/2006/relationships" xmlns:p="http://schemas.openxmlformats.org/presentationml/2006/main">
+  <p:cSld>
+    <p:spTree>
+      <p:nvGrpSpPr>
         <p:cNvPr id="1" name="">
           <a:extLst>
             <a:ext uri="{FF2B5EF4-FFF2-40B4-BE49-F238E27FC236}">
@@ -15540,7 +16428,7 @@
 </p:sld>
 </file>
 
-<file path=ppt/slides/slide11.xml><?xml version="1.0" encoding="utf-8"?>
+<file path=ppt/slides/slide12.xml><?xml version="1.0" encoding="utf-8"?>
 <p:sld xmlns:a="http://schemas.openxmlformats.org/drawingml/2006/main" xmlns:r="http://schemas.openxmlformats.org/officeDocument/2006/relationships" xmlns:p="http://schemas.openxmlformats.org/presentationml/2006/main">
   <p:cSld>
     <p:spTree>
@@ -18338,7 +19226,7 @@
 </p:sld>
 </file>
 
-<file path=ppt/slides/slide12.xml><?xml version="1.0" encoding="utf-8"?>
+<file path=ppt/slides/slide13.xml><?xml version="1.0" encoding="utf-8"?>
 <p:sld xmlns:a="http://schemas.openxmlformats.org/drawingml/2006/main" xmlns:r="http://schemas.openxmlformats.org/officeDocument/2006/relationships" xmlns:p="http://schemas.openxmlformats.org/presentationml/2006/main">
   <p:cSld>
     <p:spTree>
@@ -21405,7 +22293,7 @@
 </p:sld>
 </file>
 
-<file path=ppt/slides/slide13.xml><?xml version="1.0" encoding="utf-8"?>
+<file path=ppt/slides/slide14.xml><?xml version="1.0" encoding="utf-8"?>
 <p:sld xmlns:a="http://schemas.openxmlformats.org/drawingml/2006/main" xmlns:r="http://schemas.openxmlformats.org/officeDocument/2006/relationships" xmlns:p="http://schemas.openxmlformats.org/presentationml/2006/main">
   <p:cSld>
     <p:spTree>
@@ -24902,7 +25790,7 @@
 </p:sld>
 </file>
 
-<file path=ppt/slides/slide14.xml><?xml version="1.0" encoding="utf-8"?>
+<file path=ppt/slides/slide15.xml><?xml version="1.0" encoding="utf-8"?>
 <p:sld xmlns:a="http://schemas.openxmlformats.org/drawingml/2006/main" xmlns:r="http://schemas.openxmlformats.org/officeDocument/2006/relationships" xmlns:p="http://schemas.openxmlformats.org/presentationml/2006/main">
   <p:cSld>
     <p:spTree>
@@ -26200,7 +27088,7 @@
 </p:sld>
 </file>
 
-<file path=ppt/slides/slide15.xml><?xml version="1.0" encoding="utf-8"?>
+<file path=ppt/slides/slide16.xml><?xml version="1.0" encoding="utf-8"?>
 <p:sld xmlns:a="http://schemas.openxmlformats.org/drawingml/2006/main" xmlns:r="http://schemas.openxmlformats.org/officeDocument/2006/relationships" xmlns:p="http://schemas.openxmlformats.org/presentationml/2006/main">
   <p:cSld>
     <p:spTree>
@@ -50883,6 +51771,1936 @@
       </p:grpSpPr>
       <p:sp>
         <p:nvSpPr>
+          <p:cNvPr id="2" name="Title 1">
+            <a:extLst>
+              <a:ext uri="{FF2B5EF4-FFF2-40B4-BE49-F238E27FC236}">
+                <a16:creationId xmlns:a16="http://schemas.microsoft.com/office/drawing/2014/main" id="{45E97B78-7363-3D4F-BA41-015E399EC325}"/>
+              </a:ext>
+            </a:extLst>
+          </p:cNvPr>
+          <p:cNvSpPr>
+            <a:spLocks noGrp="1"/>
+          </p:cNvSpPr>
+          <p:nvPr>
+            <p:ph type="title"/>
+          </p:nvPr>
+        </p:nvSpPr>
+        <p:spPr/>
+        <p:txBody>
+          <a:bodyPr/>
+          <a:lstStyle/>
+          <a:p>
+            <a:r>
+              <a:rPr lang="en-US" dirty="0"/>
+              <a:t>Data Labelling and Regression Test Configuration </a:t>
+            </a:r>
+          </a:p>
+        </p:txBody>
+      </p:sp>
+      <p:sp>
+        <p:nvSpPr>
+          <p:cNvPr id="3" name="Rectangle 2">
+            <a:extLst>
+              <a:ext uri="{FF2B5EF4-FFF2-40B4-BE49-F238E27FC236}">
+                <a16:creationId xmlns:a16="http://schemas.microsoft.com/office/drawing/2014/main" id="{F2EC980E-74CC-7028-7128-4A0D86FEA4A3}"/>
+              </a:ext>
+            </a:extLst>
+          </p:cNvPr>
+          <p:cNvSpPr/>
+          <p:nvPr/>
+        </p:nvSpPr>
+        <p:spPr>
+          <a:xfrm>
+            <a:off x="554859" y="2649774"/>
+            <a:ext cx="956032" cy="201038"/>
+          </a:xfrm>
+          <a:prstGeom prst="rect">
+            <a:avLst/>
+          </a:prstGeom>
+          <a:solidFill>
+            <a:schemeClr val="bg1">
+              <a:lumMod val="75000"/>
+            </a:schemeClr>
+          </a:solidFill>
+          <a:ln w="15875">
+            <a:solidFill>
+              <a:srgbClr val="00C1DE"/>
+            </a:solidFill>
+          </a:ln>
+        </p:spPr>
+        <p:style>
+          <a:lnRef idx="2">
+            <a:schemeClr val="accent1">
+              <a:shade val="50000"/>
+            </a:schemeClr>
+          </a:lnRef>
+          <a:fillRef idx="1">
+            <a:schemeClr val="accent1"/>
+          </a:fillRef>
+          <a:effectRef idx="0">
+            <a:schemeClr val="accent1"/>
+          </a:effectRef>
+          <a:fontRef idx="minor">
+            <a:schemeClr val="lt1"/>
+          </a:fontRef>
+        </p:style>
+        <p:txBody>
+          <a:bodyPr rtlCol="0" anchor="ctr"/>
+          <a:lstStyle/>
+          <a:p>
+            <a:pPr algn="ctr" defTabSz="1219170" eaLnBrk="0" fontAlgn="base" hangingPunct="0">
+              <a:spcBef>
+                <a:spcPct val="0"/>
+              </a:spcBef>
+              <a:spcAft>
+                <a:spcPct val="0"/>
+              </a:spcAft>
+            </a:pPr>
+            <a:r>
+              <a:rPr lang="en-US" sz="1200" dirty="0">
+                <a:solidFill>
+                  <a:schemeClr val="tx1"/>
+                </a:solidFill>
+                <a:latin typeface="Aeonik" panose="020B0503030300000000" pitchFamily="34" charset="0"/>
+                <a:cs typeface="Calibri" panose="020F0502020204030204" pitchFamily="34" charset="0"/>
+              </a:rPr>
+              <a:t>timestamp</a:t>
+            </a:r>
+          </a:p>
+        </p:txBody>
+      </p:sp>
+      <p:sp>
+        <p:nvSpPr>
+          <p:cNvPr id="4" name="Rectangle 3">
+            <a:extLst>
+              <a:ext uri="{FF2B5EF4-FFF2-40B4-BE49-F238E27FC236}">
+                <a16:creationId xmlns:a16="http://schemas.microsoft.com/office/drawing/2014/main" id="{D5560B2F-6BF4-C7C7-01EA-527C1B8E0E0D}"/>
+              </a:ext>
+            </a:extLst>
+          </p:cNvPr>
+          <p:cNvSpPr/>
+          <p:nvPr/>
+        </p:nvSpPr>
+        <p:spPr>
+          <a:xfrm>
+            <a:off x="554859" y="2850812"/>
+            <a:ext cx="956032" cy="201038"/>
+          </a:xfrm>
+          <a:prstGeom prst="rect">
+            <a:avLst/>
+          </a:prstGeom>
+          <a:solidFill>
+            <a:schemeClr val="bg1">
+              <a:lumMod val="75000"/>
+            </a:schemeClr>
+          </a:solidFill>
+          <a:ln w="15875">
+            <a:solidFill>
+              <a:srgbClr val="00C1DE"/>
+            </a:solidFill>
+          </a:ln>
+        </p:spPr>
+        <p:style>
+          <a:lnRef idx="2">
+            <a:schemeClr val="accent1">
+              <a:shade val="50000"/>
+            </a:schemeClr>
+          </a:lnRef>
+          <a:fillRef idx="1">
+            <a:schemeClr val="accent1"/>
+          </a:fillRef>
+          <a:effectRef idx="0">
+            <a:schemeClr val="accent1"/>
+          </a:effectRef>
+          <a:fontRef idx="minor">
+            <a:schemeClr val="lt1"/>
+          </a:fontRef>
+        </p:style>
+        <p:txBody>
+          <a:bodyPr rtlCol="0" anchor="ctr"/>
+          <a:lstStyle/>
+          <a:p>
+            <a:pPr algn="ctr" defTabSz="1219170" eaLnBrk="0" fontAlgn="base" hangingPunct="0">
+              <a:spcBef>
+                <a:spcPct val="0"/>
+              </a:spcBef>
+              <a:spcAft>
+                <a:spcPct val="0"/>
+              </a:spcAft>
+            </a:pPr>
+            <a:r>
+              <a:rPr lang="en-US" sz="1200" dirty="0">
+                <a:solidFill>
+                  <a:schemeClr val="tx1"/>
+                </a:solidFill>
+                <a:latin typeface="Aeonik" panose="020B0503030300000000" pitchFamily="34" charset="0"/>
+                <a:cs typeface="Calibri" panose="020F0502020204030204" pitchFamily="34" charset="0"/>
+              </a:rPr>
+              <a:t>block size</a:t>
+            </a:r>
+          </a:p>
+        </p:txBody>
+      </p:sp>
+      <p:sp>
+        <p:nvSpPr>
+          <p:cNvPr id="5" name="Rectangle 4">
+            <a:extLst>
+              <a:ext uri="{FF2B5EF4-FFF2-40B4-BE49-F238E27FC236}">
+                <a16:creationId xmlns:a16="http://schemas.microsoft.com/office/drawing/2014/main" id="{F58F0331-50E6-4DC0-3AA2-57FD495D86AD}"/>
+              </a:ext>
+            </a:extLst>
+          </p:cNvPr>
+          <p:cNvSpPr/>
+          <p:nvPr/>
+        </p:nvSpPr>
+        <p:spPr>
+          <a:xfrm>
+            <a:off x="554859" y="3051849"/>
+            <a:ext cx="956032" cy="606357"/>
+          </a:xfrm>
+          <a:prstGeom prst="rect">
+            <a:avLst/>
+          </a:prstGeom>
+          <a:solidFill>
+            <a:schemeClr val="bg1">
+              <a:lumMod val="75000"/>
+            </a:schemeClr>
+          </a:solidFill>
+          <a:ln w="15875">
+            <a:solidFill>
+              <a:srgbClr val="00C1DE"/>
+            </a:solidFill>
+          </a:ln>
+        </p:spPr>
+        <p:style>
+          <a:lnRef idx="2">
+            <a:schemeClr val="accent1">
+              <a:shade val="50000"/>
+            </a:schemeClr>
+          </a:lnRef>
+          <a:fillRef idx="1">
+            <a:schemeClr val="accent1"/>
+          </a:fillRef>
+          <a:effectRef idx="0">
+            <a:schemeClr val="accent1"/>
+          </a:effectRef>
+          <a:fontRef idx="minor">
+            <a:schemeClr val="lt1"/>
+          </a:fontRef>
+        </p:style>
+        <p:txBody>
+          <a:bodyPr rtlCol="0" anchor="ctr"/>
+          <a:lstStyle/>
+          <a:p>
+            <a:pPr algn="ctr" defTabSz="1219170" eaLnBrk="0" fontAlgn="base" hangingPunct="0">
+              <a:spcBef>
+                <a:spcPct val="0"/>
+              </a:spcBef>
+              <a:spcAft>
+                <a:spcPct val="0"/>
+              </a:spcAft>
+            </a:pPr>
+            <a:r>
+              <a:rPr lang="en-US" sz="1200" dirty="0">
+                <a:solidFill>
+                  <a:schemeClr val="tx1"/>
+                </a:solidFill>
+                <a:latin typeface="Aeonik" panose="020B0503030300000000" pitchFamily="34" charset="0"/>
+                <a:cs typeface="Calibri" panose="020F0502020204030204" pitchFamily="34" charset="0"/>
+              </a:rPr>
+              <a:t>data block</a:t>
+            </a:r>
+          </a:p>
+        </p:txBody>
+      </p:sp>
+      <p:sp>
+        <p:nvSpPr>
+          <p:cNvPr id="6" name="Rectangle 5">
+            <a:extLst>
+              <a:ext uri="{FF2B5EF4-FFF2-40B4-BE49-F238E27FC236}">
+                <a16:creationId xmlns:a16="http://schemas.microsoft.com/office/drawing/2014/main" id="{A1D9FC23-04EE-1E74-8DDB-F67529641187}"/>
+              </a:ext>
+            </a:extLst>
+          </p:cNvPr>
+          <p:cNvSpPr/>
+          <p:nvPr/>
+        </p:nvSpPr>
+        <p:spPr>
+          <a:xfrm>
+            <a:off x="554860" y="3651724"/>
+            <a:ext cx="956032" cy="201038"/>
+          </a:xfrm>
+          <a:prstGeom prst="rect">
+            <a:avLst/>
+          </a:prstGeom>
+          <a:solidFill>
+            <a:schemeClr val="bg1">
+              <a:lumMod val="95000"/>
+            </a:schemeClr>
+          </a:solidFill>
+          <a:ln w="15875">
+            <a:solidFill>
+              <a:srgbClr val="00C1DE"/>
+            </a:solidFill>
+          </a:ln>
+        </p:spPr>
+        <p:style>
+          <a:lnRef idx="2">
+            <a:schemeClr val="accent1">
+              <a:shade val="50000"/>
+            </a:schemeClr>
+          </a:lnRef>
+          <a:fillRef idx="1">
+            <a:schemeClr val="accent1"/>
+          </a:fillRef>
+          <a:effectRef idx="0">
+            <a:schemeClr val="accent1"/>
+          </a:effectRef>
+          <a:fontRef idx="minor">
+            <a:schemeClr val="lt1"/>
+          </a:fontRef>
+        </p:style>
+        <p:txBody>
+          <a:bodyPr rtlCol="0" anchor="ctr"/>
+          <a:lstStyle/>
+          <a:p>
+            <a:pPr algn="ctr" defTabSz="1219170" eaLnBrk="0" fontAlgn="base" hangingPunct="0">
+              <a:spcBef>
+                <a:spcPct val="0"/>
+              </a:spcBef>
+              <a:spcAft>
+                <a:spcPct val="0"/>
+              </a:spcAft>
+            </a:pPr>
+            <a:r>
+              <a:rPr lang="en-US" sz="1200" dirty="0">
+                <a:solidFill>
+                  <a:schemeClr val="tx1"/>
+                </a:solidFill>
+                <a:latin typeface="Aeonik" panose="020B0503030300000000" pitchFamily="34" charset="0"/>
+                <a:cs typeface="Calibri" panose="020F0502020204030204" pitchFamily="34" charset="0"/>
+              </a:rPr>
+              <a:t>timestamp</a:t>
+            </a:r>
+          </a:p>
+        </p:txBody>
+      </p:sp>
+      <p:sp>
+        <p:nvSpPr>
+          <p:cNvPr id="7" name="Rectangle 6">
+            <a:extLst>
+              <a:ext uri="{FF2B5EF4-FFF2-40B4-BE49-F238E27FC236}">
+                <a16:creationId xmlns:a16="http://schemas.microsoft.com/office/drawing/2014/main" id="{24481E57-FD43-4127-EB60-73CF406D5331}"/>
+              </a:ext>
+            </a:extLst>
+          </p:cNvPr>
+          <p:cNvSpPr/>
+          <p:nvPr/>
+        </p:nvSpPr>
+        <p:spPr>
+          <a:xfrm>
+            <a:off x="554860" y="3852762"/>
+            <a:ext cx="956032" cy="201038"/>
+          </a:xfrm>
+          <a:prstGeom prst="rect">
+            <a:avLst/>
+          </a:prstGeom>
+          <a:solidFill>
+            <a:schemeClr val="bg1">
+              <a:lumMod val="95000"/>
+            </a:schemeClr>
+          </a:solidFill>
+          <a:ln w="15875">
+            <a:solidFill>
+              <a:srgbClr val="00C1DE"/>
+            </a:solidFill>
+          </a:ln>
+        </p:spPr>
+        <p:style>
+          <a:lnRef idx="2">
+            <a:schemeClr val="accent1">
+              <a:shade val="50000"/>
+            </a:schemeClr>
+          </a:lnRef>
+          <a:fillRef idx="1">
+            <a:schemeClr val="accent1"/>
+          </a:fillRef>
+          <a:effectRef idx="0">
+            <a:schemeClr val="accent1"/>
+          </a:effectRef>
+          <a:fontRef idx="minor">
+            <a:schemeClr val="lt1"/>
+          </a:fontRef>
+        </p:style>
+        <p:txBody>
+          <a:bodyPr rtlCol="0" anchor="ctr"/>
+          <a:lstStyle/>
+          <a:p>
+            <a:pPr algn="ctr" defTabSz="1219170" eaLnBrk="0" fontAlgn="base" hangingPunct="0">
+              <a:spcBef>
+                <a:spcPct val="0"/>
+              </a:spcBef>
+              <a:spcAft>
+                <a:spcPct val="0"/>
+              </a:spcAft>
+            </a:pPr>
+            <a:r>
+              <a:rPr lang="en-US" sz="1200" dirty="0">
+                <a:solidFill>
+                  <a:schemeClr val="tx1"/>
+                </a:solidFill>
+                <a:latin typeface="Aeonik" panose="020B0503030300000000" pitchFamily="34" charset="0"/>
+                <a:cs typeface="Calibri" panose="020F0502020204030204" pitchFamily="34" charset="0"/>
+              </a:rPr>
+              <a:t>block size</a:t>
+            </a:r>
+          </a:p>
+        </p:txBody>
+      </p:sp>
+      <p:sp>
+        <p:nvSpPr>
+          <p:cNvPr id="8" name="Rectangle 7">
+            <a:extLst>
+              <a:ext uri="{FF2B5EF4-FFF2-40B4-BE49-F238E27FC236}">
+                <a16:creationId xmlns:a16="http://schemas.microsoft.com/office/drawing/2014/main" id="{D08FC379-5804-5B02-9332-0AF02165909B}"/>
+              </a:ext>
+            </a:extLst>
+          </p:cNvPr>
+          <p:cNvSpPr/>
+          <p:nvPr/>
+        </p:nvSpPr>
+        <p:spPr>
+          <a:xfrm>
+            <a:off x="554860" y="4053799"/>
+            <a:ext cx="956032" cy="606357"/>
+          </a:xfrm>
+          <a:prstGeom prst="rect">
+            <a:avLst/>
+          </a:prstGeom>
+          <a:solidFill>
+            <a:schemeClr val="bg1">
+              <a:lumMod val="95000"/>
+            </a:schemeClr>
+          </a:solidFill>
+          <a:ln w="15875">
+            <a:solidFill>
+              <a:srgbClr val="00C1DE"/>
+            </a:solidFill>
+          </a:ln>
+        </p:spPr>
+        <p:style>
+          <a:lnRef idx="2">
+            <a:schemeClr val="accent1">
+              <a:shade val="50000"/>
+            </a:schemeClr>
+          </a:lnRef>
+          <a:fillRef idx="1">
+            <a:schemeClr val="accent1"/>
+          </a:fillRef>
+          <a:effectRef idx="0">
+            <a:schemeClr val="accent1"/>
+          </a:effectRef>
+          <a:fontRef idx="minor">
+            <a:schemeClr val="lt1"/>
+          </a:fontRef>
+        </p:style>
+        <p:txBody>
+          <a:bodyPr rtlCol="0" anchor="ctr"/>
+          <a:lstStyle/>
+          <a:p>
+            <a:pPr algn="ctr" defTabSz="1219170" eaLnBrk="0" fontAlgn="base" hangingPunct="0">
+              <a:spcBef>
+                <a:spcPct val="0"/>
+              </a:spcBef>
+              <a:spcAft>
+                <a:spcPct val="0"/>
+              </a:spcAft>
+            </a:pPr>
+            <a:r>
+              <a:rPr lang="en-US" sz="1200" dirty="0">
+                <a:solidFill>
+                  <a:schemeClr val="tx1"/>
+                </a:solidFill>
+                <a:latin typeface="Aeonik" panose="020B0503030300000000" pitchFamily="34" charset="0"/>
+                <a:cs typeface="Calibri" panose="020F0502020204030204" pitchFamily="34" charset="0"/>
+              </a:rPr>
+              <a:t>data block</a:t>
+            </a:r>
+          </a:p>
+        </p:txBody>
+      </p:sp>
+      <p:sp>
+        <p:nvSpPr>
+          <p:cNvPr id="9" name="Rectangle 8">
+            <a:extLst>
+              <a:ext uri="{FF2B5EF4-FFF2-40B4-BE49-F238E27FC236}">
+                <a16:creationId xmlns:a16="http://schemas.microsoft.com/office/drawing/2014/main" id="{2762B8A7-327D-3F67-AFF2-F92810C171C7}"/>
+              </a:ext>
+            </a:extLst>
+          </p:cNvPr>
+          <p:cNvSpPr/>
+          <p:nvPr/>
+        </p:nvSpPr>
+        <p:spPr>
+          <a:xfrm>
+            <a:off x="554859" y="4666641"/>
+            <a:ext cx="956032" cy="201038"/>
+          </a:xfrm>
+          <a:prstGeom prst="rect">
+            <a:avLst/>
+          </a:prstGeom>
+          <a:solidFill>
+            <a:schemeClr val="bg1">
+              <a:lumMod val="75000"/>
+            </a:schemeClr>
+          </a:solidFill>
+          <a:ln w="15875">
+            <a:solidFill>
+              <a:srgbClr val="00C1DE"/>
+            </a:solidFill>
+          </a:ln>
+        </p:spPr>
+        <p:style>
+          <a:lnRef idx="2">
+            <a:schemeClr val="accent1">
+              <a:shade val="50000"/>
+            </a:schemeClr>
+          </a:lnRef>
+          <a:fillRef idx="1">
+            <a:schemeClr val="accent1"/>
+          </a:fillRef>
+          <a:effectRef idx="0">
+            <a:schemeClr val="accent1"/>
+          </a:effectRef>
+          <a:fontRef idx="minor">
+            <a:schemeClr val="lt1"/>
+          </a:fontRef>
+        </p:style>
+        <p:txBody>
+          <a:bodyPr rtlCol="0" anchor="ctr"/>
+          <a:lstStyle/>
+          <a:p>
+            <a:pPr algn="ctr" defTabSz="1219170" eaLnBrk="0" fontAlgn="base" hangingPunct="0">
+              <a:spcBef>
+                <a:spcPct val="0"/>
+              </a:spcBef>
+              <a:spcAft>
+                <a:spcPct val="0"/>
+              </a:spcAft>
+            </a:pPr>
+            <a:r>
+              <a:rPr lang="en-US" sz="1200" dirty="0">
+                <a:solidFill>
+                  <a:schemeClr val="tx1"/>
+                </a:solidFill>
+                <a:latin typeface="Aeonik" panose="020B0503030300000000" pitchFamily="34" charset="0"/>
+                <a:cs typeface="Calibri" panose="020F0502020204030204" pitchFamily="34" charset="0"/>
+              </a:rPr>
+              <a:t>timestamp</a:t>
+            </a:r>
+          </a:p>
+        </p:txBody>
+      </p:sp>
+      <p:sp>
+        <p:nvSpPr>
+          <p:cNvPr id="10" name="Rectangle 9">
+            <a:extLst>
+              <a:ext uri="{FF2B5EF4-FFF2-40B4-BE49-F238E27FC236}">
+                <a16:creationId xmlns:a16="http://schemas.microsoft.com/office/drawing/2014/main" id="{1A238A8D-5E1B-4B63-6B87-4B462F46D1A8}"/>
+              </a:ext>
+            </a:extLst>
+          </p:cNvPr>
+          <p:cNvSpPr/>
+          <p:nvPr/>
+        </p:nvSpPr>
+        <p:spPr>
+          <a:xfrm>
+            <a:off x="554859" y="4867679"/>
+            <a:ext cx="956032" cy="201038"/>
+          </a:xfrm>
+          <a:prstGeom prst="rect">
+            <a:avLst/>
+          </a:prstGeom>
+          <a:solidFill>
+            <a:schemeClr val="bg1">
+              <a:lumMod val="75000"/>
+            </a:schemeClr>
+          </a:solidFill>
+          <a:ln w="15875">
+            <a:solidFill>
+              <a:srgbClr val="00C1DE"/>
+            </a:solidFill>
+          </a:ln>
+        </p:spPr>
+        <p:style>
+          <a:lnRef idx="2">
+            <a:schemeClr val="accent1">
+              <a:shade val="50000"/>
+            </a:schemeClr>
+          </a:lnRef>
+          <a:fillRef idx="1">
+            <a:schemeClr val="accent1"/>
+          </a:fillRef>
+          <a:effectRef idx="0">
+            <a:schemeClr val="accent1"/>
+          </a:effectRef>
+          <a:fontRef idx="minor">
+            <a:schemeClr val="lt1"/>
+          </a:fontRef>
+        </p:style>
+        <p:txBody>
+          <a:bodyPr rtlCol="0" anchor="ctr"/>
+          <a:lstStyle/>
+          <a:p>
+            <a:pPr algn="ctr" defTabSz="1219170" eaLnBrk="0" fontAlgn="base" hangingPunct="0">
+              <a:spcBef>
+                <a:spcPct val="0"/>
+              </a:spcBef>
+              <a:spcAft>
+                <a:spcPct val="0"/>
+              </a:spcAft>
+            </a:pPr>
+            <a:r>
+              <a:rPr lang="en-US" sz="1200" dirty="0">
+                <a:solidFill>
+                  <a:schemeClr val="tx1"/>
+                </a:solidFill>
+                <a:latin typeface="Aeonik" panose="020B0503030300000000" pitchFamily="34" charset="0"/>
+                <a:cs typeface="Calibri" panose="020F0502020204030204" pitchFamily="34" charset="0"/>
+              </a:rPr>
+              <a:t>block size</a:t>
+            </a:r>
+          </a:p>
+        </p:txBody>
+      </p:sp>
+      <p:cxnSp>
+        <p:nvCxnSpPr>
+          <p:cNvPr id="11" name="Straight Connector 10">
+            <a:extLst>
+              <a:ext uri="{FF2B5EF4-FFF2-40B4-BE49-F238E27FC236}">
+                <a16:creationId xmlns:a16="http://schemas.microsoft.com/office/drawing/2014/main" id="{0277E518-22E2-4732-5259-8637BDB8C2CC}"/>
+              </a:ext>
+            </a:extLst>
+          </p:cNvPr>
+          <p:cNvCxnSpPr>
+            <a:cxnSpLocks/>
+          </p:cNvCxnSpPr>
+          <p:nvPr/>
+        </p:nvCxnSpPr>
+        <p:spPr>
+          <a:xfrm>
+            <a:off x="554859" y="5068717"/>
+            <a:ext cx="0" cy="295072"/>
+          </a:xfrm>
+          <a:prstGeom prst="line">
+            <a:avLst/>
+          </a:prstGeom>
+          <a:solidFill>
+            <a:schemeClr val="bg1">
+              <a:lumMod val="95000"/>
+            </a:schemeClr>
+          </a:solidFill>
+          <a:ln w="15875">
+            <a:solidFill>
+              <a:srgbClr val="00C1DE"/>
+            </a:solidFill>
+            <a:prstDash val="dash"/>
+          </a:ln>
+        </p:spPr>
+        <p:style>
+          <a:lnRef idx="2">
+            <a:schemeClr val="accent1">
+              <a:shade val="50000"/>
+            </a:schemeClr>
+          </a:lnRef>
+          <a:fillRef idx="1">
+            <a:schemeClr val="accent1"/>
+          </a:fillRef>
+          <a:effectRef idx="0">
+            <a:schemeClr val="accent1"/>
+          </a:effectRef>
+          <a:fontRef idx="minor">
+            <a:schemeClr val="lt1"/>
+          </a:fontRef>
+        </p:style>
+      </p:cxnSp>
+      <p:cxnSp>
+        <p:nvCxnSpPr>
+          <p:cNvPr id="12" name="Straight Connector 11">
+            <a:extLst>
+              <a:ext uri="{FF2B5EF4-FFF2-40B4-BE49-F238E27FC236}">
+                <a16:creationId xmlns:a16="http://schemas.microsoft.com/office/drawing/2014/main" id="{B76052C5-4EB0-AA1E-201F-295800017F99}"/>
+              </a:ext>
+            </a:extLst>
+          </p:cNvPr>
+          <p:cNvCxnSpPr>
+            <a:cxnSpLocks/>
+          </p:cNvCxnSpPr>
+          <p:nvPr/>
+        </p:nvCxnSpPr>
+        <p:spPr>
+          <a:xfrm>
+            <a:off x="1510891" y="5068717"/>
+            <a:ext cx="0" cy="295072"/>
+          </a:xfrm>
+          <a:prstGeom prst="line">
+            <a:avLst/>
+          </a:prstGeom>
+          <a:solidFill>
+            <a:schemeClr val="bg1">
+              <a:lumMod val="95000"/>
+            </a:schemeClr>
+          </a:solidFill>
+          <a:ln w="15875">
+            <a:solidFill>
+              <a:srgbClr val="00C1DE"/>
+            </a:solidFill>
+            <a:prstDash val="dash"/>
+          </a:ln>
+        </p:spPr>
+        <p:style>
+          <a:lnRef idx="2">
+            <a:schemeClr val="accent1">
+              <a:shade val="50000"/>
+            </a:schemeClr>
+          </a:lnRef>
+          <a:fillRef idx="1">
+            <a:schemeClr val="accent1"/>
+          </a:fillRef>
+          <a:effectRef idx="0">
+            <a:schemeClr val="accent1"/>
+          </a:effectRef>
+          <a:fontRef idx="minor">
+            <a:schemeClr val="lt1"/>
+          </a:fontRef>
+        </p:style>
+      </p:cxnSp>
+      <p:sp>
+        <p:nvSpPr>
+          <p:cNvPr id="13" name="TextBox 12">
+            <a:extLst>
+              <a:ext uri="{FF2B5EF4-FFF2-40B4-BE49-F238E27FC236}">
+                <a16:creationId xmlns:a16="http://schemas.microsoft.com/office/drawing/2014/main" id="{769D12FA-B1F8-E274-908D-FC76038A889F}"/>
+              </a:ext>
+            </a:extLst>
+          </p:cNvPr>
+          <p:cNvSpPr txBox="1"/>
+          <p:nvPr/>
+        </p:nvSpPr>
+        <p:spPr>
+          <a:xfrm>
+            <a:off x="539986" y="2358218"/>
+            <a:ext cx="1021408" cy="142347"/>
+          </a:xfrm>
+          <a:prstGeom prst="rect">
+            <a:avLst/>
+          </a:prstGeom>
+          <a:noFill/>
+        </p:spPr>
+        <p:txBody>
+          <a:bodyPr wrap="square" lIns="0" tIns="0" rIns="0" bIns="0" rtlCol="0">
+            <a:spAutoFit/>
+          </a:bodyPr>
+          <a:lstStyle/>
+          <a:p>
+            <a:pPr marL="0" indent="0" algn="l" defTabSz="914400" rtl="0" eaLnBrk="1" latinLnBrk="0" hangingPunct="1">
+              <a:lnSpc>
+                <a:spcPct val="90000"/>
+              </a:lnSpc>
+              <a:spcBef>
+                <a:spcPts val="0"/>
+              </a:spcBef>
+              <a:spcAft>
+                <a:spcPts val="600"/>
+              </a:spcAft>
+              <a:buFont typeface="Arial" panose="020B0604020202020204" pitchFamily="34" charset="0"/>
+              <a:buNone/>
+            </a:pPr>
+            <a:r>
+              <a:rPr lang="en-US" sz="1000" b="1" dirty="0">
+                <a:solidFill>
+                  <a:schemeClr val="tx2"/>
+                </a:solidFill>
+                <a:latin typeface="Courier New" panose="02070309020205020404" pitchFamily="49" charset="0"/>
+                <a:cs typeface="Courier New" panose="02070309020205020404" pitchFamily="49" charset="0"/>
+              </a:rPr>
+              <a:t>SCinput.0.sds</a:t>
+            </a:r>
+            <a:endParaRPr lang="en-US" sz="1000" b="1" kern="1200" dirty="0">
+              <a:solidFill>
+                <a:schemeClr val="tx2"/>
+              </a:solidFill>
+              <a:latin typeface="Courier New" panose="02070309020205020404" pitchFamily="49" charset="0"/>
+              <a:cs typeface="Courier New" panose="02070309020205020404" pitchFamily="49" charset="0"/>
+            </a:endParaRPr>
+          </a:p>
+        </p:txBody>
+      </p:sp>
+      <p:sp>
+        <p:nvSpPr>
+          <p:cNvPr id="14" name="Rectangle 13">
+            <a:extLst>
+              <a:ext uri="{FF2B5EF4-FFF2-40B4-BE49-F238E27FC236}">
+                <a16:creationId xmlns:a16="http://schemas.microsoft.com/office/drawing/2014/main" id="{B1D5F663-8FDF-D142-D206-934EA2CDC203}"/>
+              </a:ext>
+            </a:extLst>
+          </p:cNvPr>
+          <p:cNvSpPr/>
+          <p:nvPr/>
+        </p:nvSpPr>
+        <p:spPr>
+          <a:xfrm>
+            <a:off x="2339506" y="2665440"/>
+            <a:ext cx="956032" cy="201038"/>
+          </a:xfrm>
+          <a:prstGeom prst="rect">
+            <a:avLst/>
+          </a:prstGeom>
+          <a:solidFill>
+            <a:schemeClr val="bg1">
+              <a:lumMod val="75000"/>
+            </a:schemeClr>
+          </a:solidFill>
+          <a:ln w="15875">
+            <a:solidFill>
+              <a:srgbClr val="00C1DE"/>
+            </a:solidFill>
+          </a:ln>
+        </p:spPr>
+        <p:style>
+          <a:lnRef idx="2">
+            <a:schemeClr val="accent1">
+              <a:shade val="50000"/>
+            </a:schemeClr>
+          </a:lnRef>
+          <a:fillRef idx="1">
+            <a:schemeClr val="accent1"/>
+          </a:fillRef>
+          <a:effectRef idx="0">
+            <a:schemeClr val="accent1"/>
+          </a:effectRef>
+          <a:fontRef idx="minor">
+            <a:schemeClr val="lt1"/>
+          </a:fontRef>
+        </p:style>
+        <p:txBody>
+          <a:bodyPr rtlCol="0" anchor="ctr"/>
+          <a:lstStyle/>
+          <a:p>
+            <a:pPr algn="ctr" defTabSz="1219170" eaLnBrk="0" fontAlgn="base" hangingPunct="0">
+              <a:spcBef>
+                <a:spcPct val="0"/>
+              </a:spcBef>
+              <a:spcAft>
+                <a:spcPct val="0"/>
+              </a:spcAft>
+            </a:pPr>
+            <a:r>
+              <a:rPr lang="en-US" sz="1200" dirty="0">
+                <a:solidFill>
+                  <a:schemeClr val="tx1"/>
+                </a:solidFill>
+                <a:latin typeface="Aeonik" panose="020B0503030300000000" pitchFamily="34" charset="0"/>
+                <a:cs typeface="Calibri" panose="020F0502020204030204" pitchFamily="34" charset="0"/>
+              </a:rPr>
+              <a:t>timestamp</a:t>
+            </a:r>
+          </a:p>
+        </p:txBody>
+      </p:sp>
+      <p:sp>
+        <p:nvSpPr>
+          <p:cNvPr id="15" name="Rectangle 14">
+            <a:extLst>
+              <a:ext uri="{FF2B5EF4-FFF2-40B4-BE49-F238E27FC236}">
+                <a16:creationId xmlns:a16="http://schemas.microsoft.com/office/drawing/2014/main" id="{C17155FF-F44A-80BF-47D9-CE669DD8C0BD}"/>
+              </a:ext>
+            </a:extLst>
+          </p:cNvPr>
+          <p:cNvSpPr/>
+          <p:nvPr/>
+        </p:nvSpPr>
+        <p:spPr>
+          <a:xfrm>
+            <a:off x="2339506" y="2866478"/>
+            <a:ext cx="956032" cy="201038"/>
+          </a:xfrm>
+          <a:prstGeom prst="rect">
+            <a:avLst/>
+          </a:prstGeom>
+          <a:solidFill>
+            <a:schemeClr val="bg1">
+              <a:lumMod val="75000"/>
+            </a:schemeClr>
+          </a:solidFill>
+          <a:ln w="15875">
+            <a:solidFill>
+              <a:srgbClr val="00C1DE"/>
+            </a:solidFill>
+          </a:ln>
+        </p:spPr>
+        <p:style>
+          <a:lnRef idx="2">
+            <a:schemeClr val="accent1">
+              <a:shade val="50000"/>
+            </a:schemeClr>
+          </a:lnRef>
+          <a:fillRef idx="1">
+            <a:schemeClr val="accent1"/>
+          </a:fillRef>
+          <a:effectRef idx="0">
+            <a:schemeClr val="accent1"/>
+          </a:effectRef>
+          <a:fontRef idx="minor">
+            <a:schemeClr val="lt1"/>
+          </a:fontRef>
+        </p:style>
+        <p:txBody>
+          <a:bodyPr rtlCol="0" anchor="ctr"/>
+          <a:lstStyle/>
+          <a:p>
+            <a:pPr algn="ctr" defTabSz="1219170" eaLnBrk="0" fontAlgn="base" hangingPunct="0">
+              <a:spcBef>
+                <a:spcPct val="0"/>
+              </a:spcBef>
+              <a:spcAft>
+                <a:spcPct val="0"/>
+              </a:spcAft>
+            </a:pPr>
+            <a:r>
+              <a:rPr lang="en-US" sz="1200" dirty="0">
+                <a:solidFill>
+                  <a:schemeClr val="tx1"/>
+                </a:solidFill>
+                <a:latin typeface="Aeonik" panose="020B0503030300000000" pitchFamily="34" charset="0"/>
+                <a:cs typeface="Calibri" panose="020F0502020204030204" pitchFamily="34" charset="0"/>
+              </a:rPr>
+              <a:t>block size</a:t>
+            </a:r>
+          </a:p>
+        </p:txBody>
+      </p:sp>
+      <p:sp>
+        <p:nvSpPr>
+          <p:cNvPr id="16" name="Rectangle 15">
+            <a:extLst>
+              <a:ext uri="{FF2B5EF4-FFF2-40B4-BE49-F238E27FC236}">
+                <a16:creationId xmlns:a16="http://schemas.microsoft.com/office/drawing/2014/main" id="{D99ED505-C388-0CFC-29D7-94E5B9B5ABBD}"/>
+              </a:ext>
+            </a:extLst>
+          </p:cNvPr>
+          <p:cNvSpPr/>
+          <p:nvPr/>
+        </p:nvSpPr>
+        <p:spPr>
+          <a:xfrm>
+            <a:off x="2339506" y="3067515"/>
+            <a:ext cx="956032" cy="606357"/>
+          </a:xfrm>
+          <a:prstGeom prst="rect">
+            <a:avLst/>
+          </a:prstGeom>
+          <a:solidFill>
+            <a:schemeClr val="bg1">
+              <a:lumMod val="75000"/>
+            </a:schemeClr>
+          </a:solidFill>
+          <a:ln w="15875">
+            <a:solidFill>
+              <a:srgbClr val="00C1DE"/>
+            </a:solidFill>
+          </a:ln>
+        </p:spPr>
+        <p:style>
+          <a:lnRef idx="2">
+            <a:schemeClr val="accent1">
+              <a:shade val="50000"/>
+            </a:schemeClr>
+          </a:lnRef>
+          <a:fillRef idx="1">
+            <a:schemeClr val="accent1"/>
+          </a:fillRef>
+          <a:effectRef idx="0">
+            <a:schemeClr val="accent1"/>
+          </a:effectRef>
+          <a:fontRef idx="minor">
+            <a:schemeClr val="lt1"/>
+          </a:fontRef>
+        </p:style>
+        <p:txBody>
+          <a:bodyPr rtlCol="0" anchor="ctr"/>
+          <a:lstStyle/>
+          <a:p>
+            <a:pPr algn="ctr" defTabSz="1219170" eaLnBrk="0" fontAlgn="base" hangingPunct="0">
+              <a:spcBef>
+                <a:spcPct val="0"/>
+              </a:spcBef>
+              <a:spcAft>
+                <a:spcPct val="0"/>
+              </a:spcAft>
+            </a:pPr>
+            <a:r>
+              <a:rPr lang="en-US" sz="1200" dirty="0">
+                <a:solidFill>
+                  <a:schemeClr val="tx1"/>
+                </a:solidFill>
+                <a:latin typeface="Aeonik" panose="020B0503030300000000" pitchFamily="34" charset="0"/>
+                <a:cs typeface="Calibri" panose="020F0502020204030204" pitchFamily="34" charset="0"/>
+              </a:rPr>
+              <a:t>data block</a:t>
+            </a:r>
+          </a:p>
+        </p:txBody>
+      </p:sp>
+      <p:sp>
+        <p:nvSpPr>
+          <p:cNvPr id="17" name="Rectangle 16">
+            <a:extLst>
+              <a:ext uri="{FF2B5EF4-FFF2-40B4-BE49-F238E27FC236}">
+                <a16:creationId xmlns:a16="http://schemas.microsoft.com/office/drawing/2014/main" id="{AA974E03-B1B0-6E63-A51F-88E7E505A721}"/>
+              </a:ext>
+            </a:extLst>
+          </p:cNvPr>
+          <p:cNvSpPr/>
+          <p:nvPr/>
+        </p:nvSpPr>
+        <p:spPr>
+          <a:xfrm>
+            <a:off x="2339507" y="3667390"/>
+            <a:ext cx="956032" cy="201038"/>
+          </a:xfrm>
+          <a:prstGeom prst="rect">
+            <a:avLst/>
+          </a:prstGeom>
+          <a:solidFill>
+            <a:schemeClr val="bg1">
+              <a:lumMod val="95000"/>
+            </a:schemeClr>
+          </a:solidFill>
+          <a:ln w="15875">
+            <a:solidFill>
+              <a:srgbClr val="00C1DE"/>
+            </a:solidFill>
+          </a:ln>
+        </p:spPr>
+        <p:style>
+          <a:lnRef idx="2">
+            <a:schemeClr val="accent1">
+              <a:shade val="50000"/>
+            </a:schemeClr>
+          </a:lnRef>
+          <a:fillRef idx="1">
+            <a:schemeClr val="accent1"/>
+          </a:fillRef>
+          <a:effectRef idx="0">
+            <a:schemeClr val="accent1"/>
+          </a:effectRef>
+          <a:fontRef idx="minor">
+            <a:schemeClr val="lt1"/>
+          </a:fontRef>
+        </p:style>
+        <p:txBody>
+          <a:bodyPr rtlCol="0" anchor="ctr"/>
+          <a:lstStyle/>
+          <a:p>
+            <a:pPr algn="ctr" defTabSz="1219170" eaLnBrk="0" fontAlgn="base" hangingPunct="0">
+              <a:spcBef>
+                <a:spcPct val="0"/>
+              </a:spcBef>
+              <a:spcAft>
+                <a:spcPct val="0"/>
+              </a:spcAft>
+            </a:pPr>
+            <a:r>
+              <a:rPr lang="en-US" sz="1200" dirty="0">
+                <a:solidFill>
+                  <a:schemeClr val="tx1"/>
+                </a:solidFill>
+                <a:latin typeface="Aeonik" panose="020B0503030300000000" pitchFamily="34" charset="0"/>
+                <a:cs typeface="Calibri" panose="020F0502020204030204" pitchFamily="34" charset="0"/>
+              </a:rPr>
+              <a:t>timestamp</a:t>
+            </a:r>
+          </a:p>
+        </p:txBody>
+      </p:sp>
+      <p:sp>
+        <p:nvSpPr>
+          <p:cNvPr id="18" name="Rectangle 17">
+            <a:extLst>
+              <a:ext uri="{FF2B5EF4-FFF2-40B4-BE49-F238E27FC236}">
+                <a16:creationId xmlns:a16="http://schemas.microsoft.com/office/drawing/2014/main" id="{7211C269-FD62-DB9D-78E6-F4D731D27F39}"/>
+              </a:ext>
+            </a:extLst>
+          </p:cNvPr>
+          <p:cNvSpPr/>
+          <p:nvPr/>
+        </p:nvSpPr>
+        <p:spPr>
+          <a:xfrm>
+            <a:off x="2339507" y="3868428"/>
+            <a:ext cx="956032" cy="201038"/>
+          </a:xfrm>
+          <a:prstGeom prst="rect">
+            <a:avLst/>
+          </a:prstGeom>
+          <a:solidFill>
+            <a:schemeClr val="bg1">
+              <a:lumMod val="95000"/>
+            </a:schemeClr>
+          </a:solidFill>
+          <a:ln w="15875">
+            <a:solidFill>
+              <a:srgbClr val="00C1DE"/>
+            </a:solidFill>
+          </a:ln>
+        </p:spPr>
+        <p:style>
+          <a:lnRef idx="2">
+            <a:schemeClr val="accent1">
+              <a:shade val="50000"/>
+            </a:schemeClr>
+          </a:lnRef>
+          <a:fillRef idx="1">
+            <a:schemeClr val="accent1"/>
+          </a:fillRef>
+          <a:effectRef idx="0">
+            <a:schemeClr val="accent1"/>
+          </a:effectRef>
+          <a:fontRef idx="minor">
+            <a:schemeClr val="lt1"/>
+          </a:fontRef>
+        </p:style>
+        <p:txBody>
+          <a:bodyPr rtlCol="0" anchor="ctr"/>
+          <a:lstStyle/>
+          <a:p>
+            <a:pPr algn="ctr" defTabSz="1219170" eaLnBrk="0" fontAlgn="base" hangingPunct="0">
+              <a:spcBef>
+                <a:spcPct val="0"/>
+              </a:spcBef>
+              <a:spcAft>
+                <a:spcPct val="0"/>
+              </a:spcAft>
+            </a:pPr>
+            <a:r>
+              <a:rPr lang="en-US" sz="1200" dirty="0">
+                <a:solidFill>
+                  <a:schemeClr val="tx1"/>
+                </a:solidFill>
+                <a:latin typeface="Aeonik" panose="020B0503030300000000" pitchFamily="34" charset="0"/>
+                <a:cs typeface="Calibri" panose="020F0502020204030204" pitchFamily="34" charset="0"/>
+              </a:rPr>
+              <a:t>block size</a:t>
+            </a:r>
+          </a:p>
+        </p:txBody>
+      </p:sp>
+      <p:sp>
+        <p:nvSpPr>
+          <p:cNvPr id="19" name="Rectangle 18">
+            <a:extLst>
+              <a:ext uri="{FF2B5EF4-FFF2-40B4-BE49-F238E27FC236}">
+                <a16:creationId xmlns:a16="http://schemas.microsoft.com/office/drawing/2014/main" id="{ACC94616-5F9B-AFCA-CC1D-A6DD3995BC07}"/>
+              </a:ext>
+            </a:extLst>
+          </p:cNvPr>
+          <p:cNvSpPr/>
+          <p:nvPr/>
+        </p:nvSpPr>
+        <p:spPr>
+          <a:xfrm>
+            <a:off x="2339507" y="4069465"/>
+            <a:ext cx="956032" cy="606357"/>
+          </a:xfrm>
+          <a:prstGeom prst="rect">
+            <a:avLst/>
+          </a:prstGeom>
+          <a:solidFill>
+            <a:schemeClr val="bg1">
+              <a:lumMod val="95000"/>
+            </a:schemeClr>
+          </a:solidFill>
+          <a:ln w="15875">
+            <a:solidFill>
+              <a:srgbClr val="00C1DE"/>
+            </a:solidFill>
+          </a:ln>
+        </p:spPr>
+        <p:style>
+          <a:lnRef idx="2">
+            <a:schemeClr val="accent1">
+              <a:shade val="50000"/>
+            </a:schemeClr>
+          </a:lnRef>
+          <a:fillRef idx="1">
+            <a:schemeClr val="accent1"/>
+          </a:fillRef>
+          <a:effectRef idx="0">
+            <a:schemeClr val="accent1"/>
+          </a:effectRef>
+          <a:fontRef idx="minor">
+            <a:schemeClr val="lt1"/>
+          </a:fontRef>
+        </p:style>
+        <p:txBody>
+          <a:bodyPr rtlCol="0" anchor="ctr"/>
+          <a:lstStyle/>
+          <a:p>
+            <a:pPr algn="ctr" defTabSz="1219170" eaLnBrk="0" fontAlgn="base" hangingPunct="0">
+              <a:spcBef>
+                <a:spcPct val="0"/>
+              </a:spcBef>
+              <a:spcAft>
+                <a:spcPct val="0"/>
+              </a:spcAft>
+            </a:pPr>
+            <a:r>
+              <a:rPr lang="en-US" sz="1200" dirty="0">
+                <a:solidFill>
+                  <a:schemeClr val="tx1"/>
+                </a:solidFill>
+                <a:latin typeface="Aeonik" panose="020B0503030300000000" pitchFamily="34" charset="0"/>
+                <a:cs typeface="Calibri" panose="020F0502020204030204" pitchFamily="34" charset="0"/>
+              </a:rPr>
+              <a:t>data block</a:t>
+            </a:r>
+          </a:p>
+        </p:txBody>
+      </p:sp>
+      <p:sp>
+        <p:nvSpPr>
+          <p:cNvPr id="20" name="Rectangle 19">
+            <a:extLst>
+              <a:ext uri="{FF2B5EF4-FFF2-40B4-BE49-F238E27FC236}">
+                <a16:creationId xmlns:a16="http://schemas.microsoft.com/office/drawing/2014/main" id="{8E616A00-C10B-457A-2ADD-A33349A77D8B}"/>
+              </a:ext>
+            </a:extLst>
+          </p:cNvPr>
+          <p:cNvSpPr/>
+          <p:nvPr/>
+        </p:nvSpPr>
+        <p:spPr>
+          <a:xfrm>
+            <a:off x="2339506" y="5126689"/>
+            <a:ext cx="956032" cy="201038"/>
+          </a:xfrm>
+          <a:prstGeom prst="rect">
+            <a:avLst/>
+          </a:prstGeom>
+          <a:solidFill>
+            <a:schemeClr val="bg1">
+              <a:lumMod val="75000"/>
+            </a:schemeClr>
+          </a:solidFill>
+          <a:ln w="15875">
+            <a:solidFill>
+              <a:srgbClr val="00C1DE"/>
+            </a:solidFill>
+          </a:ln>
+        </p:spPr>
+        <p:style>
+          <a:lnRef idx="2">
+            <a:schemeClr val="accent1">
+              <a:shade val="50000"/>
+            </a:schemeClr>
+          </a:lnRef>
+          <a:fillRef idx="1">
+            <a:schemeClr val="accent1"/>
+          </a:fillRef>
+          <a:effectRef idx="0">
+            <a:schemeClr val="accent1"/>
+          </a:effectRef>
+          <a:fontRef idx="minor">
+            <a:schemeClr val="lt1"/>
+          </a:fontRef>
+        </p:style>
+        <p:txBody>
+          <a:bodyPr rtlCol="0" anchor="ctr"/>
+          <a:lstStyle/>
+          <a:p>
+            <a:pPr algn="ctr" defTabSz="1219170" eaLnBrk="0" fontAlgn="base" hangingPunct="0">
+              <a:spcBef>
+                <a:spcPct val="0"/>
+              </a:spcBef>
+              <a:spcAft>
+                <a:spcPct val="0"/>
+              </a:spcAft>
+            </a:pPr>
+            <a:r>
+              <a:rPr lang="en-US" sz="1200" dirty="0">
+                <a:solidFill>
+                  <a:schemeClr val="tx1"/>
+                </a:solidFill>
+                <a:latin typeface="Aeonik" panose="020B0503030300000000" pitchFamily="34" charset="0"/>
+                <a:cs typeface="Calibri" panose="020F0502020204030204" pitchFamily="34" charset="0"/>
+              </a:rPr>
+              <a:t>timestamp</a:t>
+            </a:r>
+          </a:p>
+        </p:txBody>
+      </p:sp>
+      <p:sp>
+        <p:nvSpPr>
+          <p:cNvPr id="21" name="Rectangle 20">
+            <a:extLst>
+              <a:ext uri="{FF2B5EF4-FFF2-40B4-BE49-F238E27FC236}">
+                <a16:creationId xmlns:a16="http://schemas.microsoft.com/office/drawing/2014/main" id="{E8374B28-549A-2E7A-88EC-023C1831C96F}"/>
+              </a:ext>
+            </a:extLst>
+          </p:cNvPr>
+          <p:cNvSpPr/>
+          <p:nvPr/>
+        </p:nvSpPr>
+        <p:spPr>
+          <a:xfrm>
+            <a:off x="2339506" y="5327727"/>
+            <a:ext cx="956032" cy="201038"/>
+          </a:xfrm>
+          <a:prstGeom prst="rect">
+            <a:avLst/>
+          </a:prstGeom>
+          <a:solidFill>
+            <a:schemeClr val="bg1">
+              <a:lumMod val="75000"/>
+            </a:schemeClr>
+          </a:solidFill>
+          <a:ln w="15875">
+            <a:solidFill>
+              <a:srgbClr val="00C1DE"/>
+            </a:solidFill>
+          </a:ln>
+        </p:spPr>
+        <p:style>
+          <a:lnRef idx="2">
+            <a:schemeClr val="accent1">
+              <a:shade val="50000"/>
+            </a:schemeClr>
+          </a:lnRef>
+          <a:fillRef idx="1">
+            <a:schemeClr val="accent1"/>
+          </a:fillRef>
+          <a:effectRef idx="0">
+            <a:schemeClr val="accent1"/>
+          </a:effectRef>
+          <a:fontRef idx="minor">
+            <a:schemeClr val="lt1"/>
+          </a:fontRef>
+        </p:style>
+        <p:txBody>
+          <a:bodyPr rtlCol="0" anchor="ctr"/>
+          <a:lstStyle/>
+          <a:p>
+            <a:pPr algn="ctr" defTabSz="1219170" eaLnBrk="0" fontAlgn="base" hangingPunct="0">
+              <a:spcBef>
+                <a:spcPct val="0"/>
+              </a:spcBef>
+              <a:spcAft>
+                <a:spcPct val="0"/>
+              </a:spcAft>
+            </a:pPr>
+            <a:r>
+              <a:rPr lang="en-US" sz="1200" dirty="0">
+                <a:solidFill>
+                  <a:schemeClr val="tx1"/>
+                </a:solidFill>
+                <a:latin typeface="Aeonik" panose="020B0503030300000000" pitchFamily="34" charset="0"/>
+                <a:cs typeface="Calibri" panose="020F0502020204030204" pitchFamily="34" charset="0"/>
+              </a:rPr>
+              <a:t>block size</a:t>
+            </a:r>
+          </a:p>
+        </p:txBody>
+      </p:sp>
+      <p:cxnSp>
+        <p:nvCxnSpPr>
+          <p:cNvPr id="22" name="Straight Connector 21">
+            <a:extLst>
+              <a:ext uri="{FF2B5EF4-FFF2-40B4-BE49-F238E27FC236}">
+                <a16:creationId xmlns:a16="http://schemas.microsoft.com/office/drawing/2014/main" id="{72103992-B9A6-5F27-98F9-914D63613318}"/>
+              </a:ext>
+            </a:extLst>
+          </p:cNvPr>
+          <p:cNvCxnSpPr>
+            <a:cxnSpLocks/>
+          </p:cNvCxnSpPr>
+          <p:nvPr/>
+        </p:nvCxnSpPr>
+        <p:spPr>
+          <a:xfrm>
+            <a:off x="2339506" y="5528765"/>
+            <a:ext cx="0" cy="295072"/>
+          </a:xfrm>
+          <a:prstGeom prst="line">
+            <a:avLst/>
+          </a:prstGeom>
+          <a:solidFill>
+            <a:schemeClr val="bg1">
+              <a:lumMod val="95000"/>
+            </a:schemeClr>
+          </a:solidFill>
+          <a:ln w="15875">
+            <a:solidFill>
+              <a:srgbClr val="00C1DE"/>
+            </a:solidFill>
+            <a:prstDash val="dash"/>
+          </a:ln>
+        </p:spPr>
+        <p:style>
+          <a:lnRef idx="2">
+            <a:schemeClr val="accent1">
+              <a:shade val="50000"/>
+            </a:schemeClr>
+          </a:lnRef>
+          <a:fillRef idx="1">
+            <a:schemeClr val="accent1"/>
+          </a:fillRef>
+          <a:effectRef idx="0">
+            <a:schemeClr val="accent1"/>
+          </a:effectRef>
+          <a:fontRef idx="minor">
+            <a:schemeClr val="lt1"/>
+          </a:fontRef>
+        </p:style>
+      </p:cxnSp>
+      <p:cxnSp>
+        <p:nvCxnSpPr>
+          <p:cNvPr id="23" name="Straight Connector 22">
+            <a:extLst>
+              <a:ext uri="{FF2B5EF4-FFF2-40B4-BE49-F238E27FC236}">
+                <a16:creationId xmlns:a16="http://schemas.microsoft.com/office/drawing/2014/main" id="{BD5BF75B-75B0-A9D9-57E6-1ABC29B7115F}"/>
+              </a:ext>
+            </a:extLst>
+          </p:cNvPr>
+          <p:cNvCxnSpPr>
+            <a:cxnSpLocks/>
+          </p:cNvCxnSpPr>
+          <p:nvPr/>
+        </p:nvCxnSpPr>
+        <p:spPr>
+          <a:xfrm>
+            <a:off x="3295538" y="5528765"/>
+            <a:ext cx="0" cy="295072"/>
+          </a:xfrm>
+          <a:prstGeom prst="line">
+            <a:avLst/>
+          </a:prstGeom>
+          <a:solidFill>
+            <a:schemeClr val="bg1">
+              <a:lumMod val="95000"/>
+            </a:schemeClr>
+          </a:solidFill>
+          <a:ln w="15875">
+            <a:solidFill>
+              <a:srgbClr val="00C1DE"/>
+            </a:solidFill>
+            <a:prstDash val="dash"/>
+          </a:ln>
+        </p:spPr>
+        <p:style>
+          <a:lnRef idx="2">
+            <a:schemeClr val="accent1">
+              <a:shade val="50000"/>
+            </a:schemeClr>
+          </a:lnRef>
+          <a:fillRef idx="1">
+            <a:schemeClr val="accent1"/>
+          </a:fillRef>
+          <a:effectRef idx="0">
+            <a:schemeClr val="accent1"/>
+          </a:effectRef>
+          <a:fontRef idx="minor">
+            <a:schemeClr val="lt1"/>
+          </a:fontRef>
+        </p:style>
+      </p:cxnSp>
+      <p:sp>
+        <p:nvSpPr>
+          <p:cNvPr id="24" name="TextBox 23">
+            <a:extLst>
+              <a:ext uri="{FF2B5EF4-FFF2-40B4-BE49-F238E27FC236}">
+                <a16:creationId xmlns:a16="http://schemas.microsoft.com/office/drawing/2014/main" id="{3ED302BD-2E2C-7BE9-C366-022C280BCA31}"/>
+              </a:ext>
+            </a:extLst>
+          </p:cNvPr>
+          <p:cNvSpPr txBox="1"/>
+          <p:nvPr/>
+        </p:nvSpPr>
+        <p:spPr>
+          <a:xfrm>
+            <a:off x="2076630" y="2373884"/>
+            <a:ext cx="1572422" cy="142347"/>
+          </a:xfrm>
+          <a:prstGeom prst="rect">
+            <a:avLst/>
+          </a:prstGeom>
+          <a:noFill/>
+        </p:spPr>
+        <p:txBody>
+          <a:bodyPr wrap="square" lIns="0" tIns="0" rIns="0" bIns="0" rtlCol="0">
+            <a:spAutoFit/>
+          </a:bodyPr>
+          <a:lstStyle/>
+          <a:p>
+            <a:pPr marL="0" indent="0" algn="l" defTabSz="914400" rtl="0" eaLnBrk="1" latinLnBrk="0" hangingPunct="1">
+              <a:lnSpc>
+                <a:spcPct val="90000"/>
+              </a:lnSpc>
+              <a:spcBef>
+                <a:spcPts val="0"/>
+              </a:spcBef>
+              <a:spcAft>
+                <a:spcPts val="600"/>
+              </a:spcAft>
+              <a:buFont typeface="Arial" panose="020B0604020202020204" pitchFamily="34" charset="0"/>
+              <a:buNone/>
+            </a:pPr>
+            <a:r>
+              <a:rPr lang="en-US" sz="1000" b="1" dirty="0">
+                <a:solidFill>
+                  <a:schemeClr val="tx2"/>
+                </a:solidFill>
+                <a:latin typeface="Courier New" panose="02070309020205020404" pitchFamily="49" charset="0"/>
+                <a:cs typeface="Courier New" panose="02070309020205020404" pitchFamily="49" charset="0"/>
+              </a:rPr>
+              <a:t>SCinput.0+LabelA.sds</a:t>
+            </a:r>
+            <a:endParaRPr lang="en-US" sz="1000" b="1" kern="1200" dirty="0">
+              <a:solidFill>
+                <a:schemeClr val="tx2"/>
+              </a:solidFill>
+              <a:latin typeface="Courier New" panose="02070309020205020404" pitchFamily="49" charset="0"/>
+              <a:cs typeface="Courier New" panose="02070309020205020404" pitchFamily="49" charset="0"/>
+            </a:endParaRPr>
+          </a:p>
+        </p:txBody>
+      </p:sp>
+      <p:sp>
+        <p:nvSpPr>
+          <p:cNvPr id="25" name="TextBox 24">
+            <a:extLst>
+              <a:ext uri="{FF2B5EF4-FFF2-40B4-BE49-F238E27FC236}">
+                <a16:creationId xmlns:a16="http://schemas.microsoft.com/office/drawing/2014/main" id="{AEE0BC72-5746-E17C-0D41-9B7DEFEBDD96}"/>
+              </a:ext>
+            </a:extLst>
+          </p:cNvPr>
+          <p:cNvSpPr txBox="1"/>
+          <p:nvPr/>
+        </p:nvSpPr>
+        <p:spPr>
+          <a:xfrm>
+            <a:off x="2031311" y="4930601"/>
+            <a:ext cx="1572422" cy="142347"/>
+          </a:xfrm>
+          <a:prstGeom prst="rect">
+            <a:avLst/>
+          </a:prstGeom>
+          <a:noFill/>
+        </p:spPr>
+        <p:txBody>
+          <a:bodyPr wrap="square" lIns="0" tIns="0" rIns="0" bIns="0" rtlCol="0">
+            <a:spAutoFit/>
+          </a:bodyPr>
+          <a:lstStyle/>
+          <a:p>
+            <a:pPr marL="0" indent="0" algn="l" defTabSz="914400" rtl="0" eaLnBrk="1" latinLnBrk="0" hangingPunct="1">
+              <a:lnSpc>
+                <a:spcPct val="90000"/>
+              </a:lnSpc>
+              <a:spcBef>
+                <a:spcPts val="0"/>
+              </a:spcBef>
+              <a:spcAft>
+                <a:spcPts val="600"/>
+              </a:spcAft>
+              <a:buFont typeface="Arial" panose="020B0604020202020204" pitchFamily="34" charset="0"/>
+              <a:buNone/>
+            </a:pPr>
+            <a:r>
+              <a:rPr lang="en-US" sz="1000" b="1" dirty="0">
+                <a:solidFill>
+                  <a:schemeClr val="tx2"/>
+                </a:solidFill>
+                <a:latin typeface="Courier New" panose="02070309020205020404" pitchFamily="49" charset="0"/>
+                <a:cs typeface="Courier New" panose="02070309020205020404" pitchFamily="49" charset="0"/>
+              </a:rPr>
+              <a:t>SCinput.0+LabelB.sds</a:t>
+            </a:r>
+            <a:endParaRPr lang="en-US" sz="1000" b="1" kern="1200" dirty="0">
+              <a:solidFill>
+                <a:schemeClr val="tx2"/>
+              </a:solidFill>
+              <a:latin typeface="Courier New" panose="02070309020205020404" pitchFamily="49" charset="0"/>
+              <a:cs typeface="Courier New" panose="02070309020205020404" pitchFamily="49" charset="0"/>
+            </a:endParaRPr>
+          </a:p>
+        </p:txBody>
+      </p:sp>
+      <p:sp>
+        <p:nvSpPr>
+          <p:cNvPr id="27" name="TextBox 26">
+            <a:extLst>
+              <a:ext uri="{FF2B5EF4-FFF2-40B4-BE49-F238E27FC236}">
+                <a16:creationId xmlns:a16="http://schemas.microsoft.com/office/drawing/2014/main" id="{328A0765-0423-838E-2BB8-764205998CD4}"/>
+              </a:ext>
+            </a:extLst>
+          </p:cNvPr>
+          <p:cNvSpPr txBox="1"/>
+          <p:nvPr/>
+        </p:nvSpPr>
+        <p:spPr>
+          <a:xfrm>
+            <a:off x="4523578" y="2373884"/>
+            <a:ext cx="1572422" cy="142347"/>
+          </a:xfrm>
+          <a:prstGeom prst="rect">
+            <a:avLst/>
+          </a:prstGeom>
+          <a:noFill/>
+        </p:spPr>
+        <p:txBody>
+          <a:bodyPr wrap="square" lIns="0" tIns="0" rIns="0" bIns="0" rtlCol="0">
+            <a:spAutoFit/>
+          </a:bodyPr>
+          <a:lstStyle/>
+          <a:p>
+            <a:pPr marL="0" indent="0" algn="l" defTabSz="914400" rtl="0" eaLnBrk="1" latinLnBrk="0" hangingPunct="1">
+              <a:lnSpc>
+                <a:spcPct val="90000"/>
+              </a:lnSpc>
+              <a:spcBef>
+                <a:spcPts val="0"/>
+              </a:spcBef>
+              <a:spcAft>
+                <a:spcPts val="600"/>
+              </a:spcAft>
+              <a:buFont typeface="Arial" panose="020B0604020202020204" pitchFamily="34" charset="0"/>
+              <a:buNone/>
+            </a:pPr>
+            <a:r>
+              <a:rPr lang="en-US" sz="1000" b="1" dirty="0" err="1">
+                <a:solidFill>
+                  <a:schemeClr val="tx2"/>
+                </a:solidFill>
+                <a:latin typeface="Courier New" panose="02070309020205020404" pitchFamily="49" charset="0"/>
+                <a:cs typeface="Courier New" panose="02070309020205020404" pitchFamily="49" charset="0"/>
+              </a:rPr>
+              <a:t>sdsio.yml</a:t>
+            </a:r>
+            <a:endParaRPr lang="en-US" sz="1000" b="1" kern="1200" dirty="0">
+              <a:solidFill>
+                <a:schemeClr val="tx2"/>
+              </a:solidFill>
+              <a:latin typeface="Courier New" panose="02070309020205020404" pitchFamily="49" charset="0"/>
+              <a:cs typeface="Courier New" panose="02070309020205020404" pitchFamily="49" charset="0"/>
+            </a:endParaRPr>
+          </a:p>
+        </p:txBody>
+      </p:sp>
+      <p:sp>
+        <p:nvSpPr>
+          <p:cNvPr id="28" name="TextBox 27">
+            <a:extLst>
+              <a:ext uri="{FF2B5EF4-FFF2-40B4-BE49-F238E27FC236}">
+                <a16:creationId xmlns:a16="http://schemas.microsoft.com/office/drawing/2014/main" id="{CEC9E031-ABF2-D557-56FE-BCBD9F7B362A}"/>
+              </a:ext>
+            </a:extLst>
+          </p:cNvPr>
+          <p:cNvSpPr txBox="1"/>
+          <p:nvPr/>
+        </p:nvSpPr>
+        <p:spPr>
+          <a:xfrm>
+            <a:off x="4523578" y="2649447"/>
+            <a:ext cx="7188996" cy="2991588"/>
+          </a:xfrm>
+          <a:prstGeom prst="rect">
+            <a:avLst/>
+          </a:prstGeom>
+          <a:noFill/>
+        </p:spPr>
+        <p:txBody>
+          <a:bodyPr wrap="square" lIns="0" tIns="0" rIns="0" bIns="0" rtlCol="0">
+            <a:spAutoFit/>
+          </a:bodyPr>
+          <a:lstStyle/>
+          <a:p>
+            <a:r>
+              <a:rPr lang="en-US" sz="1200" dirty="0" err="1">
+                <a:latin typeface="Courier New" panose="02070309020205020404" pitchFamily="49" charset="0"/>
+                <a:cs typeface="Courier New" panose="02070309020205020404" pitchFamily="49" charset="0"/>
+              </a:rPr>
+              <a:t>dir</a:t>
+            </a:r>
+            <a:r>
+              <a:rPr lang="en-US" sz="1200" dirty="0">
+                <a:latin typeface="Courier New" panose="02070309020205020404" pitchFamily="49" charset="0"/>
+                <a:cs typeface="Courier New" panose="02070309020205020404" pitchFamily="49" charset="0"/>
+              </a:rPr>
+              <a:t>: &lt;name&gt;             # directory that stores SDS files</a:t>
+            </a:r>
+          </a:p>
+          <a:p>
+            <a:r>
+              <a:rPr lang="en-US" sz="1200" dirty="0" err="1">
+                <a:latin typeface="Courier New" panose="02070309020205020404" pitchFamily="49" charset="0"/>
+                <a:cs typeface="Courier New" panose="02070309020205020404" pitchFamily="49" charset="0"/>
+              </a:rPr>
+              <a:t>idx</a:t>
+            </a:r>
+            <a:r>
+              <a:rPr lang="en-US" sz="1200" dirty="0">
+                <a:latin typeface="Courier New" panose="02070309020205020404" pitchFamily="49" charset="0"/>
+                <a:cs typeface="Courier New" panose="02070309020205020404" pitchFamily="49" charset="0"/>
+              </a:rPr>
+              <a:t>-list:</a:t>
+            </a:r>
+          </a:p>
+          <a:p>
+            <a:r>
+              <a:rPr lang="en-US" sz="1200" dirty="0">
+                <a:latin typeface="Courier New" panose="02070309020205020404" pitchFamily="49" charset="0"/>
+                <a:cs typeface="Courier New" panose="02070309020205020404" pitchFamily="49" charset="0"/>
+              </a:rPr>
+              <a:t>  - Scinput.0+LabelA.sds</a:t>
+            </a:r>
+          </a:p>
+          <a:p>
+            <a:r>
+              <a:rPr lang="en-US" sz="1200" dirty="0">
+                <a:latin typeface="Courier New" panose="02070309020205020404" pitchFamily="49" charset="0"/>
+                <a:cs typeface="Courier New" panose="02070309020205020404" pitchFamily="49" charset="0"/>
+              </a:rPr>
+              <a:t>  - Scinput.0+LabelB.sds</a:t>
+            </a:r>
+          </a:p>
+          <a:p>
+            <a:endParaRPr lang="en-US" sz="1200" dirty="0">
+              <a:latin typeface="Courier New" panose="02070309020205020404" pitchFamily="49" charset="0"/>
+              <a:cs typeface="Courier New" panose="02070309020205020404" pitchFamily="49" charset="0"/>
+            </a:endParaRPr>
+          </a:p>
+          <a:p>
+            <a:r>
+              <a:rPr lang="en-US" sz="1200" dirty="0">
+                <a:latin typeface="Courier New" panose="02070309020205020404" pitchFamily="49" charset="0"/>
+                <a:cs typeface="Courier New" panose="02070309020205020404" pitchFamily="49" charset="0"/>
+              </a:rPr>
+              <a:t>streams:</a:t>
+            </a:r>
+          </a:p>
+          <a:p>
+            <a:r>
+              <a:rPr lang="en-US" sz="1200" dirty="0">
+                <a:latin typeface="Courier New" panose="02070309020205020404" pitchFamily="49" charset="0"/>
+                <a:cs typeface="Courier New" panose="02070309020205020404" pitchFamily="49" charset="0"/>
+              </a:rPr>
+              <a:t>  - stream: &lt;name0&gt;        # stream name used in </a:t>
+            </a:r>
+            <a:r>
+              <a:rPr lang="en-US" sz="1200" dirty="0" err="1">
+                <a:latin typeface="Courier New" panose="02070309020205020404" pitchFamily="49" charset="0"/>
+                <a:cs typeface="Courier New" panose="02070309020205020404" pitchFamily="49" charset="0"/>
+              </a:rPr>
+              <a:t>sdsPlayOpen</a:t>
+            </a:r>
+            <a:r>
+              <a:rPr lang="en-US" sz="1200" dirty="0">
+                <a:latin typeface="Courier New" panose="02070309020205020404" pitchFamily="49" charset="0"/>
+                <a:cs typeface="Courier New" panose="02070309020205020404" pitchFamily="49" charset="0"/>
+              </a:rPr>
+              <a:t>, </a:t>
+            </a:r>
+            <a:r>
+              <a:rPr lang="en-US" sz="1200" dirty="0" err="1">
+                <a:latin typeface="Courier New" panose="02070309020205020404" pitchFamily="49" charset="0"/>
+                <a:cs typeface="Courier New" panose="02070309020205020404" pitchFamily="49" charset="0"/>
+              </a:rPr>
+              <a:t>sdsRecOpen</a:t>
+            </a:r>
+            <a:endParaRPr lang="en-US" sz="1200" dirty="0">
+              <a:latin typeface="Courier New" panose="02070309020205020404" pitchFamily="49" charset="0"/>
+              <a:cs typeface="Courier New" panose="02070309020205020404" pitchFamily="49" charset="0"/>
+            </a:endParaRPr>
+          </a:p>
+          <a:p>
+            <a:r>
+              <a:rPr lang="en-US" sz="1200" dirty="0">
+                <a:latin typeface="Courier New" panose="02070309020205020404" pitchFamily="49" charset="0"/>
+                <a:cs typeface="Courier New" panose="02070309020205020404" pitchFamily="49" charset="0"/>
+              </a:rPr>
+              <a:t>    </a:t>
+            </a:r>
+            <a:r>
+              <a:rPr lang="en-US" sz="1200" dirty="0" err="1">
+                <a:latin typeface="Courier New" panose="02070309020205020404" pitchFamily="49" charset="0"/>
+                <a:cs typeface="Courier New" panose="02070309020205020404" pitchFamily="49" charset="0"/>
+              </a:rPr>
+              <a:t>basefile</a:t>
+            </a:r>
+            <a:r>
+              <a:rPr lang="en-US" sz="1200" dirty="0">
+                <a:latin typeface="Courier New" panose="02070309020205020404" pitchFamily="49" charset="0"/>
+                <a:cs typeface="Courier New" panose="02070309020205020404" pitchFamily="49" charset="0"/>
+              </a:rPr>
+              <a:t>: &lt;name0&gt;      # alternative base file name for this stream (default is stream name)</a:t>
+            </a:r>
+          </a:p>
+          <a:p>
+            <a:r>
+              <a:rPr lang="en-US" sz="1200" dirty="0">
+                <a:latin typeface="Courier New" panose="02070309020205020404" pitchFamily="49" charset="0"/>
+                <a:cs typeface="Courier New" panose="02070309020205020404" pitchFamily="49" charset="0"/>
+              </a:rPr>
+              <a:t>    </a:t>
+            </a:r>
+            <a:r>
+              <a:rPr lang="en-US" sz="1200" dirty="0" err="1">
+                <a:latin typeface="Courier New" panose="02070309020205020404" pitchFamily="49" charset="0"/>
+                <a:cs typeface="Courier New" panose="02070309020205020404" pitchFamily="49" charset="0"/>
+              </a:rPr>
+              <a:t>dir</a:t>
+            </a:r>
+            <a:r>
+              <a:rPr lang="en-US" sz="1200" dirty="0">
+                <a:latin typeface="Courier New" panose="02070309020205020404" pitchFamily="49" charset="0"/>
+                <a:cs typeface="Courier New" panose="02070309020205020404" pitchFamily="49" charset="0"/>
+              </a:rPr>
+              <a:t>: &lt;name0&gt;              # alternative working directory for this stream (default is </a:t>
+            </a:r>
+            <a:r>
+              <a:rPr lang="en-US" sz="1200" dirty="0" err="1">
+                <a:latin typeface="Courier New" panose="02070309020205020404" pitchFamily="49" charset="0"/>
+                <a:cs typeface="Courier New" panose="02070309020205020404" pitchFamily="49" charset="0"/>
+              </a:rPr>
+              <a:t>workdir</a:t>
+            </a:r>
+            <a:r>
+              <a:rPr lang="en-US" sz="1200" dirty="0">
+                <a:latin typeface="Courier New" panose="02070309020205020404" pitchFamily="49" charset="0"/>
+                <a:cs typeface="Courier New" panose="02070309020205020404" pitchFamily="49" charset="0"/>
+              </a:rPr>
+              <a:t>)</a:t>
+            </a:r>
+          </a:p>
+          <a:p>
+            <a:endParaRPr lang="en-US" sz="1200" dirty="0">
+              <a:latin typeface="Courier New" panose="02070309020205020404" pitchFamily="49" charset="0"/>
+              <a:cs typeface="Courier New" panose="02070309020205020404" pitchFamily="49" charset="0"/>
+            </a:endParaRPr>
+          </a:p>
+          <a:p>
+            <a:r>
+              <a:rPr lang="en-US" sz="1200" dirty="0">
+                <a:latin typeface="Courier New" panose="02070309020205020404" pitchFamily="49" charset="0"/>
+                <a:cs typeface="Courier New" panose="02070309020205020404" pitchFamily="49" charset="0"/>
+              </a:rPr>
+              <a:t>  - stream: &lt;name1&gt;</a:t>
+            </a:r>
+          </a:p>
+          <a:p>
+            <a:r>
+              <a:rPr lang="en-US" sz="1200" dirty="0">
+                <a:latin typeface="Courier New" panose="02070309020205020404" pitchFamily="49" charset="0"/>
+                <a:cs typeface="Courier New" panose="02070309020205020404" pitchFamily="49" charset="0"/>
+              </a:rPr>
+              <a:t>    </a:t>
+            </a:r>
+            <a:r>
+              <a:rPr lang="en-US" sz="1200" dirty="0" err="1">
+                <a:latin typeface="Courier New" panose="02070309020205020404" pitchFamily="49" charset="0"/>
+                <a:cs typeface="Courier New" panose="02070309020205020404" pitchFamily="49" charset="0"/>
+              </a:rPr>
+              <a:t>basefile</a:t>
+            </a:r>
+            <a:r>
+              <a:rPr lang="en-US" sz="1200" dirty="0">
+                <a:latin typeface="Courier New" panose="02070309020205020404" pitchFamily="49" charset="0"/>
+                <a:cs typeface="Courier New" panose="02070309020205020404" pitchFamily="49" charset="0"/>
+              </a:rPr>
+              <a:t>: &lt;name1&gt;</a:t>
+            </a:r>
+          </a:p>
+          <a:p>
+            <a:r>
+              <a:rPr lang="en-US" sz="1200" dirty="0">
+                <a:latin typeface="Courier New" panose="02070309020205020404" pitchFamily="49" charset="0"/>
+                <a:cs typeface="Courier New" panose="02070309020205020404" pitchFamily="49" charset="0"/>
+              </a:rPr>
+              <a:t>    </a:t>
+            </a:r>
+            <a:r>
+              <a:rPr lang="en-US" sz="1200" dirty="0" err="1">
+                <a:latin typeface="Courier New" panose="02070309020205020404" pitchFamily="49" charset="0"/>
+                <a:cs typeface="Courier New" panose="02070309020205020404" pitchFamily="49" charset="0"/>
+              </a:rPr>
+              <a:t>dir</a:t>
+            </a:r>
+            <a:r>
+              <a:rPr lang="en-US" sz="1200" dirty="0">
+                <a:latin typeface="Courier New" panose="02070309020205020404" pitchFamily="49" charset="0"/>
+                <a:cs typeface="Courier New" panose="02070309020205020404" pitchFamily="49" charset="0"/>
+              </a:rPr>
+              <a:t>: &lt;name1&gt;</a:t>
+            </a:r>
+          </a:p>
+          <a:p>
+            <a:pPr marL="0" indent="0" algn="l" defTabSz="914400" rtl="0" eaLnBrk="1" latinLnBrk="0" hangingPunct="1">
+              <a:lnSpc>
+                <a:spcPct val="90000"/>
+              </a:lnSpc>
+              <a:spcBef>
+                <a:spcPts val="0"/>
+              </a:spcBef>
+              <a:spcAft>
+                <a:spcPts val="600"/>
+              </a:spcAft>
+              <a:buFont typeface="Arial" panose="020B0604020202020204" pitchFamily="34" charset="0"/>
+              <a:buNone/>
+            </a:pPr>
+            <a:endParaRPr lang="en-US" sz="1600" kern="1200" dirty="0" err="1">
+              <a:solidFill>
+                <a:schemeClr val="tx2"/>
+              </a:solidFill>
+              <a:latin typeface="+mn-lt"/>
+              <a:ea typeface="+mn-ea"/>
+              <a:cs typeface="+mn-cs"/>
+            </a:endParaRPr>
+          </a:p>
+        </p:txBody>
+      </p:sp>
+    </p:spTree>
+    <p:extLst>
+      <p:ext uri="{BB962C8B-B14F-4D97-AF65-F5344CB8AC3E}">
+        <p14:creationId xmlns:p14="http://schemas.microsoft.com/office/powerpoint/2010/main" val="603356367"/>
+      </p:ext>
+    </p:extLst>
+  </p:cSld>
+  <p:clrMapOvr>
+    <a:masterClrMapping/>
+  </p:clrMapOvr>
+</p:sld>
+</file>
+
+<file path=ppt/slides/slide8.xml><?xml version="1.0" encoding="utf-8"?>
+<p:sld xmlns:a="http://schemas.openxmlformats.org/drawingml/2006/main" xmlns:r="http://schemas.openxmlformats.org/officeDocument/2006/relationships" xmlns:p="http://schemas.openxmlformats.org/presentationml/2006/main">
+  <p:cSld>
+    <p:spTree>
+      <p:nvGrpSpPr>
+        <p:cNvPr id="1" name=""/>
+        <p:cNvGrpSpPr/>
+        <p:nvPr/>
+      </p:nvGrpSpPr>
+      <p:grpSpPr>
+        <a:xfrm>
+          <a:off x="0" y="0"/>
+          <a:ext cx="0" cy="0"/>
+          <a:chOff x="0" y="0"/>
+          <a:chExt cx="0" cy="0"/>
+        </a:xfrm>
+      </p:grpSpPr>
+      <p:sp>
+        <p:nvSpPr>
           <p:cNvPr id="34" name="Rectangle 33">
             <a:extLst>
               <a:ext uri="{FF2B5EF4-FFF2-40B4-BE49-F238E27FC236}">
@@ -52645,7 +55463,7 @@
 </p:sld>
 </file>
 
-<file path=ppt/slides/slide8.xml><?xml version="1.0" encoding="utf-8"?>
+<file path=ppt/slides/slide9.xml><?xml version="1.0" encoding="utf-8"?>
 <p:sld xmlns:a="http://schemas.openxmlformats.org/drawingml/2006/main" xmlns:r="http://schemas.openxmlformats.org/officeDocument/2006/relationships" xmlns:p="http://schemas.openxmlformats.org/presentationml/2006/main">
   <p:cSld>
     <p:spTree>
@@ -53747,893 +56565,6 @@
     <p:extLst>
       <p:ext uri="{BB962C8B-B14F-4D97-AF65-F5344CB8AC3E}">
         <p14:creationId xmlns:p14="http://schemas.microsoft.com/office/powerpoint/2010/main" val="1850966349"/>
-      </p:ext>
-    </p:extLst>
-  </p:cSld>
-  <p:clrMapOvr>
-    <a:masterClrMapping/>
-  </p:clrMapOvr>
-</p:sld>
-</file>
-
-<file path=ppt/slides/slide9.xml><?xml version="1.0" encoding="utf-8"?>
-<p:sld xmlns:a="http://schemas.openxmlformats.org/drawingml/2006/main" xmlns:r="http://schemas.openxmlformats.org/officeDocument/2006/relationships" xmlns:p="http://schemas.openxmlformats.org/presentationml/2006/main">
-  <p:cSld>
-    <p:spTree>
-      <p:nvGrpSpPr>
-        <p:cNvPr id="1" name=""/>
-        <p:cNvGrpSpPr/>
-        <p:nvPr/>
-      </p:nvGrpSpPr>
-      <p:grpSpPr>
-        <a:xfrm>
-          <a:off x="0" y="0"/>
-          <a:ext cx="0" cy="0"/>
-          <a:chOff x="0" y="0"/>
-          <a:chExt cx="0" cy="0"/>
-        </a:xfrm>
-      </p:grpSpPr>
-      <p:sp>
-        <p:nvSpPr>
-          <p:cNvPr id="2" name="Title 1">
-            <a:extLst>
-              <a:ext uri="{FF2B5EF4-FFF2-40B4-BE49-F238E27FC236}">
-                <a16:creationId xmlns:a16="http://schemas.microsoft.com/office/drawing/2014/main" id="{BFBCA5D4-C7CF-56B7-4D26-1D3745C85A28}"/>
-              </a:ext>
-            </a:extLst>
-          </p:cNvPr>
-          <p:cNvSpPr>
-            <a:spLocks noGrp="1"/>
-          </p:cNvSpPr>
-          <p:nvPr>
-            <p:ph type="title"/>
-          </p:nvPr>
-        </p:nvSpPr>
-        <p:spPr/>
-        <p:txBody>
-          <a:bodyPr/>
-          <a:lstStyle/>
-          <a:p>
-            <a:r>
-              <a:rPr lang="en-US"/>
-              <a:t>SDS Recorder </a:t>
-            </a:r>
-            <a:r>
-              <a:rPr lang="en-US">
-                <a:hlinkClick r:id="rId2"/>
-              </a:rPr>
-              <a:t>https://github.com/Arm-Examples/sds-examples</a:t>
-            </a:r>
-            <a:br>
-              <a:rPr lang="en-US"/>
-            </a:br>
-            <a:endParaRPr lang="en-US"/>
-          </a:p>
-        </p:txBody>
-      </p:sp>
-      <p:sp>
-        <p:nvSpPr>
-          <p:cNvPr id="4" name="Rectangle 3">
-            <a:extLst>
-              <a:ext uri="{FF2B5EF4-FFF2-40B4-BE49-F238E27FC236}">
-                <a16:creationId xmlns:a16="http://schemas.microsoft.com/office/drawing/2014/main" id="{268F30E4-EF9A-1A51-E8F1-2E8F1385FA61}"/>
-              </a:ext>
-            </a:extLst>
-          </p:cNvPr>
-          <p:cNvSpPr/>
-          <p:nvPr/>
-        </p:nvSpPr>
-        <p:spPr>
-          <a:xfrm>
-            <a:off x="627993" y="1411454"/>
-            <a:ext cx="4452085" cy="653684"/>
-          </a:xfrm>
-          <a:prstGeom prst="rect">
-            <a:avLst/>
-          </a:prstGeom>
-          <a:solidFill>
-            <a:schemeClr val="accent6">
-              <a:lumMod val="75000"/>
-            </a:schemeClr>
-          </a:solidFill>
-          <a:ln>
-            <a:noFill/>
-          </a:ln>
-        </p:spPr>
-        <p:style>
-          <a:lnRef idx="2">
-            <a:schemeClr val="accent1">
-              <a:shade val="50000"/>
-            </a:schemeClr>
-          </a:lnRef>
-          <a:fillRef idx="1">
-            <a:schemeClr val="accent1"/>
-          </a:fillRef>
-          <a:effectRef idx="0">
-            <a:schemeClr val="accent1"/>
-          </a:effectRef>
-          <a:fontRef idx="minor">
-            <a:schemeClr val="lt1"/>
-          </a:fontRef>
-        </p:style>
-        <p:txBody>
-          <a:bodyPr rtlCol="0" anchor="ctr"/>
-          <a:lstStyle/>
-          <a:p>
-            <a:pPr algn="ctr"/>
-            <a:r>
-              <a:rPr lang="en-US" sz="1600" b="1" dirty="0" err="1"/>
-              <a:t>SDS.csolution.yml</a:t>
-            </a:r>
-            <a:br>
-              <a:rPr lang="en-US" sz="1400" dirty="0"/>
-            </a:br>
-            <a:r>
-              <a:rPr lang="en-US" sz="1400" dirty="0"/>
-              <a:t>Data streaming test framework for DSP and </a:t>
-            </a:r>
-            <a:r>
-              <a:rPr lang="en-US" sz="1400"/>
-              <a:t>ML algorithms</a:t>
-            </a:r>
-            <a:endParaRPr lang="en-US" sz="1100" dirty="0"/>
-          </a:p>
-        </p:txBody>
-      </p:sp>
-      <p:sp>
-        <p:nvSpPr>
-          <p:cNvPr id="8" name="Rectangle 7">
-            <a:extLst>
-              <a:ext uri="{FF2B5EF4-FFF2-40B4-BE49-F238E27FC236}">
-                <a16:creationId xmlns:a16="http://schemas.microsoft.com/office/drawing/2014/main" id="{CE3974E6-B40A-AB0A-DFDB-B964F9612AEA}"/>
-              </a:ext>
-            </a:extLst>
-          </p:cNvPr>
-          <p:cNvSpPr/>
-          <p:nvPr/>
-        </p:nvSpPr>
-        <p:spPr>
-          <a:xfrm>
-            <a:off x="2942715" y="3519273"/>
-            <a:ext cx="2128632" cy="653684"/>
-          </a:xfrm>
-          <a:prstGeom prst="rect">
-            <a:avLst/>
-          </a:prstGeom>
-          <a:solidFill>
-            <a:schemeClr val="accent1"/>
-          </a:solidFill>
-          <a:ln>
-            <a:noFill/>
-          </a:ln>
-        </p:spPr>
-        <p:style>
-          <a:lnRef idx="2">
-            <a:schemeClr val="accent1">
-              <a:shade val="50000"/>
-            </a:schemeClr>
-          </a:lnRef>
-          <a:fillRef idx="1">
-            <a:schemeClr val="accent1"/>
-          </a:fillRef>
-          <a:effectRef idx="0">
-            <a:schemeClr val="accent1"/>
-          </a:effectRef>
-          <a:fontRef idx="minor">
-            <a:schemeClr val="lt1"/>
-          </a:fontRef>
-        </p:style>
-        <p:txBody>
-          <a:bodyPr rtlCol="0" anchor="ctr"/>
-          <a:lstStyle/>
-          <a:p>
-            <a:pPr algn="ctr"/>
-            <a:r>
-              <a:rPr lang="en-US" sz="1100" dirty="0"/>
-              <a:t>Record/Playback </a:t>
-            </a:r>
-            <a:br>
-              <a:rPr lang="en-US" sz="1100" dirty="0"/>
-            </a:br>
-            <a:r>
-              <a:rPr lang="en-US" sz="1100" dirty="0"/>
-              <a:t>SDS Data Files via</a:t>
-            </a:r>
-            <a:br>
-              <a:rPr lang="en-US" sz="1100" dirty="0"/>
-            </a:br>
-            <a:r>
-              <a:rPr lang="en-US" sz="1100" dirty="0"/>
-              <a:t>Network, USB, File System</a:t>
-            </a:r>
-            <a:endParaRPr lang="en-US" sz="1050" dirty="0"/>
-          </a:p>
-        </p:txBody>
-      </p:sp>
-      <p:sp>
-        <p:nvSpPr>
-          <p:cNvPr id="10" name="Rectangle 9">
-            <a:extLst>
-              <a:ext uri="{FF2B5EF4-FFF2-40B4-BE49-F238E27FC236}">
-                <a16:creationId xmlns:a16="http://schemas.microsoft.com/office/drawing/2014/main" id="{CEE742C1-9B27-441A-6C29-20D13149B32F}"/>
-              </a:ext>
-            </a:extLst>
-          </p:cNvPr>
-          <p:cNvSpPr/>
-          <p:nvPr/>
-        </p:nvSpPr>
-        <p:spPr>
-          <a:xfrm>
-            <a:off x="2942715" y="3255090"/>
-            <a:ext cx="2128632" cy="264183"/>
-          </a:xfrm>
-          <a:prstGeom prst="rect">
-            <a:avLst/>
-          </a:prstGeom>
-          <a:solidFill>
-            <a:schemeClr val="accent1">
-              <a:lumMod val="75000"/>
-            </a:schemeClr>
-          </a:solidFill>
-          <a:ln>
-            <a:noFill/>
-          </a:ln>
-        </p:spPr>
-        <p:style>
-          <a:lnRef idx="2">
-            <a:schemeClr val="accent1">
-              <a:shade val="50000"/>
-            </a:schemeClr>
-          </a:lnRef>
-          <a:fillRef idx="1">
-            <a:schemeClr val="accent1"/>
-          </a:fillRef>
-          <a:effectRef idx="0">
-            <a:schemeClr val="accent1"/>
-          </a:effectRef>
-          <a:fontRef idx="minor">
-            <a:schemeClr val="lt1"/>
-          </a:fontRef>
-        </p:style>
-        <p:txBody>
-          <a:bodyPr rtlCol="0" anchor="ctr"/>
-          <a:lstStyle/>
-          <a:p>
-            <a:pPr algn="ctr"/>
-            <a:r>
-              <a:rPr lang="en-US" sz="1400" dirty="0"/>
-              <a:t> Layer Type: SDSIO</a:t>
-            </a:r>
-          </a:p>
-        </p:txBody>
-      </p:sp>
-      <p:sp>
-        <p:nvSpPr>
-          <p:cNvPr id="16" name="Rectangle 15">
-            <a:extLst>
-              <a:ext uri="{FF2B5EF4-FFF2-40B4-BE49-F238E27FC236}">
-                <a16:creationId xmlns:a16="http://schemas.microsoft.com/office/drawing/2014/main" id="{8C61B6A3-A1BE-4248-57B1-609E5F0E8AAB}"/>
-              </a:ext>
-            </a:extLst>
-          </p:cNvPr>
-          <p:cNvSpPr/>
-          <p:nvPr/>
-        </p:nvSpPr>
-        <p:spPr>
-          <a:xfrm>
-            <a:off x="627994" y="3519273"/>
-            <a:ext cx="2128632" cy="653684"/>
-          </a:xfrm>
-          <a:prstGeom prst="rect">
-            <a:avLst/>
-          </a:prstGeom>
-          <a:solidFill>
-            <a:schemeClr val="accent1"/>
-          </a:solidFill>
-          <a:ln>
-            <a:noFill/>
-          </a:ln>
-        </p:spPr>
-        <p:style>
-          <a:lnRef idx="2">
-            <a:schemeClr val="accent1">
-              <a:shade val="50000"/>
-            </a:schemeClr>
-          </a:lnRef>
-          <a:fillRef idx="1">
-            <a:schemeClr val="accent1"/>
-          </a:fillRef>
-          <a:effectRef idx="0">
-            <a:schemeClr val="accent1"/>
-          </a:effectRef>
-          <a:fontRef idx="minor">
-            <a:schemeClr val="lt1"/>
-          </a:fontRef>
-        </p:style>
-        <p:txBody>
-          <a:bodyPr rtlCol="0" anchor="ctr"/>
-          <a:lstStyle/>
-          <a:p>
-            <a:pPr algn="ctr"/>
-            <a:r>
-              <a:rPr lang="en-US" sz="1100" dirty="0"/>
-              <a:t>Board Hardware Interface</a:t>
-            </a:r>
-            <a:br>
-              <a:rPr lang="en-US" sz="1100" dirty="0"/>
-            </a:br>
-            <a:r>
-              <a:rPr lang="en-US" sz="1100" dirty="0"/>
-              <a:t>Provided in BSP</a:t>
-            </a:r>
-            <a:endParaRPr lang="en-US" sz="1050" dirty="0"/>
-          </a:p>
-        </p:txBody>
-      </p:sp>
-      <p:sp>
-        <p:nvSpPr>
-          <p:cNvPr id="17" name="Rectangle 16">
-            <a:extLst>
-              <a:ext uri="{FF2B5EF4-FFF2-40B4-BE49-F238E27FC236}">
-                <a16:creationId xmlns:a16="http://schemas.microsoft.com/office/drawing/2014/main" id="{4DB6B1BC-4815-896E-9392-B226B5A4C231}"/>
-              </a:ext>
-            </a:extLst>
-          </p:cNvPr>
-          <p:cNvSpPr/>
-          <p:nvPr/>
-        </p:nvSpPr>
-        <p:spPr>
-          <a:xfrm>
-            <a:off x="627994" y="3255090"/>
-            <a:ext cx="2128632" cy="264183"/>
-          </a:xfrm>
-          <a:prstGeom prst="rect">
-            <a:avLst/>
-          </a:prstGeom>
-          <a:solidFill>
-            <a:schemeClr val="accent1">
-              <a:lumMod val="75000"/>
-            </a:schemeClr>
-          </a:solidFill>
-          <a:ln>
-            <a:noFill/>
-          </a:ln>
-        </p:spPr>
-        <p:style>
-          <a:lnRef idx="2">
-            <a:schemeClr val="accent1">
-              <a:shade val="50000"/>
-            </a:schemeClr>
-          </a:lnRef>
-          <a:fillRef idx="1">
-            <a:schemeClr val="accent1"/>
-          </a:fillRef>
-          <a:effectRef idx="0">
-            <a:schemeClr val="accent1"/>
-          </a:effectRef>
-          <a:fontRef idx="minor">
-            <a:schemeClr val="lt1"/>
-          </a:fontRef>
-        </p:style>
-        <p:txBody>
-          <a:bodyPr rtlCol="0" anchor="ctr"/>
-          <a:lstStyle/>
-          <a:p>
-            <a:pPr algn="ctr"/>
-            <a:r>
-              <a:rPr lang="en-US" sz="1400" dirty="0"/>
-              <a:t> Layer Type: Board</a:t>
-            </a:r>
-          </a:p>
-        </p:txBody>
-      </p:sp>
-      <p:sp>
-        <p:nvSpPr>
-          <p:cNvPr id="3" name="Rectangle 2">
-            <a:extLst>
-              <a:ext uri="{FF2B5EF4-FFF2-40B4-BE49-F238E27FC236}">
-                <a16:creationId xmlns:a16="http://schemas.microsoft.com/office/drawing/2014/main" id="{981466B6-29ED-CB94-AF4F-BC970DB65D25}"/>
-              </a:ext>
-            </a:extLst>
-          </p:cNvPr>
-          <p:cNvSpPr/>
-          <p:nvPr/>
-        </p:nvSpPr>
-        <p:spPr>
-          <a:xfrm>
-            <a:off x="627994" y="2460256"/>
-            <a:ext cx="2128632" cy="653684"/>
-          </a:xfrm>
-          <a:prstGeom prst="rect">
-            <a:avLst/>
-          </a:prstGeom>
-          <a:solidFill>
-            <a:schemeClr val="accent4">
-              <a:lumMod val="75000"/>
-            </a:schemeClr>
-          </a:solidFill>
-          <a:ln>
-            <a:noFill/>
-          </a:ln>
-        </p:spPr>
-        <p:style>
-          <a:lnRef idx="2">
-            <a:schemeClr val="accent1">
-              <a:shade val="50000"/>
-            </a:schemeClr>
-          </a:lnRef>
-          <a:fillRef idx="1">
-            <a:schemeClr val="accent1"/>
-          </a:fillRef>
-          <a:effectRef idx="0">
-            <a:schemeClr val="accent1"/>
-          </a:effectRef>
-          <a:fontRef idx="minor">
-            <a:schemeClr val="lt1"/>
-          </a:fontRef>
-        </p:style>
-        <p:txBody>
-          <a:bodyPr rtlCol="0" anchor="ctr"/>
-          <a:lstStyle/>
-          <a:p>
-            <a:pPr algn="ctr"/>
-            <a:r>
-              <a:rPr lang="en-US" sz="1100" dirty="0"/>
-              <a:t>Check SDSIO interface with</a:t>
-            </a:r>
-            <a:br>
-              <a:rPr lang="en-US" sz="1100" dirty="0"/>
-            </a:br>
-            <a:r>
-              <a:rPr lang="en-US" sz="1100" dirty="0"/>
-              <a:t>user configurable bandwidth parameters</a:t>
-            </a:r>
-            <a:endParaRPr lang="en-US" sz="1050" dirty="0"/>
-          </a:p>
-        </p:txBody>
-      </p:sp>
-      <p:sp>
-        <p:nvSpPr>
-          <p:cNvPr id="5" name="Rectangle 4">
-            <a:extLst>
-              <a:ext uri="{FF2B5EF4-FFF2-40B4-BE49-F238E27FC236}">
-                <a16:creationId xmlns:a16="http://schemas.microsoft.com/office/drawing/2014/main" id="{006CFF1E-7F8E-879E-76E9-6194FE53B86C}"/>
-              </a:ext>
-            </a:extLst>
-          </p:cNvPr>
-          <p:cNvSpPr/>
-          <p:nvPr/>
-        </p:nvSpPr>
-        <p:spPr>
-          <a:xfrm>
-            <a:off x="627994" y="2196073"/>
-            <a:ext cx="2128632" cy="264183"/>
-          </a:xfrm>
-          <a:prstGeom prst="rect">
-            <a:avLst/>
-          </a:prstGeom>
-          <a:solidFill>
-            <a:schemeClr val="accent4">
-              <a:lumMod val="50000"/>
-            </a:schemeClr>
-          </a:solidFill>
-          <a:ln>
-            <a:noFill/>
-          </a:ln>
-        </p:spPr>
-        <p:style>
-          <a:lnRef idx="2">
-            <a:schemeClr val="accent1">
-              <a:shade val="50000"/>
-            </a:schemeClr>
-          </a:lnRef>
-          <a:fillRef idx="1">
-            <a:schemeClr val="accent1"/>
-          </a:fillRef>
-          <a:effectRef idx="0">
-            <a:schemeClr val="accent1"/>
-          </a:effectRef>
-          <a:fontRef idx="minor">
-            <a:schemeClr val="lt1"/>
-          </a:fontRef>
-        </p:style>
-        <p:txBody>
-          <a:bodyPr rtlCol="0" anchor="ctr"/>
-          <a:lstStyle/>
-          <a:p>
-            <a:pPr algn="ctr"/>
-            <a:r>
-              <a:rPr lang="en-US" sz="1400" dirty="0" err="1"/>
-              <a:t>DataTest.cproject.yml</a:t>
-            </a:r>
-            <a:endParaRPr lang="en-US" sz="1400" dirty="0"/>
-          </a:p>
-        </p:txBody>
-      </p:sp>
-      <p:sp>
-        <p:nvSpPr>
-          <p:cNvPr id="6" name="Rectangle 5">
-            <a:extLst>
-              <a:ext uri="{FF2B5EF4-FFF2-40B4-BE49-F238E27FC236}">
-                <a16:creationId xmlns:a16="http://schemas.microsoft.com/office/drawing/2014/main" id="{E094A49A-EC2D-EEEF-132A-B6D2A8111BED}"/>
-              </a:ext>
-            </a:extLst>
-          </p:cNvPr>
-          <p:cNvSpPr/>
-          <p:nvPr/>
-        </p:nvSpPr>
-        <p:spPr>
-          <a:xfrm>
-            <a:off x="2942715" y="2460256"/>
-            <a:ext cx="2128632" cy="653684"/>
-          </a:xfrm>
-          <a:prstGeom prst="rect">
-            <a:avLst/>
-          </a:prstGeom>
-          <a:solidFill>
-            <a:schemeClr val="accent4">
-              <a:lumMod val="75000"/>
-            </a:schemeClr>
-          </a:solidFill>
-          <a:ln>
-            <a:noFill/>
-          </a:ln>
-        </p:spPr>
-        <p:style>
-          <a:lnRef idx="2">
-            <a:schemeClr val="accent1">
-              <a:shade val="50000"/>
-            </a:schemeClr>
-          </a:lnRef>
-          <a:fillRef idx="1">
-            <a:schemeClr val="accent1"/>
-          </a:fillRef>
-          <a:effectRef idx="0">
-            <a:schemeClr val="accent1"/>
-          </a:effectRef>
-          <a:fontRef idx="minor">
-            <a:schemeClr val="lt1"/>
-          </a:fontRef>
-        </p:style>
-        <p:txBody>
-          <a:bodyPr rtlCol="0" anchor="ctr"/>
-          <a:lstStyle/>
-          <a:p>
-            <a:pPr algn="ctr"/>
-            <a:r>
-              <a:rPr lang="en-US" sz="1100" dirty="0"/>
-              <a:t>Verify and optimized</a:t>
-            </a:r>
-            <a:br>
-              <a:rPr lang="en-US" sz="1100" dirty="0"/>
-            </a:br>
-            <a:r>
-              <a:rPr lang="en-US" sz="1100" dirty="0"/>
-              <a:t>user algorithms</a:t>
-            </a:r>
-            <a:br>
-              <a:rPr lang="en-US" sz="1100" dirty="0"/>
-            </a:br>
-            <a:r>
-              <a:rPr lang="en-US" sz="1100" dirty="0"/>
-              <a:t>with repeatable data</a:t>
-            </a:r>
-            <a:endParaRPr lang="en-US" sz="1050" dirty="0"/>
-          </a:p>
-        </p:txBody>
-      </p:sp>
-      <p:sp>
-        <p:nvSpPr>
-          <p:cNvPr id="7" name="Rectangle 6">
-            <a:extLst>
-              <a:ext uri="{FF2B5EF4-FFF2-40B4-BE49-F238E27FC236}">
-                <a16:creationId xmlns:a16="http://schemas.microsoft.com/office/drawing/2014/main" id="{02192468-F815-85E7-1987-BD05F8475585}"/>
-              </a:ext>
-            </a:extLst>
-          </p:cNvPr>
-          <p:cNvSpPr/>
-          <p:nvPr/>
-        </p:nvSpPr>
-        <p:spPr>
-          <a:xfrm>
-            <a:off x="2942715" y="2196073"/>
-            <a:ext cx="2128632" cy="264183"/>
-          </a:xfrm>
-          <a:prstGeom prst="rect">
-            <a:avLst/>
-          </a:prstGeom>
-          <a:solidFill>
-            <a:schemeClr val="accent4">
-              <a:lumMod val="50000"/>
-            </a:schemeClr>
-          </a:solidFill>
-          <a:ln>
-            <a:noFill/>
-          </a:ln>
-        </p:spPr>
-        <p:style>
-          <a:lnRef idx="2">
-            <a:schemeClr val="accent1">
-              <a:shade val="50000"/>
-            </a:schemeClr>
-          </a:lnRef>
-          <a:fillRef idx="1">
-            <a:schemeClr val="accent1"/>
-          </a:fillRef>
-          <a:effectRef idx="0">
-            <a:schemeClr val="accent1"/>
-          </a:effectRef>
-          <a:fontRef idx="minor">
-            <a:schemeClr val="lt1"/>
-          </a:fontRef>
-        </p:style>
-        <p:txBody>
-          <a:bodyPr rtlCol="0" anchor="ctr"/>
-          <a:lstStyle/>
-          <a:p>
-            <a:pPr algn="ctr"/>
-            <a:r>
-              <a:rPr lang="en-US" sz="1400" dirty="0" err="1"/>
-              <a:t>AlgorithmTest.cproject.yml</a:t>
-            </a:r>
-            <a:endParaRPr lang="en-US" sz="1400" dirty="0"/>
-          </a:p>
-        </p:txBody>
-      </p:sp>
-      <p:sp>
-        <p:nvSpPr>
-          <p:cNvPr id="20" name="Callout: Bent Line with Accent Bar 19">
-            <a:extLst>
-              <a:ext uri="{FF2B5EF4-FFF2-40B4-BE49-F238E27FC236}">
-                <a16:creationId xmlns:a16="http://schemas.microsoft.com/office/drawing/2014/main" id="{D1617B0D-C16A-73DF-D7EA-A87528EA450C}"/>
-              </a:ext>
-            </a:extLst>
-          </p:cNvPr>
-          <p:cNvSpPr/>
-          <p:nvPr/>
-        </p:nvSpPr>
-        <p:spPr>
-          <a:xfrm>
-            <a:off x="5492884" y="1431972"/>
-            <a:ext cx="1498060" cy="612648"/>
-          </a:xfrm>
-          <a:prstGeom prst="accentCallout2">
-            <a:avLst>
-              <a:gd name="adj1" fmla="val 18750"/>
-              <a:gd name="adj2" fmla="val -8333"/>
-              <a:gd name="adj3" fmla="val 18750"/>
-              <a:gd name="adj4" fmla="val -16667"/>
-              <a:gd name="adj5" fmla="val 60632"/>
-              <a:gd name="adj6" fmla="val -32482"/>
-            </a:avLst>
-          </a:prstGeom>
-          <a:noFill/>
-          <a:ln>
-            <a:solidFill>
-              <a:srgbClr val="C00000"/>
-            </a:solidFill>
-          </a:ln>
-        </p:spPr>
-        <p:style>
-          <a:lnRef idx="2">
-            <a:schemeClr val="accent1">
-              <a:shade val="50000"/>
-            </a:schemeClr>
-          </a:lnRef>
-          <a:fillRef idx="1">
-            <a:schemeClr val="accent1"/>
-          </a:fillRef>
-          <a:effectRef idx="0">
-            <a:schemeClr val="accent1"/>
-          </a:effectRef>
-          <a:fontRef idx="minor">
-            <a:schemeClr val="lt1"/>
-          </a:fontRef>
-        </p:style>
-        <p:txBody>
-          <a:bodyPr lIns="0" tIns="0" rIns="0" bIns="0" rtlCol="0" anchor="t"/>
-          <a:lstStyle/>
-          <a:p>
-            <a:r>
-              <a:rPr lang="en-US" sz="1200" dirty="0">
-                <a:solidFill>
-                  <a:schemeClr val="tx1"/>
-                </a:solidFill>
-              </a:rPr>
-              <a:t>target-types select between hardware</a:t>
-            </a:r>
-          </a:p>
-          <a:p>
-            <a:r>
-              <a:rPr lang="en-US" sz="1200" dirty="0">
-                <a:solidFill>
-                  <a:schemeClr val="tx1"/>
-                </a:solidFill>
-              </a:rPr>
-              <a:t>and simulation </a:t>
-            </a:r>
-          </a:p>
-        </p:txBody>
-      </p:sp>
-      <p:sp>
-        <p:nvSpPr>
-          <p:cNvPr id="21" name="Callout: Bent Line with Accent Bar 20">
-            <a:extLst>
-              <a:ext uri="{FF2B5EF4-FFF2-40B4-BE49-F238E27FC236}">
-                <a16:creationId xmlns:a16="http://schemas.microsoft.com/office/drawing/2014/main" id="{DCAC335D-914C-08BE-625E-F7D62ED092E1}"/>
-              </a:ext>
-            </a:extLst>
-          </p:cNvPr>
-          <p:cNvSpPr/>
-          <p:nvPr/>
-        </p:nvSpPr>
-        <p:spPr>
-          <a:xfrm>
-            <a:off x="5492884" y="2343531"/>
-            <a:ext cx="1498060" cy="612648"/>
-          </a:xfrm>
-          <a:prstGeom prst="accentCallout2">
-            <a:avLst>
-              <a:gd name="adj1" fmla="val 18750"/>
-              <a:gd name="adj2" fmla="val -8333"/>
-              <a:gd name="adj3" fmla="val 18750"/>
-              <a:gd name="adj4" fmla="val -16667"/>
-              <a:gd name="adj5" fmla="val 60632"/>
-              <a:gd name="adj6" fmla="val -32482"/>
-            </a:avLst>
-          </a:prstGeom>
-          <a:noFill/>
-          <a:ln>
-            <a:solidFill>
-              <a:srgbClr val="C00000"/>
-            </a:solidFill>
-          </a:ln>
-        </p:spPr>
-        <p:style>
-          <a:lnRef idx="2">
-            <a:schemeClr val="accent1">
-              <a:shade val="50000"/>
-            </a:schemeClr>
-          </a:lnRef>
-          <a:fillRef idx="1">
-            <a:schemeClr val="accent1"/>
-          </a:fillRef>
-          <a:effectRef idx="0">
-            <a:schemeClr val="accent1"/>
-          </a:effectRef>
-          <a:fontRef idx="minor">
-            <a:schemeClr val="lt1"/>
-          </a:fontRef>
-        </p:style>
-        <p:txBody>
-          <a:bodyPr lIns="0" tIns="0" rIns="0" bIns="0" rtlCol="0" anchor="t"/>
-          <a:lstStyle/>
-          <a:p>
-            <a:r>
-              <a:rPr lang="en-US" sz="1200" dirty="0">
-                <a:solidFill>
-                  <a:schemeClr val="tx1"/>
-                </a:solidFill>
-              </a:rPr>
-              <a:t>Add user algorithm</a:t>
-            </a:r>
-            <a:br>
-              <a:rPr lang="en-US" sz="1200" dirty="0">
-                <a:solidFill>
-                  <a:schemeClr val="tx1"/>
-                </a:solidFill>
-              </a:rPr>
-            </a:br>
-            <a:r>
-              <a:rPr lang="en-US" sz="1200" dirty="0">
-                <a:solidFill>
-                  <a:schemeClr val="tx1"/>
-                </a:solidFill>
-              </a:rPr>
-              <a:t>and data stream</a:t>
-            </a:r>
-            <a:br>
-              <a:rPr lang="en-US" sz="1200" dirty="0">
-                <a:solidFill>
-                  <a:schemeClr val="tx1"/>
-                </a:solidFill>
-              </a:rPr>
-            </a:br>
-            <a:r>
-              <a:rPr lang="en-US" sz="1200" dirty="0">
-                <a:solidFill>
-                  <a:schemeClr val="tx1"/>
-                </a:solidFill>
-              </a:rPr>
-              <a:t>input interface</a:t>
-            </a:r>
-          </a:p>
-        </p:txBody>
-      </p:sp>
-      <p:sp>
-        <p:nvSpPr>
-          <p:cNvPr id="22" name="Callout: Bent Line with Accent Bar 21">
-            <a:extLst>
-              <a:ext uri="{FF2B5EF4-FFF2-40B4-BE49-F238E27FC236}">
-                <a16:creationId xmlns:a16="http://schemas.microsoft.com/office/drawing/2014/main" id="{688DADD3-DBC8-96B6-7CE2-9CCEB7866880}"/>
-              </a:ext>
-            </a:extLst>
-          </p:cNvPr>
-          <p:cNvSpPr/>
-          <p:nvPr/>
-        </p:nvSpPr>
-        <p:spPr>
-          <a:xfrm>
-            <a:off x="5492884" y="3419606"/>
-            <a:ext cx="1498060" cy="612648"/>
-          </a:xfrm>
-          <a:prstGeom prst="accentCallout2">
-            <a:avLst>
-              <a:gd name="adj1" fmla="val 18750"/>
-              <a:gd name="adj2" fmla="val -8333"/>
-              <a:gd name="adj3" fmla="val 18750"/>
-              <a:gd name="adj4" fmla="val -16667"/>
-              <a:gd name="adj5" fmla="val 60632"/>
-              <a:gd name="adj6" fmla="val -32482"/>
-            </a:avLst>
-          </a:prstGeom>
-          <a:noFill/>
-          <a:ln>
-            <a:solidFill>
-              <a:srgbClr val="C00000"/>
-            </a:solidFill>
-          </a:ln>
-        </p:spPr>
-        <p:style>
-          <a:lnRef idx="2">
-            <a:schemeClr val="accent1">
-              <a:shade val="50000"/>
-            </a:schemeClr>
-          </a:lnRef>
-          <a:fillRef idx="1">
-            <a:schemeClr val="accent1"/>
-          </a:fillRef>
-          <a:effectRef idx="0">
-            <a:schemeClr val="accent1"/>
-          </a:effectRef>
-          <a:fontRef idx="minor">
-            <a:schemeClr val="lt1"/>
-          </a:fontRef>
-        </p:style>
-        <p:txBody>
-          <a:bodyPr lIns="0" tIns="0" rIns="0" bIns="0" rtlCol="0" anchor="t"/>
-          <a:lstStyle/>
-          <a:p>
-            <a:r>
-              <a:rPr lang="en-US" sz="1200" dirty="0">
-                <a:solidFill>
-                  <a:schemeClr val="tx1"/>
-                </a:solidFill>
-              </a:rPr>
-              <a:t>build-types select between recording</a:t>
-            </a:r>
-            <a:br>
-              <a:rPr lang="en-US" sz="1200" dirty="0">
-                <a:solidFill>
-                  <a:schemeClr val="tx1"/>
-                </a:solidFill>
-              </a:rPr>
-            </a:br>
-            <a:r>
-              <a:rPr lang="en-US" sz="1200" dirty="0">
-                <a:solidFill>
-                  <a:schemeClr val="tx1"/>
-                </a:solidFill>
-              </a:rPr>
-              <a:t>and playback</a:t>
-            </a:r>
-          </a:p>
-        </p:txBody>
-      </p:sp>
-    </p:spTree>
-    <p:extLst>
-      <p:ext uri="{BB962C8B-B14F-4D97-AF65-F5344CB8AC3E}">
-        <p14:creationId xmlns:p14="http://schemas.microsoft.com/office/powerpoint/2010/main" val="2612990511"/>
       </p:ext>
     </p:extLst>
   </p:cSld>
